--- a/slides/spoana13.pptx
+++ b/slides/spoana13.pptx
@@ -6,21 +6,22 @@
     <p:sldMasterId id="2147483660" r:id="rId2"/>
   </p:sldMasterIdLst>
   <p:notesMasterIdLst>
-    <p:notesMasterId r:id="rId15"/>
+    <p:notesMasterId r:id="rId16"/>
   </p:notesMasterIdLst>
   <p:sldIdLst>
     <p:sldId id="256" r:id="rId3"/>
     <p:sldId id="258" r:id="rId4"/>
     <p:sldId id="259" r:id="rId5"/>
-    <p:sldId id="267" r:id="rId6"/>
+    <p:sldId id="261" r:id="rId6"/>
     <p:sldId id="260" r:id="rId7"/>
-    <p:sldId id="261" r:id="rId8"/>
-    <p:sldId id="262" r:id="rId9"/>
-    <p:sldId id="263" r:id="rId10"/>
-    <p:sldId id="264" r:id="rId11"/>
-    <p:sldId id="265" r:id="rId12"/>
-    <p:sldId id="266" r:id="rId13"/>
-    <p:sldId id="268" r:id="rId14"/>
+    <p:sldId id="267" r:id="rId8"/>
+    <p:sldId id="269" r:id="rId9"/>
+    <p:sldId id="262" r:id="rId10"/>
+    <p:sldId id="263" r:id="rId11"/>
+    <p:sldId id="264" r:id="rId12"/>
+    <p:sldId id="265" r:id="rId13"/>
+    <p:sldId id="266" r:id="rId14"/>
+    <p:sldId id="268" r:id="rId15"/>
   </p:sldIdLst>
   <p:sldSz cx="12192000" cy="6858000"/>
   <p:notesSz cx="6858000" cy="9144000"/>
@@ -119,6 +120,11 @@
       </a:defRPr>
     </a:lvl9pPr>
   </p:defaultTextStyle>
+  <p:extLst>
+    <p:ext uri="{EFAFB233-063F-42B5-8137-9DF3F51BA10A}">
+      <p15:sldGuideLst xmlns:p15="http://schemas.microsoft.com/office/powerpoint/2012/main"/>
+    </p:ext>
+  </p:extLst>
 </p:presentation>
 </file>
 
@@ -204,7 +210,7 @@
           <a:p>
             <a:fld id="{DE37EDCA-4771-4610-925E-8EEDA908E30D}" type="datetimeFigureOut">
               <a:rPr kumimoji="1" lang="ja-JP" altLang="en-US" smtClean="0"/>
-              <a:t>2022/11/15</a:t>
+              <a:t>2022/11/16</a:t>
             </a:fld>
             <a:endParaRPr kumimoji="1" lang="ja-JP" altLang="en-US"/>
           </a:p>
@@ -1032,7 +1038,7 @@
     </p:spTree>
     <p:extLst>
       <p:ext uri="{BB962C8B-B14F-4D97-AF65-F5344CB8AC3E}">
-        <p14:creationId xmlns:p14="http://schemas.microsoft.com/office/powerpoint/2010/main" val="3009068825"/>
+        <p14:creationId xmlns:p14="http://schemas.microsoft.com/office/powerpoint/2010/main" val="1700868703"/>
       </p:ext>
     </p:extLst>
   </p:cSld>
@@ -1238,7 +1244,7 @@
     </p:spTree>
     <p:extLst>
       <p:ext uri="{BB962C8B-B14F-4D97-AF65-F5344CB8AC3E}">
-        <p14:creationId xmlns:p14="http://schemas.microsoft.com/office/powerpoint/2010/main" val="3282416065"/>
+        <p14:creationId xmlns:p14="http://schemas.microsoft.com/office/powerpoint/2010/main" val="3009068825"/>
       </p:ext>
     </p:extLst>
   </p:cSld>
@@ -1444,6 +1450,212 @@
     </p:spTree>
     <p:extLst>
       <p:ext uri="{BB962C8B-B14F-4D97-AF65-F5344CB8AC3E}">
+        <p14:creationId xmlns:p14="http://schemas.microsoft.com/office/powerpoint/2010/main" val="3282416065"/>
+      </p:ext>
+    </p:extLst>
+  </p:cSld>
+  <p:clrMapOvr>
+    <a:masterClrMapping/>
+  </p:clrMapOvr>
+</p:notes>
+</file>
+
+<file path=ppt/notesSlides/notesSlide13.xml><?xml version="1.0" encoding="utf-8"?>
+<p:notes xmlns:a="http://schemas.openxmlformats.org/drawingml/2006/main" xmlns:r="http://schemas.openxmlformats.org/officeDocument/2006/relationships" xmlns:p="http://schemas.openxmlformats.org/presentationml/2006/main">
+  <p:cSld>
+    <p:spTree>
+      <p:nvGrpSpPr>
+        <p:cNvPr id="1" name=""/>
+        <p:cNvGrpSpPr/>
+        <p:nvPr/>
+      </p:nvGrpSpPr>
+      <p:grpSpPr>
+        <a:xfrm>
+          <a:off x="0" y="0"/>
+          <a:ext cx="0" cy="0"/>
+          <a:chOff x="0" y="0"/>
+          <a:chExt cx="0" cy="0"/>
+        </a:xfrm>
+      </p:grpSpPr>
+      <p:sp>
+        <p:nvSpPr>
+          <p:cNvPr id="10241" name="スライド イメージ プレースホルダー 1">
+            <a:extLst>
+              <a:ext uri="{FF2B5EF4-FFF2-40B4-BE49-F238E27FC236}">
+                <a16:creationId xmlns:a16="http://schemas.microsoft.com/office/drawing/2014/main" id="{D8DDCF8E-3862-473A-A9A4-4502F13DBE0E}"/>
+              </a:ext>
+            </a:extLst>
+          </p:cNvPr>
+          <p:cNvSpPr>
+            <a:spLocks noGrp="1" noRot="1" noChangeAspect="1" noTextEdit="1"/>
+          </p:cNvSpPr>
+          <p:nvPr>
+            <p:ph type="sldImg"/>
+          </p:nvPr>
+        </p:nvSpPr>
+        <p:spPr bwMode="auto">
+          <a:noFill/>
+          <a:ln>
+            <a:solidFill>
+              <a:srgbClr val="000000"/>
+            </a:solidFill>
+            <a:miter lim="800000"/>
+            <a:headEnd/>
+            <a:tailEnd/>
+          </a:ln>
+          <a:extLst>
+            <a:ext uri="{909E8E84-426E-40DD-AFC4-6F175D3DCCD1}">
+              <a14:hiddenFill xmlns:a14="http://schemas.microsoft.com/office/drawing/2010/main">
+                <a:solidFill>
+                  <a:srgbClr val="FFFFFF"/>
+                </a:solidFill>
+              </a14:hiddenFill>
+            </a:ext>
+          </a:extLst>
+        </p:spPr>
+      </p:sp>
+      <p:sp>
+        <p:nvSpPr>
+          <p:cNvPr id="10242" name="ノート プレースホルダー 2">
+            <a:extLst>
+              <a:ext uri="{FF2B5EF4-FFF2-40B4-BE49-F238E27FC236}">
+                <a16:creationId xmlns:a16="http://schemas.microsoft.com/office/drawing/2014/main" id="{70C271B6-A196-40AC-90C7-B2EF9608662E}"/>
+              </a:ext>
+            </a:extLst>
+          </p:cNvPr>
+          <p:cNvSpPr>
+            <a:spLocks noGrp="1"/>
+          </p:cNvSpPr>
+          <p:nvPr>
+            <p:ph type="body" idx="1"/>
+          </p:nvPr>
+        </p:nvSpPr>
+        <p:spPr bwMode="auto">
+          <a:noFill/>
+          <a:extLst>
+            <a:ext uri="{909E8E84-426E-40DD-AFC4-6F175D3DCCD1}">
+              <a14:hiddenFill xmlns:a14="http://schemas.microsoft.com/office/drawing/2010/main">
+                <a:solidFill>
+                  <a:srgbClr val="FFFFFF"/>
+                </a:solidFill>
+              </a14:hiddenFill>
+            </a:ext>
+            <a:ext uri="{91240B29-F687-4F45-9708-019B960494DF}">
+              <a14:hiddenLine xmlns:a14="http://schemas.microsoft.com/office/drawing/2010/main" w="9525">
+                <a:solidFill>
+                  <a:srgbClr val="000000"/>
+                </a:solidFill>
+                <a:miter lim="800000"/>
+                <a:headEnd/>
+                <a:tailEnd/>
+              </a14:hiddenLine>
+            </a:ext>
+          </a:extLst>
+        </p:spPr>
+        <p:txBody>
+          <a:bodyPr wrap="square" numCol="1" anchor="t" anchorCtr="0" compatLnSpc="1">
+            <a:prstTxWarp prst="textNoShape">
+              <a:avLst/>
+            </a:prstTxWarp>
+          </a:bodyPr>
+          <a:lstStyle/>
+          <a:p>
+            <a:endParaRPr lang="ja-JP" altLang="en-US"/>
+          </a:p>
+        </p:txBody>
+      </p:sp>
+      <p:sp>
+        <p:nvSpPr>
+          <p:cNvPr id="4" name="スライド番号プレースホルダー 3">
+            <a:extLst>
+              <a:ext uri="{FF2B5EF4-FFF2-40B4-BE49-F238E27FC236}">
+                <a16:creationId xmlns:a16="http://schemas.microsoft.com/office/drawing/2014/main" id="{648A7A12-3358-4DBB-80DF-263BE6D9DE83}"/>
+              </a:ext>
+            </a:extLst>
+          </p:cNvPr>
+          <p:cNvSpPr>
+            <a:spLocks noGrp="1"/>
+          </p:cNvSpPr>
+          <p:nvPr>
+            <p:ph type="sldNum" sz="quarter" idx="5"/>
+          </p:nvPr>
+        </p:nvSpPr>
+        <p:spPr/>
+        <p:txBody>
+          <a:bodyPr/>
+          <a:lstStyle/>
+          <a:p>
+            <a:pPr marL="0" marR="0" lvl="0" indent="0" algn="r" defTabSz="712788" rtl="0" eaLnBrk="1" fontAlgn="base" latinLnBrk="0" hangingPunct="1">
+              <a:lnSpc>
+                <a:spcPct val="100000"/>
+              </a:lnSpc>
+              <a:spcBef>
+                <a:spcPct val="0"/>
+              </a:spcBef>
+              <a:spcAft>
+                <a:spcPct val="0"/>
+              </a:spcAft>
+              <a:buClrTx/>
+              <a:buSzTx/>
+              <a:buFontTx/>
+              <a:buNone/>
+              <a:tabLst/>
+              <a:defRPr/>
+            </a:pPr>
+            <a:fld id="{B2F971C1-2747-43AD-B949-FDD711AB328D}" type="slidenum">
+              <a:rPr kumimoji="1" lang="ja-JP" altLang="en-US" sz="1200" b="0" i="0" u="none" strike="noStrike" kern="1200" cap="none" spc="0" normalizeH="0" baseline="0" noProof="0">
+                <a:ln>
+                  <a:noFill/>
+                </a:ln>
+                <a:solidFill>
+                  <a:prstClr val="black"/>
+                </a:solidFill>
+                <a:effectLst/>
+                <a:uLnTx/>
+                <a:uFillTx/>
+                <a:latin typeface="Yu Gothic" panose="020B0400000000000000" pitchFamily="50" charset="-128"/>
+                <a:ea typeface="Yu Gothic" panose="020B0400000000000000" pitchFamily="50" charset="-128"/>
+                <a:cs typeface="+mn-cs"/>
+              </a:rPr>
+              <a:pPr marL="0" marR="0" lvl="0" indent="0" algn="r" defTabSz="712788" rtl="0" eaLnBrk="1" fontAlgn="base" latinLnBrk="0" hangingPunct="1">
+                <a:lnSpc>
+                  <a:spcPct val="100000"/>
+                </a:lnSpc>
+                <a:spcBef>
+                  <a:spcPct val="0"/>
+                </a:spcBef>
+                <a:spcAft>
+                  <a:spcPct val="0"/>
+                </a:spcAft>
+                <a:buClrTx/>
+                <a:buSzTx/>
+                <a:buFontTx/>
+                <a:buNone/>
+                <a:tabLst/>
+                <a:defRPr/>
+              </a:pPr>
+              <a:t>13</a:t>
+            </a:fld>
+            <a:endParaRPr kumimoji="1" lang="ja-JP" altLang="en-US" sz="1200" b="0" i="0" u="none" strike="noStrike" kern="1200" cap="none" spc="0" normalizeH="0" baseline="0" noProof="0">
+              <a:ln>
+                <a:noFill/>
+              </a:ln>
+              <a:solidFill>
+                <a:prstClr val="black"/>
+              </a:solidFill>
+              <a:effectLst/>
+              <a:uLnTx/>
+              <a:uFillTx/>
+              <a:latin typeface="Yu Gothic" panose="020B0400000000000000" pitchFamily="50" charset="-128"/>
+              <a:ea typeface="Yu Gothic" panose="020B0400000000000000" pitchFamily="50" charset="-128"/>
+              <a:cs typeface="+mn-cs"/>
+            </a:endParaRPr>
+          </a:p>
+        </p:txBody>
+      </p:sp>
+    </p:spTree>
+    <p:extLst>
+      <p:ext uri="{BB962C8B-B14F-4D97-AF65-F5344CB8AC3E}">
         <p14:creationId xmlns:p14="http://schemas.microsoft.com/office/powerpoint/2010/main" val="983791378"/>
       </p:ext>
     </p:extLst>
@@ -2057,7 +2269,7 @@
     </p:spTree>
     <p:extLst>
       <p:ext uri="{BB962C8B-B14F-4D97-AF65-F5344CB8AC3E}">
-        <p14:creationId xmlns:p14="http://schemas.microsoft.com/office/powerpoint/2010/main" val="2162002327"/>
+        <p14:creationId xmlns:p14="http://schemas.microsoft.com/office/powerpoint/2010/main" val="2554984844"/>
       </p:ext>
     </p:extLst>
   </p:cSld>
@@ -2469,7 +2681,7 @@
     </p:spTree>
     <p:extLst>
       <p:ext uri="{BB962C8B-B14F-4D97-AF65-F5344CB8AC3E}">
-        <p14:creationId xmlns:p14="http://schemas.microsoft.com/office/powerpoint/2010/main" val="2554984844"/>
+        <p14:creationId xmlns:p14="http://schemas.microsoft.com/office/powerpoint/2010/main" val="2162002327"/>
       </p:ext>
     </p:extLst>
   </p:cSld>
@@ -2675,7 +2887,7 @@
     </p:spTree>
     <p:extLst>
       <p:ext uri="{BB962C8B-B14F-4D97-AF65-F5344CB8AC3E}">
-        <p14:creationId xmlns:p14="http://schemas.microsoft.com/office/powerpoint/2010/main" val="242431993"/>
+        <p14:creationId xmlns:p14="http://schemas.microsoft.com/office/powerpoint/2010/main" val="943753870"/>
       </p:ext>
     </p:extLst>
   </p:cSld>
@@ -2881,7 +3093,7 @@
     </p:spTree>
     <p:extLst>
       <p:ext uri="{BB962C8B-B14F-4D97-AF65-F5344CB8AC3E}">
-        <p14:creationId xmlns:p14="http://schemas.microsoft.com/office/powerpoint/2010/main" val="3151887118"/>
+        <p14:creationId xmlns:p14="http://schemas.microsoft.com/office/powerpoint/2010/main" val="242431993"/>
       </p:ext>
     </p:extLst>
   </p:cSld>
@@ -3087,7 +3299,7 @@
     </p:spTree>
     <p:extLst>
       <p:ext uri="{BB962C8B-B14F-4D97-AF65-F5344CB8AC3E}">
-        <p14:creationId xmlns:p14="http://schemas.microsoft.com/office/powerpoint/2010/main" val="1700868703"/>
+        <p14:creationId xmlns:p14="http://schemas.microsoft.com/office/powerpoint/2010/main" val="3151887118"/>
       </p:ext>
     </p:extLst>
   </p:cSld>
@@ -3244,7 +3456,7 @@
           <a:p>
             <a:fld id="{3D56D7E1-3519-40E1-A263-6500AF722914}" type="datetimeFigureOut">
               <a:rPr kumimoji="1" lang="ja-JP" altLang="en-US" smtClean="0"/>
-              <a:t>2022/11/15</a:t>
+              <a:t>2022/11/16</a:t>
             </a:fld>
             <a:endParaRPr kumimoji="1" lang="ja-JP" altLang="en-US"/>
           </a:p>
@@ -3474,7 +3686,7 @@
           <a:p>
             <a:fld id="{3D56D7E1-3519-40E1-A263-6500AF722914}" type="datetimeFigureOut">
               <a:rPr kumimoji="1" lang="ja-JP" altLang="en-US" smtClean="0"/>
-              <a:t>2022/11/15</a:t>
+              <a:t>2022/11/16</a:t>
             </a:fld>
             <a:endParaRPr kumimoji="1" lang="ja-JP" altLang="en-US"/>
           </a:p>
@@ -3714,7 +3926,7 @@
           <a:p>
             <a:fld id="{3D56D7E1-3519-40E1-A263-6500AF722914}" type="datetimeFigureOut">
               <a:rPr kumimoji="1" lang="ja-JP" altLang="en-US" smtClean="0"/>
-              <a:t>2022/11/15</a:t>
+              <a:t>2022/11/16</a:t>
             </a:fld>
             <a:endParaRPr kumimoji="1" lang="ja-JP" altLang="en-US"/>
           </a:p>
@@ -3956,7 +4168,7 @@
               <a:pPr>
                 <a:defRPr/>
               </a:pPr>
-              <a:t>2022/11/15</a:t>
+              <a:t>2022/11/16</a:t>
             </a:fld>
             <a:endParaRPr lang="ja-JP" altLang="en-US"/>
           </a:p>
@@ -4260,7 +4472,7 @@
               <a:pPr>
                 <a:defRPr/>
               </a:pPr>
-              <a:t>2022/11/15</a:t>
+              <a:t>2022/11/16</a:t>
             </a:fld>
             <a:endParaRPr lang="ja-JP" altLang="en-US"/>
           </a:p>
@@ -4532,7 +4744,7 @@
           <a:p>
             <a:fld id="{3D56D7E1-3519-40E1-A263-6500AF722914}" type="datetimeFigureOut">
               <a:rPr kumimoji="1" lang="ja-JP" altLang="en-US" smtClean="0"/>
-              <a:t>2022/11/15</a:t>
+              <a:t>2022/11/16</a:t>
             </a:fld>
             <a:endParaRPr kumimoji="1" lang="ja-JP" altLang="en-US"/>
           </a:p>
@@ -4807,7 +5019,7 @@
           <a:p>
             <a:fld id="{3D56D7E1-3519-40E1-A263-6500AF722914}" type="datetimeFigureOut">
               <a:rPr kumimoji="1" lang="ja-JP" altLang="en-US" smtClean="0"/>
-              <a:t>2022/11/15</a:t>
+              <a:t>2022/11/16</a:t>
             </a:fld>
             <a:endParaRPr kumimoji="1" lang="ja-JP" altLang="en-US"/>
           </a:p>
@@ -5136,7 +5348,7 @@
           <a:p>
             <a:fld id="{3D56D7E1-3519-40E1-A263-6500AF722914}" type="datetimeFigureOut">
               <a:rPr kumimoji="1" lang="ja-JP" altLang="en-US" smtClean="0"/>
-              <a:t>2022/11/15</a:t>
+              <a:t>2022/11/16</a:t>
             </a:fld>
             <a:endParaRPr kumimoji="1" lang="ja-JP" altLang="en-US"/>
           </a:p>
@@ -5612,7 +5824,7 @@
           <a:p>
             <a:fld id="{3D56D7E1-3519-40E1-A263-6500AF722914}" type="datetimeFigureOut">
               <a:rPr kumimoji="1" lang="ja-JP" altLang="en-US" smtClean="0"/>
-              <a:t>2022/11/15</a:t>
+              <a:t>2022/11/16</a:t>
             </a:fld>
             <a:endParaRPr kumimoji="1" lang="ja-JP" altLang="en-US"/>
           </a:p>
@@ -5753,7 +5965,7 @@
           <a:p>
             <a:fld id="{3D56D7E1-3519-40E1-A263-6500AF722914}" type="datetimeFigureOut">
               <a:rPr kumimoji="1" lang="ja-JP" altLang="en-US" smtClean="0"/>
-              <a:t>2022/11/15</a:t>
+              <a:t>2022/11/16</a:t>
             </a:fld>
             <a:endParaRPr kumimoji="1" lang="ja-JP" altLang="en-US"/>
           </a:p>
@@ -5866,7 +6078,7 @@
           <a:p>
             <a:fld id="{3D56D7E1-3519-40E1-A263-6500AF722914}" type="datetimeFigureOut">
               <a:rPr kumimoji="1" lang="ja-JP" altLang="en-US" smtClean="0"/>
-              <a:t>2022/11/15</a:t>
+              <a:t>2022/11/16</a:t>
             </a:fld>
             <a:endParaRPr kumimoji="1" lang="ja-JP" altLang="en-US"/>
           </a:p>
@@ -6209,7 +6421,7 @@
           <a:p>
             <a:fld id="{3D56D7E1-3519-40E1-A263-6500AF722914}" type="datetimeFigureOut">
               <a:rPr kumimoji="1" lang="ja-JP" altLang="en-US" smtClean="0"/>
-              <a:t>2022/11/15</a:t>
+              <a:t>2022/11/16</a:t>
             </a:fld>
             <a:endParaRPr kumimoji="1" lang="ja-JP" altLang="en-US"/>
           </a:p>
@@ -6497,7 +6709,7 @@
           <a:p>
             <a:fld id="{3D56D7E1-3519-40E1-A263-6500AF722914}" type="datetimeFigureOut">
               <a:rPr kumimoji="1" lang="ja-JP" altLang="en-US" smtClean="0"/>
-              <a:t>2022/11/15</a:t>
+              <a:t>2022/11/16</a:t>
             </a:fld>
             <a:endParaRPr kumimoji="1" lang="ja-JP" altLang="en-US"/>
           </a:p>
@@ -6770,7 +6982,7 @@
           <a:p>
             <a:fld id="{3D56D7E1-3519-40E1-A263-6500AF722914}" type="datetimeFigureOut">
               <a:rPr kumimoji="1" lang="ja-JP" altLang="en-US" smtClean="0"/>
-              <a:t>2022/11/15</a:t>
+              <a:t>2022/11/16</a:t>
             </a:fld>
             <a:endParaRPr kumimoji="1" lang="ja-JP" altLang="en-US"/>
           </a:p>
@@ -8125,6 +8337,42 @@
           </a:p>
         </p:txBody>
       </p:sp>
+      <p:pic>
+        <p:nvPicPr>
+          <p:cNvPr id="5" name="図 4" descr="図形&#10;&#10;自動的に生成された説明">
+            <a:extLst>
+              <a:ext uri="{FF2B5EF4-FFF2-40B4-BE49-F238E27FC236}">
+                <a16:creationId xmlns:a16="http://schemas.microsoft.com/office/drawing/2014/main" id="{B13515EF-493A-4AE8-B0DB-B885577A1D06}"/>
+              </a:ext>
+            </a:extLst>
+          </p:cNvPr>
+          <p:cNvPicPr>
+            <a:picLocks noChangeAspect="1"/>
+          </p:cNvPicPr>
+          <p:nvPr/>
+        </p:nvPicPr>
+        <p:blipFill>
+          <a:blip r:embed="rId4">
+            <a:extLst>
+              <a:ext uri="{28A0092B-C50C-407E-A947-70E740481C1C}">
+                <a14:useLocalDpi xmlns:a14="http://schemas.microsoft.com/office/drawing/2010/main" val="0"/>
+              </a:ext>
+            </a:extLst>
+          </a:blip>
+          <a:stretch>
+            <a:fillRect/>
+          </a:stretch>
+        </p:blipFill>
+        <p:spPr>
+          <a:xfrm>
+            <a:off x="460847" y="2845526"/>
+            <a:ext cx="3571222" cy="3197692"/>
+          </a:xfrm>
+          <a:prstGeom prst="rect">
+            <a:avLst/>
+          </a:prstGeom>
+        </p:spPr>
+      </p:pic>
     </p:spTree>
   </p:cSld>
   <p:clrMapOvr>
@@ -8190,7 +8438,39 @@
                 <a:ea typeface="MS UI Gothic" panose="020B0600070205080204" pitchFamily="50" charset="-128"/>
                 <a:cs typeface="+mj-cs"/>
               </a:rPr>
-              <a:t>Implication: What Comes Next?</a:t>
+              <a:t>Effects</a:t>
+            </a:r>
+            <a:r>
+              <a:rPr lang="ja-JP" altLang="en-US" dirty="0">
+                <a:latin typeface="Cambria" panose="02040503050406030204" pitchFamily="18" charset="0"/>
+                <a:ea typeface="MS UI Gothic" panose="020B0600070205080204" pitchFamily="50" charset="-128"/>
+                <a:cs typeface="+mj-cs"/>
+              </a:rPr>
+              <a:t> </a:t>
+            </a:r>
+            <a:r>
+              <a:rPr lang="en-US" altLang="ja-JP" dirty="0">
+                <a:latin typeface="Cambria" panose="02040503050406030204" pitchFamily="18" charset="0"/>
+                <a:ea typeface="MS UI Gothic" panose="020B0600070205080204" pitchFamily="50" charset="-128"/>
+                <a:cs typeface="+mj-cs"/>
+              </a:rPr>
+              <a:t>of</a:t>
+            </a:r>
+            <a:r>
+              <a:rPr lang="ja-JP" altLang="en-US" dirty="0">
+                <a:latin typeface="Cambria" panose="02040503050406030204" pitchFamily="18" charset="0"/>
+                <a:ea typeface="MS UI Gothic" panose="020B0600070205080204" pitchFamily="50" charset="-128"/>
+                <a:cs typeface="+mj-cs"/>
+              </a:rPr>
+              <a:t> </a:t>
+            </a:r>
+            <a:r>
+              <a:rPr lang="en-US" altLang="ja-JP" dirty="0">
+                <a:latin typeface="Cambria" panose="02040503050406030204" pitchFamily="18" charset="0"/>
+                <a:ea typeface="MS UI Gothic" panose="020B0600070205080204" pitchFamily="50" charset="-128"/>
+                <a:cs typeface="+mj-cs"/>
+              </a:rPr>
+              <a:t>Spectators</a:t>
             </a:r>
             <a:endParaRPr lang="ja-JP" altLang="en-US" dirty="0">
               <a:latin typeface="Cambria" panose="02040503050406030204" pitchFamily="18" charset="0"/>
@@ -8316,7 +8596,7 @@
     </p:spTree>
     <p:extLst>
       <p:ext uri="{BB962C8B-B14F-4D97-AF65-F5344CB8AC3E}">
-        <p14:creationId xmlns:p14="http://schemas.microsoft.com/office/powerpoint/2010/main" val="2379584199"/>
+        <p14:creationId xmlns:p14="http://schemas.microsoft.com/office/powerpoint/2010/main" val="3377009313"/>
       </p:ext>
     </p:extLst>
   </p:cSld>
@@ -8383,7 +8663,7 @@
                 <a:ea typeface="MS UI Gothic" panose="020B0600070205080204" pitchFamily="50" charset="-128"/>
                 <a:cs typeface="+mj-cs"/>
               </a:rPr>
-              <a:t>Concluding Remarks</a:t>
+              <a:t>Implication: What Comes Next?</a:t>
             </a:r>
             <a:endParaRPr lang="ja-JP" altLang="en-US" dirty="0">
               <a:latin typeface="Cambria" panose="02040503050406030204" pitchFamily="18" charset="0"/>
@@ -8509,6 +8789,199 @@
     </p:spTree>
     <p:extLst>
       <p:ext uri="{BB962C8B-B14F-4D97-AF65-F5344CB8AC3E}">
+        <p14:creationId xmlns:p14="http://schemas.microsoft.com/office/powerpoint/2010/main" val="2379584199"/>
+      </p:ext>
+    </p:extLst>
+  </p:cSld>
+  <p:clrMapOvr>
+    <a:masterClrMapping/>
+  </p:clrMapOvr>
+</p:sld>
+</file>
+
+<file path=ppt/slides/slide12.xml><?xml version="1.0" encoding="utf-8"?>
+<p:sld xmlns:a="http://schemas.openxmlformats.org/drawingml/2006/main" xmlns:r="http://schemas.openxmlformats.org/officeDocument/2006/relationships" xmlns:p="http://schemas.openxmlformats.org/presentationml/2006/main">
+  <p:cSld>
+    <p:spTree>
+      <p:nvGrpSpPr>
+        <p:cNvPr id="1" name=""/>
+        <p:cNvGrpSpPr/>
+        <p:nvPr/>
+      </p:nvGrpSpPr>
+      <p:grpSpPr>
+        <a:xfrm>
+          <a:off x="0" y="0"/>
+          <a:ext cx="0" cy="0"/>
+          <a:chOff x="0" y="0"/>
+          <a:chExt cx="0" cy="0"/>
+        </a:xfrm>
+      </p:grpSpPr>
+      <p:sp>
+        <p:nvSpPr>
+          <p:cNvPr id="2" name="タイトル 1">
+            <a:extLst>
+              <a:ext uri="{FF2B5EF4-FFF2-40B4-BE49-F238E27FC236}">
+                <a16:creationId xmlns:a16="http://schemas.microsoft.com/office/drawing/2014/main" id="{A0DAED6A-956B-47BD-9D9E-9B579A957C73}"/>
+              </a:ext>
+            </a:extLst>
+          </p:cNvPr>
+          <p:cNvSpPr>
+            <a:spLocks noGrp="1"/>
+          </p:cNvSpPr>
+          <p:nvPr>
+            <p:ph type="title"/>
+          </p:nvPr>
+        </p:nvSpPr>
+        <p:spPr>
+          <a:xfrm>
+            <a:off x="541338" y="415925"/>
+            <a:ext cx="5129212" cy="644525"/>
+          </a:xfrm>
+        </p:spPr>
+        <p:txBody>
+          <a:bodyPr rtlCol="0">
+            <a:normAutofit/>
+          </a:bodyPr>
+          <a:lstStyle/>
+          <a:p>
+            <a:pPr eaLnBrk="1" fontAlgn="auto" hangingPunct="1">
+              <a:spcAft>
+                <a:spcPts val="0"/>
+              </a:spcAft>
+              <a:defRPr/>
+            </a:pPr>
+            <a:r>
+              <a:rPr lang="en-US" altLang="ja-JP" dirty="0">
+                <a:latin typeface="Cambria" panose="02040503050406030204" pitchFamily="18" charset="0"/>
+                <a:ea typeface="MS UI Gothic" panose="020B0600070205080204" pitchFamily="50" charset="-128"/>
+                <a:cs typeface="+mj-cs"/>
+              </a:rPr>
+              <a:t>Concluding Remarks</a:t>
+            </a:r>
+            <a:endParaRPr lang="ja-JP" altLang="en-US" dirty="0">
+              <a:latin typeface="Cambria" panose="02040503050406030204" pitchFamily="18" charset="0"/>
+              <a:ea typeface="MS UI Gothic" panose="020B0600070205080204" pitchFamily="50" charset="-128"/>
+              <a:cs typeface="+mj-cs"/>
+            </a:endParaRPr>
+          </a:p>
+        </p:txBody>
+      </p:sp>
+      <p:sp>
+        <p:nvSpPr>
+          <p:cNvPr id="9218" name="コンテンツ プレースホルダー 2">
+            <a:extLst>
+              <a:ext uri="{FF2B5EF4-FFF2-40B4-BE49-F238E27FC236}">
+                <a16:creationId xmlns:a16="http://schemas.microsoft.com/office/drawing/2014/main" id="{BA46AE8E-52B1-4B4E-9371-F1FD2A7B4587}"/>
+              </a:ext>
+            </a:extLst>
+          </p:cNvPr>
+          <p:cNvSpPr>
+            <a:spLocks noGrp="1"/>
+          </p:cNvSpPr>
+          <p:nvPr>
+            <p:ph idx="1"/>
+          </p:nvPr>
+        </p:nvSpPr>
+        <p:spPr>
+          <a:xfrm>
+            <a:off x="541338" y="1376363"/>
+            <a:ext cx="11109325" cy="4800600"/>
+          </a:xfrm>
+        </p:spPr>
+        <p:txBody>
+          <a:bodyPr/>
+          <a:lstStyle/>
+          <a:p>
+            <a:pPr eaLnBrk="1" hangingPunct="1"/>
+            <a:endParaRPr lang="ja-JP" altLang="en-US" dirty="0">
+              <a:latin typeface="Cambria" panose="02040503050406030204" pitchFamily="18" charset="0"/>
+              <a:ea typeface="MS UI Gothic" panose="020B0600070205080204" pitchFamily="50" charset="-128"/>
+              <a:cs typeface="Source Han Sans JP Normal"/>
+            </a:endParaRPr>
+          </a:p>
+        </p:txBody>
+      </p:sp>
+      <p:pic>
+        <p:nvPicPr>
+          <p:cNvPr id="5" name="図 4" descr="QR コード&#10;&#10;自動的に生成された説明">
+            <a:extLst>
+              <a:ext uri="{FF2B5EF4-FFF2-40B4-BE49-F238E27FC236}">
+                <a16:creationId xmlns:a16="http://schemas.microsoft.com/office/drawing/2014/main" id="{A9D08F7F-AD0A-4DA9-BDBA-6839956240FD}"/>
+              </a:ext>
+            </a:extLst>
+          </p:cNvPr>
+          <p:cNvPicPr>
+            <a:picLocks noChangeAspect="1"/>
+          </p:cNvPicPr>
+          <p:nvPr/>
+        </p:nvPicPr>
+        <p:blipFill>
+          <a:blip r:embed="rId3">
+            <a:extLst>
+              <a:ext uri="{28A0092B-C50C-407E-A947-70E740481C1C}">
+                <a14:useLocalDpi xmlns:a14="http://schemas.microsoft.com/office/drawing/2010/main" val="0"/>
+              </a:ext>
+            </a:extLst>
+          </a:blip>
+          <a:stretch>
+            <a:fillRect/>
+          </a:stretch>
+        </p:blipFill>
+        <p:spPr>
+          <a:xfrm>
+            <a:off x="7847236" y="0"/>
+            <a:ext cx="1045029" cy="1045029"/>
+          </a:xfrm>
+          <a:prstGeom prst="rect">
+            <a:avLst/>
+          </a:prstGeom>
+        </p:spPr>
+      </p:pic>
+      <p:sp>
+        <p:nvSpPr>
+          <p:cNvPr id="6" name="テキスト ボックス 5">
+            <a:extLst>
+              <a:ext uri="{FF2B5EF4-FFF2-40B4-BE49-F238E27FC236}">
+                <a16:creationId xmlns:a16="http://schemas.microsoft.com/office/drawing/2014/main" id="{2A1F025B-45B6-4F31-B2AE-BD68D8D67EDB}"/>
+              </a:ext>
+            </a:extLst>
+          </p:cNvPr>
+          <p:cNvSpPr txBox="1"/>
+          <p:nvPr/>
+        </p:nvSpPr>
+        <p:spPr>
+          <a:xfrm>
+            <a:off x="7884462" y="951722"/>
+            <a:ext cx="970575" cy="338554"/>
+          </a:xfrm>
+          <a:prstGeom prst="rect">
+            <a:avLst/>
+          </a:prstGeom>
+          <a:noFill/>
+        </p:spPr>
+        <p:txBody>
+          <a:bodyPr wrap="square" rtlCol="0">
+            <a:spAutoFit/>
+          </a:bodyPr>
+          <a:lstStyle/>
+          <a:p>
+            <a:r>
+              <a:rPr lang="en-US" altLang="ja-JP" sz="1600" dirty="0">
+                <a:latin typeface="Cambria" panose="02040503050406030204" pitchFamily="18" charset="0"/>
+                <a:ea typeface="MS UI Gothic" panose="020B0600070205080204" pitchFamily="50" charset="-128"/>
+              </a:rPr>
+              <a:t>@11_tjr</a:t>
+            </a:r>
+            <a:endParaRPr kumimoji="1" lang="ja-JP" altLang="en-US" sz="1600" dirty="0">
+              <a:latin typeface="Cambria" panose="02040503050406030204" pitchFamily="18" charset="0"/>
+              <a:ea typeface="MS UI Gothic" panose="020B0600070205080204" pitchFamily="50" charset="-128"/>
+            </a:endParaRPr>
+          </a:p>
+        </p:txBody>
+      </p:sp>
+    </p:spTree>
+    <p:extLst>
+      <p:ext uri="{BB962C8B-B14F-4D97-AF65-F5344CB8AC3E}">
         <p14:creationId xmlns:p14="http://schemas.microsoft.com/office/powerpoint/2010/main" val="1180209462"/>
       </p:ext>
     </p:extLst>
@@ -8519,7 +8992,7 @@
 </p:sld>
 </file>
 
-<file path=ppt/slides/slide12.xml><?xml version="1.0" encoding="utf-8"?>
+<file path=ppt/slides/slide13.xml><?xml version="1.0" encoding="utf-8"?>
 <p:sld xmlns:a="http://schemas.openxmlformats.org/drawingml/2006/main" xmlns:r="http://schemas.openxmlformats.org/officeDocument/2006/relationships" xmlns:p="http://schemas.openxmlformats.org/presentationml/2006/main">
   <p:cSld>
     <p:spTree>
@@ -9143,6 +9616,42 @@
           </a:p>
         </p:txBody>
       </p:sp>
+      <p:pic>
+        <p:nvPicPr>
+          <p:cNvPr id="4" name="図 3" descr="ポーズをとる男性グループ&#10;&#10;中程度の精度で自動的に生成された説明">
+            <a:extLst>
+              <a:ext uri="{FF2B5EF4-FFF2-40B4-BE49-F238E27FC236}">
+                <a16:creationId xmlns:a16="http://schemas.microsoft.com/office/drawing/2014/main" id="{F5109326-57AB-4AA3-BF64-581D869450FB}"/>
+              </a:ext>
+            </a:extLst>
+          </p:cNvPr>
+          <p:cNvPicPr>
+            <a:picLocks noChangeAspect="1"/>
+          </p:cNvPicPr>
+          <p:nvPr/>
+        </p:nvPicPr>
+        <p:blipFill>
+          <a:blip r:embed="rId4">
+            <a:extLst>
+              <a:ext uri="{28A0092B-C50C-407E-A947-70E740481C1C}">
+                <a14:useLocalDpi xmlns:a14="http://schemas.microsoft.com/office/drawing/2010/main" val="0"/>
+              </a:ext>
+            </a:extLst>
+          </a:blip>
+          <a:stretch>
+            <a:fillRect/>
+          </a:stretch>
+        </p:blipFill>
+        <p:spPr>
+          <a:xfrm>
+            <a:off x="8273143" y="4120516"/>
+            <a:ext cx="3558540" cy="2372360"/>
+          </a:xfrm>
+          <a:prstGeom prst="rect">
+            <a:avLst/>
+          </a:prstGeom>
+        </p:spPr>
+      </p:pic>
     </p:spTree>
   </p:cSld>
   <p:clrMapOvr>
@@ -9249,20 +9758,75 @@
               <a:buChar char="•"/>
             </a:pPr>
             <a:r>
-              <a:rPr lang="en-US" altLang="ja-JP" sz="2800" dirty="0">
+              <a:rPr lang="en-US" altLang="ja-JP" dirty="0">
                 <a:latin typeface="Cambria" panose="02040503050406030204" pitchFamily="18" charset="0"/>
                 <a:ea typeface="MS UI Gothic" panose="020B0600070205080204" pitchFamily="50" charset="-128"/>
                 <a:cs typeface="Source Han Sans JP Normal"/>
               </a:rPr>
-              <a:t>Major League Baseball</a:t>
-            </a:r>
-            <a:r>
-              <a:rPr lang="ja-JP" altLang="en-US" sz="2800" dirty="0">
+              <a:t>Research Question</a:t>
+            </a:r>
+            <a:br>
+              <a:rPr lang="en-US" altLang="ja-JP" dirty="0">
                 <a:latin typeface="Cambria" panose="02040503050406030204" pitchFamily="18" charset="0"/>
                 <a:ea typeface="MS UI Gothic" panose="020B0600070205080204" pitchFamily="50" charset="-128"/>
                 <a:cs typeface="Source Han Sans JP Normal"/>
               </a:rPr>
-              <a:t>の投球データを用いて、球審の判定に影響を及ぼすバイアスの仕組みを明らかにしよう</a:t>
+            </a:br>
+            <a:r>
+              <a:rPr lang="ja-JP" altLang="en-US" dirty="0">
+                <a:latin typeface="Cambria" panose="02040503050406030204" pitchFamily="18" charset="0"/>
+                <a:ea typeface="MS UI Gothic" panose="020B0600070205080204" pitchFamily="50" charset="-128"/>
+                <a:cs typeface="Source Han Sans JP Normal"/>
+              </a:rPr>
+              <a:t>「</a:t>
+            </a:r>
+            <a:r>
+              <a:rPr lang="en-US" altLang="ja-JP" dirty="0">
+                <a:latin typeface="Cambria" panose="02040503050406030204" pitchFamily="18" charset="0"/>
+                <a:ea typeface="MS UI Gothic" panose="020B0600070205080204" pitchFamily="50" charset="-128"/>
+                <a:cs typeface="Source Han Sans JP Normal"/>
+              </a:rPr>
+              <a:t>Major League Baseball</a:t>
+            </a:r>
+            <a:r>
+              <a:rPr lang="ja-JP" altLang="en-US" dirty="0">
+                <a:latin typeface="Cambria" panose="02040503050406030204" pitchFamily="18" charset="0"/>
+                <a:ea typeface="MS UI Gothic" panose="020B0600070205080204" pitchFamily="50" charset="-128"/>
+                <a:cs typeface="Source Han Sans JP Normal"/>
+              </a:rPr>
+              <a:t>の投球データを用いて、球審の判定に影響を及ぼすバイアスの仕組みを明らかにしよう」</a:t>
+            </a:r>
+            <a:endParaRPr lang="en-US" altLang="ja-JP" dirty="0">
+              <a:latin typeface="Cambria" panose="02040503050406030204" pitchFamily="18" charset="0"/>
+              <a:ea typeface="MS UI Gothic" panose="020B0600070205080204" pitchFamily="50" charset="-128"/>
+              <a:cs typeface="Source Han Sans JP Normal"/>
+            </a:endParaRPr>
+          </a:p>
+          <a:p>
+            <a:pPr marL="1143000" lvl="1" indent="-457200" eaLnBrk="1" hangingPunct="1"/>
+            <a:r>
+              <a:rPr lang="en-US" altLang="ja-JP" dirty="0">
+                <a:latin typeface="Cambria" panose="02040503050406030204" pitchFamily="18" charset="0"/>
+                <a:ea typeface="MS UI Gothic" panose="020B0600070205080204" pitchFamily="50" charset="-128"/>
+                <a:cs typeface="Source Han Sans JP Normal"/>
+              </a:rPr>
+              <a:t>Home Advantage (</a:t>
+            </a:r>
+            <a:r>
+              <a:rPr lang="ja-JP" altLang="en-US" dirty="0">
+                <a:latin typeface="Cambria" panose="02040503050406030204" pitchFamily="18" charset="0"/>
+                <a:ea typeface="MS UI Gothic" panose="020B0600070205080204" pitchFamily="50" charset="-128"/>
+                <a:cs typeface="Source Han Sans JP Normal"/>
+              </a:rPr>
+              <a:t>ホームアドバンテージ</a:t>
+            </a:r>
+            <a:r>
+              <a:rPr lang="en-US" altLang="ja-JP" dirty="0">
+                <a:latin typeface="Cambria" panose="02040503050406030204" pitchFamily="18" charset="0"/>
+                <a:ea typeface="MS UI Gothic" panose="020B0600070205080204" pitchFamily="50" charset="-128"/>
+                <a:cs typeface="Source Han Sans JP Normal"/>
+              </a:rPr>
+              <a:t>)</a:t>
             </a:r>
           </a:p>
         </p:txBody>
@@ -9415,7 +9979,7 @@
                 <a:ea typeface="MS UI Gothic" panose="020B0600070205080204" pitchFamily="50" charset="-128"/>
                 <a:cs typeface="+mj-cs"/>
               </a:rPr>
-              <a:t>Background</a:t>
+              <a:t>Literature</a:t>
             </a:r>
             <a:endParaRPr lang="ja-JP" altLang="en-US" dirty="0">
               <a:latin typeface="Cambria" panose="02040503050406030204" pitchFamily="18" charset="0"/>
@@ -9451,12 +10015,48 @@
           <a:bodyPr/>
           <a:lstStyle/>
           <a:p>
-            <a:pPr eaLnBrk="1" hangingPunct="1"/>
-            <a:endParaRPr lang="ja-JP" altLang="en-US" dirty="0">
+            <a:pPr marL="342900" indent="-342900" eaLnBrk="1" hangingPunct="1">
+              <a:buFont typeface="Arial" panose="020B0604020202020204" pitchFamily="34" charset="0"/>
+              <a:buChar char="•"/>
+            </a:pPr>
+            <a:r>
+              <a:rPr lang="ja-JP" altLang="en-US" dirty="0">
+                <a:latin typeface="Cambria" panose="02040503050406030204" pitchFamily="18" charset="0"/>
+                <a:ea typeface="MS UI Gothic" panose="020B0600070205080204" pitchFamily="50" charset="-128"/>
+                <a:cs typeface="Source Han Sans JP Normal"/>
+              </a:rPr>
+              <a:t>スポーツのデータを用いた意思決定バイアスの研究</a:t>
+            </a:r>
+            <a:endParaRPr lang="en-US" altLang="ja-JP" dirty="0">
               <a:latin typeface="Cambria" panose="02040503050406030204" pitchFamily="18" charset="0"/>
               <a:ea typeface="MS UI Gothic" panose="020B0600070205080204" pitchFamily="50" charset="-128"/>
               <a:cs typeface="Source Han Sans JP Normal"/>
             </a:endParaRPr>
+          </a:p>
+          <a:p>
+            <a:pPr marL="342900" indent="-342900" eaLnBrk="1" hangingPunct="1">
+              <a:buFont typeface="Arial" panose="020B0604020202020204" pitchFamily="34" charset="0"/>
+              <a:buChar char="•"/>
+            </a:pPr>
+            <a:endParaRPr lang="en-US" altLang="ja-JP" dirty="0">
+              <a:latin typeface="Cambria" panose="02040503050406030204" pitchFamily="18" charset="0"/>
+              <a:ea typeface="MS UI Gothic" panose="020B0600070205080204" pitchFamily="50" charset="-128"/>
+              <a:cs typeface="Source Han Sans JP Normal"/>
+            </a:endParaRPr>
+          </a:p>
+          <a:p>
+            <a:pPr marL="342900" indent="-342900" eaLnBrk="1" hangingPunct="1">
+              <a:buFont typeface="Arial" panose="020B0604020202020204" pitchFamily="34" charset="0"/>
+              <a:buChar char="•"/>
+            </a:pPr>
+            <a:r>
+              <a:rPr lang="ja-JP" altLang="en-US" dirty="0">
+                <a:latin typeface="Cambria" panose="02040503050406030204" pitchFamily="18" charset="0"/>
+                <a:ea typeface="MS UI Gothic" panose="020B0600070205080204" pitchFamily="50" charset="-128"/>
+                <a:cs typeface="Source Han Sans JP Normal"/>
+              </a:rPr>
+              <a:t>書籍</a:t>
+            </a:r>
           </a:p>
         </p:txBody>
       </p:sp>
@@ -9541,7 +10141,7 @@
     </p:spTree>
     <p:extLst>
       <p:ext uri="{BB962C8B-B14F-4D97-AF65-F5344CB8AC3E}">
-        <p14:creationId xmlns:p14="http://schemas.microsoft.com/office/powerpoint/2010/main" val="2091536466"/>
+        <p14:creationId xmlns:p14="http://schemas.microsoft.com/office/powerpoint/2010/main" val="2089700247"/>
       </p:ext>
     </p:extLst>
   </p:cSld>
@@ -9644,12 +10244,37 @@
           <a:bodyPr/>
           <a:lstStyle/>
           <a:p>
-            <a:pPr eaLnBrk="1" hangingPunct="1"/>
-            <a:endParaRPr lang="ja-JP" altLang="en-US" dirty="0">
+            <a:pPr marL="342900" indent="-342900" eaLnBrk="1" hangingPunct="1">
+              <a:buFont typeface="Arial" panose="020B0604020202020204" pitchFamily="34" charset="0"/>
+              <a:buChar char="•"/>
+            </a:pPr>
+            <a:r>
+              <a:rPr lang="ja-JP" altLang="en-US" dirty="0">
+                <a:latin typeface="Cambria" panose="02040503050406030204" pitchFamily="18" charset="0"/>
+                <a:ea typeface="MS UI Gothic" panose="020B0600070205080204" pitchFamily="50" charset="-128"/>
+                <a:cs typeface="Source Han Sans JP Normal"/>
+              </a:rPr>
+              <a:t>観客の存在がもたらす影響はホームアドバンテージに止まらない</a:t>
+            </a:r>
+            <a:endParaRPr lang="en-US" altLang="ja-JP" dirty="0">
               <a:latin typeface="Cambria" panose="02040503050406030204" pitchFamily="18" charset="0"/>
               <a:ea typeface="MS UI Gothic" panose="020B0600070205080204" pitchFamily="50" charset="-128"/>
               <a:cs typeface="Source Han Sans JP Normal"/>
             </a:endParaRPr>
+          </a:p>
+          <a:p>
+            <a:pPr marL="342900" indent="-342900" eaLnBrk="1" hangingPunct="1">
+              <a:buFont typeface="Arial" panose="020B0604020202020204" pitchFamily="34" charset="0"/>
+              <a:buChar char="•"/>
+            </a:pPr>
+            <a:r>
+              <a:rPr lang="ja-JP" altLang="en-US" dirty="0">
+                <a:latin typeface="Cambria" panose="02040503050406030204" pitchFamily="18" charset="0"/>
+                <a:ea typeface="MS UI Gothic" panose="020B0600070205080204" pitchFamily="50" charset="-128"/>
+                <a:cs typeface="Source Han Sans JP Normal"/>
+              </a:rPr>
+              <a:t>差別：</a:t>
+            </a:r>
           </a:p>
         </p:txBody>
       </p:sp>
@@ -9801,7 +10426,7 @@
                 <a:ea typeface="MS UI Gothic" panose="020B0600070205080204" pitchFamily="50" charset="-128"/>
                 <a:cs typeface="+mj-cs"/>
               </a:rPr>
-              <a:t>Literature</a:t>
+              <a:t>Background</a:t>
             </a:r>
             <a:endParaRPr lang="ja-JP" altLang="en-US" dirty="0">
               <a:latin typeface="Cambria" panose="02040503050406030204" pitchFamily="18" charset="0"/>
@@ -9830,15 +10455,194 @@
         <p:spPr>
           <a:xfrm>
             <a:off x="541338" y="1376363"/>
-            <a:ext cx="11109325" cy="4800600"/>
+            <a:ext cx="6573565" cy="4800600"/>
           </a:xfrm>
         </p:spPr>
         <p:txBody>
           <a:bodyPr/>
           <a:lstStyle/>
           <a:p>
-            <a:pPr eaLnBrk="1" hangingPunct="1"/>
-            <a:endParaRPr lang="ja-JP" altLang="en-US" dirty="0">
+            <a:pPr marL="457200" indent="-457200" eaLnBrk="1" hangingPunct="1">
+              <a:buFont typeface="Arial" panose="020B0604020202020204" pitchFamily="34" charset="0"/>
+              <a:buChar char="•"/>
+            </a:pPr>
+            <a:r>
+              <a:rPr lang="ja-JP" altLang="en-US" dirty="0">
+                <a:latin typeface="Cambria" panose="02040503050406030204" pitchFamily="18" charset="0"/>
+                <a:ea typeface="MS UI Gothic" panose="020B0600070205080204" pitchFamily="50" charset="-128"/>
+                <a:cs typeface="Source Han Sans JP Normal"/>
+              </a:rPr>
+              <a:t>ピッチコール：ストライク・ボールの判定</a:t>
+            </a:r>
+            <a:endParaRPr lang="en-US" altLang="ja-JP" dirty="0">
+              <a:latin typeface="Cambria" panose="02040503050406030204" pitchFamily="18" charset="0"/>
+              <a:ea typeface="MS UI Gothic" panose="020B0600070205080204" pitchFamily="50" charset="-128"/>
+              <a:cs typeface="Source Han Sans JP Normal"/>
+            </a:endParaRPr>
+          </a:p>
+          <a:p>
+            <a:pPr marL="1143000" lvl="1" indent="-457200" eaLnBrk="1" hangingPunct="1"/>
+            <a:r>
+              <a:rPr lang="ja-JP" altLang="en-US" dirty="0">
+                <a:latin typeface="Cambria" panose="02040503050406030204" pitchFamily="18" charset="0"/>
+                <a:ea typeface="MS UI Gothic" panose="020B0600070205080204" pitchFamily="50" charset="-128"/>
+                <a:cs typeface="Source Han Sans JP Normal"/>
+              </a:rPr>
+              <a:t>球審が目視で投球の通過位置を確認し、判定を行う</a:t>
+            </a:r>
+            <a:endParaRPr lang="en-US" altLang="ja-JP" dirty="0">
+              <a:latin typeface="Cambria" panose="02040503050406030204" pitchFamily="18" charset="0"/>
+              <a:ea typeface="MS UI Gothic" panose="020B0600070205080204" pitchFamily="50" charset="-128"/>
+            </a:endParaRPr>
+          </a:p>
+          <a:p>
+            <a:pPr marL="1143000" lvl="1" indent="-457200" eaLnBrk="1" hangingPunct="1"/>
+            <a:r>
+              <a:rPr lang="ja-JP" altLang="en-US" dirty="0">
+                <a:latin typeface="Cambria" panose="02040503050406030204" pitchFamily="18" charset="0"/>
+                <a:ea typeface="MS UI Gothic" panose="020B0600070205080204" pitchFamily="50" charset="-128"/>
+                <a:cs typeface="Source Han Sans JP Normal"/>
+              </a:rPr>
+              <a:t>一度下した判定は覆らないため、ゲームに系統的なバイアスの入り込む余地がある</a:t>
+            </a:r>
+            <a:endParaRPr lang="en-US" altLang="ja-JP" dirty="0">
+              <a:latin typeface="Cambria" panose="02040503050406030204" pitchFamily="18" charset="0"/>
+              <a:ea typeface="MS UI Gothic" panose="020B0600070205080204" pitchFamily="50" charset="-128"/>
+              <a:cs typeface="Source Han Sans JP Normal"/>
+            </a:endParaRPr>
+          </a:p>
+          <a:p>
+            <a:pPr marL="1143000" lvl="1" indent="-457200" eaLnBrk="1" hangingPunct="1"/>
+            <a:r>
+              <a:rPr lang="ja-JP" altLang="en-US" dirty="0">
+                <a:latin typeface="Cambria" panose="02040503050406030204" pitchFamily="18" charset="0"/>
+                <a:ea typeface="MS UI Gothic" panose="020B0600070205080204" pitchFamily="50" charset="-128"/>
+              </a:rPr>
+              <a:t>全投球のおよそ</a:t>
+            </a:r>
+            <a:r>
+              <a:rPr lang="en-US" altLang="ja-JP" dirty="0">
+                <a:latin typeface="Cambria" panose="02040503050406030204" pitchFamily="18" charset="0"/>
+                <a:ea typeface="MS UI Gothic" panose="020B0600070205080204" pitchFamily="50" charset="-128"/>
+              </a:rPr>
+              <a:t>%</a:t>
+            </a:r>
+            <a:r>
+              <a:rPr lang="ja-JP" altLang="en-US" dirty="0">
+                <a:latin typeface="Cambria" panose="02040503050406030204" pitchFamily="18" charset="0"/>
+                <a:ea typeface="MS UI Gothic" panose="020B0600070205080204" pitchFamily="50" charset="-128"/>
+              </a:rPr>
+              <a:t>が見送り投球</a:t>
+            </a:r>
+            <a:br>
+              <a:rPr lang="en-US" altLang="ja-JP" dirty="0">
+                <a:latin typeface="Cambria" panose="02040503050406030204" pitchFamily="18" charset="0"/>
+                <a:ea typeface="MS UI Gothic" panose="020B0600070205080204" pitchFamily="50" charset="-128"/>
+              </a:rPr>
+            </a:br>
+            <a:r>
+              <a:rPr lang="ja-JP" altLang="en-US" dirty="0">
+                <a:latin typeface="Cambria" panose="02040503050406030204" pitchFamily="18" charset="0"/>
+                <a:ea typeface="MS UI Gothic" panose="020B0600070205080204" pitchFamily="50" charset="-128"/>
+              </a:rPr>
+              <a:t>：バイアスの影響は小さくない</a:t>
+            </a:r>
+            <a:endParaRPr lang="en-US" altLang="ja-JP" dirty="0">
+              <a:latin typeface="Cambria" panose="02040503050406030204" pitchFamily="18" charset="0"/>
+              <a:ea typeface="MS UI Gothic" panose="020B0600070205080204" pitchFamily="50" charset="-128"/>
+            </a:endParaRPr>
+          </a:p>
+          <a:p>
+            <a:pPr marL="457200" indent="-457200" eaLnBrk="1" hangingPunct="1">
+              <a:buFont typeface="Arial" panose="020B0604020202020204" pitchFamily="34" charset="0"/>
+              <a:buChar char="•"/>
+            </a:pPr>
+            <a:endParaRPr lang="en-US" altLang="ja-JP" dirty="0">
+              <a:latin typeface="Cambria" panose="02040503050406030204" pitchFamily="18" charset="0"/>
+              <a:ea typeface="MS UI Gothic" panose="020B0600070205080204" pitchFamily="50" charset="-128"/>
+              <a:cs typeface="Source Han Sans JP Normal"/>
+            </a:endParaRPr>
+          </a:p>
+          <a:p>
+            <a:pPr marL="457200" indent="-457200" eaLnBrk="1" hangingPunct="1">
+              <a:buFont typeface="Arial" panose="020B0604020202020204" pitchFamily="34" charset="0"/>
+              <a:buChar char="•"/>
+            </a:pPr>
+            <a:r>
+              <a:rPr lang="ja-JP" altLang="en-US" dirty="0">
+                <a:latin typeface="Cambria" panose="02040503050406030204" pitchFamily="18" charset="0"/>
+                <a:ea typeface="MS UI Gothic" panose="020B0600070205080204" pitchFamily="50" charset="-128"/>
+                <a:cs typeface="Source Han Sans JP Normal"/>
+              </a:rPr>
+              <a:t>審判員は原則</a:t>
+            </a:r>
+            <a:r>
+              <a:rPr lang="en-US" altLang="ja-JP" dirty="0">
+                <a:latin typeface="Cambria" panose="02040503050406030204" pitchFamily="18" charset="0"/>
+                <a:ea typeface="MS UI Gothic" panose="020B0600070205080204" pitchFamily="50" charset="-128"/>
+                <a:cs typeface="Source Han Sans JP Normal"/>
+              </a:rPr>
+              <a:t>4</a:t>
+            </a:r>
+            <a:r>
+              <a:rPr lang="ja-JP" altLang="en-US" dirty="0">
+                <a:latin typeface="Cambria" panose="02040503050406030204" pitchFamily="18" charset="0"/>
+                <a:ea typeface="MS UI Gothic" panose="020B0600070205080204" pitchFamily="50" charset="-128"/>
+                <a:cs typeface="Source Han Sans JP Normal"/>
+              </a:rPr>
+              <a:t>人一組のクルーで各ポジション</a:t>
+            </a:r>
+            <a:r>
+              <a:rPr lang="en-US" altLang="ja-JP" dirty="0">
+                <a:latin typeface="Cambria" panose="02040503050406030204" pitchFamily="18" charset="0"/>
+                <a:ea typeface="MS UI Gothic" panose="020B0600070205080204" pitchFamily="50" charset="-128"/>
+                <a:cs typeface="Source Han Sans JP Normal"/>
+              </a:rPr>
+              <a:t>(PL, 1B, 2B, 3B)</a:t>
+            </a:r>
+            <a:r>
+              <a:rPr lang="ja-JP" altLang="en-US" dirty="0">
+                <a:latin typeface="Cambria" panose="02040503050406030204" pitchFamily="18" charset="0"/>
+                <a:ea typeface="MS UI Gothic" panose="020B0600070205080204" pitchFamily="50" charset="-128"/>
+                <a:cs typeface="Source Han Sans JP Normal"/>
+              </a:rPr>
+              <a:t>をローテーション</a:t>
+            </a:r>
+            <a:endParaRPr lang="en-US" altLang="ja-JP" dirty="0">
+              <a:latin typeface="Cambria" panose="02040503050406030204" pitchFamily="18" charset="0"/>
+              <a:ea typeface="MS UI Gothic" panose="020B0600070205080204" pitchFamily="50" charset="-128"/>
+              <a:cs typeface="Source Han Sans JP Normal"/>
+            </a:endParaRPr>
+          </a:p>
+          <a:p>
+            <a:pPr marL="1143000" lvl="1" indent="-457200" eaLnBrk="1" hangingPunct="1"/>
+            <a:r>
+              <a:rPr lang="ja-JP" altLang="en-US" dirty="0">
+                <a:latin typeface="Cambria" panose="02040503050406030204" pitchFamily="18" charset="0"/>
+                <a:ea typeface="MS UI Gothic" panose="020B0600070205080204" pitchFamily="50" charset="-128"/>
+              </a:rPr>
+              <a:t>判定精度はトラッキングシステムを用いてフィードバックされる</a:t>
+            </a:r>
+            <a:endParaRPr lang="en-US" altLang="ja-JP" dirty="0">
+              <a:latin typeface="Cambria" panose="02040503050406030204" pitchFamily="18" charset="0"/>
+              <a:ea typeface="MS UI Gothic" panose="020B0600070205080204" pitchFamily="50" charset="-128"/>
+              <a:cs typeface="Source Han Sans JP Normal"/>
+            </a:endParaRPr>
+          </a:p>
+          <a:p>
+            <a:pPr marL="457200" indent="-457200" eaLnBrk="1" hangingPunct="1">
+              <a:buFont typeface="Arial" panose="020B0604020202020204" pitchFamily="34" charset="0"/>
+              <a:buChar char="•"/>
+            </a:pPr>
+            <a:endParaRPr lang="en-US" altLang="ja-JP" dirty="0">
+              <a:latin typeface="Cambria" panose="02040503050406030204" pitchFamily="18" charset="0"/>
+              <a:ea typeface="MS UI Gothic" panose="020B0600070205080204" pitchFamily="50" charset="-128"/>
+              <a:cs typeface="Source Han Sans JP Normal"/>
+            </a:endParaRPr>
+          </a:p>
+          <a:p>
+            <a:pPr marL="1143000" lvl="1" indent="-457200" eaLnBrk="1" hangingPunct="1"/>
+            <a:endParaRPr lang="ja-JP" altLang="en-US" sz="2800" dirty="0">
               <a:latin typeface="Cambria" panose="02040503050406030204" pitchFamily="18" charset="0"/>
               <a:ea typeface="MS UI Gothic" panose="020B0600070205080204" pitchFamily="50" charset="-128"/>
               <a:cs typeface="Source Han Sans JP Normal"/>
@@ -9924,10 +10728,93 @@
           </a:p>
         </p:txBody>
       </p:sp>
+      <p:pic>
+        <p:nvPicPr>
+          <p:cNvPr id="4" name="図 3" descr="グラフ, 散布図&#10;&#10;自動的に生成された説明">
+            <a:extLst>
+              <a:ext uri="{FF2B5EF4-FFF2-40B4-BE49-F238E27FC236}">
+                <a16:creationId xmlns:a16="http://schemas.microsoft.com/office/drawing/2014/main" id="{8D05C718-2F27-4165-A3A7-3E302B4B6781}"/>
+              </a:ext>
+            </a:extLst>
+          </p:cNvPr>
+          <p:cNvPicPr>
+            <a:picLocks noChangeAspect="1"/>
+          </p:cNvPicPr>
+          <p:nvPr/>
+        </p:nvPicPr>
+        <p:blipFill>
+          <a:blip r:embed="rId4">
+            <a:extLst>
+              <a:ext uri="{28A0092B-C50C-407E-A947-70E740481C1C}">
+                <a14:useLocalDpi xmlns:a14="http://schemas.microsoft.com/office/drawing/2010/main" val="0"/>
+              </a:ext>
+            </a:extLst>
+          </a:blip>
+          <a:stretch>
+            <a:fillRect/>
+          </a:stretch>
+        </p:blipFill>
+        <p:spPr>
+          <a:xfrm>
+            <a:off x="7271657" y="1772814"/>
+            <a:ext cx="4637320" cy="3312371"/>
+          </a:xfrm>
+          <a:prstGeom prst="rect">
+            <a:avLst/>
+          </a:prstGeom>
+          <a:ln>
+            <a:solidFill>
+              <a:schemeClr val="tx2"/>
+            </a:solidFill>
+          </a:ln>
+        </p:spPr>
+      </p:pic>
+      <p:sp>
+        <p:nvSpPr>
+          <p:cNvPr id="7" name="テキスト ボックス 6">
+            <a:extLst>
+              <a:ext uri="{FF2B5EF4-FFF2-40B4-BE49-F238E27FC236}">
+                <a16:creationId xmlns:a16="http://schemas.microsoft.com/office/drawing/2014/main" id="{2CD5D1AC-306E-4B0A-AB81-4B746E2ABA18}"/>
+              </a:ext>
+            </a:extLst>
+          </p:cNvPr>
+          <p:cNvSpPr txBox="1"/>
+          <p:nvPr/>
+        </p:nvSpPr>
+        <p:spPr>
+          <a:xfrm>
+            <a:off x="7262949" y="5085806"/>
+            <a:ext cx="4637320" cy="369332"/>
+          </a:xfrm>
+          <a:prstGeom prst="rect">
+            <a:avLst/>
+          </a:prstGeom>
+          <a:solidFill>
+            <a:srgbClr val="FF0000"/>
+          </a:solidFill>
+        </p:spPr>
+        <p:txBody>
+          <a:bodyPr wrap="square" rtlCol="0">
+            <a:spAutoFit/>
+          </a:bodyPr>
+          <a:lstStyle/>
+          <a:p>
+            <a:pPr algn="ctr"/>
+            <a:r>
+              <a:rPr kumimoji="1" lang="ja-JP" altLang="en-US" b="1" dirty="0">
+                <a:solidFill>
+                  <a:schemeClr val="bg1"/>
+                </a:solidFill>
+              </a:rPr>
+              <a:t>打者：大谷翔平選手のピッチコール</a:t>
+            </a:r>
+          </a:p>
+        </p:txBody>
+      </p:sp>
     </p:spTree>
     <p:extLst>
       <p:ext uri="{BB962C8B-B14F-4D97-AF65-F5344CB8AC3E}">
-        <p14:creationId xmlns:p14="http://schemas.microsoft.com/office/powerpoint/2010/main" val="2089700247"/>
+        <p14:creationId xmlns:p14="http://schemas.microsoft.com/office/powerpoint/2010/main" val="2091536466"/>
       </p:ext>
     </p:extLst>
   </p:cSld>
@@ -9994,7 +10881,7 @@
                 <a:ea typeface="MS UI Gothic" panose="020B0600070205080204" pitchFamily="50" charset="-128"/>
                 <a:cs typeface="+mj-cs"/>
               </a:rPr>
-              <a:t>Data &amp; Identification Strategy</a:t>
+              <a:t>Behavioral Biases</a:t>
             </a:r>
             <a:endParaRPr lang="ja-JP" altLang="en-US" dirty="0">
               <a:latin typeface="Cambria" panose="02040503050406030204" pitchFamily="18" charset="0"/>
@@ -10022,20 +10909,123 @@
         </p:nvSpPr>
         <p:spPr>
           <a:xfrm>
-            <a:off x="541338" y="1376363"/>
-            <a:ext cx="11109325" cy="4800600"/>
+            <a:off x="541339" y="1376363"/>
+            <a:ext cx="5554662" cy="4800600"/>
           </a:xfrm>
         </p:spPr>
         <p:txBody>
           <a:bodyPr/>
           <a:lstStyle/>
           <a:p>
-            <a:pPr eaLnBrk="1" hangingPunct="1"/>
-            <a:endParaRPr lang="ja-JP" altLang="en-US" dirty="0">
+            <a:pPr marL="342900" indent="-342900" eaLnBrk="1" hangingPunct="1">
+              <a:buFont typeface="Arial" panose="020B0604020202020204" pitchFamily="34" charset="0"/>
+              <a:buChar char="•"/>
+            </a:pPr>
+            <a:r>
+              <a:rPr lang="en-US" altLang="ja-JP" dirty="0">
+                <a:latin typeface="Cambria" panose="02040503050406030204" pitchFamily="18" charset="0"/>
+                <a:ea typeface="MS UI Gothic" panose="020B0600070205080204" pitchFamily="50" charset="-128"/>
+                <a:cs typeface="Source Han Sans JP Normal"/>
+              </a:rPr>
+              <a:t>Covid-19</a:t>
+            </a:r>
+            <a:r>
+              <a:rPr lang="ja-JP" altLang="en-US" dirty="0">
+                <a:latin typeface="Cambria" panose="02040503050406030204" pitchFamily="18" charset="0"/>
+                <a:ea typeface="MS UI Gothic" panose="020B0600070205080204" pitchFamily="50" charset="-128"/>
+                <a:cs typeface="Source Han Sans JP Normal"/>
+              </a:rPr>
+              <a:t>の感染拡大により、観客動員数が厳しく制限</a:t>
+            </a:r>
+            <a:endParaRPr lang="en-US" altLang="ja-JP" dirty="0">
               <a:latin typeface="Cambria" panose="02040503050406030204" pitchFamily="18" charset="0"/>
               <a:ea typeface="MS UI Gothic" panose="020B0600070205080204" pitchFamily="50" charset="-128"/>
               <a:cs typeface="Source Han Sans JP Normal"/>
             </a:endParaRPr>
+          </a:p>
+          <a:p>
+            <a:pPr marL="1028700" lvl="1" indent="-342900" eaLnBrk="1" hangingPunct="1"/>
+            <a:r>
+              <a:rPr lang="en-US" altLang="ja-JP" dirty="0">
+                <a:latin typeface="Cambria" panose="02040503050406030204" pitchFamily="18" charset="0"/>
+                <a:ea typeface="MS UI Gothic" panose="020B0600070205080204" pitchFamily="50" charset="-128"/>
+                <a:cs typeface="Source Han Sans JP Normal"/>
+              </a:rPr>
+              <a:t>2020</a:t>
+            </a:r>
+            <a:r>
+              <a:rPr lang="ja-JP" altLang="en-US" dirty="0">
+                <a:latin typeface="Cambria" panose="02040503050406030204" pitchFamily="18" charset="0"/>
+                <a:ea typeface="MS UI Gothic" panose="020B0600070205080204" pitchFamily="50" charset="-128"/>
+                <a:cs typeface="Source Han Sans JP Normal"/>
+              </a:rPr>
+              <a:t>年のレギュラーシーズンは無観客、</a:t>
+            </a:r>
+            <a:r>
+              <a:rPr lang="en-US" altLang="ja-JP" dirty="0">
+                <a:latin typeface="Cambria" panose="02040503050406030204" pitchFamily="18" charset="0"/>
+                <a:ea typeface="MS UI Gothic" panose="020B0600070205080204" pitchFamily="50" charset="-128"/>
+                <a:cs typeface="Source Han Sans JP Normal"/>
+              </a:rPr>
+              <a:t>2021</a:t>
+            </a:r>
+            <a:r>
+              <a:rPr lang="ja-JP" altLang="en-US" dirty="0">
+                <a:latin typeface="Cambria" panose="02040503050406030204" pitchFamily="18" charset="0"/>
+                <a:ea typeface="MS UI Gothic" panose="020B0600070205080204" pitchFamily="50" charset="-128"/>
+                <a:cs typeface="Source Han Sans JP Normal"/>
+              </a:rPr>
+              <a:t>年も一部制限</a:t>
+            </a:r>
+            <a:endParaRPr lang="en-US" altLang="ja-JP" dirty="0">
+              <a:latin typeface="Cambria" panose="02040503050406030204" pitchFamily="18" charset="0"/>
+              <a:ea typeface="MS UI Gothic" panose="020B0600070205080204" pitchFamily="50" charset="-128"/>
+              <a:cs typeface="Source Han Sans JP Normal"/>
+            </a:endParaRPr>
+          </a:p>
+          <a:p>
+            <a:pPr marL="1028700" lvl="1" indent="-342900" eaLnBrk="1" hangingPunct="1"/>
+            <a:r>
+              <a:rPr lang="ja-JP" altLang="en-US" dirty="0">
+                <a:latin typeface="Cambria" panose="02040503050406030204" pitchFamily="18" charset="0"/>
+                <a:ea typeface="MS UI Gothic" panose="020B0600070205080204" pitchFamily="50" charset="-128"/>
+              </a:rPr>
+              <a:t>それ以前のシーズンから予期することが難しい「外生的な」動員数の変動</a:t>
+            </a:r>
+            <a:endParaRPr lang="en-US" altLang="ja-JP" dirty="0">
+              <a:latin typeface="Cambria" panose="02040503050406030204" pitchFamily="18" charset="0"/>
+              <a:ea typeface="MS UI Gothic" panose="020B0600070205080204" pitchFamily="50" charset="-128"/>
+            </a:endParaRPr>
+          </a:p>
+          <a:p>
+            <a:pPr marL="1028700" lvl="1" indent="-342900" eaLnBrk="1" hangingPunct="1"/>
+            <a:r>
+              <a:rPr lang="ja-JP" altLang="en-US" dirty="0">
+                <a:latin typeface="Cambria" panose="02040503050406030204" pitchFamily="18" charset="0"/>
+                <a:ea typeface="MS UI Gothic" panose="020B0600070205080204" pitchFamily="50" charset="-128"/>
+                <a:cs typeface="Source Han Sans JP Normal"/>
+              </a:rPr>
+              <a:t>観客動員がバイアスの程度に及ぼす因果関係を識別できそう</a:t>
+            </a:r>
+            <a:endParaRPr lang="en-US" altLang="ja-JP" dirty="0">
+              <a:latin typeface="Cambria" panose="02040503050406030204" pitchFamily="18" charset="0"/>
+              <a:ea typeface="MS UI Gothic" panose="020B0600070205080204" pitchFamily="50" charset="-128"/>
+              <a:cs typeface="Source Han Sans JP Normal"/>
+            </a:endParaRPr>
+          </a:p>
+          <a:p>
+            <a:pPr marL="342900" indent="-342900" eaLnBrk="1" hangingPunct="1">
+              <a:buFont typeface="Arial" panose="020B0604020202020204" pitchFamily="34" charset="0"/>
+              <a:buChar char="•"/>
+            </a:pPr>
+            <a:r>
+              <a:rPr lang="ja-JP" altLang="en-US" dirty="0">
+                <a:latin typeface="Cambria" panose="02040503050406030204" pitchFamily="18" charset="0"/>
+                <a:ea typeface="MS UI Gothic" panose="020B0600070205080204" pitchFamily="50" charset="-128"/>
+                <a:cs typeface="Source Han Sans JP Normal"/>
+              </a:rPr>
+              <a:t>また、国境を跨ぐ移動・大規模な移動を減らすため、フランチャイズ球場で試合を行えないチームも存在</a:t>
+            </a:r>
           </a:p>
         </p:txBody>
       </p:sp>
@@ -10117,10 +11107,106 @@
           </a:p>
         </p:txBody>
       </p:sp>
+      <p:pic>
+        <p:nvPicPr>
+          <p:cNvPr id="8" name="図 7" descr="グラフ, 箱ひげ図&#10;&#10;自動的に生成された説明">
+            <a:extLst>
+              <a:ext uri="{FF2B5EF4-FFF2-40B4-BE49-F238E27FC236}">
+                <a16:creationId xmlns:a16="http://schemas.microsoft.com/office/drawing/2014/main" id="{FC4DE213-6967-4DFC-87AC-A0D0FEA85A94}"/>
+              </a:ext>
+            </a:extLst>
+          </p:cNvPr>
+          <p:cNvPicPr>
+            <a:picLocks noChangeAspect="1"/>
+          </p:cNvPicPr>
+          <p:nvPr/>
+        </p:nvPicPr>
+        <p:blipFill>
+          <a:blip r:embed="rId4">
+            <a:extLst>
+              <a:ext uri="{28A0092B-C50C-407E-A947-70E740481C1C}">
+                <a14:useLocalDpi xmlns:a14="http://schemas.microsoft.com/office/drawing/2010/main" val="0"/>
+              </a:ext>
+            </a:extLst>
+          </a:blip>
+          <a:stretch>
+            <a:fillRect/>
+          </a:stretch>
+        </p:blipFill>
+        <p:spPr>
+          <a:xfrm>
+            <a:off x="6685233" y="1921763"/>
+            <a:ext cx="4965429" cy="3275732"/>
+          </a:xfrm>
+          <a:prstGeom prst="rect">
+            <a:avLst/>
+          </a:prstGeom>
+          <a:ln>
+            <a:solidFill>
+              <a:srgbClr val="002060"/>
+            </a:solidFill>
+          </a:ln>
+        </p:spPr>
+      </p:pic>
+      <p:sp>
+        <p:nvSpPr>
+          <p:cNvPr id="10" name="テキスト ボックス 9">
+            <a:extLst>
+              <a:ext uri="{FF2B5EF4-FFF2-40B4-BE49-F238E27FC236}">
+                <a16:creationId xmlns:a16="http://schemas.microsoft.com/office/drawing/2014/main" id="{02C68642-27A7-4517-B223-153DE9451E55}"/>
+              </a:ext>
+            </a:extLst>
+          </p:cNvPr>
+          <p:cNvSpPr txBox="1"/>
+          <p:nvPr/>
+        </p:nvSpPr>
+        <p:spPr>
+          <a:xfrm>
+            <a:off x="6685232" y="5197495"/>
+            <a:ext cx="4965429" cy="369332"/>
+          </a:xfrm>
+          <a:prstGeom prst="rect">
+            <a:avLst/>
+          </a:prstGeom>
+          <a:solidFill>
+            <a:srgbClr val="0070C0"/>
+          </a:solidFill>
+        </p:spPr>
+        <p:txBody>
+          <a:bodyPr wrap="square" rtlCol="0">
+            <a:spAutoFit/>
+          </a:bodyPr>
+          <a:lstStyle/>
+          <a:p>
+            <a:pPr algn="ctr"/>
+            <a:r>
+              <a:rPr lang="en-US" altLang="ja-JP" b="1" dirty="0">
+                <a:solidFill>
+                  <a:schemeClr val="bg1"/>
+                </a:solidFill>
+              </a:rPr>
+              <a:t>MLB: </a:t>
+            </a:r>
+            <a:r>
+              <a:rPr lang="ja-JP" altLang="en-US" b="1" dirty="0">
+                <a:solidFill>
+                  <a:schemeClr val="bg1"/>
+                </a:solidFill>
+              </a:rPr>
+              <a:t>シーズンごとの観客動員数</a:t>
+            </a:r>
+            <a:endParaRPr kumimoji="1" lang="ja-JP" altLang="en-US" b="1" dirty="0">
+              <a:solidFill>
+                <a:schemeClr val="bg1"/>
+              </a:solidFill>
+            </a:endParaRPr>
+          </a:p>
+        </p:txBody>
+      </p:sp>
     </p:spTree>
     <p:extLst>
       <p:ext uri="{BB962C8B-B14F-4D97-AF65-F5344CB8AC3E}">
-        <p14:creationId xmlns:p14="http://schemas.microsoft.com/office/powerpoint/2010/main" val="2495977602"/>
+        <p14:creationId xmlns:p14="http://schemas.microsoft.com/office/powerpoint/2010/main" val="2149973772"/>
       </p:ext>
     </p:extLst>
   </p:cSld>
@@ -10187,39 +11273,7 @@
                 <a:ea typeface="MS UI Gothic" panose="020B0600070205080204" pitchFamily="50" charset="-128"/>
                 <a:cs typeface="+mj-cs"/>
               </a:rPr>
-              <a:t>Summary</a:t>
-            </a:r>
-            <a:r>
-              <a:rPr lang="ja-JP" altLang="en-US" dirty="0">
-                <a:latin typeface="Cambria" panose="02040503050406030204" pitchFamily="18" charset="0"/>
-                <a:ea typeface="MS UI Gothic" panose="020B0600070205080204" pitchFamily="50" charset="-128"/>
-                <a:cs typeface="+mj-cs"/>
-              </a:rPr>
-              <a:t> </a:t>
-            </a:r>
-            <a:r>
-              <a:rPr lang="en-US" altLang="ja-JP" dirty="0">
-                <a:latin typeface="Cambria" panose="02040503050406030204" pitchFamily="18" charset="0"/>
-                <a:ea typeface="MS UI Gothic" panose="020B0600070205080204" pitchFamily="50" charset="-128"/>
-                <a:cs typeface="+mj-cs"/>
-              </a:rPr>
-              <a:t>of</a:t>
-            </a:r>
-            <a:r>
-              <a:rPr lang="ja-JP" altLang="en-US" dirty="0">
-                <a:latin typeface="Cambria" panose="02040503050406030204" pitchFamily="18" charset="0"/>
-                <a:ea typeface="MS UI Gothic" panose="020B0600070205080204" pitchFamily="50" charset="-128"/>
-                <a:cs typeface="+mj-cs"/>
-              </a:rPr>
-              <a:t> </a:t>
-            </a:r>
-            <a:r>
-              <a:rPr lang="en-US" altLang="ja-JP" dirty="0">
-                <a:latin typeface="Cambria" panose="02040503050406030204" pitchFamily="18" charset="0"/>
-                <a:ea typeface="MS UI Gothic" panose="020B0600070205080204" pitchFamily="50" charset="-128"/>
-                <a:cs typeface="+mj-cs"/>
-              </a:rPr>
-              <a:t>Results</a:t>
+              <a:t>Data &amp; Identification Strategy</a:t>
             </a:r>
             <a:endParaRPr lang="ja-JP" altLang="en-US" dirty="0">
               <a:latin typeface="Cambria" panose="02040503050406030204" pitchFamily="18" charset="0"/>
@@ -10255,7 +11309,165 @@
           <a:bodyPr/>
           <a:lstStyle/>
           <a:p>
-            <a:pPr eaLnBrk="1" hangingPunct="1"/>
+            <a:pPr marL="342900" indent="-342900" eaLnBrk="1" hangingPunct="1">
+              <a:buFont typeface="Arial" panose="020B0604020202020204" pitchFamily="34" charset="0"/>
+              <a:buChar char="•"/>
+            </a:pPr>
+            <a:r>
+              <a:rPr lang="ja-JP" altLang="en-US" dirty="0">
+                <a:latin typeface="Cambria" panose="02040503050406030204" pitchFamily="18" charset="0"/>
+                <a:ea typeface="MS UI Gothic" panose="020B0600070205080204" pitchFamily="50" charset="-128"/>
+                <a:cs typeface="Source Han Sans JP Normal"/>
+              </a:rPr>
+              <a:t>使用データ</a:t>
+            </a:r>
+            <a:endParaRPr lang="en-US" altLang="ja-JP" dirty="0">
+              <a:latin typeface="Cambria" panose="02040503050406030204" pitchFamily="18" charset="0"/>
+              <a:ea typeface="MS UI Gothic" panose="020B0600070205080204" pitchFamily="50" charset="-128"/>
+              <a:cs typeface="Source Han Sans JP Normal"/>
+            </a:endParaRPr>
+          </a:p>
+          <a:p>
+            <a:pPr marL="1028700" lvl="1" indent="-342900" eaLnBrk="1" hangingPunct="1"/>
+            <a:r>
+              <a:rPr lang="ja-JP" altLang="en-US" dirty="0">
+                <a:latin typeface="Cambria" panose="02040503050406030204" pitchFamily="18" charset="0"/>
+                <a:ea typeface="MS UI Gothic" panose="020B0600070205080204" pitchFamily="50" charset="-128"/>
+              </a:rPr>
+              <a:t>一球データ：</a:t>
+            </a:r>
+            <a:r>
+              <a:rPr lang="en-US" altLang="ja-JP" dirty="0">
+                <a:latin typeface="Cambria" panose="02040503050406030204" pitchFamily="18" charset="0"/>
+                <a:ea typeface="MS UI Gothic" panose="020B0600070205080204" pitchFamily="50" charset="-128"/>
+              </a:rPr>
+              <a:t>MLBAM</a:t>
+            </a:r>
+            <a:r>
+              <a:rPr lang="ja-JP" altLang="en-US" dirty="0">
+                <a:latin typeface="Cambria" panose="02040503050406030204" pitchFamily="18" charset="0"/>
+                <a:ea typeface="MS UI Gothic" panose="020B0600070205080204" pitchFamily="50" charset="-128"/>
+              </a:rPr>
+              <a:t>が</a:t>
+            </a:r>
+            <a:r>
+              <a:rPr lang="en-US" altLang="ja-JP" dirty="0">
+                <a:latin typeface="Cambria" panose="02040503050406030204" pitchFamily="18" charset="0"/>
+                <a:ea typeface="MS UI Gothic" panose="020B0600070205080204" pitchFamily="50" charset="-128"/>
+              </a:rPr>
+              <a:t>Baseball Savant</a:t>
+            </a:r>
+            <a:r>
+              <a:rPr lang="ja-JP" altLang="en-US" dirty="0">
+                <a:latin typeface="Cambria" panose="02040503050406030204" pitchFamily="18" charset="0"/>
+                <a:ea typeface="MS UI Gothic" panose="020B0600070205080204" pitchFamily="50" charset="-128"/>
+              </a:rPr>
+              <a:t>で公開している投球のトラッキングデータ</a:t>
+            </a:r>
+            <a:endParaRPr lang="en-US" altLang="ja-JP" dirty="0">
+              <a:latin typeface="Cambria" panose="02040503050406030204" pitchFamily="18" charset="0"/>
+              <a:ea typeface="MS UI Gothic" panose="020B0600070205080204" pitchFamily="50" charset="-128"/>
+            </a:endParaRPr>
+          </a:p>
+          <a:p>
+            <a:pPr marL="1028700" lvl="1" indent="-342900" eaLnBrk="1" hangingPunct="1"/>
+            <a:endParaRPr lang="en-US" altLang="ja-JP" dirty="0">
+              <a:latin typeface="Cambria" panose="02040503050406030204" pitchFamily="18" charset="0"/>
+              <a:ea typeface="MS UI Gothic" panose="020B0600070205080204" pitchFamily="50" charset="-128"/>
+              <a:cs typeface="Source Han Sans JP Normal"/>
+            </a:endParaRPr>
+          </a:p>
+          <a:p>
+            <a:pPr marL="1028700" lvl="1" indent="-342900" eaLnBrk="1" hangingPunct="1"/>
+            <a:r>
+              <a:rPr lang="ja-JP" altLang="en-US" dirty="0">
+                <a:latin typeface="Cambria" panose="02040503050406030204" pitchFamily="18" charset="0"/>
+                <a:ea typeface="MS UI Gothic" panose="020B0600070205080204" pitchFamily="50" charset="-128"/>
+                <a:cs typeface="Source Han Sans JP Normal"/>
+              </a:rPr>
+              <a:t>データの取得・成型には</a:t>
+            </a:r>
+            <a:r>
+              <a:rPr lang="en-US" altLang="ja-JP" dirty="0">
+                <a:latin typeface="Cambria" panose="02040503050406030204" pitchFamily="18" charset="0"/>
+                <a:ea typeface="MS UI Gothic" panose="020B0600070205080204" pitchFamily="50" charset="-128"/>
+                <a:cs typeface="Source Han Sans JP Normal"/>
+              </a:rPr>
+              <a:t>R</a:t>
+            </a:r>
+            <a:r>
+              <a:rPr lang="ja-JP" altLang="en-US" dirty="0">
+                <a:latin typeface="Cambria" panose="02040503050406030204" pitchFamily="18" charset="0"/>
+                <a:ea typeface="MS UI Gothic" panose="020B0600070205080204" pitchFamily="50" charset="-128"/>
+                <a:cs typeface="Source Han Sans JP Normal"/>
+              </a:rPr>
+              <a:t>を利用 </a:t>
+            </a:r>
+            <a:r>
+              <a:rPr lang="en-US" altLang="ja-JP" dirty="0">
+                <a:latin typeface="Cambria" panose="02040503050406030204" pitchFamily="18" charset="0"/>
+                <a:ea typeface="MS UI Gothic" panose="020B0600070205080204" pitchFamily="50" charset="-128"/>
+                <a:cs typeface="Source Han Sans JP Normal"/>
+              </a:rPr>
+              <a:t>(</a:t>
+            </a:r>
+            <a:r>
+              <a:rPr lang="en-US" altLang="ja-JP" dirty="0" err="1">
+                <a:latin typeface="Cambria" panose="02040503050406030204" pitchFamily="18" charset="0"/>
+                <a:ea typeface="MS UI Gothic" panose="020B0600070205080204" pitchFamily="50" charset="-128"/>
+                <a:cs typeface="Source Han Sans JP Normal"/>
+              </a:rPr>
+              <a:t>baseballr</a:t>
+            </a:r>
+            <a:r>
+              <a:rPr lang="ja-JP" altLang="en-US" dirty="0">
+                <a:latin typeface="Cambria" panose="02040503050406030204" pitchFamily="18" charset="0"/>
+                <a:ea typeface="MS UI Gothic" panose="020B0600070205080204" pitchFamily="50" charset="-128"/>
+                <a:cs typeface="Source Han Sans JP Normal"/>
+              </a:rPr>
+              <a:t>パッケージがとても便利</a:t>
+            </a:r>
+            <a:r>
+              <a:rPr lang="en-US" altLang="ja-JP" dirty="0">
+                <a:latin typeface="Cambria" panose="02040503050406030204" pitchFamily="18" charset="0"/>
+                <a:ea typeface="MS UI Gothic" panose="020B0600070205080204" pitchFamily="50" charset="-128"/>
+                <a:cs typeface="Source Han Sans JP Normal"/>
+              </a:rPr>
+              <a:t>)</a:t>
+            </a:r>
+          </a:p>
+          <a:p>
+            <a:pPr marL="342900" indent="-342900" eaLnBrk="1" hangingPunct="1">
+              <a:buFont typeface="Arial" panose="020B0604020202020204" pitchFamily="34" charset="0"/>
+              <a:buChar char="•"/>
+            </a:pPr>
+            <a:endParaRPr lang="en-US" altLang="ja-JP" dirty="0">
+              <a:latin typeface="Cambria" panose="02040503050406030204" pitchFamily="18" charset="0"/>
+              <a:ea typeface="MS UI Gothic" panose="020B0600070205080204" pitchFamily="50" charset="-128"/>
+              <a:cs typeface="Source Han Sans JP Normal"/>
+            </a:endParaRPr>
+          </a:p>
+          <a:p>
+            <a:pPr marL="342900" indent="-342900" eaLnBrk="1" hangingPunct="1">
+              <a:buFont typeface="Arial" panose="020B0604020202020204" pitchFamily="34" charset="0"/>
+              <a:buChar char="•"/>
+            </a:pPr>
+            <a:r>
+              <a:rPr lang="ja-JP" altLang="en-US" dirty="0">
+                <a:latin typeface="Cambria" panose="02040503050406030204" pitchFamily="18" charset="0"/>
+                <a:ea typeface="MS UI Gothic" panose="020B0600070205080204" pitchFamily="50" charset="-128"/>
+                <a:cs typeface="Source Han Sans JP Normal"/>
+              </a:rPr>
+              <a:t>分析方法</a:t>
+            </a:r>
+            <a:endParaRPr lang="en-US" altLang="ja-JP" dirty="0">
+              <a:latin typeface="Cambria" panose="02040503050406030204" pitchFamily="18" charset="0"/>
+              <a:ea typeface="MS UI Gothic" panose="020B0600070205080204" pitchFamily="50" charset="-128"/>
+              <a:cs typeface="Source Han Sans JP Normal"/>
+            </a:endParaRPr>
+          </a:p>
+          <a:p>
+            <a:pPr marL="1028700" lvl="1" indent="-342900" eaLnBrk="1" hangingPunct="1"/>
             <a:endParaRPr lang="ja-JP" altLang="en-US" dirty="0">
               <a:latin typeface="Cambria" panose="02040503050406030204" pitchFamily="18" charset="0"/>
               <a:ea typeface="MS UI Gothic" panose="020B0600070205080204" pitchFamily="50" charset="-128"/>
@@ -10345,7 +11557,7 @@
     </p:spTree>
     <p:extLst>
       <p:ext uri="{BB962C8B-B14F-4D97-AF65-F5344CB8AC3E}">
-        <p14:creationId xmlns:p14="http://schemas.microsoft.com/office/powerpoint/2010/main" val="1808147730"/>
+        <p14:creationId xmlns:p14="http://schemas.microsoft.com/office/powerpoint/2010/main" val="2495977602"/>
       </p:ext>
     </p:extLst>
   </p:cSld>
@@ -10412,7 +11624,7 @@
                 <a:ea typeface="MS UI Gothic" panose="020B0600070205080204" pitchFamily="50" charset="-128"/>
                 <a:cs typeface="+mj-cs"/>
               </a:rPr>
-              <a:t>Effects</a:t>
+              <a:t>Summary</a:t>
             </a:r>
             <a:r>
               <a:rPr lang="ja-JP" altLang="en-US" dirty="0">
@@ -10444,7 +11656,7 @@
                 <a:ea typeface="MS UI Gothic" panose="020B0600070205080204" pitchFamily="50" charset="-128"/>
                 <a:cs typeface="+mj-cs"/>
               </a:rPr>
-              <a:t>Spectators</a:t>
+              <a:t>Results</a:t>
             </a:r>
             <a:endParaRPr lang="ja-JP" altLang="en-US" dirty="0">
               <a:latin typeface="Cambria" panose="02040503050406030204" pitchFamily="18" charset="0"/>
@@ -10570,7 +11782,7 @@
     </p:spTree>
     <p:extLst>
       <p:ext uri="{BB962C8B-B14F-4D97-AF65-F5344CB8AC3E}">
-        <p14:creationId xmlns:p14="http://schemas.microsoft.com/office/powerpoint/2010/main" val="3377009313"/>
+        <p14:creationId xmlns:p14="http://schemas.microsoft.com/office/powerpoint/2010/main" val="1808147730"/>
       </p:ext>
     </p:extLst>
   </p:cSld>

--- a/slides/spoana13.pptx
+++ b/slides/spoana13.pptx
@@ -210,7 +210,7 @@
           <a:p>
             <a:fld id="{DE37EDCA-4771-4610-925E-8EEDA908E30D}" type="datetimeFigureOut">
               <a:rPr kumimoji="1" lang="ja-JP" altLang="en-US" smtClean="0"/>
-              <a:t>2022/11/16</a:t>
+              <a:t>2022/11/17</a:t>
             </a:fld>
             <a:endParaRPr kumimoji="1" lang="ja-JP" altLang="en-US"/>
           </a:p>
@@ -3456,7 +3456,7 @@
           <a:p>
             <a:fld id="{3D56D7E1-3519-40E1-A263-6500AF722914}" type="datetimeFigureOut">
               <a:rPr kumimoji="1" lang="ja-JP" altLang="en-US" smtClean="0"/>
-              <a:t>2022/11/16</a:t>
+              <a:t>2022/11/17</a:t>
             </a:fld>
             <a:endParaRPr kumimoji="1" lang="ja-JP" altLang="en-US"/>
           </a:p>
@@ -3686,7 +3686,7 @@
           <a:p>
             <a:fld id="{3D56D7E1-3519-40E1-A263-6500AF722914}" type="datetimeFigureOut">
               <a:rPr kumimoji="1" lang="ja-JP" altLang="en-US" smtClean="0"/>
-              <a:t>2022/11/16</a:t>
+              <a:t>2022/11/17</a:t>
             </a:fld>
             <a:endParaRPr kumimoji="1" lang="ja-JP" altLang="en-US"/>
           </a:p>
@@ -3926,7 +3926,7 @@
           <a:p>
             <a:fld id="{3D56D7E1-3519-40E1-A263-6500AF722914}" type="datetimeFigureOut">
               <a:rPr kumimoji="1" lang="ja-JP" altLang="en-US" smtClean="0"/>
-              <a:t>2022/11/16</a:t>
+              <a:t>2022/11/17</a:t>
             </a:fld>
             <a:endParaRPr kumimoji="1" lang="ja-JP" altLang="en-US"/>
           </a:p>
@@ -4168,7 +4168,7 @@
               <a:pPr>
                 <a:defRPr/>
               </a:pPr>
-              <a:t>2022/11/16</a:t>
+              <a:t>2022/11/17</a:t>
             </a:fld>
             <a:endParaRPr lang="ja-JP" altLang="en-US"/>
           </a:p>
@@ -4472,7 +4472,7 @@
               <a:pPr>
                 <a:defRPr/>
               </a:pPr>
-              <a:t>2022/11/16</a:t>
+              <a:t>2022/11/17</a:t>
             </a:fld>
             <a:endParaRPr lang="ja-JP" altLang="en-US"/>
           </a:p>
@@ -4744,7 +4744,7 @@
           <a:p>
             <a:fld id="{3D56D7E1-3519-40E1-A263-6500AF722914}" type="datetimeFigureOut">
               <a:rPr kumimoji="1" lang="ja-JP" altLang="en-US" smtClean="0"/>
-              <a:t>2022/11/16</a:t>
+              <a:t>2022/11/17</a:t>
             </a:fld>
             <a:endParaRPr kumimoji="1" lang="ja-JP" altLang="en-US"/>
           </a:p>
@@ -5019,7 +5019,7 @@
           <a:p>
             <a:fld id="{3D56D7E1-3519-40E1-A263-6500AF722914}" type="datetimeFigureOut">
               <a:rPr kumimoji="1" lang="ja-JP" altLang="en-US" smtClean="0"/>
-              <a:t>2022/11/16</a:t>
+              <a:t>2022/11/17</a:t>
             </a:fld>
             <a:endParaRPr kumimoji="1" lang="ja-JP" altLang="en-US"/>
           </a:p>
@@ -5348,7 +5348,7 @@
           <a:p>
             <a:fld id="{3D56D7E1-3519-40E1-A263-6500AF722914}" type="datetimeFigureOut">
               <a:rPr kumimoji="1" lang="ja-JP" altLang="en-US" smtClean="0"/>
-              <a:t>2022/11/16</a:t>
+              <a:t>2022/11/17</a:t>
             </a:fld>
             <a:endParaRPr kumimoji="1" lang="ja-JP" altLang="en-US"/>
           </a:p>
@@ -5824,7 +5824,7 @@
           <a:p>
             <a:fld id="{3D56D7E1-3519-40E1-A263-6500AF722914}" type="datetimeFigureOut">
               <a:rPr kumimoji="1" lang="ja-JP" altLang="en-US" smtClean="0"/>
-              <a:t>2022/11/16</a:t>
+              <a:t>2022/11/17</a:t>
             </a:fld>
             <a:endParaRPr kumimoji="1" lang="ja-JP" altLang="en-US"/>
           </a:p>
@@ -5965,7 +5965,7 @@
           <a:p>
             <a:fld id="{3D56D7E1-3519-40E1-A263-6500AF722914}" type="datetimeFigureOut">
               <a:rPr kumimoji="1" lang="ja-JP" altLang="en-US" smtClean="0"/>
-              <a:t>2022/11/16</a:t>
+              <a:t>2022/11/17</a:t>
             </a:fld>
             <a:endParaRPr kumimoji="1" lang="ja-JP" altLang="en-US"/>
           </a:p>
@@ -6078,7 +6078,7 @@
           <a:p>
             <a:fld id="{3D56D7E1-3519-40E1-A263-6500AF722914}" type="datetimeFigureOut">
               <a:rPr kumimoji="1" lang="ja-JP" altLang="en-US" smtClean="0"/>
-              <a:t>2022/11/16</a:t>
+              <a:t>2022/11/17</a:t>
             </a:fld>
             <a:endParaRPr kumimoji="1" lang="ja-JP" altLang="en-US"/>
           </a:p>
@@ -6421,7 +6421,7 @@
           <a:p>
             <a:fld id="{3D56D7E1-3519-40E1-A263-6500AF722914}" type="datetimeFigureOut">
               <a:rPr kumimoji="1" lang="ja-JP" altLang="en-US" smtClean="0"/>
-              <a:t>2022/11/16</a:t>
+              <a:t>2022/11/17</a:t>
             </a:fld>
             <a:endParaRPr kumimoji="1" lang="ja-JP" altLang="en-US"/>
           </a:p>
@@ -6709,7 +6709,7 @@
           <a:p>
             <a:fld id="{3D56D7E1-3519-40E1-A263-6500AF722914}" type="datetimeFigureOut">
               <a:rPr kumimoji="1" lang="ja-JP" altLang="en-US" smtClean="0"/>
-              <a:t>2022/11/16</a:t>
+              <a:t>2022/11/17</a:t>
             </a:fld>
             <a:endParaRPr kumimoji="1" lang="ja-JP" altLang="en-US"/>
           </a:p>
@@ -6982,7 +6982,7 @@
           <a:p>
             <a:fld id="{3D56D7E1-3519-40E1-A263-6500AF722914}" type="datetimeFigureOut">
               <a:rPr kumimoji="1" lang="ja-JP" altLang="en-US" smtClean="0"/>
-              <a:t>2022/11/16</a:t>
+              <a:t>2022/11/17</a:t>
             </a:fld>
             <a:endParaRPr kumimoji="1" lang="ja-JP" altLang="en-US"/>
           </a:p>
@@ -8155,6 +8155,14 @@
               </a:rPr>
               <a:t>ピッチコールの公平性と観客の存在</a:t>
             </a:r>
+            <a:r>
+              <a:rPr lang="en-US" altLang="ja-JP" sz="4000" dirty="0">
+                <a:latin typeface="Cambria" panose="02040503050406030204" pitchFamily="18" charset="0"/>
+                <a:ea typeface="MS UI Gothic" panose="020B0600070205080204" pitchFamily="50" charset="-128"/>
+                <a:cs typeface="Source Han Sans JP Normal"/>
+              </a:rPr>
+              <a:t/>
+            </a:r>
             <a:br>
               <a:rPr lang="en-US" altLang="ja-JP" sz="4000" dirty="0">
                 <a:latin typeface="Cambria" panose="02040503050406030204" pitchFamily="18" charset="0"/>
@@ -8274,7 +8282,7 @@
           <p:nvPr/>
         </p:nvPicPr>
         <p:blipFill>
-          <a:blip r:embed="rId3">
+          <a:blip r:embed="rId3" cstate="hqprint">
             <a:extLst>
               <a:ext uri="{28A0092B-C50C-407E-A947-70E740481C1C}">
                 <a14:useLocalDpi xmlns:a14="http://schemas.microsoft.com/office/drawing/2010/main" val="0"/>
@@ -8352,7 +8360,7 @@
           <p:nvPr/>
         </p:nvPicPr>
         <p:blipFill>
-          <a:blip r:embed="rId4">
+          <a:blip r:embed="rId4" cstate="hqprint">
             <a:extLst>
               <a:ext uri="{28A0092B-C50C-407E-A947-70E740481C1C}">
                 <a14:useLocalDpi xmlns:a14="http://schemas.microsoft.com/office/drawing/2010/main" val="0"/>
@@ -8530,7 +8538,7 @@
           <p:nvPr/>
         </p:nvPicPr>
         <p:blipFill>
-          <a:blip r:embed="rId3">
+          <a:blip r:embed="rId3" cstate="hqprint">
             <a:extLst>
               <a:ext uri="{28A0092B-C50C-407E-A947-70E740481C1C}">
                 <a14:useLocalDpi xmlns:a14="http://schemas.microsoft.com/office/drawing/2010/main" val="0"/>
@@ -8723,7 +8731,7 @@
           <p:nvPr/>
         </p:nvPicPr>
         <p:blipFill>
-          <a:blip r:embed="rId3">
+          <a:blip r:embed="rId3" cstate="hqprint">
             <a:extLst>
               <a:ext uri="{28A0092B-C50C-407E-A947-70E740481C1C}">
                 <a14:useLocalDpi xmlns:a14="http://schemas.microsoft.com/office/drawing/2010/main" val="0"/>
@@ -8916,7 +8924,7 @@
           <p:nvPr/>
         </p:nvPicPr>
         <p:blipFill>
-          <a:blip r:embed="rId3">
+          <a:blip r:embed="rId3" cstate="hqprint">
             <a:extLst>
               <a:ext uri="{28A0092B-C50C-407E-A947-70E740481C1C}">
                 <a14:useLocalDpi xmlns:a14="http://schemas.microsoft.com/office/drawing/2010/main" val="0"/>
@@ -9109,7 +9117,7 @@
           <p:nvPr/>
         </p:nvPicPr>
         <p:blipFill>
-          <a:blip r:embed="rId3">
+          <a:blip r:embed="rId3" cstate="hqprint">
             <a:extLst>
               <a:ext uri="{28A0092B-C50C-407E-A947-70E740481C1C}">
                 <a14:useLocalDpi xmlns:a14="http://schemas.microsoft.com/office/drawing/2010/main" val="0"/>
@@ -9553,7 +9561,7 @@
           <p:nvPr/>
         </p:nvPicPr>
         <p:blipFill>
-          <a:blip r:embed="rId3">
+          <a:blip r:embed="rId3" cstate="hqprint">
             <a:extLst>
               <a:ext uri="{28A0092B-C50C-407E-A947-70E740481C1C}">
                 <a14:useLocalDpi xmlns:a14="http://schemas.microsoft.com/office/drawing/2010/main" val="0"/>
@@ -9631,7 +9639,7 @@
           <p:nvPr/>
         </p:nvPicPr>
         <p:blipFill>
-          <a:blip r:embed="rId4">
+          <a:blip r:embed="rId4" cstate="hqprint">
             <a:extLst>
               <a:ext uri="{28A0092B-C50C-407E-A947-70E740481C1C}">
                 <a14:useLocalDpi xmlns:a14="http://schemas.microsoft.com/office/drawing/2010/main" val="0"/>
@@ -9846,7 +9854,7 @@
           <p:nvPr/>
         </p:nvPicPr>
         <p:blipFill>
-          <a:blip r:embed="rId3">
+          <a:blip r:embed="rId3" cstate="hqprint">
             <a:extLst>
               <a:ext uri="{28A0092B-C50C-407E-A947-70E740481C1C}">
                 <a14:useLocalDpi xmlns:a14="http://schemas.microsoft.com/office/drawing/2010/main" val="0"/>
@@ -10075,7 +10083,7 @@
           <p:nvPr/>
         </p:nvPicPr>
         <p:blipFill>
-          <a:blip r:embed="rId3">
+          <a:blip r:embed="rId3" cstate="hqprint">
             <a:extLst>
               <a:ext uri="{28A0092B-C50C-407E-A947-70E740481C1C}">
                 <a14:useLocalDpi xmlns:a14="http://schemas.microsoft.com/office/drawing/2010/main" val="0"/>
@@ -10293,7 +10301,7 @@
           <p:nvPr/>
         </p:nvPicPr>
         <p:blipFill>
-          <a:blip r:embed="rId3">
+          <a:blip r:embed="rId3" cstate="hqprint">
             <a:extLst>
               <a:ext uri="{28A0092B-C50C-407E-A947-70E740481C1C}">
                 <a14:useLocalDpi xmlns:a14="http://schemas.microsoft.com/office/drawing/2010/main" val="0"/>
@@ -10534,6 +10542,13 @@
               </a:rPr>
               <a:t>が見送り投球</a:t>
             </a:r>
+            <a:r>
+              <a:rPr lang="en-US" altLang="ja-JP" dirty="0">
+                <a:latin typeface="Cambria" panose="02040503050406030204" pitchFamily="18" charset="0"/>
+                <a:ea typeface="MS UI Gothic" panose="020B0600070205080204" pitchFamily="50" charset="-128"/>
+              </a:rPr>
+              <a:t/>
+            </a:r>
             <a:br>
               <a:rPr lang="en-US" altLang="ja-JP" dirty="0">
                 <a:latin typeface="Cambria" panose="02040503050406030204" pitchFamily="18" charset="0"/>
@@ -10665,7 +10680,7 @@
           <p:nvPr/>
         </p:nvPicPr>
         <p:blipFill>
-          <a:blip r:embed="rId3">
+          <a:blip r:embed="rId3" cstate="hqprint">
             <a:extLst>
               <a:ext uri="{28A0092B-C50C-407E-A947-70E740481C1C}">
                 <a14:useLocalDpi xmlns:a14="http://schemas.microsoft.com/office/drawing/2010/main" val="0"/>
@@ -10743,7 +10758,7 @@
           <p:nvPr/>
         </p:nvPicPr>
         <p:blipFill>
-          <a:blip r:embed="rId4">
+          <a:blip r:embed="rId4" cstate="hqprint">
             <a:extLst>
               <a:ext uri="{28A0092B-C50C-407E-A947-70E740481C1C}">
                 <a14:useLocalDpi xmlns:a14="http://schemas.microsoft.com/office/drawing/2010/main" val="0"/>
@@ -11044,7 +11059,7 @@
           <p:nvPr/>
         </p:nvPicPr>
         <p:blipFill>
-          <a:blip r:embed="rId3">
+          <a:blip r:embed="rId3" cstate="hqprint">
             <a:extLst>
               <a:ext uri="{28A0092B-C50C-407E-A947-70E740481C1C}">
                 <a14:useLocalDpi xmlns:a14="http://schemas.microsoft.com/office/drawing/2010/main" val="0"/>
@@ -11371,6 +11386,93 @@
           </a:p>
           <a:p>
             <a:pPr marL="1028700" lvl="1" indent="-342900" eaLnBrk="1" hangingPunct="1"/>
+            <a:r>
+              <a:rPr lang="ja-JP" altLang="en-US" dirty="0" smtClean="0">
+                <a:latin typeface="Cambria" panose="02040503050406030204" pitchFamily="18" charset="0"/>
+                <a:ea typeface="MS UI Gothic" panose="020B0600070205080204" pitchFamily="50" charset="-128"/>
+                <a:cs typeface="Source Han Sans JP Normal"/>
+              </a:rPr>
+              <a:t>試合データ：</a:t>
+            </a:r>
+            <a:r>
+              <a:rPr lang="en-US" altLang="ja-JP" dirty="0" smtClean="0">
+                <a:latin typeface="Cambria" panose="02040503050406030204" pitchFamily="18" charset="0"/>
+                <a:ea typeface="MS UI Gothic" panose="020B0600070205080204" pitchFamily="50" charset="-128"/>
+                <a:cs typeface="Source Han Sans JP Normal"/>
+              </a:rPr>
+              <a:t>MLBAM</a:t>
+            </a:r>
+            <a:r>
+              <a:rPr lang="ja-JP" altLang="en-US" dirty="0" smtClean="0">
+                <a:latin typeface="Cambria" panose="02040503050406030204" pitchFamily="18" charset="0"/>
+                <a:ea typeface="MS UI Gothic" panose="020B0600070205080204" pitchFamily="50" charset="-128"/>
+                <a:cs typeface="Source Han Sans JP Normal"/>
+              </a:rPr>
+              <a:t>が公開する試合球場、審判などのデータ</a:t>
+            </a:r>
+            <a:endParaRPr lang="en-US" altLang="ja-JP" dirty="0" smtClean="0">
+              <a:latin typeface="Cambria" panose="02040503050406030204" pitchFamily="18" charset="0"/>
+              <a:ea typeface="MS UI Gothic" panose="020B0600070205080204" pitchFamily="50" charset="-128"/>
+              <a:cs typeface="Source Han Sans JP Normal"/>
+            </a:endParaRPr>
+          </a:p>
+          <a:p>
+            <a:pPr marL="1028700" lvl="1" indent="-342900" eaLnBrk="1" hangingPunct="1"/>
+            <a:r>
+              <a:rPr lang="ja-JP" altLang="en-US" dirty="0" smtClean="0">
+                <a:latin typeface="Cambria" panose="02040503050406030204" pitchFamily="18" charset="0"/>
+                <a:ea typeface="MS UI Gothic" panose="020B0600070205080204" pitchFamily="50" charset="-128"/>
+                <a:cs typeface="Source Han Sans JP Normal"/>
+              </a:rPr>
+              <a:t>選手データ：</a:t>
+            </a:r>
+            <a:r>
+              <a:rPr lang="en-US" altLang="ja-JP" dirty="0" err="1" smtClean="0">
+                <a:latin typeface="Cambria" panose="02040503050406030204" pitchFamily="18" charset="0"/>
+                <a:ea typeface="MS UI Gothic" panose="020B0600070205080204" pitchFamily="50" charset="-128"/>
+                <a:cs typeface="Source Han Sans JP Normal"/>
+              </a:rPr>
+              <a:t>Lahman</a:t>
+            </a:r>
+            <a:r>
+              <a:rPr lang="ja-JP" altLang="en-US" dirty="0" smtClean="0">
+                <a:latin typeface="Cambria" panose="02040503050406030204" pitchFamily="18" charset="0"/>
+                <a:ea typeface="MS UI Gothic" panose="020B0600070205080204" pitchFamily="50" charset="-128"/>
+                <a:cs typeface="Source Han Sans JP Normal"/>
+              </a:rPr>
+              <a:t>データセット、</a:t>
+            </a:r>
+            <a:r>
+              <a:rPr lang="en-US" altLang="ja-JP" dirty="0" smtClean="0">
+                <a:latin typeface="Cambria" panose="02040503050406030204" pitchFamily="18" charset="0"/>
+                <a:ea typeface="MS UI Gothic" panose="020B0600070205080204" pitchFamily="50" charset="-128"/>
+                <a:cs typeface="Source Han Sans JP Normal"/>
+              </a:rPr>
+              <a:t>Chadwick Baseball Bureau, </a:t>
+            </a:r>
+            <a:r>
+              <a:rPr lang="en-US" altLang="ja-JP" dirty="0" err="1" smtClean="0">
+                <a:latin typeface="Cambria" panose="02040503050406030204" pitchFamily="18" charset="0"/>
+                <a:ea typeface="MS UI Gothic" panose="020B0600070205080204" pitchFamily="50" charset="-128"/>
+                <a:cs typeface="Source Han Sans JP Normal"/>
+              </a:rPr>
+              <a:t>Fangprahs</a:t>
+            </a:r>
+            <a:r>
+              <a:rPr lang="en-US" altLang="ja-JP" dirty="0" smtClean="0">
+                <a:latin typeface="Cambria" panose="02040503050406030204" pitchFamily="18" charset="0"/>
+                <a:ea typeface="MS UI Gothic" panose="020B0600070205080204" pitchFamily="50" charset="-128"/>
+                <a:cs typeface="Source Han Sans JP Normal"/>
+              </a:rPr>
+              <a:t>, Baseball Reference, etc</a:t>
+            </a:r>
+            <a:r>
+              <a:rPr lang="en-US" altLang="ja-JP" dirty="0">
+                <a:latin typeface="Cambria" panose="02040503050406030204" pitchFamily="18" charset="0"/>
+                <a:ea typeface="MS UI Gothic" panose="020B0600070205080204" pitchFamily="50" charset="-128"/>
+              </a:rPr>
+              <a:t>.</a:t>
+            </a:r>
             <a:endParaRPr lang="en-US" altLang="ja-JP" dirty="0">
               <a:latin typeface="Cambria" panose="02040503050406030204" pitchFamily="18" charset="0"/>
               <a:ea typeface="MS UI Gothic" panose="020B0600070205080204" pitchFamily="50" charset="-128"/>
@@ -11378,7 +11480,9 @@
             </a:endParaRPr>
           </a:p>
           <a:p>
-            <a:pPr marL="1028700" lvl="1" indent="-342900" eaLnBrk="1" hangingPunct="1"/>
+            <a:pPr lvl="1" indent="0" eaLnBrk="1" hangingPunct="1">
+              <a:buNone/>
+            </a:pPr>
             <a:r>
               <a:rPr lang="ja-JP" altLang="en-US" dirty="0">
                 <a:latin typeface="Cambria" panose="02040503050406030204" pitchFamily="18" charset="0"/>
@@ -11428,19 +11532,13 @@
               <a:t>パッケージがとても便利</a:t>
             </a:r>
             <a:r>
-              <a:rPr lang="en-US" altLang="ja-JP" dirty="0">
+              <a:rPr lang="en-US" altLang="ja-JP" dirty="0" smtClean="0">
                 <a:latin typeface="Cambria" panose="02040503050406030204" pitchFamily="18" charset="0"/>
                 <a:ea typeface="MS UI Gothic" panose="020B0600070205080204" pitchFamily="50" charset="-128"/>
                 <a:cs typeface="Source Han Sans JP Normal"/>
               </a:rPr>
               <a:t>)</a:t>
             </a:r>
-          </a:p>
-          <a:p>
-            <a:pPr marL="342900" indent="-342900" eaLnBrk="1" hangingPunct="1">
-              <a:buFont typeface="Arial" panose="020B0604020202020204" pitchFamily="34" charset="0"/>
-              <a:buChar char="•"/>
-            </a:pPr>
             <a:endParaRPr lang="en-US" altLang="ja-JP" dirty="0">
               <a:latin typeface="Cambria" panose="02040503050406030204" pitchFamily="18" charset="0"/>
               <a:ea typeface="MS UI Gothic" panose="020B0600070205080204" pitchFamily="50" charset="-128"/>
@@ -11468,6 +11566,77 @@
           </a:p>
           <a:p>
             <a:pPr marL="1028700" lvl="1" indent="-342900" eaLnBrk="1" hangingPunct="1"/>
+            <a:r>
+              <a:rPr lang="ja-JP" altLang="en-US" dirty="0">
+                <a:latin typeface="Cambria" panose="02040503050406030204" pitchFamily="18" charset="0"/>
+                <a:ea typeface="MS UI Gothic" panose="020B0600070205080204" pitchFamily="50" charset="-128"/>
+              </a:rPr>
+              <a:t>打者</a:t>
+            </a:r>
+            <a:r>
+              <a:rPr lang="ja-JP" altLang="en-US" dirty="0" smtClean="0">
+                <a:latin typeface="Cambria" panose="02040503050406030204" pitchFamily="18" charset="0"/>
+                <a:ea typeface="MS UI Gothic" panose="020B0600070205080204" pitchFamily="50" charset="-128"/>
+              </a:rPr>
+              <a:t>がスイングしなかった投球について、ストライクを</a:t>
+            </a:r>
+            <a:r>
+              <a:rPr lang="en-US" altLang="ja-JP" dirty="0" smtClean="0">
+                <a:latin typeface="Cambria" panose="02040503050406030204" pitchFamily="18" charset="0"/>
+                <a:ea typeface="MS UI Gothic" panose="020B0600070205080204" pitchFamily="50" charset="-128"/>
+              </a:rPr>
+              <a:t>1,</a:t>
+            </a:r>
+            <a:r>
+              <a:rPr lang="ja-JP" altLang="en-US" dirty="0" smtClean="0">
+                <a:latin typeface="Cambria" panose="02040503050406030204" pitchFamily="18" charset="0"/>
+                <a:ea typeface="MS UI Gothic" panose="020B0600070205080204" pitchFamily="50" charset="-128"/>
+              </a:rPr>
+              <a:t>ボールを</a:t>
+            </a:r>
+            <a:r>
+              <a:rPr lang="en-US" altLang="ja-JP" dirty="0" smtClean="0">
+                <a:latin typeface="Cambria" panose="02040503050406030204" pitchFamily="18" charset="0"/>
+                <a:ea typeface="MS UI Gothic" panose="020B0600070205080204" pitchFamily="50" charset="-128"/>
+              </a:rPr>
+              <a:t>0</a:t>
+            </a:r>
+            <a:r>
+              <a:rPr lang="ja-JP" altLang="en-US" dirty="0" smtClean="0">
+                <a:latin typeface="Cambria" panose="02040503050406030204" pitchFamily="18" charset="0"/>
+                <a:ea typeface="MS UI Gothic" panose="020B0600070205080204" pitchFamily="50" charset="-128"/>
+              </a:rPr>
+              <a:t>とするダミー変数を作成、線形確率モデルでホーム</a:t>
+            </a:r>
+            <a:r>
+              <a:rPr lang="en-US" altLang="ja-JP" dirty="0" smtClean="0">
+                <a:latin typeface="Cambria" panose="02040503050406030204" pitchFamily="18" charset="0"/>
+                <a:ea typeface="MS UI Gothic" panose="020B0600070205080204" pitchFamily="50" charset="-128"/>
+              </a:rPr>
+              <a:t>/</a:t>
+            </a:r>
+            <a:r>
+              <a:rPr lang="ja-JP" altLang="en-US" dirty="0" smtClean="0">
+                <a:latin typeface="Cambria" panose="02040503050406030204" pitchFamily="18" charset="0"/>
+                <a:ea typeface="MS UI Gothic" panose="020B0600070205080204" pitchFamily="50" charset="-128"/>
+              </a:rPr>
+              <a:t>ビジターチームが攻撃時のストライク確率の変動を推定する</a:t>
+            </a:r>
+            <a:endParaRPr lang="en-US" altLang="ja-JP" dirty="0" smtClean="0">
+              <a:latin typeface="Cambria" panose="02040503050406030204" pitchFamily="18" charset="0"/>
+              <a:ea typeface="MS UI Gothic" panose="020B0600070205080204" pitchFamily="50" charset="-128"/>
+            </a:endParaRPr>
+          </a:p>
+          <a:p>
+            <a:pPr marL="1028700" lvl="1" indent="-342900" eaLnBrk="1" hangingPunct="1"/>
+            <a:r>
+              <a:rPr lang="ja-JP" altLang="en-US" dirty="0" smtClean="0">
+                <a:latin typeface="Cambria" panose="02040503050406030204" pitchFamily="18" charset="0"/>
+                <a:ea typeface="MS UI Gothic" panose="020B0600070205080204" pitchFamily="50" charset="-128"/>
+                <a:cs typeface="Source Han Sans JP Normal"/>
+              </a:rPr>
+              <a:t>同じ位置を通過した投球に対する平均的なストライク確率、打者の体格、投球カウント、投手、打者、捕手、審判の特性などをコントロール変数として制御</a:t>
+            </a:r>
             <a:endParaRPr lang="ja-JP" altLang="en-US" dirty="0">
               <a:latin typeface="Cambria" panose="02040503050406030204" pitchFamily="18" charset="0"/>
               <a:ea typeface="MS UI Gothic" panose="020B0600070205080204" pitchFamily="50" charset="-128"/>
@@ -11491,7 +11660,7 @@
           <p:nvPr/>
         </p:nvPicPr>
         <p:blipFill>
-          <a:blip r:embed="rId3">
+          <a:blip r:embed="rId3" cstate="hqprint">
             <a:extLst>
               <a:ext uri="{28A0092B-C50C-407E-A947-70E740481C1C}">
                 <a14:useLocalDpi xmlns:a14="http://schemas.microsoft.com/office/drawing/2010/main" val="0"/>
@@ -11684,8 +11853,8 @@
         </p:nvSpPr>
         <p:spPr>
           <a:xfrm>
-            <a:off x="541338" y="1376363"/>
-            <a:ext cx="11109325" cy="4800600"/>
+            <a:off x="541339" y="1376363"/>
+            <a:ext cx="5530278" cy="4800600"/>
           </a:xfrm>
         </p:spPr>
         <p:txBody>
@@ -11693,7 +11862,42 @@
           <a:lstStyle/>
           <a:p>
             <a:pPr eaLnBrk="1" hangingPunct="1"/>
-            <a:endParaRPr lang="ja-JP" altLang="en-US" dirty="0">
+            <a:r>
+              <a:rPr lang="en-US" altLang="ja-JP" sz="2800" b="1" dirty="0" smtClean="0">
+                <a:latin typeface="Cambria" panose="02040503050406030204" pitchFamily="18" charset="0"/>
+                <a:ea typeface="MS UI Gothic" panose="020B0600070205080204" pitchFamily="50" charset="-128"/>
+                <a:cs typeface="Source Han Sans JP Normal"/>
+              </a:rPr>
+              <a:t>Covid-19</a:t>
+            </a:r>
+            <a:r>
+              <a:rPr lang="ja-JP" altLang="en-US" sz="2800" b="1" dirty="0" smtClean="0">
+                <a:latin typeface="Cambria" panose="02040503050406030204" pitchFamily="18" charset="0"/>
+                <a:ea typeface="MS UI Gothic" panose="020B0600070205080204" pitchFamily="50" charset="-128"/>
+                <a:cs typeface="Source Han Sans JP Normal"/>
+              </a:rPr>
+              <a:t>の感染防止対策以前</a:t>
+            </a:r>
+            <a:endParaRPr lang="en-US" altLang="ja-JP" sz="2800" b="1" dirty="0" smtClean="0">
+              <a:latin typeface="Cambria" panose="02040503050406030204" pitchFamily="18" charset="0"/>
+              <a:ea typeface="MS UI Gothic" panose="020B0600070205080204" pitchFamily="50" charset="-128"/>
+              <a:cs typeface="Source Han Sans JP Normal"/>
+            </a:endParaRPr>
+          </a:p>
+          <a:p>
+            <a:pPr marL="457200" indent="-457200" eaLnBrk="1" hangingPunct="1">
+              <a:buFont typeface="Arial" panose="020B0604020202020204" pitchFamily="34" charset="0"/>
+              <a:buChar char="•"/>
+            </a:pPr>
+            <a:endParaRPr lang="en-US" altLang="ja-JP" dirty="0">
+              <a:latin typeface="Cambria" panose="02040503050406030204" pitchFamily="18" charset="0"/>
+              <a:ea typeface="MS UI Gothic" panose="020B0600070205080204" pitchFamily="50" charset="-128"/>
+              <a:cs typeface="Source Han Sans JP Normal"/>
+            </a:endParaRPr>
+          </a:p>
+          <a:p>
+            <a:pPr marL="457200" indent="-457200" eaLnBrk="1" hangingPunct="1"/>
+            <a:endParaRPr lang="en-US" altLang="ja-JP" sz="2800" dirty="0" smtClean="0">
               <a:latin typeface="Cambria" panose="02040503050406030204" pitchFamily="18" charset="0"/>
               <a:ea typeface="MS UI Gothic" panose="020B0600070205080204" pitchFamily="50" charset="-128"/>
               <a:cs typeface="Source Han Sans JP Normal"/>
@@ -11716,7 +11920,7 @@
           <p:nvPr/>
         </p:nvPicPr>
         <p:blipFill>
-          <a:blip r:embed="rId3">
+          <a:blip r:embed="rId3" cstate="hqprint">
             <a:extLst>
               <a:ext uri="{28A0092B-C50C-407E-A947-70E740481C1C}">
                 <a14:useLocalDpi xmlns:a14="http://schemas.microsoft.com/office/drawing/2010/main" val="0"/>
@@ -11775,6 +11979,260 @@
             <a:endParaRPr kumimoji="1" lang="ja-JP" altLang="en-US" sz="1600" dirty="0">
               <a:latin typeface="Cambria" panose="02040503050406030204" pitchFamily="18" charset="0"/>
               <a:ea typeface="MS UI Gothic" panose="020B0600070205080204" pitchFamily="50" charset="-128"/>
+            </a:endParaRPr>
+          </a:p>
+        </p:txBody>
+      </p:sp>
+      <p:sp>
+        <p:nvSpPr>
+          <p:cNvPr id="7" name="コンテンツ プレースホルダー 2">
+            <a:extLst>
+              <a:ext uri="{FF2B5EF4-FFF2-40B4-BE49-F238E27FC236}">
+                <a16:creationId xmlns:a16="http://schemas.microsoft.com/office/drawing/2014/main" id="{BA46AE8E-52B1-4B4E-9371-F1FD2A7B4587}"/>
+              </a:ext>
+            </a:extLst>
+          </p:cNvPr>
+          <p:cNvSpPr txBox="1">
+            <a:spLocks/>
+          </p:cNvSpPr>
+          <p:nvPr/>
+        </p:nvSpPr>
+        <p:spPr bwMode="auto">
+          <a:xfrm>
+            <a:off x="6071617" y="1376363"/>
+            <a:ext cx="5530278" cy="4800600"/>
+          </a:xfrm>
+          <a:prstGeom prst="rect">
+            <a:avLst/>
+          </a:prstGeom>
+          <a:noFill/>
+          <a:ln>
+            <a:noFill/>
+          </a:ln>
+          <a:extLst>
+            <a:ext uri="{909E8E84-426E-40DD-AFC4-6F175D3DCCD1}">
+              <a14:hiddenFill xmlns:a14="http://schemas.microsoft.com/office/drawing/2010/main">
+                <a:solidFill>
+                  <a:srgbClr val="FFFFFF"/>
+                </a:solidFill>
+              </a14:hiddenFill>
+            </a:ext>
+            <a:ext uri="{91240B29-F687-4F45-9708-019B960494DF}">
+              <a14:hiddenLine xmlns:a14="http://schemas.microsoft.com/office/drawing/2010/main" w="9525">
+                <a:solidFill>
+                  <a:srgbClr val="000000"/>
+                </a:solidFill>
+                <a:miter lim="800000"/>
+                <a:headEnd/>
+                <a:tailEnd/>
+              </a14:hiddenLine>
+            </a:ext>
+          </a:extLst>
+        </p:spPr>
+        <p:txBody>
+          <a:bodyPr vert="horz" wrap="square" lIns="91440" tIns="45720" rIns="91440" bIns="45720" numCol="1" anchor="t" anchorCtr="0" compatLnSpc="1">
+            <a:prstTxWarp prst="textNoShape">
+              <a:avLst/>
+            </a:prstTxWarp>
+          </a:bodyPr>
+          <a:lstStyle>
+            <a:lvl1pPr algn="l" rtl="0" eaLnBrk="0" fontAlgn="base" hangingPunct="0">
+              <a:lnSpc>
+                <a:spcPct val="90000"/>
+              </a:lnSpc>
+              <a:spcBef>
+                <a:spcPts val="1000"/>
+              </a:spcBef>
+              <a:spcAft>
+                <a:spcPct val="0"/>
+              </a:spcAft>
+              <a:buFont typeface="Arial" panose="020B0604020202020204" pitchFamily="34" charset="0"/>
+              <a:defRPr kumimoji="1" sz="2400" kern="1200">
+                <a:solidFill>
+                  <a:schemeClr val="tx1"/>
+                </a:solidFill>
+                <a:latin typeface="Source Han Sans JP Normal" charset="-128"/>
+                <a:ea typeface="Source Han Sans JP Normal" charset="-128"/>
+                <a:cs typeface="Source Han Sans JP Normal" charset="-128"/>
+              </a:defRPr>
+            </a:lvl1pPr>
+            <a:lvl2pPr marL="685800" indent="-228600" algn="l" rtl="0" eaLnBrk="0" fontAlgn="base" hangingPunct="0">
+              <a:lnSpc>
+                <a:spcPct val="90000"/>
+              </a:lnSpc>
+              <a:spcBef>
+                <a:spcPts val="500"/>
+              </a:spcBef>
+              <a:spcAft>
+                <a:spcPct val="0"/>
+              </a:spcAft>
+              <a:buFont typeface="Arial" panose="020B0604020202020204" pitchFamily="34" charset="0"/>
+              <a:buChar char="•"/>
+              <a:defRPr kumimoji="1" sz="2400" kern="1200">
+                <a:solidFill>
+                  <a:schemeClr val="tx1"/>
+                </a:solidFill>
+                <a:latin typeface="+mn-lt"/>
+                <a:ea typeface="+mn-ea"/>
+                <a:cs typeface="Source Han Sans JP Normal"/>
+              </a:defRPr>
+            </a:lvl2pPr>
+            <a:lvl3pPr marL="1143000" indent="-228600" algn="l" rtl="0" eaLnBrk="0" fontAlgn="base" hangingPunct="0">
+              <a:lnSpc>
+                <a:spcPct val="90000"/>
+              </a:lnSpc>
+              <a:spcBef>
+                <a:spcPts val="500"/>
+              </a:spcBef>
+              <a:spcAft>
+                <a:spcPct val="0"/>
+              </a:spcAft>
+              <a:buFont typeface="Arial" panose="020B0604020202020204" pitchFamily="34" charset="0"/>
+              <a:buChar char="•"/>
+              <a:defRPr kumimoji="1" sz="2000" kern="1200">
+                <a:solidFill>
+                  <a:schemeClr val="tx1"/>
+                </a:solidFill>
+                <a:latin typeface="+mn-lt"/>
+                <a:ea typeface="+mn-ea"/>
+                <a:cs typeface="Source Han Sans JP Normal"/>
+              </a:defRPr>
+            </a:lvl3pPr>
+            <a:lvl4pPr marL="1600200" indent="-228600" algn="l" rtl="0" eaLnBrk="0" fontAlgn="base" hangingPunct="0">
+              <a:lnSpc>
+                <a:spcPct val="90000"/>
+              </a:lnSpc>
+              <a:spcBef>
+                <a:spcPts val="500"/>
+              </a:spcBef>
+              <a:spcAft>
+                <a:spcPct val="0"/>
+              </a:spcAft>
+              <a:buFont typeface="Arial" panose="020B0604020202020204" pitchFamily="34" charset="0"/>
+              <a:buChar char="•"/>
+              <a:defRPr kumimoji="1" kern="1200">
+                <a:solidFill>
+                  <a:schemeClr val="tx1"/>
+                </a:solidFill>
+                <a:latin typeface="+mn-lt"/>
+                <a:ea typeface="+mn-ea"/>
+                <a:cs typeface="Source Han Sans JP Normal"/>
+              </a:defRPr>
+            </a:lvl4pPr>
+            <a:lvl5pPr marL="2057400" indent="-228600" algn="l" rtl="0" eaLnBrk="0" fontAlgn="base" hangingPunct="0">
+              <a:lnSpc>
+                <a:spcPct val="90000"/>
+              </a:lnSpc>
+              <a:spcBef>
+                <a:spcPts val="500"/>
+              </a:spcBef>
+              <a:spcAft>
+                <a:spcPct val="0"/>
+              </a:spcAft>
+              <a:buFont typeface="Arial" panose="020B0604020202020204" pitchFamily="34" charset="0"/>
+              <a:buChar char="•"/>
+              <a:defRPr kumimoji="1" kern="1200">
+                <a:solidFill>
+                  <a:schemeClr val="tx1"/>
+                </a:solidFill>
+                <a:latin typeface="+mn-lt"/>
+                <a:ea typeface="+mn-ea"/>
+                <a:cs typeface="Source Han Sans JP Normal"/>
+              </a:defRPr>
+            </a:lvl5pPr>
+            <a:lvl6pPr marL="2514600" indent="-228600" algn="l" defTabSz="914400" rtl="0" eaLnBrk="1" latinLnBrk="0" hangingPunct="1">
+              <a:lnSpc>
+                <a:spcPct val="90000"/>
+              </a:lnSpc>
+              <a:spcBef>
+                <a:spcPts val="500"/>
+              </a:spcBef>
+              <a:buFont typeface="Arial"/>
+              <a:buChar char="•"/>
+              <a:defRPr kumimoji="1" sz="1800" kern="1200">
+                <a:solidFill>
+                  <a:schemeClr val="tx1"/>
+                </a:solidFill>
+                <a:latin typeface="+mn-lt"/>
+                <a:ea typeface="+mn-ea"/>
+                <a:cs typeface="+mn-cs"/>
+              </a:defRPr>
+            </a:lvl6pPr>
+            <a:lvl7pPr marL="2971800" indent="-228600" algn="l" defTabSz="914400" rtl="0" eaLnBrk="1" latinLnBrk="0" hangingPunct="1">
+              <a:lnSpc>
+                <a:spcPct val="90000"/>
+              </a:lnSpc>
+              <a:spcBef>
+                <a:spcPts val="500"/>
+              </a:spcBef>
+              <a:buFont typeface="Arial"/>
+              <a:buChar char="•"/>
+              <a:defRPr kumimoji="1" sz="1800" kern="1200">
+                <a:solidFill>
+                  <a:schemeClr val="tx1"/>
+                </a:solidFill>
+                <a:latin typeface="+mn-lt"/>
+                <a:ea typeface="+mn-ea"/>
+                <a:cs typeface="+mn-cs"/>
+              </a:defRPr>
+            </a:lvl7pPr>
+            <a:lvl8pPr marL="3429000" indent="-228600" algn="l" defTabSz="914400" rtl="0" eaLnBrk="1" latinLnBrk="0" hangingPunct="1">
+              <a:lnSpc>
+                <a:spcPct val="90000"/>
+              </a:lnSpc>
+              <a:spcBef>
+                <a:spcPts val="500"/>
+              </a:spcBef>
+              <a:buFont typeface="Arial"/>
+              <a:buChar char="•"/>
+              <a:defRPr kumimoji="1" sz="1800" kern="1200">
+                <a:solidFill>
+                  <a:schemeClr val="tx1"/>
+                </a:solidFill>
+                <a:latin typeface="+mn-lt"/>
+                <a:ea typeface="+mn-ea"/>
+                <a:cs typeface="+mn-cs"/>
+              </a:defRPr>
+            </a:lvl8pPr>
+            <a:lvl9pPr marL="3886200" indent="-228600" algn="l" defTabSz="914400" rtl="0" eaLnBrk="1" latinLnBrk="0" hangingPunct="1">
+              <a:lnSpc>
+                <a:spcPct val="90000"/>
+              </a:lnSpc>
+              <a:spcBef>
+                <a:spcPts val="500"/>
+              </a:spcBef>
+              <a:buFont typeface="Arial"/>
+              <a:buChar char="•"/>
+              <a:defRPr kumimoji="1" sz="1800" kern="1200">
+                <a:solidFill>
+                  <a:schemeClr val="tx1"/>
+                </a:solidFill>
+                <a:latin typeface="+mn-lt"/>
+                <a:ea typeface="+mn-ea"/>
+                <a:cs typeface="+mn-cs"/>
+              </a:defRPr>
+            </a:lvl9pPr>
+          </a:lstStyle>
+          <a:p>
+            <a:pPr eaLnBrk="1" hangingPunct="1"/>
+            <a:r>
+              <a:rPr lang="en-US" altLang="ja-JP" sz="2800" b="1" dirty="0" smtClean="0">
+                <a:latin typeface="Cambria" panose="02040503050406030204" pitchFamily="18" charset="0"/>
+                <a:ea typeface="MS UI Gothic" panose="020B0600070205080204" pitchFamily="50" charset="-128"/>
+                <a:cs typeface="Source Han Sans JP Normal"/>
+              </a:rPr>
+              <a:t>Covid-19 Era</a:t>
+            </a:r>
+          </a:p>
+          <a:p>
+            <a:pPr marL="457200" indent="-457200" eaLnBrk="1" hangingPunct="1">
+              <a:buFont typeface="Arial" panose="020B0604020202020204" pitchFamily="34" charset="0"/>
+              <a:buChar char="•"/>
+            </a:pPr>
+            <a:endParaRPr lang="ja-JP" altLang="en-US" sz="2800" dirty="0">
+              <a:latin typeface="Cambria" panose="02040503050406030204" pitchFamily="18" charset="0"/>
+              <a:ea typeface="MS UI Gothic" panose="020B0600070205080204" pitchFamily="50" charset="-128"/>
+              <a:cs typeface="Source Han Sans JP Normal"/>
             </a:endParaRPr>
           </a:p>
         </p:txBody>

--- a/slides/spoana13.pptx
+++ b/slides/spoana13.pptx
@@ -210,7 +210,7 @@
           <a:p>
             <a:fld id="{DE37EDCA-4771-4610-925E-8EEDA908E30D}" type="datetimeFigureOut">
               <a:rPr kumimoji="1" lang="ja-JP" altLang="en-US" smtClean="0"/>
-              <a:t>2022/11/17</a:t>
+              <a:t>2022/11/19</a:t>
             </a:fld>
             <a:endParaRPr kumimoji="1" lang="ja-JP" altLang="en-US"/>
           </a:p>
@@ -3456,7 +3456,7 @@
           <a:p>
             <a:fld id="{3D56D7E1-3519-40E1-A263-6500AF722914}" type="datetimeFigureOut">
               <a:rPr kumimoji="1" lang="ja-JP" altLang="en-US" smtClean="0"/>
-              <a:t>2022/11/17</a:t>
+              <a:t>2022/11/19</a:t>
             </a:fld>
             <a:endParaRPr kumimoji="1" lang="ja-JP" altLang="en-US"/>
           </a:p>
@@ -3686,7 +3686,7 @@
           <a:p>
             <a:fld id="{3D56D7E1-3519-40E1-A263-6500AF722914}" type="datetimeFigureOut">
               <a:rPr kumimoji="1" lang="ja-JP" altLang="en-US" smtClean="0"/>
-              <a:t>2022/11/17</a:t>
+              <a:t>2022/11/19</a:t>
             </a:fld>
             <a:endParaRPr kumimoji="1" lang="ja-JP" altLang="en-US"/>
           </a:p>
@@ -3926,7 +3926,7 @@
           <a:p>
             <a:fld id="{3D56D7E1-3519-40E1-A263-6500AF722914}" type="datetimeFigureOut">
               <a:rPr kumimoji="1" lang="ja-JP" altLang="en-US" smtClean="0"/>
-              <a:t>2022/11/17</a:t>
+              <a:t>2022/11/19</a:t>
             </a:fld>
             <a:endParaRPr kumimoji="1" lang="ja-JP" altLang="en-US"/>
           </a:p>
@@ -4168,7 +4168,7 @@
               <a:pPr>
                 <a:defRPr/>
               </a:pPr>
-              <a:t>2022/11/17</a:t>
+              <a:t>2022/11/19</a:t>
             </a:fld>
             <a:endParaRPr lang="ja-JP" altLang="en-US"/>
           </a:p>
@@ -4472,7 +4472,7 @@
               <a:pPr>
                 <a:defRPr/>
               </a:pPr>
-              <a:t>2022/11/17</a:t>
+              <a:t>2022/11/19</a:t>
             </a:fld>
             <a:endParaRPr lang="ja-JP" altLang="en-US"/>
           </a:p>
@@ -4744,7 +4744,7 @@
           <a:p>
             <a:fld id="{3D56D7E1-3519-40E1-A263-6500AF722914}" type="datetimeFigureOut">
               <a:rPr kumimoji="1" lang="ja-JP" altLang="en-US" smtClean="0"/>
-              <a:t>2022/11/17</a:t>
+              <a:t>2022/11/19</a:t>
             </a:fld>
             <a:endParaRPr kumimoji="1" lang="ja-JP" altLang="en-US"/>
           </a:p>
@@ -5019,7 +5019,7 @@
           <a:p>
             <a:fld id="{3D56D7E1-3519-40E1-A263-6500AF722914}" type="datetimeFigureOut">
               <a:rPr kumimoji="1" lang="ja-JP" altLang="en-US" smtClean="0"/>
-              <a:t>2022/11/17</a:t>
+              <a:t>2022/11/19</a:t>
             </a:fld>
             <a:endParaRPr kumimoji="1" lang="ja-JP" altLang="en-US"/>
           </a:p>
@@ -5348,7 +5348,7 @@
           <a:p>
             <a:fld id="{3D56D7E1-3519-40E1-A263-6500AF722914}" type="datetimeFigureOut">
               <a:rPr kumimoji="1" lang="ja-JP" altLang="en-US" smtClean="0"/>
-              <a:t>2022/11/17</a:t>
+              <a:t>2022/11/19</a:t>
             </a:fld>
             <a:endParaRPr kumimoji="1" lang="ja-JP" altLang="en-US"/>
           </a:p>
@@ -5824,7 +5824,7 @@
           <a:p>
             <a:fld id="{3D56D7E1-3519-40E1-A263-6500AF722914}" type="datetimeFigureOut">
               <a:rPr kumimoji="1" lang="ja-JP" altLang="en-US" smtClean="0"/>
-              <a:t>2022/11/17</a:t>
+              <a:t>2022/11/19</a:t>
             </a:fld>
             <a:endParaRPr kumimoji="1" lang="ja-JP" altLang="en-US"/>
           </a:p>
@@ -5965,7 +5965,7 @@
           <a:p>
             <a:fld id="{3D56D7E1-3519-40E1-A263-6500AF722914}" type="datetimeFigureOut">
               <a:rPr kumimoji="1" lang="ja-JP" altLang="en-US" smtClean="0"/>
-              <a:t>2022/11/17</a:t>
+              <a:t>2022/11/19</a:t>
             </a:fld>
             <a:endParaRPr kumimoji="1" lang="ja-JP" altLang="en-US"/>
           </a:p>
@@ -6078,7 +6078,7 @@
           <a:p>
             <a:fld id="{3D56D7E1-3519-40E1-A263-6500AF722914}" type="datetimeFigureOut">
               <a:rPr kumimoji="1" lang="ja-JP" altLang="en-US" smtClean="0"/>
-              <a:t>2022/11/17</a:t>
+              <a:t>2022/11/19</a:t>
             </a:fld>
             <a:endParaRPr kumimoji="1" lang="ja-JP" altLang="en-US"/>
           </a:p>
@@ -6421,7 +6421,7 @@
           <a:p>
             <a:fld id="{3D56D7E1-3519-40E1-A263-6500AF722914}" type="datetimeFigureOut">
               <a:rPr kumimoji="1" lang="ja-JP" altLang="en-US" smtClean="0"/>
-              <a:t>2022/11/17</a:t>
+              <a:t>2022/11/19</a:t>
             </a:fld>
             <a:endParaRPr kumimoji="1" lang="ja-JP" altLang="en-US"/>
           </a:p>
@@ -6709,7 +6709,7 @@
           <a:p>
             <a:fld id="{3D56D7E1-3519-40E1-A263-6500AF722914}" type="datetimeFigureOut">
               <a:rPr kumimoji="1" lang="ja-JP" altLang="en-US" smtClean="0"/>
-              <a:t>2022/11/17</a:t>
+              <a:t>2022/11/19</a:t>
             </a:fld>
             <a:endParaRPr kumimoji="1" lang="ja-JP" altLang="en-US"/>
           </a:p>
@@ -6982,7 +6982,7 @@
           <a:p>
             <a:fld id="{3D56D7E1-3519-40E1-A263-6500AF722914}" type="datetimeFigureOut">
               <a:rPr kumimoji="1" lang="ja-JP" altLang="en-US" smtClean="0"/>
-              <a:t>2022/11/17</a:t>
+              <a:t>2022/11/19</a:t>
             </a:fld>
             <a:endParaRPr kumimoji="1" lang="ja-JP" altLang="en-US"/>
           </a:p>
@@ -9512,7 +9512,30 @@
                 <a:ea typeface="MS UI Gothic" panose="020B0600070205080204" pitchFamily="50" charset="-128"/>
                 <a:cs typeface="Source Han Sans JP Normal"/>
               </a:rPr>
-              <a:t>宣言中です</a:t>
+              <a:t>宣言中</a:t>
+            </a:r>
+            <a:r>
+              <a:rPr lang="ja-JP" altLang="en-US" dirty="0" smtClean="0">
+                <a:latin typeface="Cambria" panose="02040503050406030204" pitchFamily="18" charset="0"/>
+                <a:ea typeface="MS UI Gothic" panose="020B0600070205080204" pitchFamily="50" charset="-128"/>
+                <a:cs typeface="Source Han Sans JP Normal"/>
+              </a:rPr>
+              <a:t>です</a:t>
+            </a:r>
+            <a:endParaRPr lang="en-US" altLang="ja-JP" dirty="0" smtClean="0">
+              <a:latin typeface="Cambria" panose="02040503050406030204" pitchFamily="18" charset="0"/>
+              <a:ea typeface="MS UI Gothic" panose="020B0600070205080204" pitchFamily="50" charset="-128"/>
+              <a:cs typeface="Source Han Sans JP Normal"/>
+            </a:endParaRPr>
+          </a:p>
+          <a:p>
+            <a:pPr marL="1600200" lvl="2" indent="-457200" eaLnBrk="1" hangingPunct="1"/>
+            <a:r>
+              <a:rPr lang="ja-JP" altLang="en-US" dirty="0" smtClean="0">
+                <a:latin typeface="Cambria" panose="02040503050406030204" pitchFamily="18" charset="0"/>
+                <a:ea typeface="MS UI Gothic" panose="020B0600070205080204" pitchFamily="50" charset="-128"/>
+              </a:rPr>
+              <a:t>ノンテンダー間近なだけかもしれない</a:t>
             </a:r>
             <a:endParaRPr lang="en-US" altLang="ja-JP" dirty="0">
               <a:latin typeface="Cambria" panose="02040503050406030204" pitchFamily="18" charset="0"/>
@@ -10028,13 +10051,21 @@
               <a:buChar char="•"/>
             </a:pPr>
             <a:r>
-              <a:rPr lang="ja-JP" altLang="en-US" dirty="0">
+              <a:rPr lang="ja-JP" altLang="en-US" dirty="0" smtClean="0">
                 <a:latin typeface="Cambria" panose="02040503050406030204" pitchFamily="18" charset="0"/>
                 <a:ea typeface="MS UI Gothic" panose="020B0600070205080204" pitchFamily="50" charset="-128"/>
                 <a:cs typeface="Source Han Sans JP Normal"/>
               </a:rPr>
-              <a:t>スポーツのデータを用いた意思決定バイアスの研究</a:t>
-            </a:r>
+              <a:t>研究対象としてのスポーツ</a:t>
+            </a:r>
+            <a:endParaRPr lang="en-US" altLang="ja-JP" dirty="0" smtClean="0">
+              <a:latin typeface="Cambria" panose="02040503050406030204" pitchFamily="18" charset="0"/>
+              <a:ea typeface="MS UI Gothic" panose="020B0600070205080204" pitchFamily="50" charset="-128"/>
+              <a:cs typeface="Source Han Sans JP Normal"/>
+            </a:endParaRPr>
+          </a:p>
+          <a:p>
+            <a:pPr marL="1028700" lvl="1" indent="-342900" eaLnBrk="1" hangingPunct="1"/>
             <a:endParaRPr lang="en-US" altLang="ja-JP" dirty="0">
               <a:latin typeface="Cambria" panose="02040503050406030204" pitchFamily="18" charset="0"/>
               <a:ea typeface="MS UI Gothic" panose="020B0600070205080204" pitchFamily="50" charset="-128"/>
@@ -10058,13 +10089,115 @@
               <a:buChar char="•"/>
             </a:pPr>
             <a:r>
+              <a:rPr lang="ja-JP" altLang="en-US" dirty="0" smtClean="0">
+                <a:latin typeface="Cambria" panose="02040503050406030204" pitchFamily="18" charset="0"/>
+                <a:ea typeface="MS UI Gothic" panose="020B0600070205080204" pitchFamily="50" charset="-128"/>
+                <a:cs typeface="Source Han Sans JP Normal"/>
+              </a:rPr>
+              <a:t>書籍</a:t>
+            </a:r>
+            <a:r>
+              <a:rPr lang="en-US" altLang="ja-JP" dirty="0" smtClean="0">
+                <a:latin typeface="Cambria" panose="02040503050406030204" pitchFamily="18" charset="0"/>
+                <a:ea typeface="MS UI Gothic" panose="020B0600070205080204" pitchFamily="50" charset="-128"/>
+                <a:cs typeface="Source Han Sans JP Normal"/>
+              </a:rPr>
+              <a:t>『</a:t>
+            </a:r>
+            <a:r>
               <a:rPr lang="ja-JP" altLang="en-US" dirty="0">
                 <a:latin typeface="Cambria" panose="02040503050406030204" pitchFamily="18" charset="0"/>
                 <a:ea typeface="MS UI Gothic" panose="020B0600070205080204" pitchFamily="50" charset="-128"/>
                 <a:cs typeface="Source Han Sans JP Normal"/>
               </a:rPr>
-              <a:t>書籍</a:t>
-            </a:r>
+              <a:t>オタクの行動経済学者、スポーツの裏側を読み解く</a:t>
+            </a:r>
+            <a:r>
+              <a:rPr lang="en-US" altLang="ja-JP" dirty="0" smtClean="0">
+                <a:latin typeface="Cambria" panose="02040503050406030204" pitchFamily="18" charset="0"/>
+                <a:ea typeface="MS UI Gothic" panose="020B0600070205080204" pitchFamily="50" charset="-128"/>
+                <a:cs typeface="Source Han Sans JP Normal"/>
+              </a:rPr>
+              <a:t>』  (</a:t>
+            </a:r>
+            <a:r>
+              <a:rPr lang="en-US" altLang="ja-JP" dirty="0" err="1" smtClean="0">
+                <a:latin typeface="Cambria" panose="02040503050406030204" pitchFamily="18" charset="0"/>
+                <a:ea typeface="MS UI Gothic" panose="020B0600070205080204" pitchFamily="50" charset="-128"/>
+                <a:cs typeface="Source Han Sans JP Normal"/>
+              </a:rPr>
+              <a:t>Scorecasting</a:t>
+            </a:r>
+            <a:r>
+              <a:rPr lang="en-US" altLang="ja-JP" dirty="0" smtClean="0">
+                <a:latin typeface="Cambria" panose="02040503050406030204" pitchFamily="18" charset="0"/>
+                <a:ea typeface="MS UI Gothic" panose="020B0600070205080204" pitchFamily="50" charset="-128"/>
+                <a:cs typeface="Source Han Sans JP Normal"/>
+              </a:rPr>
+              <a:t>: The Hidden Influences Behind How Sports Are Played and Games Are Won; </a:t>
+            </a:r>
+            <a:r>
+              <a:rPr lang="en-US" altLang="ja-JP" dirty="0">
+                <a:latin typeface="Cambria" panose="02040503050406030204" pitchFamily="18" charset="0"/>
+                <a:ea typeface="MS UI Gothic" panose="020B0600070205080204" pitchFamily="50" charset="-128"/>
+                <a:cs typeface="Source Han Sans JP Normal"/>
+              </a:rPr>
+              <a:t>Moskowitz, Wertheim</a:t>
+            </a:r>
+            <a:r>
+              <a:rPr lang="en-US" altLang="ja-JP" dirty="0" smtClean="0">
+                <a:latin typeface="Cambria" panose="02040503050406030204" pitchFamily="18" charset="0"/>
+                <a:ea typeface="MS UI Gothic" panose="020B0600070205080204" pitchFamily="50" charset="-128"/>
+                <a:cs typeface="Source Han Sans JP Normal"/>
+              </a:rPr>
+              <a:t>)</a:t>
+            </a:r>
+            <a:endParaRPr lang="en-US" altLang="ja-JP" dirty="0">
+              <a:latin typeface="Cambria" panose="02040503050406030204" pitchFamily="18" charset="0"/>
+              <a:ea typeface="MS UI Gothic" panose="020B0600070205080204" pitchFamily="50" charset="-128"/>
+              <a:cs typeface="Source Han Sans JP Normal"/>
+            </a:endParaRPr>
+          </a:p>
+          <a:p>
+            <a:pPr marL="342900" indent="-342900" eaLnBrk="1" hangingPunct="1">
+              <a:buFont typeface="Arial" panose="020B0604020202020204" pitchFamily="34" charset="0"/>
+              <a:buChar char="•"/>
+            </a:pPr>
+            <a:r>
+              <a:rPr lang="ja-JP" altLang="en-US" dirty="0" smtClean="0">
+                <a:latin typeface="Cambria" panose="02040503050406030204" pitchFamily="18" charset="0"/>
+                <a:ea typeface="MS UI Gothic" panose="020B0600070205080204" pitchFamily="50" charset="-128"/>
+                <a:cs typeface="Source Han Sans JP Normal"/>
+              </a:rPr>
+              <a:t>スポーツデータを扱ったバイアスの研究も様々</a:t>
+            </a:r>
+            <a:endParaRPr lang="en-US" altLang="ja-JP" dirty="0" smtClean="0">
+              <a:latin typeface="Cambria" panose="02040503050406030204" pitchFamily="18" charset="0"/>
+              <a:ea typeface="MS UI Gothic" panose="020B0600070205080204" pitchFamily="50" charset="-128"/>
+              <a:cs typeface="Source Han Sans JP Normal"/>
+            </a:endParaRPr>
+          </a:p>
+          <a:p>
+            <a:pPr marL="1028700" lvl="1" indent="-342900" eaLnBrk="1" hangingPunct="1"/>
+            <a:r>
+              <a:rPr lang="en-US" altLang="ja-JP" dirty="0" smtClean="0">
+                <a:latin typeface="Cambria" panose="02040503050406030204" pitchFamily="18" charset="0"/>
+                <a:ea typeface="MS UI Gothic" panose="020B0600070205080204" pitchFamily="50" charset="-128"/>
+              </a:rPr>
+              <a:t>Parsons et al. (2011): </a:t>
+            </a:r>
+            <a:r>
+              <a:rPr lang="ja-JP" altLang="en-US" dirty="0" smtClean="0">
+                <a:latin typeface="Cambria" panose="02040503050406030204" pitchFamily="18" charset="0"/>
+                <a:ea typeface="MS UI Gothic" panose="020B0600070205080204" pitchFamily="50" charset="-128"/>
+              </a:rPr>
+              <a:t>球審の人種バイアス</a:t>
+            </a:r>
+            <a:endParaRPr lang="en-US" altLang="ja-JP" dirty="0">
+              <a:latin typeface="Cambria" panose="02040503050406030204" pitchFamily="18" charset="0"/>
+              <a:ea typeface="MS UI Gothic" panose="020B0600070205080204" pitchFamily="50" charset="-128"/>
+              <a:cs typeface="Source Han Sans JP Normal"/>
+            </a:endParaRPr>
           </a:p>
         </p:txBody>
       </p:sp>

--- a/slides/spoana13.pptx
+++ b/slides/spoana13.pptx
@@ -210,7 +210,7 @@
           <a:p>
             <a:fld id="{DE37EDCA-4771-4610-925E-8EEDA908E30D}" type="datetimeFigureOut">
               <a:rPr kumimoji="1" lang="ja-JP" altLang="en-US" smtClean="0"/>
-              <a:t>2022/11/19</a:t>
+              <a:t>2022/11/21</a:t>
             </a:fld>
             <a:endParaRPr kumimoji="1" lang="ja-JP" altLang="en-US"/>
           </a:p>
@@ -3456,7 +3456,7 @@
           <a:p>
             <a:fld id="{3D56D7E1-3519-40E1-A263-6500AF722914}" type="datetimeFigureOut">
               <a:rPr kumimoji="1" lang="ja-JP" altLang="en-US" smtClean="0"/>
-              <a:t>2022/11/19</a:t>
+              <a:t>2022/11/21</a:t>
             </a:fld>
             <a:endParaRPr kumimoji="1" lang="ja-JP" altLang="en-US"/>
           </a:p>
@@ -3686,7 +3686,7 @@
           <a:p>
             <a:fld id="{3D56D7E1-3519-40E1-A263-6500AF722914}" type="datetimeFigureOut">
               <a:rPr kumimoji="1" lang="ja-JP" altLang="en-US" smtClean="0"/>
-              <a:t>2022/11/19</a:t>
+              <a:t>2022/11/21</a:t>
             </a:fld>
             <a:endParaRPr kumimoji="1" lang="ja-JP" altLang="en-US"/>
           </a:p>
@@ -3926,7 +3926,7 @@
           <a:p>
             <a:fld id="{3D56D7E1-3519-40E1-A263-6500AF722914}" type="datetimeFigureOut">
               <a:rPr kumimoji="1" lang="ja-JP" altLang="en-US" smtClean="0"/>
-              <a:t>2022/11/19</a:t>
+              <a:t>2022/11/21</a:t>
             </a:fld>
             <a:endParaRPr kumimoji="1" lang="ja-JP" altLang="en-US"/>
           </a:p>
@@ -4168,7 +4168,7 @@
               <a:pPr>
                 <a:defRPr/>
               </a:pPr>
-              <a:t>2022/11/19</a:t>
+              <a:t>2022/11/21</a:t>
             </a:fld>
             <a:endParaRPr lang="ja-JP" altLang="en-US"/>
           </a:p>
@@ -4472,7 +4472,7 @@
               <a:pPr>
                 <a:defRPr/>
               </a:pPr>
-              <a:t>2022/11/19</a:t>
+              <a:t>2022/11/21</a:t>
             </a:fld>
             <a:endParaRPr lang="ja-JP" altLang="en-US"/>
           </a:p>
@@ -4744,7 +4744,7 @@
           <a:p>
             <a:fld id="{3D56D7E1-3519-40E1-A263-6500AF722914}" type="datetimeFigureOut">
               <a:rPr kumimoji="1" lang="ja-JP" altLang="en-US" smtClean="0"/>
-              <a:t>2022/11/19</a:t>
+              <a:t>2022/11/21</a:t>
             </a:fld>
             <a:endParaRPr kumimoji="1" lang="ja-JP" altLang="en-US"/>
           </a:p>
@@ -5019,7 +5019,7 @@
           <a:p>
             <a:fld id="{3D56D7E1-3519-40E1-A263-6500AF722914}" type="datetimeFigureOut">
               <a:rPr kumimoji="1" lang="ja-JP" altLang="en-US" smtClean="0"/>
-              <a:t>2022/11/19</a:t>
+              <a:t>2022/11/21</a:t>
             </a:fld>
             <a:endParaRPr kumimoji="1" lang="ja-JP" altLang="en-US"/>
           </a:p>
@@ -5348,7 +5348,7 @@
           <a:p>
             <a:fld id="{3D56D7E1-3519-40E1-A263-6500AF722914}" type="datetimeFigureOut">
               <a:rPr kumimoji="1" lang="ja-JP" altLang="en-US" smtClean="0"/>
-              <a:t>2022/11/19</a:t>
+              <a:t>2022/11/21</a:t>
             </a:fld>
             <a:endParaRPr kumimoji="1" lang="ja-JP" altLang="en-US"/>
           </a:p>
@@ -5824,7 +5824,7 @@
           <a:p>
             <a:fld id="{3D56D7E1-3519-40E1-A263-6500AF722914}" type="datetimeFigureOut">
               <a:rPr kumimoji="1" lang="ja-JP" altLang="en-US" smtClean="0"/>
-              <a:t>2022/11/19</a:t>
+              <a:t>2022/11/21</a:t>
             </a:fld>
             <a:endParaRPr kumimoji="1" lang="ja-JP" altLang="en-US"/>
           </a:p>
@@ -5965,7 +5965,7 @@
           <a:p>
             <a:fld id="{3D56D7E1-3519-40E1-A263-6500AF722914}" type="datetimeFigureOut">
               <a:rPr kumimoji="1" lang="ja-JP" altLang="en-US" smtClean="0"/>
-              <a:t>2022/11/19</a:t>
+              <a:t>2022/11/21</a:t>
             </a:fld>
             <a:endParaRPr kumimoji="1" lang="ja-JP" altLang="en-US"/>
           </a:p>
@@ -6078,7 +6078,7 @@
           <a:p>
             <a:fld id="{3D56D7E1-3519-40E1-A263-6500AF722914}" type="datetimeFigureOut">
               <a:rPr kumimoji="1" lang="ja-JP" altLang="en-US" smtClean="0"/>
-              <a:t>2022/11/19</a:t>
+              <a:t>2022/11/21</a:t>
             </a:fld>
             <a:endParaRPr kumimoji="1" lang="ja-JP" altLang="en-US"/>
           </a:p>
@@ -6421,7 +6421,7 @@
           <a:p>
             <a:fld id="{3D56D7E1-3519-40E1-A263-6500AF722914}" type="datetimeFigureOut">
               <a:rPr kumimoji="1" lang="ja-JP" altLang="en-US" smtClean="0"/>
-              <a:t>2022/11/19</a:t>
+              <a:t>2022/11/21</a:t>
             </a:fld>
             <a:endParaRPr kumimoji="1" lang="ja-JP" altLang="en-US"/>
           </a:p>
@@ -6709,7 +6709,7 @@
           <a:p>
             <a:fld id="{3D56D7E1-3519-40E1-A263-6500AF722914}" type="datetimeFigureOut">
               <a:rPr kumimoji="1" lang="ja-JP" altLang="en-US" smtClean="0"/>
-              <a:t>2022/11/19</a:t>
+              <a:t>2022/11/21</a:t>
             </a:fld>
             <a:endParaRPr kumimoji="1" lang="ja-JP" altLang="en-US"/>
           </a:p>
@@ -6982,7 +6982,7 @@
           <a:p>
             <a:fld id="{3D56D7E1-3519-40E1-A263-6500AF722914}" type="datetimeFigureOut">
               <a:rPr kumimoji="1" lang="ja-JP" altLang="en-US" smtClean="0"/>
-              <a:t>2022/11/19</a:t>
+              <a:t>2022/11/21</a:t>
             </a:fld>
             <a:endParaRPr kumimoji="1" lang="ja-JP" altLang="en-US"/>
           </a:p>
@@ -8900,7 +8900,62 @@
           <a:bodyPr/>
           <a:lstStyle/>
           <a:p>
-            <a:pPr eaLnBrk="1" hangingPunct="1"/>
+            <a:pPr marL="342900" indent="-342900" eaLnBrk="1" hangingPunct="1">
+              <a:buFont typeface="Arial" panose="020B0604020202020204" pitchFamily="34" charset="0"/>
+              <a:buChar char="•"/>
+            </a:pPr>
+            <a:endParaRPr lang="en-US" altLang="ja-JP" dirty="0" smtClean="0">
+              <a:latin typeface="Cambria" panose="02040503050406030204" pitchFamily="18" charset="0"/>
+              <a:ea typeface="MS UI Gothic" panose="020B0600070205080204" pitchFamily="50" charset="-128"/>
+              <a:cs typeface="Source Han Sans JP Normal"/>
+            </a:endParaRPr>
+          </a:p>
+          <a:p>
+            <a:pPr marL="342900" indent="-342900" eaLnBrk="1" hangingPunct="1">
+              <a:buFont typeface="Arial" panose="020B0604020202020204" pitchFamily="34" charset="0"/>
+              <a:buChar char="•"/>
+            </a:pPr>
+            <a:endParaRPr lang="en-US" altLang="ja-JP" dirty="0">
+              <a:latin typeface="Cambria" panose="02040503050406030204" pitchFamily="18" charset="0"/>
+              <a:ea typeface="MS UI Gothic" panose="020B0600070205080204" pitchFamily="50" charset="-128"/>
+              <a:cs typeface="Source Han Sans JP Normal"/>
+            </a:endParaRPr>
+          </a:p>
+          <a:p>
+            <a:pPr marL="342900" indent="-342900" eaLnBrk="1" hangingPunct="1">
+              <a:buFont typeface="Arial" panose="020B0604020202020204" pitchFamily="34" charset="0"/>
+              <a:buChar char="•"/>
+            </a:pPr>
+            <a:r>
+              <a:rPr lang="ja-JP" altLang="en-US" dirty="0" smtClean="0">
+                <a:latin typeface="Cambria" panose="02040503050406030204" pitchFamily="18" charset="0"/>
+                <a:ea typeface="MS UI Gothic" panose="020B0600070205080204" pitchFamily="50" charset="-128"/>
+                <a:cs typeface="Source Han Sans JP Normal"/>
+              </a:rPr>
+              <a:t>共同研究を行って下さる仲間を募集しています、お気軽にお問い合わせ下さい</a:t>
+            </a:r>
+            <a:endParaRPr lang="en-US" altLang="ja-JP" dirty="0" smtClean="0">
+              <a:latin typeface="Cambria" panose="02040503050406030204" pitchFamily="18" charset="0"/>
+              <a:ea typeface="MS UI Gothic" panose="020B0600070205080204" pitchFamily="50" charset="-128"/>
+              <a:cs typeface="Source Han Sans JP Normal"/>
+            </a:endParaRPr>
+          </a:p>
+          <a:p>
+            <a:pPr marL="1028700" lvl="1" indent="-342900" eaLnBrk="1" hangingPunct="1"/>
+            <a:r>
+              <a:rPr lang="ja-JP" altLang="en-US" dirty="0">
+                <a:latin typeface="Cambria" panose="02040503050406030204" pitchFamily="18" charset="0"/>
+                <a:ea typeface="MS UI Gothic" panose="020B0600070205080204" pitchFamily="50" charset="-128"/>
+              </a:rPr>
+              <a:t>画像</a:t>
+            </a:r>
+            <a:r>
+              <a:rPr lang="ja-JP" altLang="en-US" dirty="0" smtClean="0">
+                <a:latin typeface="Cambria" panose="02040503050406030204" pitchFamily="18" charset="0"/>
+                <a:ea typeface="MS UI Gothic" panose="020B0600070205080204" pitchFamily="50" charset="-128"/>
+              </a:rPr>
+              <a:t>解析とか機械学習による因果推論</a:t>
+            </a:r>
             <a:endParaRPr lang="ja-JP" altLang="en-US" dirty="0">
               <a:latin typeface="Cambria" panose="02040503050406030204" pitchFamily="18" charset="0"/>
               <a:ea typeface="MS UI Gothic" panose="020B0600070205080204" pitchFamily="50" charset="-128"/>
@@ -9388,7 +9443,35 @@
                 <a:latin typeface="Cambria" panose="02040503050406030204" pitchFamily="18" charset="0"/>
                 <a:ea typeface="MS UI Gothic" panose="020B0600070205080204" pitchFamily="50" charset="-128"/>
               </a:rPr>
-              <a:t>右投左打、大学時代はキャッチャーでした</a:t>
+              <a:t>右投左打、大学時代</a:t>
+            </a:r>
+            <a:r>
+              <a:rPr lang="ja-JP" altLang="en-US" dirty="0" smtClean="0">
+                <a:latin typeface="Cambria" panose="02040503050406030204" pitchFamily="18" charset="0"/>
+                <a:ea typeface="MS UI Gothic" panose="020B0600070205080204" pitchFamily="50" charset="-128"/>
+              </a:rPr>
+              <a:t>は</a:t>
+            </a:r>
+            <a:r>
+              <a:rPr lang="ja-JP" altLang="en-US" strike="sngStrike" dirty="0" smtClean="0">
+                <a:latin typeface="Cambria" panose="02040503050406030204" pitchFamily="18" charset="0"/>
+                <a:ea typeface="MS UI Gothic" panose="020B0600070205080204" pitchFamily="50" charset="-128"/>
+              </a:rPr>
+              <a:t>指名打者</a:t>
+            </a:r>
+            <a:r>
+              <a:rPr lang="ja-JP" altLang="en-US" dirty="0" smtClean="0">
+                <a:latin typeface="Cambria" panose="02040503050406030204" pitchFamily="18" charset="0"/>
+                <a:ea typeface="MS UI Gothic" panose="020B0600070205080204" pitchFamily="50" charset="-128"/>
+              </a:rPr>
+              <a:t>キャッチャー</a:t>
+            </a:r>
+            <a:r>
+              <a:rPr lang="ja-JP" altLang="en-US" dirty="0">
+                <a:latin typeface="Cambria" panose="02040503050406030204" pitchFamily="18" charset="0"/>
+                <a:ea typeface="MS UI Gothic" panose="020B0600070205080204" pitchFamily="50" charset="-128"/>
+              </a:rPr>
+              <a:t>でした</a:t>
             </a:r>
             <a:endParaRPr lang="en-US" altLang="ja-JP" dirty="0">
               <a:latin typeface="Cambria" panose="02040503050406030204" pitchFamily="18" charset="0"/>
@@ -9789,76 +9872,196 @@
               <a:buChar char="•"/>
             </a:pPr>
             <a:r>
+              <a:rPr lang="en-US" altLang="ja-JP" sz="2800" b="1" dirty="0">
+                <a:latin typeface="Cambria" panose="02040503050406030204" pitchFamily="18" charset="0"/>
+                <a:ea typeface="MS UI Gothic" panose="020B0600070205080204" pitchFamily="50" charset="-128"/>
+                <a:cs typeface="Source Han Sans JP Normal"/>
+              </a:rPr>
+              <a:t>Research Question</a:t>
+            </a:r>
+            <a:r>
+              <a:rPr lang="en-US" altLang="ja-JP" sz="2800" dirty="0">
+                <a:latin typeface="Cambria" panose="02040503050406030204" pitchFamily="18" charset="0"/>
+                <a:ea typeface="MS UI Gothic" panose="020B0600070205080204" pitchFamily="50" charset="-128"/>
+                <a:cs typeface="Source Han Sans JP Normal"/>
+              </a:rPr>
+              <a:t/>
+            </a:r>
+            <a:br>
+              <a:rPr lang="en-US" altLang="ja-JP" sz="2800" dirty="0">
+                <a:latin typeface="Cambria" panose="02040503050406030204" pitchFamily="18" charset="0"/>
+                <a:ea typeface="MS UI Gothic" panose="020B0600070205080204" pitchFamily="50" charset="-128"/>
+                <a:cs typeface="Source Han Sans JP Normal"/>
+              </a:rPr>
+            </a:br>
+            <a:r>
+              <a:rPr lang="ja-JP" altLang="en-US" sz="2800" dirty="0">
+                <a:latin typeface="Cambria" panose="02040503050406030204" pitchFamily="18" charset="0"/>
+                <a:ea typeface="MS UI Gothic" panose="020B0600070205080204" pitchFamily="50" charset="-128"/>
+                <a:cs typeface="Source Han Sans JP Normal"/>
+              </a:rPr>
+              <a:t>「</a:t>
+            </a:r>
+            <a:r>
+              <a:rPr lang="en-US" altLang="ja-JP" sz="2800" dirty="0">
+                <a:latin typeface="Cambria" panose="02040503050406030204" pitchFamily="18" charset="0"/>
+                <a:ea typeface="MS UI Gothic" panose="020B0600070205080204" pitchFamily="50" charset="-128"/>
+                <a:cs typeface="Source Han Sans JP Normal"/>
+              </a:rPr>
+              <a:t>Major League Baseball</a:t>
+            </a:r>
+            <a:r>
+              <a:rPr lang="ja-JP" altLang="en-US" sz="2800" dirty="0">
+                <a:latin typeface="Cambria" panose="02040503050406030204" pitchFamily="18" charset="0"/>
+                <a:ea typeface="MS UI Gothic" panose="020B0600070205080204" pitchFamily="50" charset="-128"/>
+                <a:cs typeface="Source Han Sans JP Normal"/>
+              </a:rPr>
+              <a:t>の投球データを用いて、球審の判定に影響を及ぼすバイアスの仕組みを明らかにしよう」</a:t>
+            </a:r>
+            <a:endParaRPr lang="en-US" altLang="ja-JP" sz="2800" dirty="0">
+              <a:latin typeface="Cambria" panose="02040503050406030204" pitchFamily="18" charset="0"/>
+              <a:ea typeface="MS UI Gothic" panose="020B0600070205080204" pitchFamily="50" charset="-128"/>
+              <a:cs typeface="Source Han Sans JP Normal"/>
+            </a:endParaRPr>
+          </a:p>
+          <a:p>
+            <a:pPr marL="1143000" lvl="1" indent="-457200" eaLnBrk="1" hangingPunct="1"/>
+            <a:endParaRPr lang="en-US" altLang="ja-JP" dirty="0" smtClean="0">
+              <a:latin typeface="Cambria" panose="02040503050406030204" pitchFamily="18" charset="0"/>
+              <a:ea typeface="MS UI Gothic" panose="020B0600070205080204" pitchFamily="50" charset="-128"/>
+              <a:cs typeface="Source Han Sans JP Normal"/>
+            </a:endParaRPr>
+          </a:p>
+          <a:p>
+            <a:pPr marL="1143000" lvl="1" indent="-457200" eaLnBrk="1" hangingPunct="1"/>
+            <a:r>
+              <a:rPr lang="en-US" altLang="ja-JP" dirty="0" smtClean="0">
+                <a:latin typeface="Cambria" panose="02040503050406030204" pitchFamily="18" charset="0"/>
+                <a:ea typeface="MS UI Gothic" panose="020B0600070205080204" pitchFamily="50" charset="-128"/>
+                <a:cs typeface="Source Han Sans JP Normal"/>
+              </a:rPr>
+              <a:t>Home </a:t>
+            </a:r>
+            <a:r>
               <a:rPr lang="en-US" altLang="ja-JP" dirty="0">
                 <a:latin typeface="Cambria" panose="02040503050406030204" pitchFamily="18" charset="0"/>
                 <a:ea typeface="MS UI Gothic" panose="020B0600070205080204" pitchFamily="50" charset="-128"/>
                 <a:cs typeface="Source Han Sans JP Normal"/>
               </a:rPr>
-              <a:t>Research Question</a:t>
-            </a:r>
-            <a:br>
-              <a:rPr lang="en-US" altLang="ja-JP" dirty="0">
+              <a:t>Advantage (</a:t>
+            </a:r>
+            <a:r>
+              <a:rPr lang="ja-JP" altLang="en-US" dirty="0">
                 <a:latin typeface="Cambria" panose="02040503050406030204" pitchFamily="18" charset="0"/>
                 <a:ea typeface="MS UI Gothic" panose="020B0600070205080204" pitchFamily="50" charset="-128"/>
                 <a:cs typeface="Source Han Sans JP Normal"/>
               </a:rPr>
-            </a:br>
+              <a:t>ホームアドバンテージ</a:t>
+            </a:r>
+            <a:r>
+              <a:rPr lang="en-US" altLang="ja-JP" dirty="0" smtClean="0">
+                <a:latin typeface="Cambria" panose="02040503050406030204" pitchFamily="18" charset="0"/>
+                <a:ea typeface="MS UI Gothic" panose="020B0600070205080204" pitchFamily="50" charset="-128"/>
+                <a:cs typeface="Source Han Sans JP Normal"/>
+              </a:rPr>
+              <a:t>)</a:t>
+            </a:r>
+            <a:r>
+              <a:rPr lang="ja-JP" altLang="en-US" dirty="0" smtClean="0">
+                <a:latin typeface="Cambria" panose="02040503050406030204" pitchFamily="18" charset="0"/>
+                <a:ea typeface="MS UI Gothic" panose="020B0600070205080204" pitchFamily="50" charset="-128"/>
+                <a:cs typeface="Source Han Sans JP Normal"/>
+              </a:rPr>
+              <a:t>：特定地域・スタジアムをホームチームとする球団の攻撃中に、ストライクゾーンが狭くなる</a:t>
+            </a:r>
+            <a:endParaRPr lang="en-US" altLang="ja-JP" dirty="0" smtClean="0">
+              <a:latin typeface="Cambria" panose="02040503050406030204" pitchFamily="18" charset="0"/>
+              <a:ea typeface="MS UI Gothic" panose="020B0600070205080204" pitchFamily="50" charset="-128"/>
+              <a:cs typeface="Source Han Sans JP Normal"/>
+            </a:endParaRPr>
+          </a:p>
+          <a:p>
+            <a:pPr marL="1143000" lvl="1" indent="-457200" eaLnBrk="1" hangingPunct="1"/>
+            <a:r>
+              <a:rPr lang="ja-JP" altLang="en-US" dirty="0" smtClean="0">
+                <a:latin typeface="Cambria" panose="02040503050406030204" pitchFamily="18" charset="0"/>
+                <a:ea typeface="MS UI Gothic" panose="020B0600070205080204" pitchFamily="50" charset="-128"/>
+              </a:rPr>
+              <a:t>ホームアドバンテージが起こる仕組み：球審にはそうするインセンティブがない</a:t>
+            </a:r>
+            <a:endParaRPr lang="en-US" altLang="ja-JP" dirty="0" smtClean="0">
+              <a:latin typeface="Cambria" panose="02040503050406030204" pitchFamily="18" charset="0"/>
+              <a:ea typeface="MS UI Gothic" panose="020B0600070205080204" pitchFamily="50" charset="-128"/>
+            </a:endParaRPr>
+          </a:p>
+          <a:p>
+            <a:pPr marL="1143000" lvl="1" indent="-457200" eaLnBrk="1" hangingPunct="1"/>
             <a:r>
               <a:rPr lang="ja-JP" altLang="en-US" dirty="0">
                 <a:latin typeface="Cambria" panose="02040503050406030204" pitchFamily="18" charset="0"/>
                 <a:ea typeface="MS UI Gothic" panose="020B0600070205080204" pitchFamily="50" charset="-128"/>
                 <a:cs typeface="Source Han Sans JP Normal"/>
               </a:rPr>
-              <a:t>「</a:t>
-            </a:r>
-            <a:r>
-              <a:rPr lang="en-US" altLang="ja-JP" dirty="0">
+              <a:t>球審</a:t>
+            </a:r>
+            <a:r>
+              <a:rPr lang="ja-JP" altLang="en-US" dirty="0" smtClean="0">
                 <a:latin typeface="Cambria" panose="02040503050406030204" pitchFamily="18" charset="0"/>
                 <a:ea typeface="MS UI Gothic" panose="020B0600070205080204" pitchFamily="50" charset="-128"/>
                 <a:cs typeface="Source Han Sans JP Normal"/>
               </a:rPr>
-              <a:t>Major League Baseball</a:t>
-            </a:r>
-            <a:r>
-              <a:rPr lang="ja-JP" altLang="en-US" dirty="0">
+              <a:t>自身が自らの意思でそうしているわけではなく、スタジアムに詰めかけた観客の存在</a:t>
+            </a:r>
+            <a:r>
+              <a:rPr lang="en-US" altLang="ja-JP" dirty="0" smtClean="0">
                 <a:latin typeface="Cambria" panose="02040503050406030204" pitchFamily="18" charset="0"/>
                 <a:ea typeface="MS UI Gothic" panose="020B0600070205080204" pitchFamily="50" charset="-128"/>
                 <a:cs typeface="Source Han Sans JP Normal"/>
               </a:rPr>
-              <a:t>の投球データを用いて、球審の判定に影響を及ぼすバイアスの仕組みを明らかにしよう」</a:t>
+              <a:t>(Social Pressure)</a:t>
+            </a:r>
+            <a:r>
+              <a:rPr lang="ja-JP" altLang="en-US" dirty="0" smtClean="0">
+                <a:latin typeface="Cambria" panose="02040503050406030204" pitchFamily="18" charset="0"/>
+                <a:ea typeface="MS UI Gothic" panose="020B0600070205080204" pitchFamily="50" charset="-128"/>
+                <a:cs typeface="Source Han Sans JP Normal"/>
+              </a:rPr>
+              <a:t>がバイアスの原因に？</a:t>
+            </a:r>
+            <a:endParaRPr lang="en-US" altLang="ja-JP" dirty="0" smtClean="0">
+              <a:latin typeface="Cambria" panose="02040503050406030204" pitchFamily="18" charset="0"/>
+              <a:ea typeface="MS UI Gothic" panose="020B0600070205080204" pitchFamily="50" charset="-128"/>
+              <a:cs typeface="Source Han Sans JP Normal"/>
+            </a:endParaRPr>
+          </a:p>
+          <a:p>
+            <a:pPr marL="1143000" lvl="1" indent="-457200" eaLnBrk="1" hangingPunct="1"/>
+            <a:r>
+              <a:rPr lang="en-US" altLang="ja-JP" dirty="0" smtClean="0">
+                <a:latin typeface="Cambria" panose="02040503050406030204" pitchFamily="18" charset="0"/>
+                <a:ea typeface="MS UI Gothic" panose="020B0600070205080204" pitchFamily="50" charset="-128"/>
+              </a:rPr>
+              <a:t>Covid-19</a:t>
+            </a:r>
+            <a:r>
+              <a:rPr lang="ja-JP" altLang="en-US" dirty="0" smtClean="0">
+                <a:latin typeface="Cambria" panose="02040503050406030204" pitchFamily="18" charset="0"/>
+                <a:ea typeface="MS UI Gothic" panose="020B0600070205080204" pitchFamily="50" charset="-128"/>
+              </a:rPr>
+              <a:t>の感染防止措置が引き起こした観客動員数の激減を利用して、このメカニズムを</a:t>
+            </a:r>
+            <a:r>
+              <a:rPr lang="ja-JP" altLang="en-US" dirty="0" smtClean="0">
+                <a:latin typeface="Cambria" panose="02040503050406030204" pitchFamily="18" charset="0"/>
+                <a:ea typeface="MS UI Gothic" panose="020B0600070205080204" pitchFamily="50" charset="-128"/>
+              </a:rPr>
+              <a:t>実証分析</a:t>
             </a:r>
             <a:endParaRPr lang="en-US" altLang="ja-JP" dirty="0">
               <a:latin typeface="Cambria" panose="02040503050406030204" pitchFamily="18" charset="0"/>
               <a:ea typeface="MS UI Gothic" panose="020B0600070205080204" pitchFamily="50" charset="-128"/>
               <a:cs typeface="Source Han Sans JP Normal"/>
             </a:endParaRPr>
-          </a:p>
-          <a:p>
-            <a:pPr marL="1143000" lvl="1" indent="-457200" eaLnBrk="1" hangingPunct="1"/>
-            <a:r>
-              <a:rPr lang="en-US" altLang="ja-JP" dirty="0">
-                <a:latin typeface="Cambria" panose="02040503050406030204" pitchFamily="18" charset="0"/>
-                <a:ea typeface="MS UI Gothic" panose="020B0600070205080204" pitchFamily="50" charset="-128"/>
-                <a:cs typeface="Source Han Sans JP Normal"/>
-              </a:rPr>
-              <a:t>Home Advantage (</a:t>
-            </a:r>
-            <a:r>
-              <a:rPr lang="ja-JP" altLang="en-US" dirty="0">
-                <a:latin typeface="Cambria" panose="02040503050406030204" pitchFamily="18" charset="0"/>
-                <a:ea typeface="MS UI Gothic" panose="020B0600070205080204" pitchFamily="50" charset="-128"/>
-                <a:cs typeface="Source Han Sans JP Normal"/>
-              </a:rPr>
-              <a:t>ホームアドバンテージ</a:t>
-            </a:r>
-            <a:r>
-              <a:rPr lang="en-US" altLang="ja-JP" dirty="0">
-                <a:latin typeface="Cambria" panose="02040503050406030204" pitchFamily="18" charset="0"/>
-                <a:ea typeface="MS UI Gothic" panose="020B0600070205080204" pitchFamily="50" charset="-128"/>
-                <a:cs typeface="Source Han Sans JP Normal"/>
-              </a:rPr>
-              <a:t>)</a:t>
-            </a:r>
           </a:p>
         </p:txBody>
       </p:sp>
@@ -10066,6 +10269,34 @@
           </a:p>
           <a:p>
             <a:pPr marL="1028700" lvl="1" indent="-342900" eaLnBrk="1" hangingPunct="1"/>
+            <a:r>
+              <a:rPr lang="ja-JP" altLang="en-US" dirty="0">
+                <a:latin typeface="Cambria" panose="02040503050406030204" pitchFamily="18" charset="0"/>
+                <a:ea typeface="MS UI Gothic" panose="020B0600070205080204" pitchFamily="50" charset="-128"/>
+              </a:rPr>
+              <a:t>プレー</a:t>
+            </a:r>
+            <a:r>
+              <a:rPr lang="ja-JP" altLang="en-US" dirty="0" smtClean="0">
+                <a:latin typeface="Cambria" panose="02040503050406030204" pitchFamily="18" charset="0"/>
+                <a:ea typeface="MS UI Gothic" panose="020B0600070205080204" pitchFamily="50" charset="-128"/>
+              </a:rPr>
+              <a:t>やその評価がある程度定量化されており、そこからの乖離：バイアスの効果を推定しやすい</a:t>
+            </a:r>
+            <a:endParaRPr lang="en-US" altLang="ja-JP" dirty="0" smtClean="0">
+              <a:latin typeface="Cambria" panose="02040503050406030204" pitchFamily="18" charset="0"/>
+              <a:ea typeface="MS UI Gothic" panose="020B0600070205080204" pitchFamily="50" charset="-128"/>
+            </a:endParaRPr>
+          </a:p>
+          <a:p>
+            <a:pPr marL="1028700" lvl="1" indent="-342900" eaLnBrk="1" hangingPunct="1"/>
+            <a:r>
+              <a:rPr lang="ja-JP" altLang="en-US" dirty="0" smtClean="0">
+                <a:latin typeface="Cambria" panose="02040503050406030204" pitchFamily="18" charset="0"/>
+                <a:ea typeface="MS UI Gothic" panose="020B0600070205080204" pitchFamily="50" charset="-128"/>
+              </a:rPr>
+              <a:t>観客に端を発するバイアスは、一般社会でも同様に表れる可能性がある</a:t>
+            </a:r>
             <a:endParaRPr lang="en-US" altLang="ja-JP" dirty="0">
               <a:latin typeface="Cambria" panose="02040503050406030204" pitchFamily="18" charset="0"/>
               <a:ea typeface="MS UI Gothic" panose="020B0600070205080204" pitchFamily="50" charset="-128"/>
@@ -10077,6 +10308,62 @@
               <a:buFont typeface="Arial" panose="020B0604020202020204" pitchFamily="34" charset="0"/>
               <a:buChar char="•"/>
             </a:pPr>
+            <a:r>
+              <a:rPr lang="ja-JP" altLang="en-US" dirty="0" smtClean="0">
+                <a:latin typeface="Cambria" panose="02040503050406030204" pitchFamily="18" charset="0"/>
+                <a:ea typeface="MS UI Gothic" panose="020B0600070205080204" pitchFamily="50" charset="-128"/>
+                <a:cs typeface="Source Han Sans JP Normal"/>
+              </a:rPr>
+              <a:t>書籍</a:t>
+            </a:r>
+            <a:r>
+              <a:rPr lang="en-US" altLang="ja-JP" dirty="0" smtClean="0">
+                <a:latin typeface="Cambria" panose="02040503050406030204" pitchFamily="18" charset="0"/>
+                <a:ea typeface="MS UI Gothic" panose="020B0600070205080204" pitchFamily="50" charset="-128"/>
+                <a:cs typeface="Source Han Sans JP Normal"/>
+              </a:rPr>
+              <a:t>『</a:t>
+            </a:r>
+            <a:r>
+              <a:rPr lang="ja-JP" altLang="en-US" dirty="0">
+                <a:latin typeface="Cambria" panose="02040503050406030204" pitchFamily="18" charset="0"/>
+                <a:ea typeface="MS UI Gothic" panose="020B0600070205080204" pitchFamily="50" charset="-128"/>
+                <a:cs typeface="Source Han Sans JP Normal"/>
+              </a:rPr>
+              <a:t>オタクの行動経済学者、スポーツの裏側を読み解く</a:t>
+            </a:r>
+            <a:r>
+              <a:rPr lang="en-US" altLang="ja-JP" dirty="0" smtClean="0">
+                <a:latin typeface="Cambria" panose="02040503050406030204" pitchFamily="18" charset="0"/>
+                <a:ea typeface="MS UI Gothic" panose="020B0600070205080204" pitchFamily="50" charset="-128"/>
+                <a:cs typeface="Source Han Sans JP Normal"/>
+              </a:rPr>
+              <a:t>』  (</a:t>
+            </a:r>
+            <a:r>
+              <a:rPr lang="en-US" altLang="ja-JP" dirty="0" err="1" smtClean="0">
+                <a:latin typeface="Cambria" panose="02040503050406030204" pitchFamily="18" charset="0"/>
+                <a:ea typeface="MS UI Gothic" panose="020B0600070205080204" pitchFamily="50" charset="-128"/>
+                <a:cs typeface="Source Han Sans JP Normal"/>
+              </a:rPr>
+              <a:t>Scorecasting</a:t>
+            </a:r>
+            <a:r>
+              <a:rPr lang="en-US" altLang="ja-JP" dirty="0" smtClean="0">
+                <a:latin typeface="Cambria" panose="02040503050406030204" pitchFamily="18" charset="0"/>
+                <a:ea typeface="MS UI Gothic" panose="020B0600070205080204" pitchFamily="50" charset="-128"/>
+                <a:cs typeface="Source Han Sans JP Normal"/>
+              </a:rPr>
+              <a:t>: The Hidden Influences Behind How Sports Are Played and Games Are Won</a:t>
+            </a:r>
+            <a:r>
+              <a:rPr lang="en-US" altLang="ja-JP" dirty="0" smtClean="0">
+                <a:latin typeface="Cambria" panose="02040503050406030204" pitchFamily="18" charset="0"/>
+                <a:ea typeface="MS UI Gothic" panose="020B0600070205080204" pitchFamily="50" charset="-128"/>
+                <a:cs typeface="Source Han Sans JP Normal"/>
+              </a:rPr>
+              <a:t>; Moskowitz, Wertheim)</a:t>
+            </a:r>
             <a:endParaRPr lang="en-US" altLang="ja-JP" dirty="0">
               <a:latin typeface="Cambria" panose="02040503050406030204" pitchFamily="18" charset="0"/>
               <a:ea typeface="MS UI Gothic" panose="020B0600070205080204" pitchFamily="50" charset="-128"/>
@@ -10094,81 +10381,6 @@
                 <a:ea typeface="MS UI Gothic" panose="020B0600070205080204" pitchFamily="50" charset="-128"/>
                 <a:cs typeface="Source Han Sans JP Normal"/>
               </a:rPr>
-              <a:t>書籍</a:t>
-            </a:r>
-            <a:r>
-              <a:rPr lang="en-US" altLang="ja-JP" dirty="0" smtClean="0">
-                <a:latin typeface="Cambria" panose="02040503050406030204" pitchFamily="18" charset="0"/>
-                <a:ea typeface="MS UI Gothic" panose="020B0600070205080204" pitchFamily="50" charset="-128"/>
-                <a:cs typeface="Source Han Sans JP Normal"/>
-              </a:rPr>
-              <a:t>『</a:t>
-            </a:r>
-            <a:r>
-              <a:rPr lang="ja-JP" altLang="en-US" dirty="0">
-                <a:latin typeface="Cambria" panose="02040503050406030204" pitchFamily="18" charset="0"/>
-                <a:ea typeface="MS UI Gothic" panose="020B0600070205080204" pitchFamily="50" charset="-128"/>
-                <a:cs typeface="Source Han Sans JP Normal"/>
-              </a:rPr>
-              <a:t>オタクの行動経済学者、スポーツの裏側を読み解く</a:t>
-            </a:r>
-            <a:r>
-              <a:rPr lang="en-US" altLang="ja-JP" dirty="0" smtClean="0">
-                <a:latin typeface="Cambria" panose="02040503050406030204" pitchFamily="18" charset="0"/>
-                <a:ea typeface="MS UI Gothic" panose="020B0600070205080204" pitchFamily="50" charset="-128"/>
-                <a:cs typeface="Source Han Sans JP Normal"/>
-              </a:rPr>
-              <a:t>』  (</a:t>
-            </a:r>
-            <a:r>
-              <a:rPr lang="en-US" altLang="ja-JP" dirty="0" err="1" smtClean="0">
-                <a:latin typeface="Cambria" panose="02040503050406030204" pitchFamily="18" charset="0"/>
-                <a:ea typeface="MS UI Gothic" panose="020B0600070205080204" pitchFamily="50" charset="-128"/>
-                <a:cs typeface="Source Han Sans JP Normal"/>
-              </a:rPr>
-              <a:t>Scorecasting</a:t>
-            </a:r>
-            <a:r>
-              <a:rPr lang="en-US" altLang="ja-JP" dirty="0" smtClean="0">
-                <a:latin typeface="Cambria" panose="02040503050406030204" pitchFamily="18" charset="0"/>
-                <a:ea typeface="MS UI Gothic" panose="020B0600070205080204" pitchFamily="50" charset="-128"/>
-                <a:cs typeface="Source Han Sans JP Normal"/>
-              </a:rPr>
-              <a:t>: The Hidden Influences Behind How Sports Are Played and Games Are Won; </a:t>
-            </a:r>
-            <a:r>
-              <a:rPr lang="en-US" altLang="ja-JP" dirty="0">
-                <a:latin typeface="Cambria" panose="02040503050406030204" pitchFamily="18" charset="0"/>
-                <a:ea typeface="MS UI Gothic" panose="020B0600070205080204" pitchFamily="50" charset="-128"/>
-                <a:cs typeface="Source Han Sans JP Normal"/>
-              </a:rPr>
-              <a:t>Moskowitz, Wertheim</a:t>
-            </a:r>
-            <a:r>
-              <a:rPr lang="en-US" altLang="ja-JP" dirty="0" smtClean="0">
-                <a:latin typeface="Cambria" panose="02040503050406030204" pitchFamily="18" charset="0"/>
-                <a:ea typeface="MS UI Gothic" panose="020B0600070205080204" pitchFamily="50" charset="-128"/>
-                <a:cs typeface="Source Han Sans JP Normal"/>
-              </a:rPr>
-              <a:t>)</a:t>
-            </a:r>
-            <a:endParaRPr lang="en-US" altLang="ja-JP" dirty="0">
-              <a:latin typeface="Cambria" panose="02040503050406030204" pitchFamily="18" charset="0"/>
-              <a:ea typeface="MS UI Gothic" panose="020B0600070205080204" pitchFamily="50" charset="-128"/>
-              <a:cs typeface="Source Han Sans JP Normal"/>
-            </a:endParaRPr>
-          </a:p>
-          <a:p>
-            <a:pPr marL="342900" indent="-342900" eaLnBrk="1" hangingPunct="1">
-              <a:buFont typeface="Arial" panose="020B0604020202020204" pitchFamily="34" charset="0"/>
-              <a:buChar char="•"/>
-            </a:pPr>
-            <a:r>
-              <a:rPr lang="ja-JP" altLang="en-US" dirty="0" smtClean="0">
-                <a:latin typeface="Cambria" panose="02040503050406030204" pitchFamily="18" charset="0"/>
-                <a:ea typeface="MS UI Gothic" panose="020B0600070205080204" pitchFamily="50" charset="-128"/>
-                <a:cs typeface="Source Han Sans JP Normal"/>
-              </a:rPr>
               <a:t>スポーツデータを扱ったバイアスの研究も様々</a:t>
             </a:r>
             <a:endParaRPr lang="en-US" altLang="ja-JP" dirty="0" smtClean="0">
@@ -10192,6 +10404,114 @@
                 <a:ea typeface="MS UI Gothic" panose="020B0600070205080204" pitchFamily="50" charset="-128"/>
               </a:rPr>
               <a:t>球審の人種バイアス</a:t>
+            </a:r>
+            <a:endParaRPr lang="en-US" altLang="ja-JP" dirty="0" smtClean="0">
+              <a:latin typeface="Cambria" panose="02040503050406030204" pitchFamily="18" charset="0"/>
+              <a:ea typeface="MS UI Gothic" panose="020B0600070205080204" pitchFamily="50" charset="-128"/>
+            </a:endParaRPr>
+          </a:p>
+          <a:p>
+            <a:pPr marL="1028700" lvl="1" indent="-342900" eaLnBrk="1" hangingPunct="1"/>
+            <a:r>
+              <a:rPr lang="en-US" altLang="ja-JP" dirty="0">
+                <a:latin typeface="Cambria" panose="02040503050406030204" pitchFamily="18" charset="0"/>
+                <a:ea typeface="MS UI Gothic" panose="020B0600070205080204" pitchFamily="50" charset="-128"/>
+              </a:rPr>
+              <a:t>Higgs and </a:t>
+            </a:r>
+            <a:r>
+              <a:rPr lang="en-US" altLang="ja-JP" dirty="0" err="1">
+                <a:latin typeface="Cambria" panose="02040503050406030204" pitchFamily="18" charset="0"/>
+                <a:ea typeface="MS UI Gothic" panose="020B0600070205080204" pitchFamily="50" charset="-128"/>
+              </a:rPr>
+              <a:t>Stavness</a:t>
+            </a:r>
+            <a:r>
+              <a:rPr lang="en-US" altLang="ja-JP" dirty="0">
+                <a:latin typeface="Cambria" panose="02040503050406030204" pitchFamily="18" charset="0"/>
+                <a:ea typeface="MS UI Gothic" panose="020B0600070205080204" pitchFamily="50" charset="-128"/>
+              </a:rPr>
+              <a:t> (2022</a:t>
+            </a:r>
+            <a:r>
+              <a:rPr lang="en-US" altLang="ja-JP" dirty="0" smtClean="0">
+                <a:latin typeface="Cambria" panose="02040503050406030204" pitchFamily="18" charset="0"/>
+                <a:ea typeface="MS UI Gothic" panose="020B0600070205080204" pitchFamily="50" charset="-128"/>
+              </a:rPr>
+              <a:t>)</a:t>
+            </a:r>
+            <a:r>
+              <a:rPr lang="ja-JP" altLang="en-US" dirty="0" smtClean="0">
+                <a:latin typeface="Cambria" panose="02040503050406030204" pitchFamily="18" charset="0"/>
+                <a:ea typeface="MS UI Gothic" panose="020B0600070205080204" pitchFamily="50" charset="-128"/>
+              </a:rPr>
+              <a:t>：</a:t>
+            </a:r>
+            <a:r>
+              <a:rPr lang="en-US" altLang="ja-JP" dirty="0" smtClean="0">
+                <a:latin typeface="Cambria" panose="02040503050406030204" pitchFamily="18" charset="0"/>
+                <a:ea typeface="MS UI Gothic" panose="020B0600070205080204" pitchFamily="50" charset="-128"/>
+              </a:rPr>
+              <a:t>4</a:t>
+            </a:r>
+            <a:r>
+              <a:rPr lang="ja-JP" altLang="en-US" dirty="0" smtClean="0">
+                <a:latin typeface="Cambria" panose="02040503050406030204" pitchFamily="18" charset="0"/>
+                <a:ea typeface="MS UI Gothic" panose="020B0600070205080204" pitchFamily="50" charset="-128"/>
+              </a:rPr>
+              <a:t>大スポーツのホームチームの勝率</a:t>
+            </a:r>
+            <a:endParaRPr lang="en-US" altLang="ja-JP" dirty="0" smtClean="0">
+              <a:latin typeface="Cambria" panose="02040503050406030204" pitchFamily="18" charset="0"/>
+              <a:ea typeface="MS UI Gothic" panose="020B0600070205080204" pitchFamily="50" charset="-128"/>
+            </a:endParaRPr>
+          </a:p>
+          <a:p>
+            <a:pPr marL="1028700" lvl="1" indent="-342900" eaLnBrk="1" hangingPunct="1"/>
+            <a:r>
+              <a:rPr lang="en-US" altLang="ja-JP" dirty="0" smtClean="0">
+                <a:latin typeface="Cambria" panose="02040503050406030204" pitchFamily="18" charset="0"/>
+                <a:ea typeface="MS UI Gothic" panose="020B0600070205080204" pitchFamily="50" charset="-128"/>
+              </a:rPr>
+              <a:t>Sandberg (2018)</a:t>
+            </a:r>
+            <a:r>
+              <a:rPr lang="ja-JP" altLang="en-US" dirty="0" smtClean="0">
+                <a:latin typeface="Cambria" panose="02040503050406030204" pitchFamily="18" charset="0"/>
+                <a:ea typeface="MS UI Gothic" panose="020B0600070205080204" pitchFamily="50" charset="-128"/>
+              </a:rPr>
+              <a:t>：</a:t>
+            </a:r>
+            <a:r>
+              <a:rPr lang="ja-JP" altLang="en-US" dirty="0" smtClean="0">
+                <a:latin typeface="Cambria" panose="02040503050406030204" pitchFamily="18" charset="0"/>
+                <a:ea typeface="MS UI Gothic" panose="020B0600070205080204" pitchFamily="50" charset="-128"/>
+                <a:cs typeface="Source Han Sans JP Normal"/>
+              </a:rPr>
+              <a:t>馬術</a:t>
+            </a:r>
+            <a:r>
+              <a:rPr lang="ja-JP" altLang="en-US" dirty="0">
+                <a:latin typeface="Cambria" panose="02040503050406030204" pitchFamily="18" charset="0"/>
+                <a:ea typeface="MS UI Gothic" panose="020B0600070205080204" pitchFamily="50" charset="-128"/>
+              </a:rPr>
+              <a:t>、</a:t>
+            </a:r>
+            <a:r>
+              <a:rPr lang="ja-JP" altLang="en-US" dirty="0" smtClean="0">
+                <a:latin typeface="Cambria" panose="02040503050406030204" pitchFamily="18" charset="0"/>
+                <a:ea typeface="MS UI Gothic" panose="020B0600070205080204" pitchFamily="50" charset="-128"/>
+                <a:cs typeface="Source Han Sans JP Normal"/>
+              </a:rPr>
+              <a:t>審査員</a:t>
+            </a:r>
+            <a:r>
+              <a:rPr lang="ja-JP" altLang="en-US" dirty="0" smtClean="0">
+                <a:latin typeface="Cambria" panose="02040503050406030204" pitchFamily="18" charset="0"/>
+                <a:ea typeface="MS UI Gothic" panose="020B0600070205080204" pitchFamily="50" charset="-128"/>
+                <a:cs typeface="Source Han Sans JP Normal"/>
+              </a:rPr>
+              <a:t>による国籍バイアス</a:t>
             </a:r>
             <a:endParaRPr lang="en-US" altLang="ja-JP" dirty="0">
               <a:latin typeface="Cambria" panose="02040503050406030204" pitchFamily="18" charset="0"/>
@@ -10279,6 +10599,47 @@
           </a:p>
         </p:txBody>
       </p:sp>
+      <p:pic>
+        <p:nvPicPr>
+          <p:cNvPr id="1026" name="Picture 2" descr="https://www.diamond.co.jp/images/book/5/9784478015445.jpg"/>
+          <p:cNvPicPr>
+            <a:picLocks noChangeAspect="1" noChangeArrowheads="1"/>
+          </p:cNvPicPr>
+          <p:nvPr/>
+        </p:nvPicPr>
+        <p:blipFill>
+          <a:blip r:embed="rId4">
+            <a:extLst>
+              <a:ext uri="{28A0092B-C50C-407E-A947-70E740481C1C}">
+                <a14:useLocalDpi xmlns:a14="http://schemas.microsoft.com/office/drawing/2010/main" val="0"/>
+              </a:ext>
+            </a:extLst>
+          </a:blip>
+          <a:srcRect/>
+          <a:stretch>
+            <a:fillRect/>
+          </a:stretch>
+        </p:blipFill>
+        <p:spPr bwMode="auto">
+          <a:xfrm>
+            <a:off x="9829801" y="3969712"/>
+            <a:ext cx="1743582" cy="2523164"/>
+          </a:xfrm>
+          <a:prstGeom prst="rect">
+            <a:avLst/>
+          </a:prstGeom>
+          <a:noFill/>
+          <a:extLst>
+            <a:ext uri="{909E8E84-426E-40DD-AFC4-6F175D3DCCD1}">
+              <a14:hiddenFill xmlns:a14="http://schemas.microsoft.com/office/drawing/2010/main">
+                <a:solidFill>
+                  <a:srgbClr val="FFFFFF"/>
+                </a:solidFill>
+              </a14:hiddenFill>
+            </a:ext>
+          </a:extLst>
+        </p:spPr>
+      </p:pic>
     </p:spTree>
     <p:extLst>
       <p:ext uri="{BB962C8B-B14F-4D97-AF65-F5344CB8AC3E}">
@@ -10390,32 +10751,179 @@
               <a:buChar char="•"/>
             </a:pPr>
             <a:r>
+              <a:rPr lang="ja-JP" altLang="en-US" dirty="0" smtClean="0">
+                <a:latin typeface="Cambria" panose="02040503050406030204" pitchFamily="18" charset="0"/>
+                <a:ea typeface="MS UI Gothic" panose="020B0600070205080204" pitchFamily="50" charset="-128"/>
+                <a:cs typeface="Source Han Sans JP Normal"/>
+              </a:rPr>
+              <a:t>ホームアドバンテージに限らず、審判の判定にはライブで観戦する観客の存在が影響することが知られている</a:t>
+            </a:r>
+            <a:endParaRPr lang="en-US" altLang="ja-JP" dirty="0" smtClean="0">
+              <a:latin typeface="Cambria" panose="02040503050406030204" pitchFamily="18" charset="0"/>
+              <a:ea typeface="MS UI Gothic" panose="020B0600070205080204" pitchFamily="50" charset="-128"/>
+              <a:cs typeface="Source Han Sans JP Normal"/>
+            </a:endParaRPr>
+          </a:p>
+          <a:p>
+            <a:pPr marL="1028700" lvl="1" indent="-342900" eaLnBrk="1" hangingPunct="1"/>
+            <a:r>
               <a:rPr lang="ja-JP" altLang="en-US" dirty="0">
                 <a:latin typeface="Cambria" panose="02040503050406030204" pitchFamily="18" charset="0"/>
                 <a:ea typeface="MS UI Gothic" panose="020B0600070205080204" pitchFamily="50" charset="-128"/>
                 <a:cs typeface="Source Han Sans JP Normal"/>
               </a:rPr>
-              <a:t>観客の存在がもたらす影響はホームアドバンテージに止まらない</a:t>
+              <a:t>観客動員数</a:t>
+            </a:r>
+            <a:r>
+              <a:rPr lang="ja-JP" altLang="en-US" dirty="0" smtClean="0">
+                <a:latin typeface="Cambria" panose="02040503050406030204" pitchFamily="18" charset="0"/>
+                <a:ea typeface="MS UI Gothic" panose="020B0600070205080204" pitchFamily="50" charset="-128"/>
+                <a:cs typeface="Source Han Sans JP Normal"/>
+              </a:rPr>
+              <a:t>の少ない試合では、ホームアドバンテージの影響が小さくなる </a:t>
+            </a:r>
+            <a:r>
+              <a:rPr lang="en-US" altLang="ja-JP" dirty="0">
+                <a:latin typeface="Cambria" panose="02040503050406030204" pitchFamily="18" charset="0"/>
+                <a:ea typeface="MS UI Gothic" panose="020B0600070205080204" pitchFamily="50" charset="-128"/>
+              </a:rPr>
+              <a:t>(Moskowitz, </a:t>
+            </a:r>
+            <a:r>
+              <a:rPr lang="en-US" altLang="ja-JP" dirty="0" smtClean="0">
+                <a:latin typeface="Cambria" panose="02040503050406030204" pitchFamily="18" charset="0"/>
+                <a:ea typeface="MS UI Gothic" panose="020B0600070205080204" pitchFamily="50" charset="-128"/>
+              </a:rPr>
+              <a:t>Wertheim, 2011)</a:t>
+            </a:r>
+          </a:p>
+          <a:p>
+            <a:pPr marL="342900" indent="-342900" eaLnBrk="1" hangingPunct="1">
+              <a:buFont typeface="Arial" panose="020B0604020202020204" pitchFamily="34" charset="0"/>
+              <a:buChar char="•"/>
+            </a:pPr>
+            <a:endParaRPr lang="en-US" altLang="ja-JP" dirty="0" smtClean="0">
+              <a:latin typeface="Cambria" panose="02040503050406030204" pitchFamily="18" charset="0"/>
+              <a:ea typeface="MS UI Gothic" panose="020B0600070205080204" pitchFamily="50" charset="-128"/>
+              <a:cs typeface="Source Han Sans JP Normal"/>
+            </a:endParaRPr>
+          </a:p>
+          <a:p>
+            <a:pPr marL="342900" indent="-342900" eaLnBrk="1" hangingPunct="1">
+              <a:buFont typeface="Arial" panose="020B0604020202020204" pitchFamily="34" charset="0"/>
+              <a:buChar char="•"/>
+            </a:pPr>
+            <a:r>
+              <a:rPr lang="ja-JP" altLang="en-US" dirty="0" smtClean="0">
+                <a:latin typeface="Cambria" panose="02040503050406030204" pitchFamily="18" charset="0"/>
+                <a:ea typeface="MS UI Gothic" panose="020B0600070205080204" pitchFamily="50" charset="-128"/>
+                <a:cs typeface="Source Han Sans JP Normal"/>
+              </a:rPr>
+              <a:t>メカニズム</a:t>
+            </a:r>
+            <a:endParaRPr lang="en-US" altLang="ja-JP" dirty="0" smtClean="0">
+              <a:latin typeface="Cambria" panose="02040503050406030204" pitchFamily="18" charset="0"/>
+              <a:ea typeface="MS UI Gothic" panose="020B0600070205080204" pitchFamily="50" charset="-128"/>
+              <a:cs typeface="Source Han Sans JP Normal"/>
+            </a:endParaRPr>
+          </a:p>
+          <a:p>
+            <a:pPr marL="1028700" lvl="1" indent="-342900" eaLnBrk="1" hangingPunct="1"/>
+            <a:r>
+              <a:rPr lang="ja-JP" altLang="en-US" dirty="0" smtClean="0">
+                <a:latin typeface="Cambria" panose="02040503050406030204" pitchFamily="18" charset="0"/>
+                <a:ea typeface="MS UI Gothic" panose="020B0600070205080204" pitchFamily="50" charset="-128"/>
+                <a:cs typeface="Source Han Sans JP Normal"/>
+              </a:rPr>
+              <a:t>自軍のフランチャイズ球場の特性をよく知るホームチームの選手のパフォーマンスが上がる</a:t>
+            </a:r>
+            <a:endParaRPr lang="en-US" altLang="ja-JP" dirty="0" smtClean="0">
+              <a:latin typeface="Cambria" panose="02040503050406030204" pitchFamily="18" charset="0"/>
+              <a:ea typeface="MS UI Gothic" panose="020B0600070205080204" pitchFamily="50" charset="-128"/>
+              <a:cs typeface="Source Han Sans JP Normal"/>
+            </a:endParaRPr>
+          </a:p>
+          <a:p>
+            <a:pPr marL="1028700" lvl="1" indent="-342900" eaLnBrk="1" hangingPunct="1"/>
+            <a:r>
+              <a:rPr lang="ja-JP" altLang="en-US" dirty="0" smtClean="0">
+                <a:latin typeface="Cambria" panose="02040503050406030204" pitchFamily="18" charset="0"/>
+                <a:ea typeface="MS UI Gothic" panose="020B0600070205080204" pitchFamily="50" charset="-128"/>
+                <a:cs typeface="Source Han Sans JP Normal"/>
+              </a:rPr>
+              <a:t>観客の存在が </a:t>
+            </a:r>
+            <a:r>
+              <a:rPr lang="en-US" altLang="ja-JP" dirty="0" smtClean="0">
+                <a:latin typeface="Cambria" panose="02040503050406030204" pitchFamily="18" charset="0"/>
+                <a:ea typeface="MS UI Gothic" panose="020B0600070205080204" pitchFamily="50" charset="-128"/>
+                <a:cs typeface="Source Han Sans JP Normal"/>
+              </a:rPr>
+              <a:t>Social Pressure </a:t>
+            </a:r>
+            <a:r>
+              <a:rPr lang="ja-JP" altLang="en-US" dirty="0">
+                <a:latin typeface="Cambria" panose="02040503050406030204" pitchFamily="18" charset="0"/>
+                <a:ea typeface="MS UI Gothic" panose="020B0600070205080204" pitchFamily="50" charset="-128"/>
+              </a:rPr>
+              <a:t>と</a:t>
+            </a:r>
+            <a:r>
+              <a:rPr lang="ja-JP" altLang="en-US" dirty="0" smtClean="0">
+                <a:latin typeface="Cambria" panose="02040503050406030204" pitchFamily="18" charset="0"/>
+                <a:ea typeface="MS UI Gothic" panose="020B0600070205080204" pitchFamily="50" charset="-128"/>
+              </a:rPr>
+              <a:t>して球審に影響を与える</a:t>
+            </a:r>
+            <a:endParaRPr lang="en-US" altLang="ja-JP" dirty="0" smtClean="0">
+              <a:latin typeface="Cambria" panose="02040503050406030204" pitchFamily="18" charset="0"/>
+              <a:ea typeface="MS UI Gothic" panose="020B0600070205080204" pitchFamily="50" charset="-128"/>
+            </a:endParaRPr>
+          </a:p>
+          <a:p>
+            <a:pPr marL="1028700" lvl="1" indent="-342900" eaLnBrk="1" hangingPunct="1"/>
+            <a:r>
+              <a:rPr lang="ja-JP" altLang="en-US" dirty="0" smtClean="0">
+                <a:latin typeface="Cambria" panose="02040503050406030204" pitchFamily="18" charset="0"/>
+                <a:ea typeface="MS UI Gothic" panose="020B0600070205080204" pitchFamily="50" charset="-128"/>
+                <a:cs typeface="Source Han Sans JP Normal"/>
+              </a:rPr>
+              <a:t>モニタリング効果：観客が審判の判定精度を「監視」し、より公平な判定を促す</a:t>
+            </a:r>
+            <a:endParaRPr lang="en-US" altLang="ja-JP" dirty="0" smtClean="0">
+              <a:latin typeface="Cambria" panose="02040503050406030204" pitchFamily="18" charset="0"/>
+              <a:ea typeface="MS UI Gothic" panose="020B0600070205080204" pitchFamily="50" charset="-128"/>
+              <a:cs typeface="Source Han Sans JP Normal"/>
+            </a:endParaRPr>
+          </a:p>
+          <a:p>
+            <a:pPr marL="1485900" lvl="2" indent="-342900" eaLnBrk="1" hangingPunct="1"/>
+            <a:r>
+              <a:rPr lang="ja-JP" altLang="en-US" dirty="0" smtClean="0">
+                <a:latin typeface="Cambria" panose="02040503050406030204" pitchFamily="18" charset="0"/>
+                <a:ea typeface="MS UI Gothic" panose="020B0600070205080204" pitchFamily="50" charset="-128"/>
+              </a:rPr>
+              <a:t>テレビ</a:t>
+            </a:r>
+            <a:r>
+              <a:rPr lang="ja-JP" altLang="en-US" dirty="0">
+                <a:latin typeface="Cambria" panose="02040503050406030204" pitchFamily="18" charset="0"/>
+                <a:ea typeface="MS UI Gothic" panose="020B0600070205080204" pitchFamily="50" charset="-128"/>
+              </a:rPr>
+              <a:t>中継</a:t>
+            </a:r>
+            <a:r>
+              <a:rPr lang="ja-JP" altLang="en-US" dirty="0" smtClean="0">
+                <a:latin typeface="Cambria" panose="02040503050406030204" pitchFamily="18" charset="0"/>
+                <a:ea typeface="MS UI Gothic" panose="020B0600070205080204" pitchFamily="50" charset="-128"/>
+              </a:rPr>
+              <a:t>やトラッキング機器を用いたフィードバックの存在</a:t>
             </a:r>
             <a:endParaRPr lang="en-US" altLang="ja-JP" dirty="0">
               <a:latin typeface="Cambria" panose="02040503050406030204" pitchFamily="18" charset="0"/>
               <a:ea typeface="MS UI Gothic" panose="020B0600070205080204" pitchFamily="50" charset="-128"/>
               <a:cs typeface="Source Han Sans JP Normal"/>
             </a:endParaRPr>
-          </a:p>
-          <a:p>
-            <a:pPr marL="342900" indent="-342900" eaLnBrk="1" hangingPunct="1">
-              <a:buFont typeface="Arial" panose="020B0604020202020204" pitchFamily="34" charset="0"/>
-              <a:buChar char="•"/>
-            </a:pPr>
-            <a:r>
-              <a:rPr lang="ja-JP" altLang="en-US" dirty="0">
-                <a:latin typeface="Cambria" panose="02040503050406030204" pitchFamily="18" charset="0"/>
-                <a:ea typeface="MS UI Gothic" panose="020B0600070205080204" pitchFamily="50" charset="-128"/>
-                <a:cs typeface="Source Han Sans JP Normal"/>
-              </a:rPr>
-              <a:t>差別：</a:t>
-            </a:r>
           </a:p>
         </p:txBody>
       </p:sp>
@@ -10595,8 +11103,8 @@
         </p:nvSpPr>
         <p:spPr>
           <a:xfrm>
-            <a:off x="541338" y="1376363"/>
-            <a:ext cx="6573565" cy="4800600"/>
+            <a:off x="541338" y="1376362"/>
+            <a:ext cx="6573565" cy="5079301"/>
           </a:xfrm>
         </p:spPr>
         <p:txBody>
@@ -10644,7 +11152,37 @@
                 <a:ea typeface="MS UI Gothic" panose="020B0600070205080204" pitchFamily="50" charset="-128"/>
                 <a:cs typeface="Source Han Sans JP Normal"/>
               </a:rPr>
-              <a:t>一度下した判定は覆らないため、ゲームに系統的なバイアスの入り込む余地がある</a:t>
+              <a:t>一度下した判定は覆らないため、ゲームに系統的なバイアスの入り込む余地が</a:t>
+            </a:r>
+            <a:r>
+              <a:rPr lang="ja-JP" altLang="en-US" dirty="0" smtClean="0">
+                <a:latin typeface="Cambria" panose="02040503050406030204" pitchFamily="18" charset="0"/>
+                <a:ea typeface="MS UI Gothic" panose="020B0600070205080204" pitchFamily="50" charset="-128"/>
+                <a:cs typeface="Source Han Sans JP Normal"/>
+              </a:rPr>
+              <a:t>ある</a:t>
+            </a:r>
+            <a:endParaRPr lang="en-US" altLang="ja-JP" dirty="0" smtClean="0">
+              <a:latin typeface="Cambria" panose="02040503050406030204" pitchFamily="18" charset="0"/>
+              <a:ea typeface="MS UI Gothic" panose="020B0600070205080204" pitchFamily="50" charset="-128"/>
+              <a:cs typeface="Source Han Sans JP Normal"/>
+            </a:endParaRPr>
+          </a:p>
+          <a:p>
+            <a:pPr marL="1143000" lvl="1" indent="-457200" eaLnBrk="1" hangingPunct="1"/>
+            <a:r>
+              <a:rPr lang="ja-JP" altLang="en-US" dirty="0">
+                <a:latin typeface="Cambria" panose="02040503050406030204" pitchFamily="18" charset="0"/>
+                <a:ea typeface="MS UI Gothic" panose="020B0600070205080204" pitchFamily="50" charset="-128"/>
+              </a:rPr>
+              <a:t>一方</a:t>
+            </a:r>
+            <a:r>
+              <a:rPr lang="ja-JP" altLang="en-US" dirty="0" smtClean="0">
+                <a:latin typeface="Cambria" panose="02040503050406030204" pitchFamily="18" charset="0"/>
+                <a:ea typeface="MS UI Gothic" panose="020B0600070205080204" pitchFamily="50" charset="-128"/>
+              </a:rPr>
+              <a:t>で、トラッキングデータに基づいた「あるべき判定」も定義可能</a:t>
             </a:r>
             <a:endParaRPr lang="en-US" altLang="ja-JP" dirty="0">
               <a:latin typeface="Cambria" panose="02040503050406030204" pitchFamily="18" charset="0"/>
@@ -10693,18 +11231,15 @@
                 <a:latin typeface="Cambria" panose="02040503050406030204" pitchFamily="18" charset="0"/>
                 <a:ea typeface="MS UI Gothic" panose="020B0600070205080204" pitchFamily="50" charset="-128"/>
               </a:rPr>
-              <a:t>：バイアスの影響は小さくない</a:t>
-            </a:r>
-            <a:endParaRPr lang="en-US" altLang="ja-JP" dirty="0">
-              <a:latin typeface="Cambria" panose="02040503050406030204" pitchFamily="18" charset="0"/>
-              <a:ea typeface="MS UI Gothic" panose="020B0600070205080204" pitchFamily="50" charset="-128"/>
-            </a:endParaRPr>
-          </a:p>
-          <a:p>
-            <a:pPr marL="457200" indent="-457200" eaLnBrk="1" hangingPunct="1">
-              <a:buFont typeface="Arial" panose="020B0604020202020204" pitchFamily="34" charset="0"/>
-              <a:buChar char="•"/>
-            </a:pPr>
+              <a:t>：バイアスの影響は小さく</a:t>
+            </a:r>
+            <a:r>
+              <a:rPr lang="ja-JP" altLang="en-US" dirty="0" smtClean="0">
+                <a:latin typeface="Cambria" panose="02040503050406030204" pitchFamily="18" charset="0"/>
+                <a:ea typeface="MS UI Gothic" panose="020B0600070205080204" pitchFamily="50" charset="-128"/>
+              </a:rPr>
+              <a:t>ない</a:t>
+            </a:r>
             <a:endParaRPr lang="en-US" altLang="ja-JP" dirty="0">
               <a:latin typeface="Cambria" panose="02040503050406030204" pitchFamily="18" charset="0"/>
               <a:ea typeface="MS UI Gothic" panose="020B0600070205080204" pitchFamily="50" charset="-128"/>

--- a/slides/spoana13.pptx
+++ b/slides/spoana13.pptx
@@ -210,7 +210,7 @@
           <a:p>
             <a:fld id="{DE37EDCA-4771-4610-925E-8EEDA908E30D}" type="datetimeFigureOut">
               <a:rPr kumimoji="1" lang="ja-JP" altLang="en-US" smtClean="0"/>
-              <a:t>2022/11/21</a:t>
+              <a:t>2022/11/22</a:t>
             </a:fld>
             <a:endParaRPr kumimoji="1" lang="ja-JP" altLang="en-US"/>
           </a:p>
@@ -3456,7 +3456,7 @@
           <a:p>
             <a:fld id="{3D56D7E1-3519-40E1-A263-6500AF722914}" type="datetimeFigureOut">
               <a:rPr kumimoji="1" lang="ja-JP" altLang="en-US" smtClean="0"/>
-              <a:t>2022/11/21</a:t>
+              <a:t>2022/11/22</a:t>
             </a:fld>
             <a:endParaRPr kumimoji="1" lang="ja-JP" altLang="en-US"/>
           </a:p>
@@ -3686,7 +3686,7 @@
           <a:p>
             <a:fld id="{3D56D7E1-3519-40E1-A263-6500AF722914}" type="datetimeFigureOut">
               <a:rPr kumimoji="1" lang="ja-JP" altLang="en-US" smtClean="0"/>
-              <a:t>2022/11/21</a:t>
+              <a:t>2022/11/22</a:t>
             </a:fld>
             <a:endParaRPr kumimoji="1" lang="ja-JP" altLang="en-US"/>
           </a:p>
@@ -3926,7 +3926,7 @@
           <a:p>
             <a:fld id="{3D56D7E1-3519-40E1-A263-6500AF722914}" type="datetimeFigureOut">
               <a:rPr kumimoji="1" lang="ja-JP" altLang="en-US" smtClean="0"/>
-              <a:t>2022/11/21</a:t>
+              <a:t>2022/11/22</a:t>
             </a:fld>
             <a:endParaRPr kumimoji="1" lang="ja-JP" altLang="en-US"/>
           </a:p>
@@ -4168,7 +4168,7 @@
               <a:pPr>
                 <a:defRPr/>
               </a:pPr>
-              <a:t>2022/11/21</a:t>
+              <a:t>2022/11/22</a:t>
             </a:fld>
             <a:endParaRPr lang="ja-JP" altLang="en-US"/>
           </a:p>
@@ -4472,7 +4472,7 @@
               <a:pPr>
                 <a:defRPr/>
               </a:pPr>
-              <a:t>2022/11/21</a:t>
+              <a:t>2022/11/22</a:t>
             </a:fld>
             <a:endParaRPr lang="ja-JP" altLang="en-US"/>
           </a:p>
@@ -4744,7 +4744,7 @@
           <a:p>
             <a:fld id="{3D56D7E1-3519-40E1-A263-6500AF722914}" type="datetimeFigureOut">
               <a:rPr kumimoji="1" lang="ja-JP" altLang="en-US" smtClean="0"/>
-              <a:t>2022/11/21</a:t>
+              <a:t>2022/11/22</a:t>
             </a:fld>
             <a:endParaRPr kumimoji="1" lang="ja-JP" altLang="en-US"/>
           </a:p>
@@ -5019,7 +5019,7 @@
           <a:p>
             <a:fld id="{3D56D7E1-3519-40E1-A263-6500AF722914}" type="datetimeFigureOut">
               <a:rPr kumimoji="1" lang="ja-JP" altLang="en-US" smtClean="0"/>
-              <a:t>2022/11/21</a:t>
+              <a:t>2022/11/22</a:t>
             </a:fld>
             <a:endParaRPr kumimoji="1" lang="ja-JP" altLang="en-US"/>
           </a:p>
@@ -5348,7 +5348,7 @@
           <a:p>
             <a:fld id="{3D56D7E1-3519-40E1-A263-6500AF722914}" type="datetimeFigureOut">
               <a:rPr kumimoji="1" lang="ja-JP" altLang="en-US" smtClean="0"/>
-              <a:t>2022/11/21</a:t>
+              <a:t>2022/11/22</a:t>
             </a:fld>
             <a:endParaRPr kumimoji="1" lang="ja-JP" altLang="en-US"/>
           </a:p>
@@ -5824,7 +5824,7 @@
           <a:p>
             <a:fld id="{3D56D7E1-3519-40E1-A263-6500AF722914}" type="datetimeFigureOut">
               <a:rPr kumimoji="1" lang="ja-JP" altLang="en-US" smtClean="0"/>
-              <a:t>2022/11/21</a:t>
+              <a:t>2022/11/22</a:t>
             </a:fld>
             <a:endParaRPr kumimoji="1" lang="ja-JP" altLang="en-US"/>
           </a:p>
@@ -5965,7 +5965,7 @@
           <a:p>
             <a:fld id="{3D56D7E1-3519-40E1-A263-6500AF722914}" type="datetimeFigureOut">
               <a:rPr kumimoji="1" lang="ja-JP" altLang="en-US" smtClean="0"/>
-              <a:t>2022/11/21</a:t>
+              <a:t>2022/11/22</a:t>
             </a:fld>
             <a:endParaRPr kumimoji="1" lang="ja-JP" altLang="en-US"/>
           </a:p>
@@ -6078,7 +6078,7 @@
           <a:p>
             <a:fld id="{3D56D7E1-3519-40E1-A263-6500AF722914}" type="datetimeFigureOut">
               <a:rPr kumimoji="1" lang="ja-JP" altLang="en-US" smtClean="0"/>
-              <a:t>2022/11/21</a:t>
+              <a:t>2022/11/22</a:t>
             </a:fld>
             <a:endParaRPr kumimoji="1" lang="ja-JP" altLang="en-US"/>
           </a:p>
@@ -6421,7 +6421,7 @@
           <a:p>
             <a:fld id="{3D56D7E1-3519-40E1-A263-6500AF722914}" type="datetimeFigureOut">
               <a:rPr kumimoji="1" lang="ja-JP" altLang="en-US" smtClean="0"/>
-              <a:t>2022/11/21</a:t>
+              <a:t>2022/11/22</a:t>
             </a:fld>
             <a:endParaRPr kumimoji="1" lang="ja-JP" altLang="en-US"/>
           </a:p>
@@ -6709,7 +6709,7 @@
           <a:p>
             <a:fld id="{3D56D7E1-3519-40E1-A263-6500AF722914}" type="datetimeFigureOut">
               <a:rPr kumimoji="1" lang="ja-JP" altLang="en-US" smtClean="0"/>
-              <a:t>2022/11/21</a:t>
+              <a:t>2022/11/22</a:t>
             </a:fld>
             <a:endParaRPr kumimoji="1" lang="ja-JP" altLang="en-US"/>
           </a:p>
@@ -6982,7 +6982,7 @@
           <a:p>
             <a:fld id="{3D56D7E1-3519-40E1-A263-6500AF722914}" type="datetimeFigureOut">
               <a:rPr kumimoji="1" lang="ja-JP" altLang="en-US" smtClean="0"/>
-              <a:t>2022/11/21</a:t>
+              <a:t>2022/11/22</a:t>
             </a:fld>
             <a:endParaRPr kumimoji="1" lang="ja-JP" altLang="en-US"/>
           </a:p>
@@ -8155,14 +8155,6 @@
               </a:rPr>
               <a:t>ピッチコールの公平性と観客の存在</a:t>
             </a:r>
-            <a:r>
-              <a:rPr lang="en-US" altLang="ja-JP" sz="4000" dirty="0">
-                <a:latin typeface="Cambria" panose="02040503050406030204" pitchFamily="18" charset="0"/>
-                <a:ea typeface="MS UI Gothic" panose="020B0600070205080204" pitchFamily="50" charset="-128"/>
-                <a:cs typeface="Source Han Sans JP Normal"/>
-              </a:rPr>
-              <a:t/>
-            </a:r>
             <a:br>
               <a:rPr lang="en-US" altLang="ja-JP" sz="4000" dirty="0">
                 <a:latin typeface="Cambria" panose="02040503050406030204" pitchFamily="18" charset="0"/>
@@ -8215,8 +8207,8 @@
         </p:nvSpPr>
         <p:spPr>
           <a:xfrm>
-            <a:off x="2667000" y="3733800"/>
-            <a:ext cx="6858000" cy="1524000"/>
+            <a:off x="2667000" y="3733799"/>
+            <a:ext cx="6858000" cy="1944189"/>
           </a:xfrm>
         </p:spPr>
         <p:txBody>
@@ -8224,14 +8216,6 @@
           <a:lstStyle/>
           <a:p>
             <a:pPr eaLnBrk="1" hangingPunct="1"/>
-            <a:r>
-              <a:rPr lang="ja-JP" altLang="en-US" dirty="0">
-                <a:latin typeface="Cambria" panose="02040503050406030204" pitchFamily="18" charset="0"/>
-                <a:ea typeface="MS UI Gothic" panose="020B0600070205080204" pitchFamily="50" charset="-128"/>
-                <a:cs typeface="Source Han Sans JP Normal"/>
-              </a:rPr>
-              <a:t>大阪大学大学院 経済学研究科</a:t>
-            </a:r>
             <a:endParaRPr lang="en-US" altLang="ja-JP" dirty="0">
               <a:latin typeface="Cambria" panose="02040503050406030204" pitchFamily="18" charset="0"/>
               <a:ea typeface="MS UI Gothic" panose="020B0600070205080204" pitchFamily="50" charset="-128"/>
@@ -8241,12 +8225,28 @@
           <a:p>
             <a:pPr eaLnBrk="1" hangingPunct="1"/>
             <a:r>
-              <a:rPr lang="ja-JP" altLang="en-US" dirty="0">
+              <a:rPr lang="en-US" altLang="ja-JP" dirty="0" err="1">
                 <a:latin typeface="Cambria" panose="02040503050406030204" pitchFamily="18" charset="0"/>
                 <a:ea typeface="MS UI Gothic" panose="020B0600070205080204" pitchFamily="50" charset="-128"/>
                 <a:cs typeface="Source Han Sans JP Normal"/>
               </a:rPr>
-              <a:t>博士後期課程</a:t>
+              <a:t>Reio</a:t>
+            </a:r>
+            <a:r>
+              <a:rPr lang="en-US" altLang="ja-JP" dirty="0">
+                <a:latin typeface="Cambria" panose="02040503050406030204" pitchFamily="18" charset="0"/>
+                <a:ea typeface="MS UI Gothic" panose="020B0600070205080204" pitchFamily="50" charset="-128"/>
+                <a:cs typeface="Source Han Sans JP Normal"/>
+              </a:rPr>
+              <a:t> </a:t>
+            </a:r>
+            <a:r>
+              <a:rPr lang="en-US" altLang="ja-JP" dirty="0" err="1">
+                <a:latin typeface="Cambria" panose="02040503050406030204" pitchFamily="18" charset="0"/>
+                <a:ea typeface="MS UI Gothic" panose="020B0600070205080204" pitchFamily="50" charset="-128"/>
+                <a:cs typeface="Source Han Sans JP Normal"/>
+              </a:rPr>
+              <a:t>Tanji</a:t>
             </a:r>
             <a:endParaRPr lang="en-US" altLang="ja-JP" dirty="0">
               <a:latin typeface="Cambria" panose="02040503050406030204" pitchFamily="18" charset="0"/>
@@ -8257,12 +8257,12 @@
           <a:p>
             <a:pPr eaLnBrk="1" hangingPunct="1"/>
             <a:r>
-              <a:rPr lang="ja-JP" altLang="en-US" dirty="0">
+              <a:rPr lang="en-US" altLang="ja-JP" dirty="0">
                 <a:latin typeface="Cambria" panose="02040503050406030204" pitchFamily="18" charset="0"/>
                 <a:ea typeface="MS UI Gothic" panose="020B0600070205080204" pitchFamily="50" charset="-128"/>
                 <a:cs typeface="Source Han Sans JP Normal"/>
               </a:rPr>
-              <a:t>丹治 伶峰</a:t>
+              <a:t>@Sports Analyst Meetup #13</a:t>
             </a:r>
           </a:p>
         </p:txBody>
@@ -8514,12 +8514,170 @@
           <a:bodyPr/>
           <a:lstStyle/>
           <a:p>
-            <a:pPr eaLnBrk="1" hangingPunct="1"/>
-            <a:endParaRPr lang="ja-JP" altLang="en-US" dirty="0">
+            <a:pPr marL="342900" indent="-342900" eaLnBrk="1" hangingPunct="1">
+              <a:buFont typeface="Arial" panose="020B0604020202020204" pitchFamily="34" charset="0"/>
+              <a:buChar char="•"/>
+            </a:pPr>
+            <a:r>
+              <a:rPr lang="ja-JP" altLang="en-US" dirty="0">
+                <a:latin typeface="Cambria" panose="02040503050406030204" pitchFamily="18" charset="0"/>
+                <a:ea typeface="MS UI Gothic" panose="020B0600070205080204" pitchFamily="50" charset="-128"/>
+                <a:cs typeface="Source Han Sans JP Normal"/>
+              </a:rPr>
+              <a:t>より明示的な観客動員に関する変数：観客動員数</a:t>
+            </a:r>
+            <a:endParaRPr lang="en-US" altLang="ja-JP" dirty="0">
               <a:latin typeface="Cambria" panose="02040503050406030204" pitchFamily="18" charset="0"/>
               <a:ea typeface="MS UI Gothic" panose="020B0600070205080204" pitchFamily="50" charset="-128"/>
               <a:cs typeface="Source Han Sans JP Normal"/>
             </a:endParaRPr>
+          </a:p>
+          <a:p>
+            <a:pPr marL="1028700" lvl="1" indent="-342900" eaLnBrk="1" hangingPunct="1"/>
+            <a:r>
+              <a:rPr lang="ja-JP" altLang="en-US" dirty="0">
+                <a:latin typeface="Cambria" panose="02040503050406030204" pitchFamily="18" charset="0"/>
+                <a:ea typeface="MS UI Gothic" panose="020B0600070205080204" pitchFamily="50" charset="-128"/>
+              </a:rPr>
+              <a:t>観客動員数によるサブサンプル分析：動員数およそ</a:t>
+            </a:r>
+            <a:r>
+              <a:rPr lang="en-US" altLang="ja-JP" dirty="0">
+                <a:latin typeface="Cambria" panose="02040503050406030204" pitchFamily="18" charset="0"/>
+                <a:ea typeface="MS UI Gothic" panose="020B0600070205080204" pitchFamily="50" charset="-128"/>
+              </a:rPr>
+              <a:t>5000</a:t>
+            </a:r>
+            <a:r>
+              <a:rPr lang="ja-JP" altLang="en-US" dirty="0">
+                <a:latin typeface="Cambria" panose="02040503050406030204" pitchFamily="18" charset="0"/>
+                <a:ea typeface="MS UI Gothic" panose="020B0600070205080204" pitchFamily="50" charset="-128"/>
+              </a:rPr>
+              <a:t>人以下の試合ではホームアドバンテージが消失</a:t>
+            </a:r>
+            <a:endParaRPr lang="en-US" altLang="ja-JP" dirty="0">
+              <a:latin typeface="Cambria" panose="02040503050406030204" pitchFamily="18" charset="0"/>
+              <a:ea typeface="MS UI Gothic" panose="020B0600070205080204" pitchFamily="50" charset="-128"/>
+            </a:endParaRPr>
+          </a:p>
+          <a:p>
+            <a:pPr marL="1028700" lvl="1" indent="-342900" eaLnBrk="1" hangingPunct="1"/>
+            <a:r>
+              <a:rPr lang="ja-JP" altLang="en-US" dirty="0">
+                <a:latin typeface="Cambria" panose="02040503050406030204" pitchFamily="18" charset="0"/>
+                <a:ea typeface="MS UI Gothic" panose="020B0600070205080204" pitchFamily="50" charset="-128"/>
+                <a:cs typeface="Source Han Sans JP Normal"/>
+              </a:rPr>
+              <a:t>一方で、それ以上の観客が入った試合では、アドバンテージの効果量が大きく変動することはなさそう</a:t>
+            </a:r>
+            <a:endParaRPr lang="en-US" altLang="ja-JP" dirty="0">
+              <a:latin typeface="Cambria" panose="02040503050406030204" pitchFamily="18" charset="0"/>
+              <a:ea typeface="MS UI Gothic" panose="020B0600070205080204" pitchFamily="50" charset="-128"/>
+              <a:cs typeface="Source Han Sans JP Normal"/>
+            </a:endParaRPr>
+          </a:p>
+          <a:p>
+            <a:pPr marL="342900" indent="-342900" eaLnBrk="1" hangingPunct="1">
+              <a:buFont typeface="Arial" panose="020B0604020202020204" pitchFamily="34" charset="0"/>
+              <a:buChar char="•"/>
+            </a:pPr>
+            <a:endParaRPr lang="en-US" altLang="ja-JP" dirty="0">
+              <a:latin typeface="Cambria" panose="02040503050406030204" pitchFamily="18" charset="0"/>
+              <a:ea typeface="MS UI Gothic" panose="020B0600070205080204" pitchFamily="50" charset="-128"/>
+              <a:cs typeface="Source Han Sans JP Normal"/>
+            </a:endParaRPr>
+          </a:p>
+          <a:p>
+            <a:pPr marL="342900" indent="-342900" eaLnBrk="1" hangingPunct="1">
+              <a:buFont typeface="Arial" panose="020B0604020202020204" pitchFamily="34" charset="0"/>
+              <a:buChar char="•"/>
+            </a:pPr>
+            <a:r>
+              <a:rPr lang="ja-JP" altLang="en-US" dirty="0">
+                <a:latin typeface="Cambria" panose="02040503050406030204" pitchFamily="18" charset="0"/>
+                <a:ea typeface="MS UI Gothic" panose="020B0600070205080204" pitchFamily="50" charset="-128"/>
+                <a:cs typeface="Source Han Sans JP Normal"/>
+              </a:rPr>
+              <a:t>メカニズムに関する議論</a:t>
+            </a:r>
+            <a:endParaRPr lang="en-US" altLang="ja-JP" dirty="0">
+              <a:latin typeface="Cambria" panose="02040503050406030204" pitchFamily="18" charset="0"/>
+              <a:ea typeface="MS UI Gothic" panose="020B0600070205080204" pitchFamily="50" charset="-128"/>
+              <a:cs typeface="Source Han Sans JP Normal"/>
+            </a:endParaRPr>
+          </a:p>
+          <a:p>
+            <a:pPr marL="1028700" lvl="1" indent="-342900" eaLnBrk="1" hangingPunct="1"/>
+            <a:r>
+              <a:rPr lang="ja-JP" altLang="en-US" dirty="0">
+                <a:latin typeface="Cambria" panose="02040503050406030204" pitchFamily="18" charset="0"/>
+                <a:ea typeface="MS UI Gothic" panose="020B0600070205080204" pitchFamily="50" charset="-128"/>
+                <a:cs typeface="Source Han Sans JP Normal"/>
+              </a:rPr>
+              <a:t>球場音声やスコアボードの仕様は変わらないはず</a:t>
+            </a:r>
+            <a:endParaRPr lang="en-US" altLang="ja-JP" dirty="0">
+              <a:latin typeface="Cambria" panose="02040503050406030204" pitchFamily="18" charset="0"/>
+              <a:ea typeface="MS UI Gothic" panose="020B0600070205080204" pitchFamily="50" charset="-128"/>
+              <a:cs typeface="Source Han Sans JP Normal"/>
+            </a:endParaRPr>
+          </a:p>
+          <a:p>
+            <a:pPr marL="1028700" lvl="1" indent="-342900" eaLnBrk="1" hangingPunct="1"/>
+            <a:r>
+              <a:rPr lang="ja-JP" altLang="en-US" dirty="0">
+                <a:latin typeface="Cambria" panose="02040503050406030204" pitchFamily="18" charset="0"/>
+                <a:ea typeface="MS UI Gothic" panose="020B0600070205080204" pitchFamily="50" charset="-128"/>
+                <a:cs typeface="Source Han Sans JP Normal"/>
+              </a:rPr>
+              <a:t>観客のパネルや、スピーカーから流す「歓声」は？：</a:t>
+            </a:r>
+            <a:r>
+              <a:rPr lang="en-US" altLang="ja-JP" dirty="0">
+                <a:latin typeface="Cambria" panose="02040503050406030204" pitchFamily="18" charset="0"/>
+                <a:ea typeface="MS UI Gothic" panose="020B0600070205080204" pitchFamily="50" charset="-128"/>
+                <a:cs typeface="Source Han Sans JP Normal"/>
+              </a:rPr>
+              <a:t>NPB</a:t>
+            </a:r>
+            <a:r>
+              <a:rPr lang="ja-JP" altLang="en-US" dirty="0">
+                <a:latin typeface="Cambria" panose="02040503050406030204" pitchFamily="18" charset="0"/>
+                <a:ea typeface="MS UI Gothic" panose="020B0600070205080204" pitchFamily="50" charset="-128"/>
+                <a:cs typeface="Source Han Sans JP Normal"/>
+              </a:rPr>
+              <a:t>ならより大きな影響が？</a:t>
+            </a:r>
+            <a:endParaRPr lang="en-US" altLang="ja-JP" dirty="0">
+              <a:latin typeface="Cambria" panose="02040503050406030204" pitchFamily="18" charset="0"/>
+              <a:ea typeface="MS UI Gothic" panose="020B0600070205080204" pitchFamily="50" charset="-128"/>
+              <a:cs typeface="Source Han Sans JP Normal"/>
+            </a:endParaRPr>
+          </a:p>
+          <a:p>
+            <a:pPr marL="1028700" lvl="1" indent="-342900" eaLnBrk="1" hangingPunct="1"/>
+            <a:r>
+              <a:rPr lang="ja-JP" altLang="en-US" dirty="0">
+                <a:latin typeface="Cambria" panose="02040503050406030204" pitchFamily="18" charset="0"/>
+                <a:ea typeface="MS UI Gothic" panose="020B0600070205080204" pitchFamily="50" charset="-128"/>
+              </a:rPr>
+              <a:t>無観客で声が通りやすい？：その効果がホーム・ビジターで異なるのか？</a:t>
+            </a:r>
+            <a:endParaRPr lang="en-US" altLang="ja-JP" dirty="0">
+              <a:latin typeface="Cambria" panose="02040503050406030204" pitchFamily="18" charset="0"/>
+              <a:ea typeface="MS UI Gothic" panose="020B0600070205080204" pitchFamily="50" charset="-128"/>
+            </a:endParaRPr>
+          </a:p>
+          <a:p>
+            <a:pPr marL="1028700" lvl="1" indent="-342900" eaLnBrk="1" hangingPunct="1"/>
+            <a:r>
+              <a:rPr lang="ja-JP" altLang="en-US" dirty="0">
+                <a:latin typeface="Cambria" panose="02040503050406030204" pitchFamily="18" charset="0"/>
+                <a:ea typeface="MS UI Gothic" panose="020B0600070205080204" pitchFamily="50" charset="-128"/>
+                <a:cs typeface="Source Han Sans JP Normal"/>
+              </a:rPr>
+              <a:t>ホームアドバンテージの「正しさ」→次スライドへ</a:t>
+            </a:r>
           </a:p>
         </p:txBody>
       </p:sp>
@@ -8707,7 +8865,10 @@
           <a:bodyPr/>
           <a:lstStyle/>
           <a:p>
-            <a:pPr eaLnBrk="1" hangingPunct="1"/>
+            <a:pPr marL="342900" indent="-342900" eaLnBrk="1" hangingPunct="1">
+              <a:buFont typeface="Arial" panose="020B0604020202020204" pitchFamily="34" charset="0"/>
+              <a:buChar char="•"/>
+            </a:pPr>
             <a:endParaRPr lang="ja-JP" altLang="en-US" dirty="0">
               <a:latin typeface="Cambria" panose="02040503050406030204" pitchFamily="18" charset="0"/>
               <a:ea typeface="MS UI Gothic" panose="020B0600070205080204" pitchFamily="50" charset="-128"/>
@@ -8904,7 +9065,7 @@
               <a:buFont typeface="Arial" panose="020B0604020202020204" pitchFamily="34" charset="0"/>
               <a:buChar char="•"/>
             </a:pPr>
-            <a:endParaRPr lang="en-US" altLang="ja-JP" dirty="0" smtClean="0">
+            <a:endParaRPr lang="en-US" altLang="ja-JP" dirty="0">
               <a:latin typeface="Cambria" panose="02040503050406030204" pitchFamily="18" charset="0"/>
               <a:ea typeface="MS UI Gothic" panose="020B0600070205080204" pitchFamily="50" charset="-128"/>
               <a:cs typeface="Source Han Sans JP Normal"/>
@@ -8916,47 +9077,6 @@
               <a:buChar char="•"/>
             </a:pPr>
             <a:endParaRPr lang="en-US" altLang="ja-JP" dirty="0">
-              <a:latin typeface="Cambria" panose="02040503050406030204" pitchFamily="18" charset="0"/>
-              <a:ea typeface="MS UI Gothic" panose="020B0600070205080204" pitchFamily="50" charset="-128"/>
-              <a:cs typeface="Source Han Sans JP Normal"/>
-            </a:endParaRPr>
-          </a:p>
-          <a:p>
-            <a:pPr marL="342900" indent="-342900" eaLnBrk="1" hangingPunct="1">
-              <a:buFont typeface="Arial" panose="020B0604020202020204" pitchFamily="34" charset="0"/>
-              <a:buChar char="•"/>
-            </a:pPr>
-            <a:r>
-              <a:rPr lang="ja-JP" altLang="en-US" dirty="0" smtClean="0">
-                <a:latin typeface="Cambria" panose="02040503050406030204" pitchFamily="18" charset="0"/>
-                <a:ea typeface="MS UI Gothic" panose="020B0600070205080204" pitchFamily="50" charset="-128"/>
-                <a:cs typeface="Source Han Sans JP Normal"/>
-              </a:rPr>
-              <a:t>共同研究を行って下さる仲間を募集しています、お気軽にお問い合わせ下さい</a:t>
-            </a:r>
-            <a:endParaRPr lang="en-US" altLang="ja-JP" dirty="0" smtClean="0">
-              <a:latin typeface="Cambria" panose="02040503050406030204" pitchFamily="18" charset="0"/>
-              <a:ea typeface="MS UI Gothic" panose="020B0600070205080204" pitchFamily="50" charset="-128"/>
-              <a:cs typeface="Source Han Sans JP Normal"/>
-            </a:endParaRPr>
-          </a:p>
-          <a:p>
-            <a:pPr marL="1028700" lvl="1" indent="-342900" eaLnBrk="1" hangingPunct="1"/>
-            <a:r>
-              <a:rPr lang="ja-JP" altLang="en-US" dirty="0">
-                <a:latin typeface="Cambria" panose="02040503050406030204" pitchFamily="18" charset="0"/>
-                <a:ea typeface="MS UI Gothic" panose="020B0600070205080204" pitchFamily="50" charset="-128"/>
-              </a:rPr>
-              <a:t>画像</a:t>
-            </a:r>
-            <a:r>
-              <a:rPr lang="ja-JP" altLang="en-US" dirty="0" smtClean="0">
-                <a:latin typeface="Cambria" panose="02040503050406030204" pitchFamily="18" charset="0"/>
-                <a:ea typeface="MS UI Gothic" panose="020B0600070205080204" pitchFamily="50" charset="-128"/>
-              </a:rPr>
-              <a:t>解析とか機械学習による因果推論</a:t>
-            </a:r>
-            <a:endParaRPr lang="ja-JP" altLang="en-US" dirty="0">
               <a:latin typeface="Cambria" panose="02040503050406030204" pitchFamily="18" charset="0"/>
               <a:ea typeface="MS UI Gothic" panose="020B0600070205080204" pitchFamily="50" charset="-128"/>
               <a:cs typeface="Source Han Sans JP Normal"/>
@@ -9112,7 +9232,7 @@
                 <a:ea typeface="MS UI Gothic" panose="020B0600070205080204" pitchFamily="50" charset="-128"/>
                 <a:cs typeface="+mj-cs"/>
               </a:rPr>
-              <a:t>Reference</a:t>
+              <a:t>Appendix</a:t>
             </a:r>
             <a:endParaRPr lang="ja-JP" altLang="en-US" dirty="0">
               <a:latin typeface="Cambria" panose="02040503050406030204" pitchFamily="18" charset="0"/>
@@ -9122,41 +9242,35 @@
           </a:p>
         </p:txBody>
       </p:sp>
-      <p:sp>
-        <p:nvSpPr>
-          <p:cNvPr id="9218" name="コンテンツ プレースホルダー 2">
-            <a:extLst>
-              <a:ext uri="{FF2B5EF4-FFF2-40B4-BE49-F238E27FC236}">
-                <a16:creationId xmlns:a16="http://schemas.microsoft.com/office/drawing/2014/main" id="{BA46AE8E-52B1-4B4E-9371-F1FD2A7B4587}"/>
-              </a:ext>
-            </a:extLst>
-          </p:cNvPr>
-          <p:cNvSpPr>
-            <a:spLocks noGrp="1"/>
-          </p:cNvSpPr>
+      <p:pic>
+        <p:nvPicPr>
+          <p:cNvPr id="8" name="コンテンツ プレースホルダー 7">
+            <a:extLst>
+              <a:ext uri="{FF2B5EF4-FFF2-40B4-BE49-F238E27FC236}">
+                <a16:creationId xmlns:a16="http://schemas.microsoft.com/office/drawing/2014/main" id="{B70A4085-BD21-4464-B731-E801F9703A23}"/>
+              </a:ext>
+            </a:extLst>
+          </p:cNvPr>
+          <p:cNvPicPr>
+            <a:picLocks noGrp="1" noChangeAspect="1"/>
+          </p:cNvPicPr>
           <p:nvPr>
             <p:ph idx="1"/>
           </p:nvPr>
-        </p:nvSpPr>
+        </p:nvPicPr>
+        <p:blipFill>
+          <a:blip r:embed="rId3"/>
+          <a:stretch>
+            <a:fillRect/>
+          </a:stretch>
+        </p:blipFill>
         <p:spPr>
           <a:xfrm>
-            <a:off x="541338" y="1376363"/>
-            <a:ext cx="11109325" cy="4800600"/>
+            <a:off x="541338" y="1784049"/>
+            <a:ext cx="4791744" cy="3086531"/>
           </a:xfrm>
         </p:spPr>
-        <p:txBody>
-          <a:bodyPr/>
-          <a:lstStyle/>
-          <a:p>
-            <a:pPr eaLnBrk="1" hangingPunct="1"/>
-            <a:endParaRPr lang="ja-JP" altLang="en-US" dirty="0">
-              <a:latin typeface="Cambria" panose="02040503050406030204" pitchFamily="18" charset="0"/>
-              <a:ea typeface="MS UI Gothic" panose="020B0600070205080204" pitchFamily="50" charset="-128"/>
-              <a:cs typeface="Source Han Sans JP Normal"/>
-            </a:endParaRPr>
-          </a:p>
-        </p:txBody>
-      </p:sp>
+      </p:pic>
       <p:pic>
         <p:nvPicPr>
           <p:cNvPr id="5" name="図 4" descr="QR コード&#10;&#10;自動的に生成された説明">
@@ -9172,7 +9286,7 @@
           <p:nvPr/>
         </p:nvPicPr>
         <p:blipFill>
-          <a:blip r:embed="rId3" cstate="hqprint">
+          <a:blip r:embed="rId4" cstate="hqprint">
             <a:extLst>
               <a:ext uri="{28A0092B-C50C-407E-A947-70E740481C1C}">
                 <a14:useLocalDpi xmlns:a14="http://schemas.microsoft.com/office/drawing/2010/main" val="0"/>
@@ -9235,6 +9349,36 @@
           </a:p>
         </p:txBody>
       </p:sp>
+      <p:pic>
+        <p:nvPicPr>
+          <p:cNvPr id="4" name="図 3">
+            <a:extLst>
+              <a:ext uri="{FF2B5EF4-FFF2-40B4-BE49-F238E27FC236}">
+                <a16:creationId xmlns:a16="http://schemas.microsoft.com/office/drawing/2014/main" id="{234415E5-AAAE-4129-B359-4A865B950961}"/>
+              </a:ext>
+            </a:extLst>
+          </p:cNvPr>
+          <p:cNvPicPr>
+            <a:picLocks noChangeAspect="1"/>
+          </p:cNvPicPr>
+          <p:nvPr/>
+        </p:nvPicPr>
+        <p:blipFill>
+          <a:blip r:embed="rId5"/>
+          <a:stretch>
+            <a:fillRect/>
+          </a:stretch>
+        </p:blipFill>
+        <p:spPr>
+          <a:xfrm>
+            <a:off x="5420443" y="1784049"/>
+            <a:ext cx="6230219" cy="3086531"/>
+          </a:xfrm>
+          <a:prstGeom prst="rect">
+            <a:avLst/>
+          </a:prstGeom>
+        </p:spPr>
+      </p:pic>
     </p:spTree>
     <p:extLst>
       <p:ext uri="{BB962C8B-B14F-4D97-AF65-F5344CB8AC3E}">
@@ -9341,7 +9485,7 @@
               <a:buChar char="•"/>
             </a:pPr>
             <a:r>
-              <a:rPr lang="ja-JP" altLang="en-US" sz="2800" dirty="0">
+              <a:rPr lang="ja-JP" altLang="en-US" dirty="0">
                 <a:latin typeface="Cambria" panose="02040503050406030204" pitchFamily="18" charset="0"/>
                 <a:ea typeface="MS UI Gothic" panose="020B0600070205080204" pitchFamily="50" charset="-128"/>
                 <a:cs typeface="Source Han Sans JP Normal"/>
@@ -9349,7 +9493,7 @@
               <a:t>丹治 伶峰 </a:t>
             </a:r>
             <a:r>
-              <a:rPr lang="en-US" altLang="ja-JP" sz="2800" dirty="0">
+              <a:rPr lang="en-US" altLang="ja-JP" dirty="0">
                 <a:latin typeface="Cambria" panose="02040503050406030204" pitchFamily="18" charset="0"/>
                 <a:ea typeface="MS UI Gothic" panose="020B0600070205080204" pitchFamily="50" charset="-128"/>
                 <a:cs typeface="Source Han Sans JP Normal"/>
@@ -9357,7 +9501,7 @@
               <a:t>(</a:t>
             </a:r>
             <a:r>
-              <a:rPr lang="ja-JP" altLang="en-US" sz="2800" dirty="0">
+              <a:rPr lang="ja-JP" altLang="en-US" dirty="0">
                 <a:latin typeface="Cambria" panose="02040503050406030204" pitchFamily="18" charset="0"/>
                 <a:ea typeface="MS UI Gothic" panose="020B0600070205080204" pitchFamily="50" charset="-128"/>
                 <a:cs typeface="Source Han Sans JP Normal"/>
@@ -9365,22 +9509,58 @@
               <a:t>たんじ れいお</a:t>
             </a:r>
             <a:r>
-              <a:rPr lang="en-US" altLang="ja-JP" sz="2800" dirty="0">
+              <a:rPr lang="en-US" altLang="ja-JP" dirty="0">
                 <a:latin typeface="Cambria" panose="02040503050406030204" pitchFamily="18" charset="0"/>
                 <a:ea typeface="MS UI Gothic" panose="020B0600070205080204" pitchFamily="50" charset="-128"/>
                 <a:cs typeface="Source Han Sans JP Normal"/>
               </a:rPr>
-              <a:t>)</a:t>
-            </a:r>
+              <a:t>): #spoana LT</a:t>
+            </a:r>
+            <a:r>
+              <a:rPr lang="ja-JP" altLang="en-US" dirty="0">
+                <a:latin typeface="Cambria" panose="02040503050406030204" pitchFamily="18" charset="0"/>
+                <a:ea typeface="MS UI Gothic" panose="020B0600070205080204" pitchFamily="50" charset="-128"/>
+                <a:cs typeface="Source Han Sans JP Normal"/>
+              </a:rPr>
+              <a:t>は今回が</a:t>
+            </a:r>
+            <a:r>
+              <a:rPr lang="en-US" altLang="ja-JP" dirty="0">
+                <a:latin typeface="Cambria" panose="02040503050406030204" pitchFamily="18" charset="0"/>
+                <a:ea typeface="MS UI Gothic" panose="020B0600070205080204" pitchFamily="50" charset="-128"/>
+                <a:cs typeface="Source Han Sans JP Normal"/>
+              </a:rPr>
+              <a:t>2</a:t>
+            </a:r>
+            <a:r>
+              <a:rPr lang="ja-JP" altLang="en-US" dirty="0">
+                <a:latin typeface="Cambria" panose="02040503050406030204" pitchFamily="18" charset="0"/>
+                <a:ea typeface="MS UI Gothic" panose="020B0600070205080204" pitchFamily="50" charset="-128"/>
+                <a:cs typeface="Source Han Sans JP Normal"/>
+              </a:rPr>
+              <a:t>度目</a:t>
+            </a:r>
+            <a:endParaRPr lang="en-US" altLang="ja-JP" sz="2800" dirty="0">
+              <a:latin typeface="Cambria" panose="02040503050406030204" pitchFamily="18" charset="0"/>
+              <a:ea typeface="MS UI Gothic" panose="020B0600070205080204" pitchFamily="50" charset="-128"/>
+              <a:cs typeface="Source Han Sans JP Normal"/>
+            </a:endParaRPr>
           </a:p>
           <a:p>
             <a:pPr marL="1143000" lvl="1" indent="-457200" eaLnBrk="1" hangingPunct="1"/>
             <a:r>
+              <a:rPr lang="en-US" altLang="ja-JP" dirty="0">
+                <a:latin typeface="Cambria" panose="02040503050406030204" pitchFamily="18" charset="0"/>
+                <a:ea typeface="MS UI Gothic" panose="020B0600070205080204" pitchFamily="50" charset="-128"/>
+              </a:rPr>
+              <a:t>O</a:t>
+            </a:r>
+            <a:r>
               <a:rPr lang="ja-JP" altLang="en-US" dirty="0">
                 <a:latin typeface="Cambria" panose="02040503050406030204" pitchFamily="18" charset="0"/>
                 <a:ea typeface="MS UI Gothic" panose="020B0600070205080204" pitchFamily="50" charset="-128"/>
               </a:rPr>
-              <a:t>大阪大学で経済学の研究をしています</a:t>
+              <a:t>から始まる大学で経済学の研究をしています</a:t>
             </a:r>
             <a:endParaRPr lang="en-US" altLang="ja-JP" dirty="0">
               <a:latin typeface="Cambria" panose="02040503050406030204" pitchFamily="18" charset="0"/>
@@ -9390,32 +9570,11 @@
           <a:p>
             <a:pPr marL="1600200" lvl="2" indent="-457200" eaLnBrk="1" hangingPunct="1"/>
             <a:r>
-              <a:rPr lang="en-US" altLang="ja-JP" dirty="0">
-                <a:latin typeface="Cambria" panose="02040503050406030204" pitchFamily="18" charset="0"/>
-                <a:ea typeface="MS UI Gothic" panose="020B0600070205080204" pitchFamily="50" charset="-128"/>
-              </a:rPr>
-              <a:t>MLB</a:t>
-            </a:r>
-            <a:r>
               <a:rPr lang="ja-JP" altLang="en-US" dirty="0">
                 <a:latin typeface="Cambria" panose="02040503050406030204" pitchFamily="18" charset="0"/>
                 <a:ea typeface="MS UI Gothic" panose="020B0600070205080204" pitchFamily="50" charset="-128"/>
               </a:rPr>
-              <a:t>、たまに</a:t>
-            </a:r>
-            <a:r>
-              <a:rPr lang="en-US" altLang="ja-JP" dirty="0">
-                <a:latin typeface="Cambria" panose="02040503050406030204" pitchFamily="18" charset="0"/>
-                <a:ea typeface="MS UI Gothic" panose="020B0600070205080204" pitchFamily="50" charset="-128"/>
-              </a:rPr>
-              <a:t>NPB</a:t>
-            </a:r>
-            <a:r>
-              <a:rPr lang="ja-JP" altLang="en-US" dirty="0">
-                <a:latin typeface="Cambria" panose="02040503050406030204" pitchFamily="18" charset="0"/>
-                <a:ea typeface="MS UI Gothic" panose="020B0600070205080204" pitchFamily="50" charset="-128"/>
-              </a:rPr>
-              <a:t>のデータを用いて、</a:t>
+              <a:t>労働経済学・行動経済学分野の実証研究が専門、スポーツのデータも頻繁に利用</a:t>
             </a:r>
             <a:endParaRPr lang="en-US" altLang="ja-JP" dirty="0">
               <a:latin typeface="Cambria" panose="02040503050406030204" pitchFamily="18" charset="0"/>
@@ -9443,35 +9602,21 @@
                 <a:latin typeface="Cambria" panose="02040503050406030204" pitchFamily="18" charset="0"/>
                 <a:ea typeface="MS UI Gothic" panose="020B0600070205080204" pitchFamily="50" charset="-128"/>
               </a:rPr>
-              <a:t>右投左打、大学時代</a:t>
-            </a:r>
-            <a:r>
-              <a:rPr lang="ja-JP" altLang="en-US" dirty="0" smtClean="0">
-                <a:latin typeface="Cambria" panose="02040503050406030204" pitchFamily="18" charset="0"/>
-                <a:ea typeface="MS UI Gothic" panose="020B0600070205080204" pitchFamily="50" charset="-128"/>
-              </a:rPr>
-              <a:t>は</a:t>
-            </a:r>
-            <a:r>
-              <a:rPr lang="ja-JP" altLang="en-US" strike="sngStrike" dirty="0" smtClean="0">
+              <a:t>右投左打、大学時代は</a:t>
+            </a:r>
+            <a:r>
+              <a:rPr lang="ja-JP" altLang="en-US" strike="sngStrike" dirty="0">
                 <a:latin typeface="Cambria" panose="02040503050406030204" pitchFamily="18" charset="0"/>
                 <a:ea typeface="MS UI Gothic" panose="020B0600070205080204" pitchFamily="50" charset="-128"/>
               </a:rPr>
               <a:t>指名打者</a:t>
             </a:r>
             <a:r>
-              <a:rPr lang="ja-JP" altLang="en-US" dirty="0" smtClean="0">
-                <a:latin typeface="Cambria" panose="02040503050406030204" pitchFamily="18" charset="0"/>
-                <a:ea typeface="MS UI Gothic" panose="020B0600070205080204" pitchFamily="50" charset="-128"/>
-              </a:rPr>
-              <a:t>キャッチャー</a:t>
-            </a:r>
-            <a:r>
               <a:rPr lang="ja-JP" altLang="en-US" dirty="0">
                 <a:latin typeface="Cambria" panose="02040503050406030204" pitchFamily="18" charset="0"/>
                 <a:ea typeface="MS UI Gothic" panose="020B0600070205080204" pitchFamily="50" charset="-128"/>
               </a:rPr>
-              <a:t>でした</a:t>
+              <a:t>キャッチャーでした</a:t>
             </a:r>
             <a:endParaRPr lang="en-US" altLang="ja-JP" dirty="0">
               <a:latin typeface="Cambria" panose="02040503050406030204" pitchFamily="18" charset="0"/>
@@ -9572,53 +9717,22 @@
             </a:endParaRPr>
           </a:p>
           <a:p>
-            <a:pPr marL="1143000" lvl="1" indent="-457200" eaLnBrk="1" hangingPunct="1"/>
+            <a:pPr marL="1600200" lvl="2" indent="-457200" eaLnBrk="1" hangingPunct="1"/>
+            <a:r>
+              <a:rPr lang="en-US" altLang="ja-JP" dirty="0">
+                <a:latin typeface="Cambria" panose="02040503050406030204" pitchFamily="18" charset="0"/>
+                <a:ea typeface="MS UI Gothic" panose="020B0600070205080204" pitchFamily="50" charset="-128"/>
+                <a:cs typeface="Source Han Sans JP Normal"/>
+              </a:rPr>
+              <a:t>TJ</a:t>
+            </a:r>
             <a:r>
               <a:rPr lang="ja-JP" altLang="en-US" dirty="0">
                 <a:latin typeface="Cambria" panose="02040503050406030204" pitchFamily="18" charset="0"/>
                 <a:ea typeface="MS UI Gothic" panose="020B0600070205080204" pitchFamily="50" charset="-128"/>
                 <a:cs typeface="Source Han Sans JP Normal"/>
               </a:rPr>
-              <a:t>スポーツ業界への就職も視野に</a:t>
-            </a:r>
-            <a:r>
-              <a:rPr lang="en-US" altLang="ja-JP" dirty="0">
-                <a:latin typeface="Cambria" panose="02040503050406030204" pitchFamily="18" charset="0"/>
-                <a:ea typeface="MS UI Gothic" panose="020B0600070205080204" pitchFamily="50" charset="-128"/>
-                <a:cs typeface="Source Han Sans JP Normal"/>
-              </a:rPr>
-              <a:t>FA</a:t>
-            </a:r>
-            <a:r>
-              <a:rPr lang="ja-JP" altLang="en-US" dirty="0">
-                <a:latin typeface="Cambria" panose="02040503050406030204" pitchFamily="18" charset="0"/>
-                <a:ea typeface="MS UI Gothic" panose="020B0600070205080204" pitchFamily="50" charset="-128"/>
-                <a:cs typeface="Source Han Sans JP Normal"/>
-              </a:rPr>
-              <a:t>宣言中</a:t>
-            </a:r>
-            <a:r>
-              <a:rPr lang="ja-JP" altLang="en-US" dirty="0" smtClean="0">
-                <a:latin typeface="Cambria" panose="02040503050406030204" pitchFamily="18" charset="0"/>
-                <a:ea typeface="MS UI Gothic" panose="020B0600070205080204" pitchFamily="50" charset="-128"/>
-                <a:cs typeface="Source Han Sans JP Normal"/>
-              </a:rPr>
-              <a:t>です</a:t>
-            </a:r>
-            <a:endParaRPr lang="en-US" altLang="ja-JP" dirty="0" smtClean="0">
-              <a:latin typeface="Cambria" panose="02040503050406030204" pitchFamily="18" charset="0"/>
-              <a:ea typeface="MS UI Gothic" panose="020B0600070205080204" pitchFamily="50" charset="-128"/>
-              <a:cs typeface="Source Han Sans JP Normal"/>
-            </a:endParaRPr>
-          </a:p>
-          <a:p>
-            <a:pPr marL="1600200" lvl="2" indent="-457200" eaLnBrk="1" hangingPunct="1"/>
-            <a:r>
-              <a:rPr lang="ja-JP" altLang="en-US" dirty="0" smtClean="0">
-                <a:latin typeface="Cambria" panose="02040503050406030204" pitchFamily="18" charset="0"/>
-                <a:ea typeface="MS UI Gothic" panose="020B0600070205080204" pitchFamily="50" charset="-128"/>
-              </a:rPr>
-              <a:t>ノンテンダー間近なだけかもしれない</a:t>
+              <a:t>はついったーのアカウント名</a:t>
             </a:r>
             <a:endParaRPr lang="en-US" altLang="ja-JP" dirty="0">
               <a:latin typeface="Cambria" panose="02040503050406030204" pitchFamily="18" charset="0"/>
@@ -9627,7 +9741,53 @@
             </a:endParaRPr>
           </a:p>
           <a:p>
-            <a:pPr marL="457200" indent="-457200" eaLnBrk="1" hangingPunct="1"/>
+            <a:pPr marL="1143000" lvl="1" indent="-457200" eaLnBrk="1" hangingPunct="1"/>
+            <a:r>
+              <a:rPr lang="ja-JP" altLang="en-US" dirty="0">
+                <a:latin typeface="Cambria" panose="02040503050406030204" pitchFamily="18" charset="0"/>
+                <a:ea typeface="MS UI Gothic" panose="020B0600070205080204" pitchFamily="50" charset="-128"/>
+                <a:cs typeface="Source Han Sans JP Normal"/>
+              </a:rPr>
+              <a:t>スポーツ業界への就職も視野に</a:t>
+            </a:r>
+            <a:r>
+              <a:rPr lang="en-US" altLang="ja-JP" dirty="0">
+                <a:latin typeface="Cambria" panose="02040503050406030204" pitchFamily="18" charset="0"/>
+                <a:ea typeface="MS UI Gothic" panose="020B0600070205080204" pitchFamily="50" charset="-128"/>
+                <a:cs typeface="Source Han Sans JP Normal"/>
+              </a:rPr>
+              <a:t>FA</a:t>
+            </a:r>
+            <a:r>
+              <a:rPr lang="ja-JP" altLang="en-US" dirty="0">
+                <a:latin typeface="Cambria" panose="02040503050406030204" pitchFamily="18" charset="0"/>
+                <a:ea typeface="MS UI Gothic" panose="020B0600070205080204" pitchFamily="50" charset="-128"/>
+                <a:cs typeface="Source Han Sans JP Normal"/>
+              </a:rPr>
+              <a:t>宣言中です</a:t>
+            </a:r>
+            <a:endParaRPr lang="en-US" altLang="ja-JP" dirty="0">
+              <a:latin typeface="Cambria" panose="02040503050406030204" pitchFamily="18" charset="0"/>
+              <a:ea typeface="MS UI Gothic" panose="020B0600070205080204" pitchFamily="50" charset="-128"/>
+              <a:cs typeface="Source Han Sans JP Normal"/>
+            </a:endParaRPr>
+          </a:p>
+          <a:p>
+            <a:pPr marL="1600200" lvl="2" indent="-457200" eaLnBrk="1" hangingPunct="1"/>
+            <a:r>
+              <a:rPr lang="ja-JP" altLang="en-US" dirty="0">
+                <a:latin typeface="Cambria" panose="02040503050406030204" pitchFamily="18" charset="0"/>
+                <a:ea typeface="MS UI Gothic" panose="020B0600070205080204" pitchFamily="50" charset="-128"/>
+              </a:rPr>
+              <a:t>ノンテンダー間近なだけかもしれない</a:t>
+            </a:r>
+            <a:endParaRPr lang="en-US" altLang="ja-JP" dirty="0">
+              <a:latin typeface="Cambria" panose="02040503050406030204" pitchFamily="18" charset="0"/>
+              <a:ea typeface="MS UI Gothic" panose="020B0600070205080204" pitchFamily="50" charset="-128"/>
+            </a:endParaRPr>
+          </a:p>
+          <a:p>
+            <a:pPr marL="1600200" lvl="2" indent="-457200" eaLnBrk="1" hangingPunct="1"/>
             <a:endParaRPr lang="en-US" altLang="ja-JP" dirty="0">
               <a:latin typeface="Cambria" panose="02040503050406030204" pitchFamily="18" charset="0"/>
               <a:ea typeface="MS UI Gothic" panose="020B0600070205080204" pitchFamily="50" charset="-128"/>
@@ -9758,7 +9918,7 @@
         </p:blipFill>
         <p:spPr>
           <a:xfrm>
-            <a:off x="8273143" y="4120516"/>
+            <a:off x="8281851" y="4120516"/>
             <a:ext cx="3558540" cy="2372360"/>
           </a:xfrm>
           <a:prstGeom prst="rect">
@@ -9879,14 +10039,6 @@
               </a:rPr>
               <a:t>Research Question</a:t>
             </a:r>
-            <a:r>
-              <a:rPr lang="en-US" altLang="ja-JP" sz="2800" dirty="0">
-                <a:latin typeface="Cambria" panose="02040503050406030204" pitchFamily="18" charset="0"/>
-                <a:ea typeface="MS UI Gothic" panose="020B0600070205080204" pitchFamily="50" charset="-128"/>
-                <a:cs typeface="Source Han Sans JP Normal"/>
-              </a:rPr>
-              <a:t/>
-            </a:r>
             <a:br>
               <a:rPr lang="en-US" altLang="ja-JP" sz="2800" dirty="0">
                 <a:latin typeface="Cambria" panose="02040503050406030204" pitchFamily="18" charset="0"/>
@@ -9926,7 +10078,7 @@
           </a:p>
           <a:p>
             <a:pPr marL="1143000" lvl="1" indent="-457200" eaLnBrk="1" hangingPunct="1"/>
-            <a:endParaRPr lang="en-US" altLang="ja-JP" dirty="0" smtClean="0">
+            <a:endParaRPr lang="en-US" altLang="ja-JP" dirty="0">
               <a:latin typeface="Cambria" panose="02040503050406030204" pitchFamily="18" charset="0"/>
               <a:ea typeface="MS UI Gothic" panose="020B0600070205080204" pitchFamily="50" charset="-128"/>
               <a:cs typeface="Source Han Sans JP Normal"/>
@@ -9935,12 +10087,20 @@
           <a:p>
             <a:pPr marL="1143000" lvl="1" indent="-457200" eaLnBrk="1" hangingPunct="1"/>
             <a:r>
-              <a:rPr lang="en-US" altLang="ja-JP" dirty="0" smtClean="0">
+              <a:rPr lang="en-US" altLang="ja-JP" dirty="0">
                 <a:latin typeface="Cambria" panose="02040503050406030204" pitchFamily="18" charset="0"/>
                 <a:ea typeface="MS UI Gothic" panose="020B0600070205080204" pitchFamily="50" charset="-128"/>
                 <a:cs typeface="Source Han Sans JP Normal"/>
               </a:rPr>
-              <a:t>Home </a:t>
+              <a:t>Home Advantage (</a:t>
+            </a:r>
+            <a:r>
+              <a:rPr lang="ja-JP" altLang="en-US" dirty="0">
+                <a:latin typeface="Cambria" panose="02040503050406030204" pitchFamily="18" charset="0"/>
+                <a:ea typeface="MS UI Gothic" panose="020B0600070205080204" pitchFamily="50" charset="-128"/>
+                <a:cs typeface="Source Han Sans JP Normal"/>
+              </a:rPr>
+              <a:t>ホームアドバンテージ</a:t>
             </a:r>
             <a:r>
               <a:rPr lang="en-US" altLang="ja-JP" dirty="0">
@@ -9948,7 +10108,7 @@
                 <a:ea typeface="MS UI Gothic" panose="020B0600070205080204" pitchFamily="50" charset="-128"/>
                 <a:cs typeface="Source Han Sans JP Normal"/>
               </a:rPr>
-              <a:t>Advantage (</a:t>
+              <a:t>)</a:t>
             </a:r>
             <a:r>
               <a:rPr lang="ja-JP" altLang="en-US" dirty="0">
@@ -9956,25 +10116,9 @@
                 <a:ea typeface="MS UI Gothic" panose="020B0600070205080204" pitchFamily="50" charset="-128"/>
                 <a:cs typeface="Source Han Sans JP Normal"/>
               </a:rPr>
-              <a:t>ホームアドバンテージ</a:t>
-            </a:r>
-            <a:r>
-              <a:rPr lang="en-US" altLang="ja-JP" dirty="0" smtClean="0">
-                <a:latin typeface="Cambria" panose="02040503050406030204" pitchFamily="18" charset="0"/>
-                <a:ea typeface="MS UI Gothic" panose="020B0600070205080204" pitchFamily="50" charset="-128"/>
-                <a:cs typeface="Source Han Sans JP Normal"/>
-              </a:rPr>
-              <a:t>)</a:t>
-            </a:r>
-            <a:r>
-              <a:rPr lang="ja-JP" altLang="en-US" dirty="0" smtClean="0">
-                <a:latin typeface="Cambria" panose="02040503050406030204" pitchFamily="18" charset="0"/>
-                <a:ea typeface="MS UI Gothic" panose="020B0600070205080204" pitchFamily="50" charset="-128"/>
-                <a:cs typeface="Source Han Sans JP Normal"/>
-              </a:rPr>
               <a:t>：特定地域・スタジアムをホームチームとする球団の攻撃中に、ストライクゾーンが狭くなる</a:t>
             </a:r>
-            <a:endParaRPr lang="en-US" altLang="ja-JP" dirty="0" smtClean="0">
+            <a:endParaRPr lang="en-US" altLang="ja-JP" dirty="0">
               <a:latin typeface="Cambria" panose="02040503050406030204" pitchFamily="18" charset="0"/>
               <a:ea typeface="MS UI Gothic" panose="020B0600070205080204" pitchFamily="50" charset="-128"/>
               <a:cs typeface="Source Han Sans JP Normal"/>
@@ -9983,13 +10127,13 @@
           <a:p>
             <a:pPr marL="1143000" lvl="1" indent="-457200" eaLnBrk="1" hangingPunct="1"/>
             <a:r>
-              <a:rPr lang="ja-JP" altLang="en-US" dirty="0" smtClean="0">
+              <a:rPr lang="ja-JP" altLang="en-US" dirty="0">
                 <a:latin typeface="Cambria" panose="02040503050406030204" pitchFamily="18" charset="0"/>
                 <a:ea typeface="MS UI Gothic" panose="020B0600070205080204" pitchFamily="50" charset="-128"/>
               </a:rPr>
               <a:t>ホームアドバンテージが起こる仕組み：球審にはそうするインセンティブがない</a:t>
             </a:r>
-            <a:endParaRPr lang="en-US" altLang="ja-JP" dirty="0" smtClean="0">
+            <a:endParaRPr lang="en-US" altLang="ja-JP" dirty="0">
               <a:latin typeface="Cambria" panose="02040503050406030204" pitchFamily="18" charset="0"/>
               <a:ea typeface="MS UI Gothic" panose="020B0600070205080204" pitchFamily="50" charset="-128"/>
             </a:endParaRPr>
@@ -10002,33 +10146,25 @@
                 <a:ea typeface="MS UI Gothic" panose="020B0600070205080204" pitchFamily="50" charset="-128"/>
                 <a:cs typeface="Source Han Sans JP Normal"/>
               </a:rPr>
-              <a:t>球審</a:t>
-            </a:r>
-            <a:r>
-              <a:rPr lang="ja-JP" altLang="en-US" dirty="0" smtClean="0">
+              <a:t>球審自身が自らの意思でそうしているわけではなく、スタジアムに詰めかけた観客の存在</a:t>
+            </a:r>
+            <a:r>
+              <a:rPr lang="en-US" altLang="ja-JP" dirty="0">
                 <a:latin typeface="Cambria" panose="02040503050406030204" pitchFamily="18" charset="0"/>
                 <a:ea typeface="MS UI Gothic" panose="020B0600070205080204" pitchFamily="50" charset="-128"/>
                 <a:cs typeface="Source Han Sans JP Normal"/>
               </a:rPr>
-              <a:t>自身が自らの意思でそうしているわけではなく、スタジアムに詰めかけた観客の存在</a:t>
-            </a:r>
-            <a:r>
-              <a:rPr lang="en-US" altLang="ja-JP" dirty="0" smtClean="0">
+              <a:t>(Social Pressure)</a:t>
+            </a:r>
+            <a:r>
+              <a:rPr lang="ja-JP" altLang="en-US" dirty="0">
                 <a:latin typeface="Cambria" panose="02040503050406030204" pitchFamily="18" charset="0"/>
                 <a:ea typeface="MS UI Gothic" panose="020B0600070205080204" pitchFamily="50" charset="-128"/>
                 <a:cs typeface="Source Han Sans JP Normal"/>
               </a:rPr>
-              <a:t>(Social Pressure)</a:t>
-            </a:r>
-            <a:r>
-              <a:rPr lang="ja-JP" altLang="en-US" dirty="0" smtClean="0">
-                <a:latin typeface="Cambria" panose="02040503050406030204" pitchFamily="18" charset="0"/>
-                <a:ea typeface="MS UI Gothic" panose="020B0600070205080204" pitchFamily="50" charset="-128"/>
-                <a:cs typeface="Source Han Sans JP Normal"/>
-              </a:rPr>
               <a:t>がバイアスの原因に？</a:t>
             </a:r>
-            <a:endParaRPr lang="en-US" altLang="ja-JP" dirty="0" smtClean="0">
+            <a:endParaRPr lang="en-US" altLang="ja-JP" dirty="0">
               <a:latin typeface="Cambria" panose="02040503050406030204" pitchFamily="18" charset="0"/>
               <a:ea typeface="MS UI Gothic" panose="020B0600070205080204" pitchFamily="50" charset="-128"/>
               <a:cs typeface="Source Han Sans JP Normal"/>
@@ -10037,25 +10173,18 @@
           <a:p>
             <a:pPr marL="1143000" lvl="1" indent="-457200" eaLnBrk="1" hangingPunct="1"/>
             <a:r>
-              <a:rPr lang="en-US" altLang="ja-JP" dirty="0" smtClean="0">
+              <a:rPr lang="en-US" altLang="ja-JP" dirty="0">
                 <a:latin typeface="Cambria" panose="02040503050406030204" pitchFamily="18" charset="0"/>
                 <a:ea typeface="MS UI Gothic" panose="020B0600070205080204" pitchFamily="50" charset="-128"/>
               </a:rPr>
               <a:t>Covid-19</a:t>
             </a:r>
             <a:r>
-              <a:rPr lang="ja-JP" altLang="en-US" dirty="0" smtClean="0">
-                <a:latin typeface="Cambria" panose="02040503050406030204" pitchFamily="18" charset="0"/>
-                <a:ea typeface="MS UI Gothic" panose="020B0600070205080204" pitchFamily="50" charset="-128"/>
-              </a:rPr>
-              <a:t>の感染防止措置が引き起こした観客動員数の激減を利用して、このメカニズムを</a:t>
-            </a:r>
-            <a:r>
-              <a:rPr lang="ja-JP" altLang="en-US" dirty="0" smtClean="0">
-                <a:latin typeface="Cambria" panose="02040503050406030204" pitchFamily="18" charset="0"/>
-                <a:ea typeface="MS UI Gothic" panose="020B0600070205080204" pitchFamily="50" charset="-128"/>
-              </a:rPr>
-              <a:t>実証分析</a:t>
+              <a:rPr lang="ja-JP" altLang="en-US" dirty="0">
+                <a:latin typeface="Cambria" panose="02040503050406030204" pitchFamily="18" charset="0"/>
+                <a:ea typeface="MS UI Gothic" panose="020B0600070205080204" pitchFamily="50" charset="-128"/>
+              </a:rPr>
+              <a:t>の感染防止措置が引き起こした観客動員数の激減を利用して、このメカニズムを実証分析</a:t>
             </a:r>
             <a:endParaRPr lang="en-US" altLang="ja-JP" dirty="0">
               <a:latin typeface="Cambria" panose="02040503050406030204" pitchFamily="18" charset="0"/>
@@ -10254,48 +10383,12 @@
               <a:buChar char="•"/>
             </a:pPr>
             <a:r>
-              <a:rPr lang="ja-JP" altLang="en-US" dirty="0" smtClean="0">
+              <a:rPr lang="ja-JP" altLang="en-US" dirty="0">
                 <a:latin typeface="Cambria" panose="02040503050406030204" pitchFamily="18" charset="0"/>
                 <a:ea typeface="MS UI Gothic" panose="020B0600070205080204" pitchFamily="50" charset="-128"/>
                 <a:cs typeface="Source Han Sans JP Normal"/>
               </a:rPr>
               <a:t>研究対象としてのスポーツ</a:t>
-            </a:r>
-            <a:endParaRPr lang="en-US" altLang="ja-JP" dirty="0" smtClean="0">
-              <a:latin typeface="Cambria" panose="02040503050406030204" pitchFamily="18" charset="0"/>
-              <a:ea typeface="MS UI Gothic" panose="020B0600070205080204" pitchFamily="50" charset="-128"/>
-              <a:cs typeface="Source Han Sans JP Normal"/>
-            </a:endParaRPr>
-          </a:p>
-          <a:p>
-            <a:pPr marL="1028700" lvl="1" indent="-342900" eaLnBrk="1" hangingPunct="1"/>
-            <a:r>
-              <a:rPr lang="ja-JP" altLang="en-US" dirty="0">
-                <a:latin typeface="Cambria" panose="02040503050406030204" pitchFamily="18" charset="0"/>
-                <a:ea typeface="MS UI Gothic" panose="020B0600070205080204" pitchFamily="50" charset="-128"/>
-              </a:rPr>
-              <a:t>プレー</a:t>
-            </a:r>
-            <a:r>
-              <a:rPr lang="ja-JP" altLang="en-US" dirty="0" smtClean="0">
-                <a:latin typeface="Cambria" panose="02040503050406030204" pitchFamily="18" charset="0"/>
-                <a:ea typeface="MS UI Gothic" panose="020B0600070205080204" pitchFamily="50" charset="-128"/>
-              </a:rPr>
-              <a:t>やその評価がある程度定量化されており、そこからの乖離：バイアスの効果を推定しやすい</a:t>
-            </a:r>
-            <a:endParaRPr lang="en-US" altLang="ja-JP" dirty="0" smtClean="0">
-              <a:latin typeface="Cambria" panose="02040503050406030204" pitchFamily="18" charset="0"/>
-              <a:ea typeface="MS UI Gothic" panose="020B0600070205080204" pitchFamily="50" charset="-128"/>
-            </a:endParaRPr>
-          </a:p>
-          <a:p>
-            <a:pPr marL="1028700" lvl="1" indent="-342900" eaLnBrk="1" hangingPunct="1"/>
-            <a:r>
-              <a:rPr lang="ja-JP" altLang="en-US" dirty="0" smtClean="0">
-                <a:latin typeface="Cambria" panose="02040503050406030204" pitchFamily="18" charset="0"/>
-                <a:ea typeface="MS UI Gothic" panose="020B0600070205080204" pitchFamily="50" charset="-128"/>
-              </a:rPr>
-              <a:t>観客に端を発するバイアスは、一般社会でも同様に表れる可能性がある</a:t>
             </a:r>
             <a:endParaRPr lang="en-US" altLang="ja-JP" dirty="0">
               <a:latin typeface="Cambria" panose="02040503050406030204" pitchFamily="18" charset="0"/>
@@ -10304,65 +10397,27 @@
             </a:endParaRPr>
           </a:p>
           <a:p>
-            <a:pPr marL="342900" indent="-342900" eaLnBrk="1" hangingPunct="1">
-              <a:buFont typeface="Arial" panose="020B0604020202020204" pitchFamily="34" charset="0"/>
-              <a:buChar char="•"/>
-            </a:pPr>
-            <a:r>
-              <a:rPr lang="ja-JP" altLang="en-US" dirty="0" smtClean="0">
-                <a:latin typeface="Cambria" panose="02040503050406030204" pitchFamily="18" charset="0"/>
-                <a:ea typeface="MS UI Gothic" panose="020B0600070205080204" pitchFamily="50" charset="-128"/>
-                <a:cs typeface="Source Han Sans JP Normal"/>
-              </a:rPr>
-              <a:t>書籍</a:t>
-            </a:r>
-            <a:r>
-              <a:rPr lang="en-US" altLang="ja-JP" dirty="0" smtClean="0">
-                <a:latin typeface="Cambria" panose="02040503050406030204" pitchFamily="18" charset="0"/>
-                <a:ea typeface="MS UI Gothic" panose="020B0600070205080204" pitchFamily="50" charset="-128"/>
-                <a:cs typeface="Source Han Sans JP Normal"/>
-              </a:rPr>
-              <a:t>『</a:t>
-            </a:r>
+            <a:pPr marL="1028700" lvl="1" indent="-342900" eaLnBrk="1" hangingPunct="1"/>
             <a:r>
               <a:rPr lang="ja-JP" altLang="en-US" dirty="0">
                 <a:latin typeface="Cambria" panose="02040503050406030204" pitchFamily="18" charset="0"/>
                 <a:ea typeface="MS UI Gothic" panose="020B0600070205080204" pitchFamily="50" charset="-128"/>
-                <a:cs typeface="Source Han Sans JP Normal"/>
-              </a:rPr>
-              <a:t>オタクの行動経済学者、スポーツの裏側を読み解く</a:t>
-            </a:r>
-            <a:r>
-              <a:rPr lang="en-US" altLang="ja-JP" dirty="0" smtClean="0">
-                <a:latin typeface="Cambria" panose="02040503050406030204" pitchFamily="18" charset="0"/>
-                <a:ea typeface="MS UI Gothic" panose="020B0600070205080204" pitchFamily="50" charset="-128"/>
-                <a:cs typeface="Source Han Sans JP Normal"/>
-              </a:rPr>
-              <a:t>』  (</a:t>
-            </a:r>
-            <a:r>
-              <a:rPr lang="en-US" altLang="ja-JP" dirty="0" err="1" smtClean="0">
-                <a:latin typeface="Cambria" panose="02040503050406030204" pitchFamily="18" charset="0"/>
-                <a:ea typeface="MS UI Gothic" panose="020B0600070205080204" pitchFamily="50" charset="-128"/>
-                <a:cs typeface="Source Han Sans JP Normal"/>
-              </a:rPr>
-              <a:t>Scorecasting</a:t>
-            </a:r>
-            <a:r>
-              <a:rPr lang="en-US" altLang="ja-JP" dirty="0" smtClean="0">
-                <a:latin typeface="Cambria" panose="02040503050406030204" pitchFamily="18" charset="0"/>
-                <a:ea typeface="MS UI Gothic" panose="020B0600070205080204" pitchFamily="50" charset="-128"/>
-                <a:cs typeface="Source Han Sans JP Normal"/>
-              </a:rPr>
-              <a:t>: The Hidden Influences Behind How Sports Are Played and Games Are Won</a:t>
-            </a:r>
-            <a:r>
-              <a:rPr lang="en-US" altLang="ja-JP" dirty="0" smtClean="0">
-                <a:latin typeface="Cambria" panose="02040503050406030204" pitchFamily="18" charset="0"/>
-                <a:ea typeface="MS UI Gothic" panose="020B0600070205080204" pitchFamily="50" charset="-128"/>
-                <a:cs typeface="Source Han Sans JP Normal"/>
-              </a:rPr>
-              <a:t>; Moskowitz, Wertheim)</a:t>
+              </a:rPr>
+              <a:t>プレーやその評価がある程度定量化されており、そこからの乖離：バイアスの効果を推定しやすい</a:t>
+            </a:r>
+            <a:endParaRPr lang="en-US" altLang="ja-JP" dirty="0">
+              <a:latin typeface="Cambria" panose="02040503050406030204" pitchFamily="18" charset="0"/>
+              <a:ea typeface="MS UI Gothic" panose="020B0600070205080204" pitchFamily="50" charset="-128"/>
+            </a:endParaRPr>
+          </a:p>
+          <a:p>
+            <a:pPr marL="1028700" lvl="1" indent="-342900" eaLnBrk="1" hangingPunct="1"/>
+            <a:r>
+              <a:rPr lang="ja-JP" altLang="en-US" dirty="0">
+                <a:latin typeface="Cambria" panose="02040503050406030204" pitchFamily="18" charset="0"/>
+                <a:ea typeface="MS UI Gothic" panose="020B0600070205080204" pitchFamily="50" charset="-128"/>
+              </a:rPr>
+              <a:t>観客に端を発するバイアスは、一般社会でも同様に表れる可能性がある</a:t>
             </a:r>
             <a:endParaRPr lang="en-US" altLang="ja-JP" dirty="0">
               <a:latin typeface="Cambria" panose="02040503050406030204" pitchFamily="18" charset="0"/>
@@ -10376,14 +10431,68 @@
               <a:buChar char="•"/>
             </a:pPr>
             <a:r>
-              <a:rPr lang="ja-JP" altLang="en-US" dirty="0" smtClean="0">
+              <a:rPr lang="ja-JP" altLang="en-US" dirty="0">
                 <a:latin typeface="Cambria" panose="02040503050406030204" pitchFamily="18" charset="0"/>
                 <a:ea typeface="MS UI Gothic" panose="020B0600070205080204" pitchFamily="50" charset="-128"/>
                 <a:cs typeface="Source Han Sans JP Normal"/>
               </a:rPr>
+              <a:t>書籍</a:t>
+            </a:r>
+            <a:r>
+              <a:rPr lang="en-US" altLang="ja-JP" dirty="0">
+                <a:latin typeface="Cambria" panose="02040503050406030204" pitchFamily="18" charset="0"/>
+                <a:ea typeface="MS UI Gothic" panose="020B0600070205080204" pitchFamily="50" charset="-128"/>
+                <a:cs typeface="Source Han Sans JP Normal"/>
+              </a:rPr>
+              <a:t>『</a:t>
+            </a:r>
+            <a:r>
+              <a:rPr lang="ja-JP" altLang="en-US" dirty="0">
+                <a:latin typeface="Cambria" panose="02040503050406030204" pitchFamily="18" charset="0"/>
+                <a:ea typeface="MS UI Gothic" panose="020B0600070205080204" pitchFamily="50" charset="-128"/>
+                <a:cs typeface="Source Han Sans JP Normal"/>
+              </a:rPr>
+              <a:t>オタクの行動経済学者、スポーツの裏側を読み解く</a:t>
+            </a:r>
+            <a:r>
+              <a:rPr lang="en-US" altLang="ja-JP" dirty="0">
+                <a:latin typeface="Cambria" panose="02040503050406030204" pitchFamily="18" charset="0"/>
+                <a:ea typeface="MS UI Gothic" panose="020B0600070205080204" pitchFamily="50" charset="-128"/>
+                <a:cs typeface="Source Han Sans JP Normal"/>
+              </a:rPr>
+              <a:t>』  (</a:t>
+            </a:r>
+            <a:r>
+              <a:rPr lang="en-US" altLang="ja-JP" dirty="0" err="1">
+                <a:latin typeface="Cambria" panose="02040503050406030204" pitchFamily="18" charset="0"/>
+                <a:ea typeface="MS UI Gothic" panose="020B0600070205080204" pitchFamily="50" charset="-128"/>
+                <a:cs typeface="Source Han Sans JP Normal"/>
+              </a:rPr>
+              <a:t>Scorecasting</a:t>
+            </a:r>
+            <a:r>
+              <a:rPr lang="en-US" altLang="ja-JP" dirty="0">
+                <a:latin typeface="Cambria" panose="02040503050406030204" pitchFamily="18" charset="0"/>
+                <a:ea typeface="MS UI Gothic" panose="020B0600070205080204" pitchFamily="50" charset="-128"/>
+                <a:cs typeface="Source Han Sans JP Normal"/>
+              </a:rPr>
+              <a:t>: The Hidden Influences Behind How Sports Are Played and Games Are Won; Moskowitz, Wertheim)</a:t>
+            </a:r>
+          </a:p>
+          <a:p>
+            <a:pPr marL="342900" indent="-342900" eaLnBrk="1" hangingPunct="1">
+              <a:buFont typeface="Arial" panose="020B0604020202020204" pitchFamily="34" charset="0"/>
+              <a:buChar char="•"/>
+            </a:pPr>
+            <a:r>
+              <a:rPr lang="ja-JP" altLang="en-US" dirty="0">
+                <a:latin typeface="Cambria" panose="02040503050406030204" pitchFamily="18" charset="0"/>
+                <a:ea typeface="MS UI Gothic" panose="020B0600070205080204" pitchFamily="50" charset="-128"/>
+                <a:cs typeface="Source Han Sans JP Normal"/>
+              </a:rPr>
               <a:t>スポーツデータを扱ったバイアスの研究も様々</a:t>
             </a:r>
-            <a:endParaRPr lang="en-US" altLang="ja-JP" dirty="0" smtClean="0">
+            <a:endParaRPr lang="en-US" altLang="ja-JP" dirty="0">
               <a:latin typeface="Cambria" panose="02040503050406030204" pitchFamily="18" charset="0"/>
               <a:ea typeface="MS UI Gothic" panose="020B0600070205080204" pitchFamily="50" charset="-128"/>
               <a:cs typeface="Source Han Sans JP Normal"/>
@@ -10392,20 +10501,20 @@
           <a:p>
             <a:pPr marL="1028700" lvl="1" indent="-342900" eaLnBrk="1" hangingPunct="1"/>
             <a:r>
-              <a:rPr lang="en-US" altLang="ja-JP" dirty="0" smtClean="0">
+              <a:rPr lang="en-US" altLang="ja-JP" dirty="0">
                 <a:latin typeface="Cambria" panose="02040503050406030204" pitchFamily="18" charset="0"/>
                 <a:ea typeface="MS UI Gothic" panose="020B0600070205080204" pitchFamily="50" charset="-128"/>
               </a:rPr>
               <a:t>Parsons et al. (2011): </a:t>
             </a:r>
             <a:r>
-              <a:rPr lang="ja-JP" altLang="en-US" dirty="0" smtClean="0">
+              <a:rPr lang="ja-JP" altLang="en-US" dirty="0">
                 <a:latin typeface="Cambria" panose="02040503050406030204" pitchFamily="18" charset="0"/>
                 <a:ea typeface="MS UI Gothic" panose="020B0600070205080204" pitchFamily="50" charset="-128"/>
               </a:rPr>
               <a:t>球審の人種バイアス</a:t>
             </a:r>
-            <a:endParaRPr lang="en-US" altLang="ja-JP" dirty="0" smtClean="0">
+            <a:endParaRPr lang="en-US" altLang="ja-JP" dirty="0">
               <a:latin typeface="Cambria" panose="02040503050406030204" pitchFamily="18" charset="0"/>
               <a:ea typeface="MS UI Gothic" panose="020B0600070205080204" pitchFamily="50" charset="-128"/>
             </a:endParaRPr>
@@ -10431,37 +10540,30 @@
                 <a:latin typeface="Cambria" panose="02040503050406030204" pitchFamily="18" charset="0"/>
                 <a:ea typeface="MS UI Gothic" panose="020B0600070205080204" pitchFamily="50" charset="-128"/>
               </a:rPr>
-              <a:t> (2022</a:t>
-            </a:r>
-            <a:r>
-              <a:rPr lang="en-US" altLang="ja-JP" dirty="0" smtClean="0">
-                <a:latin typeface="Cambria" panose="02040503050406030204" pitchFamily="18" charset="0"/>
-                <a:ea typeface="MS UI Gothic" panose="020B0600070205080204" pitchFamily="50" charset="-128"/>
-              </a:rPr>
-              <a:t>)</a:t>
-            </a:r>
-            <a:r>
-              <a:rPr lang="ja-JP" altLang="en-US" dirty="0" smtClean="0">
+              <a:t> (2022)</a:t>
+            </a:r>
+            <a:r>
+              <a:rPr lang="ja-JP" altLang="en-US" dirty="0">
                 <a:latin typeface="Cambria" panose="02040503050406030204" pitchFamily="18" charset="0"/>
                 <a:ea typeface="MS UI Gothic" panose="020B0600070205080204" pitchFamily="50" charset="-128"/>
               </a:rPr>
               <a:t>：</a:t>
             </a:r>
             <a:r>
-              <a:rPr lang="en-US" altLang="ja-JP" dirty="0" smtClean="0">
+              <a:rPr lang="en-US" altLang="ja-JP" dirty="0">
                 <a:latin typeface="Cambria" panose="02040503050406030204" pitchFamily="18" charset="0"/>
                 <a:ea typeface="MS UI Gothic" panose="020B0600070205080204" pitchFamily="50" charset="-128"/>
               </a:rPr>
               <a:t>4</a:t>
             </a:r>
             <a:r>
-              <a:rPr lang="ja-JP" altLang="en-US" dirty="0" smtClean="0">
+              <a:rPr lang="ja-JP" altLang="en-US" dirty="0">
                 <a:latin typeface="Cambria" panose="02040503050406030204" pitchFamily="18" charset="0"/>
                 <a:ea typeface="MS UI Gothic" panose="020B0600070205080204" pitchFamily="50" charset="-128"/>
               </a:rPr>
               <a:t>大スポーツのホームチームの勝率</a:t>
             </a:r>
-            <a:endParaRPr lang="en-US" altLang="ja-JP" dirty="0" smtClean="0">
+            <a:endParaRPr lang="en-US" altLang="ja-JP" dirty="0">
               <a:latin typeface="Cambria" panose="02040503050406030204" pitchFamily="18" charset="0"/>
               <a:ea typeface="MS UI Gothic" panose="020B0600070205080204" pitchFamily="50" charset="-128"/>
             </a:endParaRPr>
@@ -10469,21 +10571,21 @@
           <a:p>
             <a:pPr marL="1028700" lvl="1" indent="-342900" eaLnBrk="1" hangingPunct="1"/>
             <a:r>
-              <a:rPr lang="en-US" altLang="ja-JP" dirty="0" smtClean="0">
+              <a:rPr lang="en-US" altLang="ja-JP" dirty="0">
                 <a:latin typeface="Cambria" panose="02040503050406030204" pitchFamily="18" charset="0"/>
                 <a:ea typeface="MS UI Gothic" panose="020B0600070205080204" pitchFamily="50" charset="-128"/>
               </a:rPr>
               <a:t>Sandberg (2018)</a:t>
             </a:r>
             <a:r>
-              <a:rPr lang="ja-JP" altLang="en-US" dirty="0" smtClean="0">
+              <a:rPr lang="ja-JP" altLang="en-US" dirty="0">
                 <a:latin typeface="Cambria" panose="02040503050406030204" pitchFamily="18" charset="0"/>
                 <a:ea typeface="MS UI Gothic" panose="020B0600070205080204" pitchFamily="50" charset="-128"/>
               </a:rPr>
               <a:t>：</a:t>
             </a:r>
             <a:r>
-              <a:rPr lang="ja-JP" altLang="en-US" dirty="0" smtClean="0">
+              <a:rPr lang="ja-JP" altLang="en-US" dirty="0">
                 <a:latin typeface="Cambria" panose="02040503050406030204" pitchFamily="18" charset="0"/>
                 <a:ea typeface="MS UI Gothic" panose="020B0600070205080204" pitchFamily="50" charset="-128"/>
                 <a:cs typeface="Source Han Sans JP Normal"/>
@@ -10498,20 +10600,12 @@
               <a:t>、</a:t>
             </a:r>
             <a:r>
-              <a:rPr lang="ja-JP" altLang="en-US" dirty="0" smtClean="0">
+              <a:rPr lang="ja-JP" altLang="en-US" dirty="0">
                 <a:latin typeface="Cambria" panose="02040503050406030204" pitchFamily="18" charset="0"/>
                 <a:ea typeface="MS UI Gothic" panose="020B0600070205080204" pitchFamily="50" charset="-128"/>
                 <a:cs typeface="Source Han Sans JP Normal"/>
               </a:rPr>
-              <a:t>審査員</a:t>
-            </a:r>
-            <a:r>
-              <a:rPr lang="ja-JP" altLang="en-US" dirty="0" smtClean="0">
-                <a:latin typeface="Cambria" panose="02040503050406030204" pitchFamily="18" charset="0"/>
-                <a:ea typeface="MS UI Gothic" panose="020B0600070205080204" pitchFamily="50" charset="-128"/>
-                <a:cs typeface="Source Han Sans JP Normal"/>
-              </a:rPr>
-              <a:t>による国籍バイアス</a:t>
+              <a:t>審査員による国籍バイアス</a:t>
             </a:r>
             <a:endParaRPr lang="en-US" altLang="ja-JP" dirty="0">
               <a:latin typeface="Cambria" panose="02040503050406030204" pitchFamily="18" charset="0"/>
@@ -10751,14 +10845,14 @@
               <a:buChar char="•"/>
             </a:pPr>
             <a:r>
-              <a:rPr lang="ja-JP" altLang="en-US" dirty="0" smtClean="0">
+              <a:rPr lang="ja-JP" altLang="en-US" dirty="0">
                 <a:latin typeface="Cambria" panose="02040503050406030204" pitchFamily="18" charset="0"/>
                 <a:ea typeface="MS UI Gothic" panose="020B0600070205080204" pitchFamily="50" charset="-128"/>
                 <a:cs typeface="Source Han Sans JP Normal"/>
               </a:rPr>
               <a:t>ホームアドバンテージに限らず、審判の判定にはライブで観戦する観客の存在が影響することが知られている</a:t>
             </a:r>
-            <a:endParaRPr lang="en-US" altLang="ja-JP" dirty="0" smtClean="0">
+            <a:endParaRPr lang="en-US" altLang="ja-JP" dirty="0">
               <a:latin typeface="Cambria" panose="02040503050406030204" pitchFamily="18" charset="0"/>
               <a:ea typeface="MS UI Gothic" panose="020B0600070205080204" pitchFamily="50" charset="-128"/>
               <a:cs typeface="Source Han Sans JP Normal"/>
@@ -10772,29 +10866,14 @@
                 <a:ea typeface="MS UI Gothic" panose="020B0600070205080204" pitchFamily="50" charset="-128"/>
                 <a:cs typeface="Source Han Sans JP Normal"/>
               </a:rPr>
-              <a:t>観客動員数</a:t>
-            </a:r>
-            <a:r>
-              <a:rPr lang="ja-JP" altLang="en-US" dirty="0" smtClean="0">
-                <a:latin typeface="Cambria" panose="02040503050406030204" pitchFamily="18" charset="0"/>
-                <a:ea typeface="MS UI Gothic" panose="020B0600070205080204" pitchFamily="50" charset="-128"/>
-                <a:cs typeface="Source Han Sans JP Normal"/>
-              </a:rPr>
-              <a:t>の少ない試合では、ホームアドバンテージの影響が小さくなる </a:t>
+              <a:t>観客動員数の少ない試合では、ホームアドバンテージの影響が小さくなる </a:t>
             </a:r>
             <a:r>
               <a:rPr lang="en-US" altLang="ja-JP" dirty="0">
                 <a:latin typeface="Cambria" panose="02040503050406030204" pitchFamily="18" charset="0"/>
                 <a:ea typeface="MS UI Gothic" panose="020B0600070205080204" pitchFamily="50" charset="-128"/>
               </a:rPr>
-              <a:t>(Moskowitz, </a:t>
-            </a:r>
-            <a:r>
-              <a:rPr lang="en-US" altLang="ja-JP" dirty="0" smtClean="0">
-                <a:latin typeface="Cambria" panose="02040503050406030204" pitchFamily="18" charset="0"/>
-                <a:ea typeface="MS UI Gothic" panose="020B0600070205080204" pitchFamily="50" charset="-128"/>
-              </a:rPr>
-              <a:t>Wertheim, 2011)</a:t>
+              <a:t>(Moskowitz, Wertheim, 2011)</a:t>
             </a:r>
           </a:p>
           <a:p>
@@ -10802,7 +10881,7 @@
               <a:buFont typeface="Arial" panose="020B0604020202020204" pitchFamily="34" charset="0"/>
               <a:buChar char="•"/>
             </a:pPr>
-            <a:endParaRPr lang="en-US" altLang="ja-JP" dirty="0" smtClean="0">
+            <a:endParaRPr lang="en-US" altLang="ja-JP" dirty="0">
               <a:latin typeface="Cambria" panose="02040503050406030204" pitchFamily="18" charset="0"/>
               <a:ea typeface="MS UI Gothic" panose="020B0600070205080204" pitchFamily="50" charset="-128"/>
               <a:cs typeface="Source Han Sans JP Normal"/>
@@ -10814,14 +10893,14 @@
               <a:buChar char="•"/>
             </a:pPr>
             <a:r>
-              <a:rPr lang="ja-JP" altLang="en-US" dirty="0" smtClean="0">
+              <a:rPr lang="ja-JP" altLang="en-US" dirty="0">
                 <a:latin typeface="Cambria" panose="02040503050406030204" pitchFamily="18" charset="0"/>
                 <a:ea typeface="MS UI Gothic" panose="020B0600070205080204" pitchFamily="50" charset="-128"/>
                 <a:cs typeface="Source Han Sans JP Normal"/>
               </a:rPr>
               <a:t>メカニズム</a:t>
             </a:r>
-            <a:endParaRPr lang="en-US" altLang="ja-JP" dirty="0" smtClean="0">
+            <a:endParaRPr lang="en-US" altLang="ja-JP" dirty="0">
               <a:latin typeface="Cambria" panose="02040503050406030204" pitchFamily="18" charset="0"/>
               <a:ea typeface="MS UI Gothic" panose="020B0600070205080204" pitchFamily="50" charset="-128"/>
               <a:cs typeface="Source Han Sans JP Normal"/>
@@ -10830,14 +10909,14 @@
           <a:p>
             <a:pPr marL="1028700" lvl="1" indent="-342900" eaLnBrk="1" hangingPunct="1"/>
             <a:r>
-              <a:rPr lang="ja-JP" altLang="en-US" dirty="0" smtClean="0">
+              <a:rPr lang="ja-JP" altLang="en-US" dirty="0">
                 <a:latin typeface="Cambria" panose="02040503050406030204" pitchFamily="18" charset="0"/>
                 <a:ea typeface="MS UI Gothic" panose="020B0600070205080204" pitchFamily="50" charset="-128"/>
                 <a:cs typeface="Source Han Sans JP Normal"/>
               </a:rPr>
               <a:t>自軍のフランチャイズ球場の特性をよく知るホームチームの選手のパフォーマンスが上がる</a:t>
             </a:r>
-            <a:endParaRPr lang="en-US" altLang="ja-JP" dirty="0" smtClean="0">
+            <a:endParaRPr lang="en-US" altLang="ja-JP" dirty="0">
               <a:latin typeface="Cambria" panose="02040503050406030204" pitchFamily="18" charset="0"/>
               <a:ea typeface="MS UI Gothic" panose="020B0600070205080204" pitchFamily="50" charset="-128"/>
               <a:cs typeface="Source Han Sans JP Normal"/>
@@ -10846,7 +10925,7 @@
           <a:p>
             <a:pPr marL="1028700" lvl="1" indent="-342900" eaLnBrk="1" hangingPunct="1"/>
             <a:r>
-              <a:rPr lang="ja-JP" altLang="en-US" dirty="0" smtClean="0">
+              <a:rPr lang="ja-JP" altLang="en-US" dirty="0">
                 <a:latin typeface="Cambria" panose="02040503050406030204" pitchFamily="18" charset="0"/>
                 <a:ea typeface="MS UI Gothic" panose="020B0600070205080204" pitchFamily="50" charset="-128"/>
                 <a:cs typeface="Source Han Sans JP Normal"/>
@@ -10854,7 +10933,7 @@
               <a:t>観客の存在が </a:t>
             </a:r>
             <a:r>
-              <a:rPr lang="en-US" altLang="ja-JP" dirty="0" smtClean="0">
+              <a:rPr lang="en-US" altLang="ja-JP" dirty="0">
                 <a:latin typeface="Cambria" panose="02040503050406030204" pitchFamily="18" charset="0"/>
                 <a:ea typeface="MS UI Gothic" panose="020B0600070205080204" pitchFamily="50" charset="-128"/>
                 <a:cs typeface="Source Han Sans JP Normal"/>
@@ -10866,16 +10945,9 @@
                 <a:latin typeface="Cambria" panose="02040503050406030204" pitchFamily="18" charset="0"/>
                 <a:ea typeface="MS UI Gothic" panose="020B0600070205080204" pitchFamily="50" charset="-128"/>
               </a:rPr>
-              <a:t>と</a:t>
-            </a:r>
-            <a:r>
-              <a:rPr lang="ja-JP" altLang="en-US" dirty="0" smtClean="0">
-                <a:latin typeface="Cambria" panose="02040503050406030204" pitchFamily="18" charset="0"/>
-                <a:ea typeface="MS UI Gothic" panose="020B0600070205080204" pitchFamily="50" charset="-128"/>
-              </a:rPr>
-              <a:t>して球審に影響を与える</a:t>
-            </a:r>
-            <a:endParaRPr lang="en-US" altLang="ja-JP" dirty="0" smtClean="0">
+              <a:t>として球審に影響を与える</a:t>
+            </a:r>
+            <a:endParaRPr lang="en-US" altLang="ja-JP" dirty="0">
               <a:latin typeface="Cambria" panose="02040503050406030204" pitchFamily="18" charset="0"/>
               <a:ea typeface="MS UI Gothic" panose="020B0600070205080204" pitchFamily="50" charset="-128"/>
             </a:endParaRPr>
@@ -10883,14 +10955,14 @@
           <a:p>
             <a:pPr marL="1028700" lvl="1" indent="-342900" eaLnBrk="1" hangingPunct="1"/>
             <a:r>
-              <a:rPr lang="ja-JP" altLang="en-US" dirty="0" smtClean="0">
+              <a:rPr lang="ja-JP" altLang="en-US" dirty="0">
                 <a:latin typeface="Cambria" panose="02040503050406030204" pitchFamily="18" charset="0"/>
                 <a:ea typeface="MS UI Gothic" panose="020B0600070205080204" pitchFamily="50" charset="-128"/>
                 <a:cs typeface="Source Han Sans JP Normal"/>
               </a:rPr>
               <a:t>モニタリング効果：観客が審判の判定精度を「監視」し、より公平な判定を促す</a:t>
             </a:r>
-            <a:endParaRPr lang="en-US" altLang="ja-JP" dirty="0" smtClean="0">
+            <a:endParaRPr lang="en-US" altLang="ja-JP" dirty="0">
               <a:latin typeface="Cambria" panose="02040503050406030204" pitchFamily="18" charset="0"/>
               <a:ea typeface="MS UI Gothic" panose="020B0600070205080204" pitchFamily="50" charset="-128"/>
               <a:cs typeface="Source Han Sans JP Normal"/>
@@ -10899,25 +10971,11 @@
           <a:p>
             <a:pPr marL="1485900" lvl="2" indent="-342900" eaLnBrk="1" hangingPunct="1"/>
             <a:r>
-              <a:rPr lang="ja-JP" altLang="en-US" dirty="0" smtClean="0">
-                <a:latin typeface="Cambria" panose="02040503050406030204" pitchFamily="18" charset="0"/>
-                <a:ea typeface="MS UI Gothic" panose="020B0600070205080204" pitchFamily="50" charset="-128"/>
-              </a:rPr>
-              <a:t>テレビ</a:t>
-            </a:r>
-            <a:r>
               <a:rPr lang="ja-JP" altLang="en-US" dirty="0">
                 <a:latin typeface="Cambria" panose="02040503050406030204" pitchFamily="18" charset="0"/>
                 <a:ea typeface="MS UI Gothic" panose="020B0600070205080204" pitchFamily="50" charset="-128"/>
               </a:rPr>
-              <a:t>中継</a:t>
-            </a:r>
-            <a:r>
-              <a:rPr lang="ja-JP" altLang="en-US" dirty="0" smtClean="0">
-                <a:latin typeface="Cambria" panose="02040503050406030204" pitchFamily="18" charset="0"/>
-                <a:ea typeface="MS UI Gothic" panose="020B0600070205080204" pitchFamily="50" charset="-128"/>
-              </a:rPr>
-              <a:t>やトラッキング機器を用いたフィードバックの存在</a:t>
+              <a:t>テレビ中継やトラッキング機器を用いたフィードバックの存在</a:t>
             </a:r>
             <a:endParaRPr lang="en-US" altLang="ja-JP" dirty="0">
               <a:latin typeface="Cambria" panose="02040503050406030204" pitchFamily="18" charset="0"/>
@@ -11152,37 +11210,7 @@
                 <a:ea typeface="MS UI Gothic" panose="020B0600070205080204" pitchFamily="50" charset="-128"/>
                 <a:cs typeface="Source Han Sans JP Normal"/>
               </a:rPr>
-              <a:t>一度下した判定は覆らないため、ゲームに系統的なバイアスの入り込む余地が</a:t>
-            </a:r>
-            <a:r>
-              <a:rPr lang="ja-JP" altLang="en-US" dirty="0" smtClean="0">
-                <a:latin typeface="Cambria" panose="02040503050406030204" pitchFamily="18" charset="0"/>
-                <a:ea typeface="MS UI Gothic" panose="020B0600070205080204" pitchFamily="50" charset="-128"/>
-                <a:cs typeface="Source Han Sans JP Normal"/>
-              </a:rPr>
-              <a:t>ある</a:t>
-            </a:r>
-            <a:endParaRPr lang="en-US" altLang="ja-JP" dirty="0" smtClean="0">
-              <a:latin typeface="Cambria" panose="02040503050406030204" pitchFamily="18" charset="0"/>
-              <a:ea typeface="MS UI Gothic" panose="020B0600070205080204" pitchFamily="50" charset="-128"/>
-              <a:cs typeface="Source Han Sans JP Normal"/>
-            </a:endParaRPr>
-          </a:p>
-          <a:p>
-            <a:pPr marL="1143000" lvl="1" indent="-457200" eaLnBrk="1" hangingPunct="1"/>
-            <a:r>
-              <a:rPr lang="ja-JP" altLang="en-US" dirty="0">
-                <a:latin typeface="Cambria" panose="02040503050406030204" pitchFamily="18" charset="0"/>
-                <a:ea typeface="MS UI Gothic" panose="020B0600070205080204" pitchFamily="50" charset="-128"/>
-              </a:rPr>
-              <a:t>一方</a:t>
-            </a:r>
-            <a:r>
-              <a:rPr lang="ja-JP" altLang="en-US" dirty="0" smtClean="0">
-                <a:latin typeface="Cambria" panose="02040503050406030204" pitchFamily="18" charset="0"/>
-                <a:ea typeface="MS UI Gothic" panose="020B0600070205080204" pitchFamily="50" charset="-128"/>
-              </a:rPr>
-              <a:t>で、トラッキングデータに基づいた「あるべき判定」も定義可能</a:t>
+              <a:t>一度下した判定は覆らないため、ゲームに系統的なバイアスの入り込む余地がある</a:t>
             </a:r>
             <a:endParaRPr lang="en-US" altLang="ja-JP" dirty="0">
               <a:latin typeface="Cambria" panose="02040503050406030204" pitchFamily="18" charset="0"/>
@@ -11197,9 +11225,34 @@
                 <a:latin typeface="Cambria" panose="02040503050406030204" pitchFamily="18" charset="0"/>
                 <a:ea typeface="MS UI Gothic" panose="020B0600070205080204" pitchFamily="50" charset="-128"/>
               </a:rPr>
+              <a:t>一方で、トラッキングデータに基づいた「あるべき判定」も定義可能</a:t>
+            </a:r>
+            <a:endParaRPr lang="en-US" altLang="ja-JP" dirty="0">
+              <a:latin typeface="Cambria" panose="02040503050406030204" pitchFamily="18" charset="0"/>
+              <a:ea typeface="MS UI Gothic" panose="020B0600070205080204" pitchFamily="50" charset="-128"/>
+              <a:cs typeface="Source Han Sans JP Normal"/>
+            </a:endParaRPr>
+          </a:p>
+          <a:p>
+            <a:pPr marL="1143000" lvl="1" indent="-457200" eaLnBrk="1" hangingPunct="1"/>
+            <a:r>
+              <a:rPr lang="ja-JP" altLang="en-US" dirty="0">
+                <a:latin typeface="Cambria" panose="02040503050406030204" pitchFamily="18" charset="0"/>
+                <a:ea typeface="MS UI Gothic" panose="020B0600070205080204" pitchFamily="50" charset="-128"/>
+              </a:rPr>
               <a:t>全投球のおよそ</a:t>
             </a:r>
             <a:r>
+              <a:rPr lang="ja-JP" altLang="en-US" dirty="0">
+                <a:highlight>
+                  <a:srgbClr val="FFFF00"/>
+                </a:highlight>
+                <a:latin typeface="Cambria" panose="02040503050406030204" pitchFamily="18" charset="0"/>
+                <a:ea typeface="MS UI Gothic" panose="020B0600070205080204" pitchFamily="50" charset="-128"/>
+              </a:rPr>
+              <a:t>　　　　</a:t>
+            </a:r>
+            <a:r>
               <a:rPr lang="en-US" altLang="ja-JP" dirty="0">
                 <a:latin typeface="Cambria" panose="02040503050406030204" pitchFamily="18" charset="0"/>
                 <a:ea typeface="MS UI Gothic" panose="020B0600070205080204" pitchFamily="50" charset="-128"/>
@@ -11212,13 +11265,6 @@
                 <a:ea typeface="MS UI Gothic" panose="020B0600070205080204" pitchFamily="50" charset="-128"/>
               </a:rPr>
               <a:t>が見送り投球</a:t>
-            </a:r>
-            <a:r>
-              <a:rPr lang="en-US" altLang="ja-JP" dirty="0">
-                <a:latin typeface="Cambria" panose="02040503050406030204" pitchFamily="18" charset="0"/>
-                <a:ea typeface="MS UI Gothic" panose="020B0600070205080204" pitchFamily="50" charset="-128"/>
-              </a:rPr>
-              <a:t/>
             </a:r>
             <a:br>
               <a:rPr lang="en-US" altLang="ja-JP" dirty="0">
@@ -11231,14 +11277,7 @@
                 <a:latin typeface="Cambria" panose="02040503050406030204" pitchFamily="18" charset="0"/>
                 <a:ea typeface="MS UI Gothic" panose="020B0600070205080204" pitchFamily="50" charset="-128"/>
               </a:rPr>
-              <a:t>：バイアスの影響は小さく</a:t>
-            </a:r>
-            <a:r>
-              <a:rPr lang="ja-JP" altLang="en-US" dirty="0" smtClean="0">
-                <a:latin typeface="Cambria" panose="02040503050406030204" pitchFamily="18" charset="0"/>
-                <a:ea typeface="MS UI Gothic" panose="020B0600070205080204" pitchFamily="50" charset="-128"/>
-              </a:rPr>
-              <a:t>ない</a:t>
+              <a:t>：バイアスの影響は小さくない</a:t>
             </a:r>
             <a:endParaRPr lang="en-US" altLang="ja-JP" dirty="0">
               <a:latin typeface="Cambria" panose="02040503050406030204" pitchFamily="18" charset="0"/>
@@ -11629,7 +11668,7 @@
           <a:p>
             <a:pPr marL="1028700" lvl="1" indent="-342900" eaLnBrk="1" hangingPunct="1"/>
             <a:r>
-              <a:rPr lang="en-US" altLang="ja-JP" dirty="0">
+              <a:rPr lang="en-US" altLang="ja-JP" sz="2000" dirty="0">
                 <a:latin typeface="Cambria" panose="02040503050406030204" pitchFamily="18" charset="0"/>
                 <a:ea typeface="MS UI Gothic" panose="020B0600070205080204" pitchFamily="50" charset="-128"/>
                 <a:cs typeface="Source Han Sans JP Normal"/>
@@ -11637,28 +11676,77 @@
               <a:t>2020</a:t>
             </a:r>
             <a:r>
+              <a:rPr lang="ja-JP" altLang="en-US" sz="2000" dirty="0">
+                <a:latin typeface="Cambria" panose="02040503050406030204" pitchFamily="18" charset="0"/>
+                <a:ea typeface="MS UI Gothic" panose="020B0600070205080204" pitchFamily="50" charset="-128"/>
+                <a:cs typeface="Source Han Sans JP Normal"/>
+              </a:rPr>
+              <a:t>年のレギュラーシーズンは無観客、</a:t>
+            </a:r>
+            <a:r>
+              <a:rPr lang="en-US" altLang="ja-JP" sz="2000" dirty="0">
+                <a:latin typeface="Cambria" panose="02040503050406030204" pitchFamily="18" charset="0"/>
+                <a:ea typeface="MS UI Gothic" panose="020B0600070205080204" pitchFamily="50" charset="-128"/>
+                <a:cs typeface="Source Han Sans JP Normal"/>
+              </a:rPr>
+              <a:t>2021</a:t>
+            </a:r>
+            <a:r>
+              <a:rPr lang="ja-JP" altLang="en-US" sz="2000" dirty="0">
+                <a:latin typeface="Cambria" panose="02040503050406030204" pitchFamily="18" charset="0"/>
+                <a:ea typeface="MS UI Gothic" panose="020B0600070205080204" pitchFamily="50" charset="-128"/>
+                <a:cs typeface="Source Han Sans JP Normal"/>
+              </a:rPr>
+              <a:t>年も一部制限</a:t>
+            </a:r>
+            <a:endParaRPr lang="en-US" altLang="ja-JP" sz="2000" dirty="0">
+              <a:latin typeface="Cambria" panose="02040503050406030204" pitchFamily="18" charset="0"/>
+              <a:ea typeface="MS UI Gothic" panose="020B0600070205080204" pitchFamily="50" charset="-128"/>
+              <a:cs typeface="Source Han Sans JP Normal"/>
+            </a:endParaRPr>
+          </a:p>
+          <a:p>
+            <a:pPr marL="1028700" lvl="1" indent="-342900" eaLnBrk="1" hangingPunct="1"/>
+            <a:r>
+              <a:rPr lang="ja-JP" altLang="en-US" sz="2000" dirty="0">
+                <a:latin typeface="Cambria" panose="02040503050406030204" pitchFamily="18" charset="0"/>
+                <a:ea typeface="MS UI Gothic" panose="020B0600070205080204" pitchFamily="50" charset="-128"/>
+              </a:rPr>
+              <a:t>それ以前のシーズンから予期することが難しい「外生的な」動員数の変動</a:t>
+            </a:r>
+            <a:endParaRPr lang="en-US" altLang="ja-JP" sz="2000" dirty="0">
+              <a:latin typeface="Cambria" panose="02040503050406030204" pitchFamily="18" charset="0"/>
+              <a:ea typeface="MS UI Gothic" panose="020B0600070205080204" pitchFamily="50" charset="-128"/>
+            </a:endParaRPr>
+          </a:p>
+          <a:p>
+            <a:pPr marL="1028700" lvl="1" indent="-342900" eaLnBrk="1" hangingPunct="1"/>
+            <a:r>
+              <a:rPr lang="ja-JP" altLang="en-US" sz="2000" dirty="0">
+                <a:latin typeface="Cambria" panose="02040503050406030204" pitchFamily="18" charset="0"/>
+                <a:ea typeface="MS UI Gothic" panose="020B0600070205080204" pitchFamily="50" charset="-128"/>
+                <a:cs typeface="Source Han Sans JP Normal"/>
+              </a:rPr>
+              <a:t>観客動員がバイアスの程度に及ぼす因果関係を識別できそう</a:t>
+            </a:r>
+            <a:endParaRPr lang="en-US" altLang="ja-JP" sz="2000" dirty="0">
+              <a:latin typeface="Cambria" panose="02040503050406030204" pitchFamily="18" charset="0"/>
+              <a:ea typeface="MS UI Gothic" panose="020B0600070205080204" pitchFamily="50" charset="-128"/>
+              <a:cs typeface="Source Han Sans JP Normal"/>
+            </a:endParaRPr>
+          </a:p>
+          <a:p>
+            <a:pPr marL="342900" indent="-342900" eaLnBrk="1" hangingPunct="1">
+              <a:buFont typeface="Arial" panose="020B0604020202020204" pitchFamily="34" charset="0"/>
+              <a:buChar char="•"/>
+            </a:pPr>
+            <a:r>
               <a:rPr lang="ja-JP" altLang="en-US" dirty="0">
                 <a:latin typeface="Cambria" panose="02040503050406030204" pitchFamily="18" charset="0"/>
                 <a:ea typeface="MS UI Gothic" panose="020B0600070205080204" pitchFamily="50" charset="-128"/>
                 <a:cs typeface="Source Han Sans JP Normal"/>
               </a:rPr>
-              <a:t>年のレギュラーシーズンは無観客、</a:t>
-            </a:r>
-            <a:r>
-              <a:rPr lang="en-US" altLang="ja-JP" dirty="0">
-                <a:latin typeface="Cambria" panose="02040503050406030204" pitchFamily="18" charset="0"/>
-                <a:ea typeface="MS UI Gothic" panose="020B0600070205080204" pitchFamily="50" charset="-128"/>
-                <a:cs typeface="Source Han Sans JP Normal"/>
-              </a:rPr>
-              <a:t>2021</a:t>
-            </a:r>
-            <a:r>
-              <a:rPr lang="ja-JP" altLang="en-US" dirty="0">
-                <a:latin typeface="Cambria" panose="02040503050406030204" pitchFamily="18" charset="0"/>
-                <a:ea typeface="MS UI Gothic" panose="020B0600070205080204" pitchFamily="50" charset="-128"/>
-                <a:cs typeface="Source Han Sans JP Normal"/>
-              </a:rPr>
-              <a:t>年も一部制限</a:t>
+              <a:t>また、国境を跨ぐ移動・大規模な移動を減らすため、フランチャイズ球場で試合を行えないチームも存在</a:t>
             </a:r>
             <a:endParaRPr lang="en-US" altLang="ja-JP" dirty="0">
               <a:latin typeface="Cambria" panose="02040503050406030204" pitchFamily="18" charset="0"/>
@@ -11669,45 +11757,36 @@
           <a:p>
             <a:pPr marL="1028700" lvl="1" indent="-342900" eaLnBrk="1" hangingPunct="1"/>
             <a:r>
-              <a:rPr lang="ja-JP" altLang="en-US" dirty="0">
-                <a:latin typeface="Cambria" panose="02040503050406030204" pitchFamily="18" charset="0"/>
-                <a:ea typeface="MS UI Gothic" panose="020B0600070205080204" pitchFamily="50" charset="-128"/>
-              </a:rPr>
-              <a:t>それ以前のシーズンから予期することが難しい「外生的な」動員数の変動</a:t>
-            </a:r>
-            <a:endParaRPr lang="en-US" altLang="ja-JP" dirty="0">
-              <a:latin typeface="Cambria" panose="02040503050406030204" pitchFamily="18" charset="0"/>
-              <a:ea typeface="MS UI Gothic" panose="020B0600070205080204" pitchFamily="50" charset="-128"/>
-            </a:endParaRPr>
-          </a:p>
-          <a:p>
-            <a:pPr marL="1028700" lvl="1" indent="-342900" eaLnBrk="1" hangingPunct="1"/>
-            <a:r>
-              <a:rPr lang="ja-JP" altLang="en-US" dirty="0">
+              <a:rPr lang="en-US" altLang="ja-JP" sz="2000" dirty="0">
                 <a:latin typeface="Cambria" panose="02040503050406030204" pitchFamily="18" charset="0"/>
                 <a:ea typeface="MS UI Gothic" panose="020B0600070205080204" pitchFamily="50" charset="-128"/>
                 <a:cs typeface="Source Han Sans JP Normal"/>
               </a:rPr>
-              <a:t>観客動員がバイアスの程度に及ぼす因果関係を識別できそう</a:t>
-            </a:r>
-            <a:endParaRPr lang="en-US" altLang="ja-JP" dirty="0">
-              <a:latin typeface="Cambria" panose="02040503050406030204" pitchFamily="18" charset="0"/>
-              <a:ea typeface="MS UI Gothic" panose="020B0600070205080204" pitchFamily="50" charset="-128"/>
-              <a:cs typeface="Source Han Sans JP Normal"/>
-            </a:endParaRPr>
-          </a:p>
-          <a:p>
-            <a:pPr marL="342900" indent="-342900" eaLnBrk="1" hangingPunct="1">
-              <a:buFont typeface="Arial" panose="020B0604020202020204" pitchFamily="34" charset="0"/>
-              <a:buChar char="•"/>
-            </a:pPr>
-            <a:r>
-              <a:rPr lang="ja-JP" altLang="en-US" dirty="0">
+              <a:t>Blue Jays</a:t>
+            </a:r>
+            <a:r>
+              <a:rPr lang="ja-JP" altLang="en-US" sz="2000" dirty="0">
                 <a:latin typeface="Cambria" panose="02040503050406030204" pitchFamily="18" charset="0"/>
                 <a:ea typeface="MS UI Gothic" panose="020B0600070205080204" pitchFamily="50" charset="-128"/>
                 <a:cs typeface="Source Han Sans JP Normal"/>
               </a:rPr>
-              <a:t>また、国境を跨ぐ移動・大規模な移動を減らすため、フランチャイズ球場で試合を行えないチームも存在</a:t>
+              <a:t>の他数チームが他球団の本拠地を間借りしたり、</a:t>
+            </a:r>
+            <a:r>
+              <a:rPr lang="en-US" altLang="ja-JP" sz="2000" dirty="0">
+                <a:latin typeface="Cambria" panose="02040503050406030204" pitchFamily="18" charset="0"/>
+                <a:ea typeface="MS UI Gothic" panose="020B0600070205080204" pitchFamily="50" charset="-128"/>
+                <a:cs typeface="Source Han Sans JP Normal"/>
+              </a:rPr>
+              <a:t>MiLB</a:t>
+            </a:r>
+            <a:r>
+              <a:rPr lang="ja-JP" altLang="en-US" sz="2000" dirty="0">
+                <a:latin typeface="Cambria" panose="02040503050406030204" pitchFamily="18" charset="0"/>
+                <a:ea typeface="MS UI Gothic" panose="020B0600070205080204" pitchFamily="50" charset="-128"/>
+                <a:cs typeface="Source Han Sans JP Normal"/>
+              </a:rPr>
+              <a:t>本拠地を利用</a:t>
             </a:r>
           </a:p>
         </p:txBody>
@@ -12055,7 +12134,7 @@
           <a:p>
             <a:pPr marL="1028700" lvl="1" indent="-342900" eaLnBrk="1" hangingPunct="1"/>
             <a:r>
-              <a:rPr lang="ja-JP" altLang="en-US" dirty="0" smtClean="0">
+              <a:rPr lang="ja-JP" altLang="en-US" dirty="0">
                 <a:latin typeface="Cambria" panose="02040503050406030204" pitchFamily="18" charset="0"/>
                 <a:ea typeface="MS UI Gothic" panose="020B0600070205080204" pitchFamily="50" charset="-128"/>
                 <a:cs typeface="Source Han Sans JP Normal"/>
@@ -12063,7 +12142,7 @@
               <a:t>試合データ：</a:t>
             </a:r>
             <a:r>
-              <a:rPr lang="en-US" altLang="ja-JP" dirty="0" smtClean="0">
+              <a:rPr lang="en-US" altLang="ja-JP" dirty="0">
                 <a:latin typeface="Cambria" panose="02040503050406030204" pitchFamily="18" charset="0"/>
                 <a:ea typeface="MS UI Gothic" panose="020B0600070205080204" pitchFamily="50" charset="-128"/>
                 <a:cs typeface="Source Han Sans JP Normal"/>
@@ -12071,75 +12150,12 @@
               <a:t>MLBAM</a:t>
             </a:r>
             <a:r>
-              <a:rPr lang="ja-JP" altLang="en-US" dirty="0" smtClean="0">
+              <a:rPr lang="ja-JP" altLang="en-US" dirty="0">
                 <a:latin typeface="Cambria" panose="02040503050406030204" pitchFamily="18" charset="0"/>
                 <a:ea typeface="MS UI Gothic" panose="020B0600070205080204" pitchFamily="50" charset="-128"/>
                 <a:cs typeface="Source Han Sans JP Normal"/>
               </a:rPr>
               <a:t>が公開する試合球場、審判などのデータ</a:t>
-            </a:r>
-            <a:endParaRPr lang="en-US" altLang="ja-JP" dirty="0" smtClean="0">
-              <a:latin typeface="Cambria" panose="02040503050406030204" pitchFamily="18" charset="0"/>
-              <a:ea typeface="MS UI Gothic" panose="020B0600070205080204" pitchFamily="50" charset="-128"/>
-              <a:cs typeface="Source Han Sans JP Normal"/>
-            </a:endParaRPr>
-          </a:p>
-          <a:p>
-            <a:pPr marL="1028700" lvl="1" indent="-342900" eaLnBrk="1" hangingPunct="1"/>
-            <a:r>
-              <a:rPr lang="ja-JP" altLang="en-US" dirty="0" smtClean="0">
-                <a:latin typeface="Cambria" panose="02040503050406030204" pitchFamily="18" charset="0"/>
-                <a:ea typeface="MS UI Gothic" panose="020B0600070205080204" pitchFamily="50" charset="-128"/>
-                <a:cs typeface="Source Han Sans JP Normal"/>
-              </a:rPr>
-              <a:t>選手データ：</a:t>
-            </a:r>
-            <a:r>
-              <a:rPr lang="en-US" altLang="ja-JP" dirty="0" err="1" smtClean="0">
-                <a:latin typeface="Cambria" panose="02040503050406030204" pitchFamily="18" charset="0"/>
-                <a:ea typeface="MS UI Gothic" panose="020B0600070205080204" pitchFamily="50" charset="-128"/>
-                <a:cs typeface="Source Han Sans JP Normal"/>
-              </a:rPr>
-              <a:t>Lahman</a:t>
-            </a:r>
-            <a:r>
-              <a:rPr lang="ja-JP" altLang="en-US" dirty="0" smtClean="0">
-                <a:latin typeface="Cambria" panose="02040503050406030204" pitchFamily="18" charset="0"/>
-                <a:ea typeface="MS UI Gothic" panose="020B0600070205080204" pitchFamily="50" charset="-128"/>
-                <a:cs typeface="Source Han Sans JP Normal"/>
-              </a:rPr>
-              <a:t>データセット、</a:t>
-            </a:r>
-            <a:r>
-              <a:rPr lang="en-US" altLang="ja-JP" dirty="0" smtClean="0">
-                <a:latin typeface="Cambria" panose="02040503050406030204" pitchFamily="18" charset="0"/>
-                <a:ea typeface="MS UI Gothic" panose="020B0600070205080204" pitchFamily="50" charset="-128"/>
-                <a:cs typeface="Source Han Sans JP Normal"/>
-              </a:rPr>
-              <a:t>Chadwick Baseball Bureau, </a:t>
-            </a:r>
-            <a:r>
-              <a:rPr lang="en-US" altLang="ja-JP" dirty="0" err="1" smtClean="0">
-                <a:latin typeface="Cambria" panose="02040503050406030204" pitchFamily="18" charset="0"/>
-                <a:ea typeface="MS UI Gothic" panose="020B0600070205080204" pitchFamily="50" charset="-128"/>
-                <a:cs typeface="Source Han Sans JP Normal"/>
-              </a:rPr>
-              <a:t>Fangprahs</a:t>
-            </a:r>
-            <a:r>
-              <a:rPr lang="en-US" altLang="ja-JP" dirty="0" smtClean="0">
-                <a:latin typeface="Cambria" panose="02040503050406030204" pitchFamily="18" charset="0"/>
-                <a:ea typeface="MS UI Gothic" panose="020B0600070205080204" pitchFamily="50" charset="-128"/>
-                <a:cs typeface="Source Han Sans JP Normal"/>
-              </a:rPr>
-              <a:t>, Baseball Reference, etc</a:t>
-            </a:r>
-            <a:r>
-              <a:rPr lang="en-US" altLang="ja-JP" dirty="0">
-                <a:latin typeface="Cambria" panose="02040503050406030204" pitchFamily="18" charset="0"/>
-                <a:ea typeface="MS UI Gothic" panose="020B0600070205080204" pitchFamily="50" charset="-128"/>
-              </a:rPr>
-              <a:t>.</a:t>
             </a:r>
             <a:endParaRPr lang="en-US" altLang="ja-JP" dirty="0">
               <a:latin typeface="Cambria" panose="02040503050406030204" pitchFamily="18" charset="0"/>
@@ -12148,16 +12164,30 @@
             </a:endParaRPr>
           </a:p>
           <a:p>
-            <a:pPr lvl="1" indent="0" eaLnBrk="1" hangingPunct="1">
-              <a:buNone/>
-            </a:pPr>
+            <a:pPr marL="1028700" lvl="1" indent="-342900" eaLnBrk="1" hangingPunct="1"/>
             <a:r>
               <a:rPr lang="ja-JP" altLang="en-US" dirty="0">
                 <a:latin typeface="Cambria" panose="02040503050406030204" pitchFamily="18" charset="0"/>
                 <a:ea typeface="MS UI Gothic" panose="020B0600070205080204" pitchFamily="50" charset="-128"/>
                 <a:cs typeface="Source Han Sans JP Normal"/>
               </a:rPr>
-              <a:t>データの取得・成型には</a:t>
+              <a:t>選手データ：</a:t>
+            </a:r>
+            <a:r>
+              <a:rPr lang="en-US" altLang="ja-JP" dirty="0" err="1">
+                <a:latin typeface="Cambria" panose="02040503050406030204" pitchFamily="18" charset="0"/>
+                <a:ea typeface="MS UI Gothic" panose="020B0600070205080204" pitchFamily="50" charset="-128"/>
+                <a:cs typeface="Source Han Sans JP Normal"/>
+              </a:rPr>
+              <a:t>Lahman</a:t>
+            </a:r>
+            <a:r>
+              <a:rPr lang="ja-JP" altLang="en-US" dirty="0">
+                <a:latin typeface="Cambria" panose="02040503050406030204" pitchFamily="18" charset="0"/>
+                <a:ea typeface="MS UI Gothic" panose="020B0600070205080204" pitchFamily="50" charset="-128"/>
+                <a:cs typeface="Source Han Sans JP Normal"/>
+              </a:rPr>
+              <a:t>データセット、</a:t>
             </a:r>
             <a:r>
               <a:rPr lang="en-US" altLang="ja-JP" dirty="0">
@@ -12165,15 +12195,15 @@
                 <a:ea typeface="MS UI Gothic" panose="020B0600070205080204" pitchFamily="50" charset="-128"/>
                 <a:cs typeface="Source Han Sans JP Normal"/>
               </a:rPr>
-              <a:t>R</a:t>
-            </a:r>
-            <a:r>
-              <a:rPr lang="ja-JP" altLang="en-US" dirty="0">
+              <a:t>Chadwick Baseball Bureau, </a:t>
+            </a:r>
+            <a:r>
+              <a:rPr lang="en-US" altLang="ja-JP" dirty="0" err="1">
                 <a:latin typeface="Cambria" panose="02040503050406030204" pitchFamily="18" charset="0"/>
                 <a:ea typeface="MS UI Gothic" panose="020B0600070205080204" pitchFamily="50" charset="-128"/>
                 <a:cs typeface="Source Han Sans JP Normal"/>
               </a:rPr>
-              <a:t>を利用 </a:t>
+              <a:t>Fangprahs</a:t>
             </a:r>
             <a:r>
               <a:rPr lang="en-US" altLang="ja-JP" dirty="0">
@@ -12181,31 +12211,14 @@
                 <a:ea typeface="MS UI Gothic" panose="020B0600070205080204" pitchFamily="50" charset="-128"/>
                 <a:cs typeface="Source Han Sans JP Normal"/>
               </a:rPr>
-              <a:t>(</a:t>
-            </a:r>
-            <a:r>
-              <a:rPr lang="en-US" altLang="ja-JP" dirty="0" err="1">
-                <a:latin typeface="Cambria" panose="02040503050406030204" pitchFamily="18" charset="0"/>
-                <a:ea typeface="MS UI Gothic" panose="020B0600070205080204" pitchFamily="50" charset="-128"/>
-                <a:cs typeface="Source Han Sans JP Normal"/>
-              </a:rPr>
-              <a:t>baseballr</a:t>
-            </a:r>
-            <a:r>
-              <a:rPr lang="ja-JP" altLang="en-US" dirty="0">
-                <a:latin typeface="Cambria" panose="02040503050406030204" pitchFamily="18" charset="0"/>
-                <a:ea typeface="MS UI Gothic" panose="020B0600070205080204" pitchFamily="50" charset="-128"/>
-                <a:cs typeface="Source Han Sans JP Normal"/>
-              </a:rPr>
-              <a:t>パッケージがとても便利</a:t>
-            </a:r>
-            <a:r>
-              <a:rPr lang="en-US" altLang="ja-JP" dirty="0" smtClean="0">
-                <a:latin typeface="Cambria" panose="02040503050406030204" pitchFamily="18" charset="0"/>
-                <a:ea typeface="MS UI Gothic" panose="020B0600070205080204" pitchFamily="50" charset="-128"/>
-                <a:cs typeface="Source Han Sans JP Normal"/>
-              </a:rPr>
-              <a:t>)</a:t>
+              <a:t>, Baseball Reference, etc</a:t>
+            </a:r>
+            <a:r>
+              <a:rPr lang="en-US" altLang="ja-JP" dirty="0">
+                <a:latin typeface="Cambria" panose="02040503050406030204" pitchFamily="18" charset="0"/>
+                <a:ea typeface="MS UI Gothic" panose="020B0600070205080204" pitchFamily="50" charset="-128"/>
+              </a:rPr>
+              <a:t>.</a:t>
             </a:r>
             <a:endParaRPr lang="en-US" altLang="ja-JP" dirty="0">
               <a:latin typeface="Cambria" panose="02040503050406030204" pitchFamily="18" charset="0"/>
@@ -12214,6 +12227,67 @@
             </a:endParaRPr>
           </a:p>
           <a:p>
+            <a:pPr lvl="1" indent="0" eaLnBrk="1" hangingPunct="1">
+              <a:buNone/>
+            </a:pPr>
+            <a:r>
+              <a:rPr lang="ja-JP" altLang="en-US" dirty="0">
+                <a:latin typeface="Cambria" panose="02040503050406030204" pitchFamily="18" charset="0"/>
+                <a:ea typeface="MS UI Gothic" panose="020B0600070205080204" pitchFamily="50" charset="-128"/>
+                <a:cs typeface="Source Han Sans JP Normal"/>
+              </a:rPr>
+              <a:t>データの取得・成型には</a:t>
+            </a:r>
+            <a:r>
+              <a:rPr lang="en-US" altLang="ja-JP" dirty="0">
+                <a:latin typeface="Cambria" panose="02040503050406030204" pitchFamily="18" charset="0"/>
+                <a:ea typeface="MS UI Gothic" panose="020B0600070205080204" pitchFamily="50" charset="-128"/>
+                <a:cs typeface="Source Han Sans JP Normal"/>
+              </a:rPr>
+              <a:t>R</a:t>
+            </a:r>
+            <a:r>
+              <a:rPr lang="ja-JP" altLang="en-US" dirty="0">
+                <a:latin typeface="Cambria" panose="02040503050406030204" pitchFamily="18" charset="0"/>
+                <a:ea typeface="MS UI Gothic" panose="020B0600070205080204" pitchFamily="50" charset="-128"/>
+                <a:cs typeface="Source Han Sans JP Normal"/>
+              </a:rPr>
+              <a:t>を利用 </a:t>
+            </a:r>
+            <a:r>
+              <a:rPr lang="en-US" altLang="ja-JP" dirty="0">
+                <a:latin typeface="Cambria" panose="02040503050406030204" pitchFamily="18" charset="0"/>
+                <a:ea typeface="MS UI Gothic" panose="020B0600070205080204" pitchFamily="50" charset="-128"/>
+                <a:cs typeface="Source Han Sans JP Normal"/>
+              </a:rPr>
+              <a:t>(</a:t>
+            </a:r>
+            <a:r>
+              <a:rPr lang="en-US" altLang="ja-JP" dirty="0" err="1">
+                <a:latin typeface="Cambria" panose="02040503050406030204" pitchFamily="18" charset="0"/>
+                <a:ea typeface="MS UI Gothic" panose="020B0600070205080204" pitchFamily="50" charset="-128"/>
+                <a:cs typeface="Source Han Sans JP Normal"/>
+              </a:rPr>
+              <a:t>baseballr</a:t>
+            </a:r>
+            <a:r>
+              <a:rPr lang="ja-JP" altLang="en-US" dirty="0">
+                <a:latin typeface="Cambria" panose="02040503050406030204" pitchFamily="18" charset="0"/>
+                <a:ea typeface="MS UI Gothic" panose="020B0600070205080204" pitchFamily="50" charset="-128"/>
+                <a:cs typeface="Source Han Sans JP Normal"/>
+              </a:rPr>
+              <a:t>パッケージがとても便利</a:t>
+            </a:r>
+            <a:r>
+              <a:rPr lang="en-US" altLang="ja-JP" dirty="0">
+                <a:latin typeface="Cambria" panose="02040503050406030204" pitchFamily="18" charset="0"/>
+                <a:ea typeface="MS UI Gothic" panose="020B0600070205080204" pitchFamily="50" charset="-128"/>
+                <a:cs typeface="Source Han Sans JP Normal"/>
+              </a:rPr>
+              <a:t>)</a:t>
+            </a:r>
+          </a:p>
+          <a:p>
             <a:pPr marL="342900" indent="-342900" eaLnBrk="1" hangingPunct="1">
               <a:buFont typeface="Arial" panose="020B0604020202020204" pitchFamily="34" charset="0"/>
               <a:buChar char="•"/>
@@ -12239,58 +12313,51 @@
                 <a:latin typeface="Cambria" panose="02040503050406030204" pitchFamily="18" charset="0"/>
                 <a:ea typeface="MS UI Gothic" panose="020B0600070205080204" pitchFamily="50" charset="-128"/>
               </a:rPr>
-              <a:t>打者</a:t>
-            </a:r>
-            <a:r>
-              <a:rPr lang="ja-JP" altLang="en-US" dirty="0" smtClean="0">
-                <a:latin typeface="Cambria" panose="02040503050406030204" pitchFamily="18" charset="0"/>
-                <a:ea typeface="MS UI Gothic" panose="020B0600070205080204" pitchFamily="50" charset="-128"/>
-              </a:rPr>
-              <a:t>がスイングしなかった投球について、ストライクを</a:t>
-            </a:r>
-            <a:r>
-              <a:rPr lang="en-US" altLang="ja-JP" dirty="0" smtClean="0">
+              <a:t>打者がスイングしなかった投球について、ストライクを</a:t>
+            </a:r>
+            <a:r>
+              <a:rPr lang="en-US" altLang="ja-JP" dirty="0">
                 <a:latin typeface="Cambria" panose="02040503050406030204" pitchFamily="18" charset="0"/>
                 <a:ea typeface="MS UI Gothic" panose="020B0600070205080204" pitchFamily="50" charset="-128"/>
               </a:rPr>
               <a:t>1,</a:t>
             </a:r>
             <a:r>
-              <a:rPr lang="ja-JP" altLang="en-US" dirty="0" smtClean="0">
+              <a:rPr lang="ja-JP" altLang="en-US" dirty="0">
                 <a:latin typeface="Cambria" panose="02040503050406030204" pitchFamily="18" charset="0"/>
                 <a:ea typeface="MS UI Gothic" panose="020B0600070205080204" pitchFamily="50" charset="-128"/>
               </a:rPr>
               <a:t>ボールを</a:t>
             </a:r>
             <a:r>
-              <a:rPr lang="en-US" altLang="ja-JP" dirty="0" smtClean="0">
+              <a:rPr lang="en-US" altLang="ja-JP" dirty="0">
                 <a:latin typeface="Cambria" panose="02040503050406030204" pitchFamily="18" charset="0"/>
                 <a:ea typeface="MS UI Gothic" panose="020B0600070205080204" pitchFamily="50" charset="-128"/>
               </a:rPr>
               <a:t>0</a:t>
             </a:r>
             <a:r>
-              <a:rPr lang="ja-JP" altLang="en-US" dirty="0" smtClean="0">
+              <a:rPr lang="ja-JP" altLang="en-US" dirty="0">
                 <a:latin typeface="Cambria" panose="02040503050406030204" pitchFamily="18" charset="0"/>
                 <a:ea typeface="MS UI Gothic" panose="020B0600070205080204" pitchFamily="50" charset="-128"/>
               </a:rPr>
               <a:t>とするダミー変数を作成、線形確率モデルでホーム</a:t>
             </a:r>
             <a:r>
-              <a:rPr lang="en-US" altLang="ja-JP" dirty="0" smtClean="0">
+              <a:rPr lang="en-US" altLang="ja-JP" dirty="0">
                 <a:latin typeface="Cambria" panose="02040503050406030204" pitchFamily="18" charset="0"/>
                 <a:ea typeface="MS UI Gothic" panose="020B0600070205080204" pitchFamily="50" charset="-128"/>
               </a:rPr>
               <a:t>/</a:t>
             </a:r>
             <a:r>
-              <a:rPr lang="ja-JP" altLang="en-US" dirty="0" smtClean="0">
+              <a:rPr lang="ja-JP" altLang="en-US" dirty="0">
                 <a:latin typeface="Cambria" panose="02040503050406030204" pitchFamily="18" charset="0"/>
                 <a:ea typeface="MS UI Gothic" panose="020B0600070205080204" pitchFamily="50" charset="-128"/>
               </a:rPr>
               <a:t>ビジターチームが攻撃時のストライク確率の変動を推定する</a:t>
             </a:r>
-            <a:endParaRPr lang="en-US" altLang="ja-JP" dirty="0" smtClean="0">
+            <a:endParaRPr lang="en-US" altLang="ja-JP" dirty="0">
               <a:latin typeface="Cambria" panose="02040503050406030204" pitchFamily="18" charset="0"/>
               <a:ea typeface="MS UI Gothic" panose="020B0600070205080204" pitchFamily="50" charset="-128"/>
             </a:endParaRPr>
@@ -12298,18 +12365,13 @@
           <a:p>
             <a:pPr marL="1028700" lvl="1" indent="-342900" eaLnBrk="1" hangingPunct="1"/>
             <a:r>
-              <a:rPr lang="ja-JP" altLang="en-US" dirty="0" smtClean="0">
+              <a:rPr lang="ja-JP" altLang="en-US" dirty="0">
                 <a:latin typeface="Cambria" panose="02040503050406030204" pitchFamily="18" charset="0"/>
                 <a:ea typeface="MS UI Gothic" panose="020B0600070205080204" pitchFamily="50" charset="-128"/>
                 <a:cs typeface="Source Han Sans JP Normal"/>
               </a:rPr>
               <a:t>同じ位置を通過した投球に対する平均的なストライク確率、打者の体格、投球カウント、投手、打者、捕手、審判の特性などをコントロール変数として制御</a:t>
             </a:r>
-            <a:endParaRPr lang="ja-JP" altLang="en-US" dirty="0">
-              <a:latin typeface="Cambria" panose="02040503050406030204" pitchFamily="18" charset="0"/>
-              <a:ea typeface="MS UI Gothic" panose="020B0600070205080204" pitchFamily="50" charset="-128"/>
-              <a:cs typeface="Source Han Sans JP Normal"/>
-            </a:endParaRPr>
           </a:p>
         </p:txBody>
       </p:sp>
@@ -12531,7 +12593,7 @@
           <a:p>
             <a:pPr eaLnBrk="1" hangingPunct="1"/>
             <a:r>
-              <a:rPr lang="en-US" altLang="ja-JP" sz="2800" b="1" dirty="0" smtClean="0">
+              <a:rPr lang="en-US" altLang="ja-JP" sz="2800" b="1" dirty="0">
                 <a:latin typeface="Cambria" panose="02040503050406030204" pitchFamily="18" charset="0"/>
                 <a:ea typeface="MS UI Gothic" panose="020B0600070205080204" pitchFamily="50" charset="-128"/>
                 <a:cs typeface="Source Han Sans JP Normal"/>
@@ -12539,14 +12601,14 @@
               <a:t>Covid-19</a:t>
             </a:r>
             <a:r>
-              <a:rPr lang="ja-JP" altLang="en-US" sz="2800" b="1" dirty="0" smtClean="0">
+              <a:rPr lang="ja-JP" altLang="en-US" sz="2800" b="1" dirty="0">
                 <a:latin typeface="Cambria" panose="02040503050406030204" pitchFamily="18" charset="0"/>
                 <a:ea typeface="MS UI Gothic" panose="020B0600070205080204" pitchFamily="50" charset="-128"/>
                 <a:cs typeface="Source Han Sans JP Normal"/>
               </a:rPr>
               <a:t>の感染防止対策以前</a:t>
             </a:r>
-            <a:endParaRPr lang="en-US" altLang="ja-JP" sz="2800" b="1" dirty="0" smtClean="0">
+            <a:endParaRPr lang="en-US" altLang="ja-JP" sz="2800" b="1" dirty="0">
               <a:latin typeface="Cambria" panose="02040503050406030204" pitchFamily="18" charset="0"/>
               <a:ea typeface="MS UI Gothic" panose="020B0600070205080204" pitchFamily="50" charset="-128"/>
               <a:cs typeface="Source Han Sans JP Normal"/>
@@ -12564,8 +12626,57 @@
             </a:endParaRPr>
           </a:p>
           <a:p>
-            <a:pPr marL="457200" indent="-457200" eaLnBrk="1" hangingPunct="1"/>
-            <a:endParaRPr lang="en-US" altLang="ja-JP" sz="2800" dirty="0" smtClean="0">
+            <a:pPr marL="457200" indent="-457200" eaLnBrk="1" hangingPunct="1">
+              <a:buFont typeface="Arial" panose="020B0604020202020204" pitchFamily="34" charset="0"/>
+              <a:buChar char="•"/>
+            </a:pPr>
+            <a:r>
+              <a:rPr lang="ja-JP" altLang="en-US" dirty="0">
+                <a:latin typeface="Cambria" panose="02040503050406030204" pitchFamily="18" charset="0"/>
+                <a:ea typeface="MS UI Gothic" panose="020B0600070205080204" pitchFamily="50" charset="-128"/>
+                <a:cs typeface="Source Han Sans JP Normal"/>
+              </a:rPr>
+              <a:t>ホームチームの攻撃時には、同じ場所を通過した投球に対するストライクコールの確率が</a:t>
+            </a:r>
+            <a:r>
+              <a:rPr lang="en-US" altLang="ja-JP" dirty="0">
+                <a:latin typeface="Cambria" panose="02040503050406030204" pitchFamily="18" charset="0"/>
+                <a:ea typeface="MS UI Gothic" panose="020B0600070205080204" pitchFamily="50" charset="-128"/>
+                <a:cs typeface="Source Han Sans JP Normal"/>
+              </a:rPr>
+              <a:t>ppt</a:t>
+            </a:r>
+            <a:r>
+              <a:rPr lang="ja-JP" altLang="en-US" dirty="0">
+                <a:latin typeface="Cambria" panose="02040503050406030204" pitchFamily="18" charset="0"/>
+                <a:ea typeface="MS UI Gothic" panose="020B0600070205080204" pitchFamily="50" charset="-128"/>
+                <a:cs typeface="Source Han Sans JP Normal"/>
+              </a:rPr>
+              <a:t>上昇</a:t>
+            </a:r>
+            <a:endParaRPr lang="en-US" altLang="ja-JP" dirty="0">
+              <a:latin typeface="Cambria" panose="02040503050406030204" pitchFamily="18" charset="0"/>
+              <a:ea typeface="MS UI Gothic" panose="020B0600070205080204" pitchFamily="50" charset="-128"/>
+              <a:cs typeface="Source Han Sans JP Normal"/>
+            </a:endParaRPr>
+          </a:p>
+          <a:p>
+            <a:pPr marL="457200" indent="-457200" eaLnBrk="1" hangingPunct="1">
+              <a:buFont typeface="Arial" panose="020B0604020202020204" pitchFamily="34" charset="0"/>
+              <a:buChar char="•"/>
+            </a:pPr>
+            <a:endParaRPr lang="en-US" altLang="ja-JP" dirty="0">
+              <a:latin typeface="Cambria" panose="02040503050406030204" pitchFamily="18" charset="0"/>
+              <a:ea typeface="MS UI Gothic" panose="020B0600070205080204" pitchFamily="50" charset="-128"/>
+              <a:cs typeface="Source Han Sans JP Normal"/>
+            </a:endParaRPr>
+          </a:p>
+          <a:p>
+            <a:pPr marL="457200" indent="-457200" eaLnBrk="1" hangingPunct="1">
+              <a:buFont typeface="Arial" panose="020B0604020202020204" pitchFamily="34" charset="0"/>
+              <a:buChar char="•"/>
+            </a:pPr>
+            <a:endParaRPr lang="en-US" altLang="ja-JP" dirty="0">
               <a:latin typeface="Cambria" panose="02040503050406030204" pitchFamily="18" charset="0"/>
               <a:ea typeface="MS UI Gothic" panose="020B0600070205080204" pitchFamily="50" charset="-128"/>
               <a:cs typeface="Source Han Sans JP Normal"/>
@@ -12884,7 +12995,7 @@
           <a:p>
             <a:pPr eaLnBrk="1" hangingPunct="1"/>
             <a:r>
-              <a:rPr lang="en-US" altLang="ja-JP" sz="2800" b="1" dirty="0" smtClean="0">
+              <a:rPr lang="en-US" altLang="ja-JP" sz="2800" b="1" dirty="0">
                 <a:latin typeface="Cambria" panose="02040503050406030204" pitchFamily="18" charset="0"/>
                 <a:ea typeface="MS UI Gothic" panose="020B0600070205080204" pitchFamily="50" charset="-128"/>
                 <a:cs typeface="Source Han Sans JP Normal"/>

--- a/slides/spoana13.pptx
+++ b/slides/spoana13.pptx
@@ -6,7 +6,7 @@
     <p:sldMasterId id="2147483660" r:id="rId2"/>
   </p:sldMasterIdLst>
   <p:notesMasterIdLst>
-    <p:notesMasterId r:id="rId16"/>
+    <p:notesMasterId r:id="rId15"/>
   </p:notesMasterIdLst>
   <p:sldIdLst>
     <p:sldId id="256" r:id="rId3"/>
@@ -20,8 +20,7 @@
     <p:sldId id="263" r:id="rId11"/>
     <p:sldId id="264" r:id="rId12"/>
     <p:sldId id="265" r:id="rId13"/>
-    <p:sldId id="266" r:id="rId14"/>
-    <p:sldId id="268" r:id="rId15"/>
+    <p:sldId id="268" r:id="rId14"/>
   </p:sldIdLst>
   <p:sldSz cx="12192000" cy="6858000"/>
   <p:notesSz cx="6858000" cy="9144000"/>
@@ -210,7 +209,7 @@
           <a:p>
             <a:fld id="{DE37EDCA-4771-4610-925E-8EEDA908E30D}" type="datetimeFigureOut">
               <a:rPr kumimoji="1" lang="ja-JP" altLang="en-US" smtClean="0"/>
-              <a:t>2022/11/22</a:t>
+              <a:t>2022/11/23</a:t>
             </a:fld>
             <a:endParaRPr kumimoji="1" lang="ja-JP" altLang="en-US"/>
           </a:p>
@@ -1450,212 +1449,6 @@
     </p:spTree>
     <p:extLst>
       <p:ext uri="{BB962C8B-B14F-4D97-AF65-F5344CB8AC3E}">
-        <p14:creationId xmlns:p14="http://schemas.microsoft.com/office/powerpoint/2010/main" val="3282416065"/>
-      </p:ext>
-    </p:extLst>
-  </p:cSld>
-  <p:clrMapOvr>
-    <a:masterClrMapping/>
-  </p:clrMapOvr>
-</p:notes>
-</file>
-
-<file path=ppt/notesSlides/notesSlide13.xml><?xml version="1.0" encoding="utf-8"?>
-<p:notes xmlns:a="http://schemas.openxmlformats.org/drawingml/2006/main" xmlns:r="http://schemas.openxmlformats.org/officeDocument/2006/relationships" xmlns:p="http://schemas.openxmlformats.org/presentationml/2006/main">
-  <p:cSld>
-    <p:spTree>
-      <p:nvGrpSpPr>
-        <p:cNvPr id="1" name=""/>
-        <p:cNvGrpSpPr/>
-        <p:nvPr/>
-      </p:nvGrpSpPr>
-      <p:grpSpPr>
-        <a:xfrm>
-          <a:off x="0" y="0"/>
-          <a:ext cx="0" cy="0"/>
-          <a:chOff x="0" y="0"/>
-          <a:chExt cx="0" cy="0"/>
-        </a:xfrm>
-      </p:grpSpPr>
-      <p:sp>
-        <p:nvSpPr>
-          <p:cNvPr id="10241" name="スライド イメージ プレースホルダー 1">
-            <a:extLst>
-              <a:ext uri="{FF2B5EF4-FFF2-40B4-BE49-F238E27FC236}">
-                <a16:creationId xmlns:a16="http://schemas.microsoft.com/office/drawing/2014/main" id="{D8DDCF8E-3862-473A-A9A4-4502F13DBE0E}"/>
-              </a:ext>
-            </a:extLst>
-          </p:cNvPr>
-          <p:cNvSpPr>
-            <a:spLocks noGrp="1" noRot="1" noChangeAspect="1" noTextEdit="1"/>
-          </p:cNvSpPr>
-          <p:nvPr>
-            <p:ph type="sldImg"/>
-          </p:nvPr>
-        </p:nvSpPr>
-        <p:spPr bwMode="auto">
-          <a:noFill/>
-          <a:ln>
-            <a:solidFill>
-              <a:srgbClr val="000000"/>
-            </a:solidFill>
-            <a:miter lim="800000"/>
-            <a:headEnd/>
-            <a:tailEnd/>
-          </a:ln>
-          <a:extLst>
-            <a:ext uri="{909E8E84-426E-40DD-AFC4-6F175D3DCCD1}">
-              <a14:hiddenFill xmlns:a14="http://schemas.microsoft.com/office/drawing/2010/main">
-                <a:solidFill>
-                  <a:srgbClr val="FFFFFF"/>
-                </a:solidFill>
-              </a14:hiddenFill>
-            </a:ext>
-          </a:extLst>
-        </p:spPr>
-      </p:sp>
-      <p:sp>
-        <p:nvSpPr>
-          <p:cNvPr id="10242" name="ノート プレースホルダー 2">
-            <a:extLst>
-              <a:ext uri="{FF2B5EF4-FFF2-40B4-BE49-F238E27FC236}">
-                <a16:creationId xmlns:a16="http://schemas.microsoft.com/office/drawing/2014/main" id="{70C271B6-A196-40AC-90C7-B2EF9608662E}"/>
-              </a:ext>
-            </a:extLst>
-          </p:cNvPr>
-          <p:cNvSpPr>
-            <a:spLocks noGrp="1"/>
-          </p:cNvSpPr>
-          <p:nvPr>
-            <p:ph type="body" idx="1"/>
-          </p:nvPr>
-        </p:nvSpPr>
-        <p:spPr bwMode="auto">
-          <a:noFill/>
-          <a:extLst>
-            <a:ext uri="{909E8E84-426E-40DD-AFC4-6F175D3DCCD1}">
-              <a14:hiddenFill xmlns:a14="http://schemas.microsoft.com/office/drawing/2010/main">
-                <a:solidFill>
-                  <a:srgbClr val="FFFFFF"/>
-                </a:solidFill>
-              </a14:hiddenFill>
-            </a:ext>
-            <a:ext uri="{91240B29-F687-4F45-9708-019B960494DF}">
-              <a14:hiddenLine xmlns:a14="http://schemas.microsoft.com/office/drawing/2010/main" w="9525">
-                <a:solidFill>
-                  <a:srgbClr val="000000"/>
-                </a:solidFill>
-                <a:miter lim="800000"/>
-                <a:headEnd/>
-                <a:tailEnd/>
-              </a14:hiddenLine>
-            </a:ext>
-          </a:extLst>
-        </p:spPr>
-        <p:txBody>
-          <a:bodyPr wrap="square" numCol="1" anchor="t" anchorCtr="0" compatLnSpc="1">
-            <a:prstTxWarp prst="textNoShape">
-              <a:avLst/>
-            </a:prstTxWarp>
-          </a:bodyPr>
-          <a:lstStyle/>
-          <a:p>
-            <a:endParaRPr lang="ja-JP" altLang="en-US"/>
-          </a:p>
-        </p:txBody>
-      </p:sp>
-      <p:sp>
-        <p:nvSpPr>
-          <p:cNvPr id="4" name="スライド番号プレースホルダー 3">
-            <a:extLst>
-              <a:ext uri="{FF2B5EF4-FFF2-40B4-BE49-F238E27FC236}">
-                <a16:creationId xmlns:a16="http://schemas.microsoft.com/office/drawing/2014/main" id="{648A7A12-3358-4DBB-80DF-263BE6D9DE83}"/>
-              </a:ext>
-            </a:extLst>
-          </p:cNvPr>
-          <p:cNvSpPr>
-            <a:spLocks noGrp="1"/>
-          </p:cNvSpPr>
-          <p:nvPr>
-            <p:ph type="sldNum" sz="quarter" idx="5"/>
-          </p:nvPr>
-        </p:nvSpPr>
-        <p:spPr/>
-        <p:txBody>
-          <a:bodyPr/>
-          <a:lstStyle/>
-          <a:p>
-            <a:pPr marL="0" marR="0" lvl="0" indent="0" algn="r" defTabSz="712788" rtl="0" eaLnBrk="1" fontAlgn="base" latinLnBrk="0" hangingPunct="1">
-              <a:lnSpc>
-                <a:spcPct val="100000"/>
-              </a:lnSpc>
-              <a:spcBef>
-                <a:spcPct val="0"/>
-              </a:spcBef>
-              <a:spcAft>
-                <a:spcPct val="0"/>
-              </a:spcAft>
-              <a:buClrTx/>
-              <a:buSzTx/>
-              <a:buFontTx/>
-              <a:buNone/>
-              <a:tabLst/>
-              <a:defRPr/>
-            </a:pPr>
-            <a:fld id="{B2F971C1-2747-43AD-B949-FDD711AB328D}" type="slidenum">
-              <a:rPr kumimoji="1" lang="ja-JP" altLang="en-US" sz="1200" b="0" i="0" u="none" strike="noStrike" kern="1200" cap="none" spc="0" normalizeH="0" baseline="0" noProof="0">
-                <a:ln>
-                  <a:noFill/>
-                </a:ln>
-                <a:solidFill>
-                  <a:prstClr val="black"/>
-                </a:solidFill>
-                <a:effectLst/>
-                <a:uLnTx/>
-                <a:uFillTx/>
-                <a:latin typeface="Yu Gothic" panose="020B0400000000000000" pitchFamily="50" charset="-128"/>
-                <a:ea typeface="Yu Gothic" panose="020B0400000000000000" pitchFamily="50" charset="-128"/>
-                <a:cs typeface="+mn-cs"/>
-              </a:rPr>
-              <a:pPr marL="0" marR="0" lvl="0" indent="0" algn="r" defTabSz="712788" rtl="0" eaLnBrk="1" fontAlgn="base" latinLnBrk="0" hangingPunct="1">
-                <a:lnSpc>
-                  <a:spcPct val="100000"/>
-                </a:lnSpc>
-                <a:spcBef>
-                  <a:spcPct val="0"/>
-                </a:spcBef>
-                <a:spcAft>
-                  <a:spcPct val="0"/>
-                </a:spcAft>
-                <a:buClrTx/>
-                <a:buSzTx/>
-                <a:buFontTx/>
-                <a:buNone/>
-                <a:tabLst/>
-                <a:defRPr/>
-              </a:pPr>
-              <a:t>13</a:t>
-            </a:fld>
-            <a:endParaRPr kumimoji="1" lang="ja-JP" altLang="en-US" sz="1200" b="0" i="0" u="none" strike="noStrike" kern="1200" cap="none" spc="0" normalizeH="0" baseline="0" noProof="0">
-              <a:ln>
-                <a:noFill/>
-              </a:ln>
-              <a:solidFill>
-                <a:prstClr val="black"/>
-              </a:solidFill>
-              <a:effectLst/>
-              <a:uLnTx/>
-              <a:uFillTx/>
-              <a:latin typeface="Yu Gothic" panose="020B0400000000000000" pitchFamily="50" charset="-128"/>
-              <a:ea typeface="Yu Gothic" panose="020B0400000000000000" pitchFamily="50" charset="-128"/>
-              <a:cs typeface="+mn-cs"/>
-            </a:endParaRPr>
-          </a:p>
-        </p:txBody>
-      </p:sp>
-    </p:spTree>
-    <p:extLst>
-      <p:ext uri="{BB962C8B-B14F-4D97-AF65-F5344CB8AC3E}">
         <p14:creationId xmlns:p14="http://schemas.microsoft.com/office/powerpoint/2010/main" val="983791378"/>
       </p:ext>
     </p:extLst>
@@ -3456,7 +3249,7 @@
           <a:p>
             <a:fld id="{3D56D7E1-3519-40E1-A263-6500AF722914}" type="datetimeFigureOut">
               <a:rPr kumimoji="1" lang="ja-JP" altLang="en-US" smtClean="0"/>
-              <a:t>2022/11/22</a:t>
+              <a:t>2022/11/23</a:t>
             </a:fld>
             <a:endParaRPr kumimoji="1" lang="ja-JP" altLang="en-US"/>
           </a:p>
@@ -3686,7 +3479,7 @@
           <a:p>
             <a:fld id="{3D56D7E1-3519-40E1-A263-6500AF722914}" type="datetimeFigureOut">
               <a:rPr kumimoji="1" lang="ja-JP" altLang="en-US" smtClean="0"/>
-              <a:t>2022/11/22</a:t>
+              <a:t>2022/11/23</a:t>
             </a:fld>
             <a:endParaRPr kumimoji="1" lang="ja-JP" altLang="en-US"/>
           </a:p>
@@ -3926,7 +3719,7 @@
           <a:p>
             <a:fld id="{3D56D7E1-3519-40E1-A263-6500AF722914}" type="datetimeFigureOut">
               <a:rPr kumimoji="1" lang="ja-JP" altLang="en-US" smtClean="0"/>
-              <a:t>2022/11/22</a:t>
+              <a:t>2022/11/23</a:t>
             </a:fld>
             <a:endParaRPr kumimoji="1" lang="ja-JP" altLang="en-US"/>
           </a:p>
@@ -4168,7 +3961,7 @@
               <a:pPr>
                 <a:defRPr/>
               </a:pPr>
-              <a:t>2022/11/22</a:t>
+              <a:t>2022/11/23</a:t>
             </a:fld>
             <a:endParaRPr lang="ja-JP" altLang="en-US"/>
           </a:p>
@@ -4472,7 +4265,7 @@
               <a:pPr>
                 <a:defRPr/>
               </a:pPr>
-              <a:t>2022/11/22</a:t>
+              <a:t>2022/11/23</a:t>
             </a:fld>
             <a:endParaRPr lang="ja-JP" altLang="en-US"/>
           </a:p>
@@ -4744,7 +4537,7 @@
           <a:p>
             <a:fld id="{3D56D7E1-3519-40E1-A263-6500AF722914}" type="datetimeFigureOut">
               <a:rPr kumimoji="1" lang="ja-JP" altLang="en-US" smtClean="0"/>
-              <a:t>2022/11/22</a:t>
+              <a:t>2022/11/23</a:t>
             </a:fld>
             <a:endParaRPr kumimoji="1" lang="ja-JP" altLang="en-US"/>
           </a:p>
@@ -5019,7 +4812,7 @@
           <a:p>
             <a:fld id="{3D56D7E1-3519-40E1-A263-6500AF722914}" type="datetimeFigureOut">
               <a:rPr kumimoji="1" lang="ja-JP" altLang="en-US" smtClean="0"/>
-              <a:t>2022/11/22</a:t>
+              <a:t>2022/11/23</a:t>
             </a:fld>
             <a:endParaRPr kumimoji="1" lang="ja-JP" altLang="en-US"/>
           </a:p>
@@ -5348,7 +5141,7 @@
           <a:p>
             <a:fld id="{3D56D7E1-3519-40E1-A263-6500AF722914}" type="datetimeFigureOut">
               <a:rPr kumimoji="1" lang="ja-JP" altLang="en-US" smtClean="0"/>
-              <a:t>2022/11/22</a:t>
+              <a:t>2022/11/23</a:t>
             </a:fld>
             <a:endParaRPr kumimoji="1" lang="ja-JP" altLang="en-US"/>
           </a:p>
@@ -5824,7 +5617,7 @@
           <a:p>
             <a:fld id="{3D56D7E1-3519-40E1-A263-6500AF722914}" type="datetimeFigureOut">
               <a:rPr kumimoji="1" lang="ja-JP" altLang="en-US" smtClean="0"/>
-              <a:t>2022/11/22</a:t>
+              <a:t>2022/11/23</a:t>
             </a:fld>
             <a:endParaRPr kumimoji="1" lang="ja-JP" altLang="en-US"/>
           </a:p>
@@ -5965,7 +5758,7 @@
           <a:p>
             <a:fld id="{3D56D7E1-3519-40E1-A263-6500AF722914}" type="datetimeFigureOut">
               <a:rPr kumimoji="1" lang="ja-JP" altLang="en-US" smtClean="0"/>
-              <a:t>2022/11/22</a:t>
+              <a:t>2022/11/23</a:t>
             </a:fld>
             <a:endParaRPr kumimoji="1" lang="ja-JP" altLang="en-US"/>
           </a:p>
@@ -6078,7 +5871,7 @@
           <a:p>
             <a:fld id="{3D56D7E1-3519-40E1-A263-6500AF722914}" type="datetimeFigureOut">
               <a:rPr kumimoji="1" lang="ja-JP" altLang="en-US" smtClean="0"/>
-              <a:t>2022/11/22</a:t>
+              <a:t>2022/11/23</a:t>
             </a:fld>
             <a:endParaRPr kumimoji="1" lang="ja-JP" altLang="en-US"/>
           </a:p>
@@ -6421,7 +6214,7 @@
           <a:p>
             <a:fld id="{3D56D7E1-3519-40E1-A263-6500AF722914}" type="datetimeFigureOut">
               <a:rPr kumimoji="1" lang="ja-JP" altLang="en-US" smtClean="0"/>
-              <a:t>2022/11/22</a:t>
+              <a:t>2022/11/23</a:t>
             </a:fld>
             <a:endParaRPr kumimoji="1" lang="ja-JP" altLang="en-US"/>
           </a:p>
@@ -6709,7 +6502,7 @@
           <a:p>
             <a:fld id="{3D56D7E1-3519-40E1-A263-6500AF722914}" type="datetimeFigureOut">
               <a:rPr kumimoji="1" lang="ja-JP" altLang="en-US" smtClean="0"/>
-              <a:t>2022/11/22</a:t>
+              <a:t>2022/11/23</a:t>
             </a:fld>
             <a:endParaRPr kumimoji="1" lang="ja-JP" altLang="en-US"/>
           </a:p>
@@ -6982,7 +6775,7 @@
           <a:p>
             <a:fld id="{3D56D7E1-3519-40E1-A263-6500AF722914}" type="datetimeFigureOut">
               <a:rPr kumimoji="1" lang="ja-JP" altLang="en-US" smtClean="0"/>
-              <a:t>2022/11/22</a:t>
+              <a:t>2022/11/23</a:t>
             </a:fld>
             <a:endParaRPr kumimoji="1" lang="ja-JP" altLang="en-US"/>
           </a:p>
@@ -8155,6 +7948,14 @@
               </a:rPr>
               <a:t>ピッチコールの公平性と観客の存在</a:t>
             </a:r>
+            <a:r>
+              <a:rPr lang="en-US" altLang="ja-JP" sz="4000" dirty="0">
+                <a:latin typeface="Cambria" panose="02040503050406030204" pitchFamily="18" charset="0"/>
+                <a:ea typeface="MS UI Gothic" panose="020B0600070205080204" pitchFamily="50" charset="-128"/>
+                <a:cs typeface="Source Han Sans JP Normal"/>
+              </a:rPr>
+              <a:t/>
+            </a:r>
             <a:br>
               <a:rPr lang="en-US" altLang="ja-JP" sz="4000" dirty="0">
                 <a:latin typeface="Cambria" panose="02040503050406030204" pitchFamily="18" charset="0"/>
@@ -8813,7 +8614,7 @@
         </p:spPr>
         <p:txBody>
           <a:bodyPr rtlCol="0">
-            <a:normAutofit/>
+            <a:normAutofit fontScale="90000"/>
           </a:bodyPr>
           <a:lstStyle/>
           <a:p>
@@ -8827,9 +8628,47 @@
               <a:rPr lang="en-US" altLang="ja-JP" dirty="0">
                 <a:latin typeface="Cambria" panose="02040503050406030204" pitchFamily="18" charset="0"/>
                 <a:ea typeface="MS UI Gothic" panose="020B0600070205080204" pitchFamily="50" charset="-128"/>
+              </a:rPr>
+              <a:t>Concluding Remarks</a:t>
+            </a:r>
+            <a:r>
+              <a:rPr lang="en-US" altLang="ja-JP" dirty="0" smtClean="0">
+                <a:latin typeface="Cambria" panose="02040503050406030204" pitchFamily="18" charset="0"/>
+                <a:ea typeface="MS UI Gothic" panose="020B0600070205080204" pitchFamily="50" charset="-128"/>
                 <a:cs typeface="+mj-cs"/>
               </a:rPr>
-              <a:t>Implication: What Comes Next?</a:t>
+              <a:t>:</a:t>
+            </a:r>
+            <a:br>
+              <a:rPr lang="en-US" altLang="ja-JP" dirty="0" smtClean="0">
+                <a:latin typeface="Cambria" panose="02040503050406030204" pitchFamily="18" charset="0"/>
+                <a:ea typeface="MS UI Gothic" panose="020B0600070205080204" pitchFamily="50" charset="-128"/>
+                <a:cs typeface="+mj-cs"/>
+              </a:rPr>
+            </a:br>
+            <a:r>
+              <a:rPr lang="en-US" altLang="ja-JP" dirty="0">
+                <a:latin typeface="Cambria" panose="02040503050406030204" pitchFamily="18" charset="0"/>
+                <a:ea typeface="MS UI Gothic" panose="020B0600070205080204" pitchFamily="50" charset="-128"/>
+                <a:cs typeface="+mj-cs"/>
+              </a:rPr>
+              <a:t>	</a:t>
+            </a:r>
+            <a:r>
+              <a:rPr lang="en-US" altLang="ja-JP" dirty="0" smtClean="0">
+                <a:latin typeface="Cambria" panose="02040503050406030204" pitchFamily="18" charset="0"/>
+                <a:ea typeface="MS UI Gothic" panose="020B0600070205080204" pitchFamily="50" charset="-128"/>
+                <a:cs typeface="+mj-cs"/>
+              </a:rPr>
+              <a:t> </a:t>
+            </a:r>
+            <a:r>
+              <a:rPr lang="en-US" altLang="ja-JP" dirty="0">
+                <a:latin typeface="Cambria" panose="02040503050406030204" pitchFamily="18" charset="0"/>
+                <a:ea typeface="MS UI Gothic" panose="020B0600070205080204" pitchFamily="50" charset="-128"/>
+                <a:cs typeface="+mj-cs"/>
+              </a:rPr>
+              <a:t>What Comes Next?</a:t>
             </a:r>
             <a:endParaRPr lang="ja-JP" altLang="en-US" dirty="0">
               <a:latin typeface="Cambria" panose="02040503050406030204" pitchFamily="18" charset="0"/>
@@ -8865,14 +8704,263 @@
           <a:bodyPr/>
           <a:lstStyle/>
           <a:p>
+            <a:pPr eaLnBrk="1" hangingPunct="1"/>
+            <a:r>
+              <a:rPr lang="ja-JP" altLang="en-US" dirty="0" smtClean="0">
+                <a:latin typeface="Cambria" panose="02040503050406030204" pitchFamily="18" charset="0"/>
+                <a:ea typeface="MS UI Gothic" panose="020B0600070205080204" pitchFamily="50" charset="-128"/>
+                <a:cs typeface="Source Han Sans JP Normal"/>
+              </a:rPr>
+              <a:t>バイアス研究がもたらすものとは？</a:t>
+            </a:r>
+            <a:endParaRPr lang="en-US" altLang="ja-JP" dirty="0" smtClean="0">
+              <a:latin typeface="Cambria" panose="02040503050406030204" pitchFamily="18" charset="0"/>
+              <a:ea typeface="MS UI Gothic" panose="020B0600070205080204" pitchFamily="50" charset="-128"/>
+              <a:cs typeface="Source Han Sans JP Normal"/>
+            </a:endParaRPr>
+          </a:p>
+          <a:p>
             <a:pPr marL="342900" indent="-342900" eaLnBrk="1" hangingPunct="1">
               <a:buFont typeface="Arial" panose="020B0604020202020204" pitchFamily="34" charset="0"/>
               <a:buChar char="•"/>
             </a:pPr>
-            <a:endParaRPr lang="ja-JP" altLang="en-US" dirty="0">
+            <a:r>
+              <a:rPr lang="en-US" altLang="ja-JP" dirty="0" smtClean="0">
+                <a:latin typeface="Cambria" panose="02040503050406030204" pitchFamily="18" charset="0"/>
+                <a:ea typeface="MS UI Gothic" panose="020B0600070205080204" pitchFamily="50" charset="-128"/>
+                <a:cs typeface="Source Han Sans JP Normal"/>
+              </a:rPr>
+              <a:t>MLB</a:t>
+            </a:r>
+            <a:r>
+              <a:rPr lang="ja-JP" altLang="en-US" dirty="0" smtClean="0">
+                <a:latin typeface="Cambria" panose="02040503050406030204" pitchFamily="18" charset="0"/>
+                <a:ea typeface="MS UI Gothic" panose="020B0600070205080204" pitchFamily="50" charset="-128"/>
+                <a:cs typeface="Source Han Sans JP Normal"/>
+              </a:rPr>
+              <a:t>では、判定の自動化に</a:t>
+            </a:r>
+            <a:r>
+              <a:rPr lang="ja-JP" altLang="en-US" dirty="0" smtClean="0">
+                <a:latin typeface="Cambria" panose="02040503050406030204" pitchFamily="18" charset="0"/>
+                <a:ea typeface="MS UI Gothic" panose="020B0600070205080204" pitchFamily="50" charset="-128"/>
+                <a:cs typeface="Source Han Sans JP Normal"/>
+              </a:rPr>
+              <a:t>関する</a:t>
+            </a:r>
+            <a:r>
+              <a:rPr lang="ja-JP" altLang="en-US" dirty="0" smtClean="0">
+                <a:latin typeface="Cambria" panose="02040503050406030204" pitchFamily="18" charset="0"/>
+                <a:ea typeface="MS UI Gothic" panose="020B0600070205080204" pitchFamily="50" charset="-128"/>
+                <a:cs typeface="Source Han Sans JP Normal"/>
+              </a:rPr>
+              <a:t>制度変更・議論</a:t>
+            </a:r>
+            <a:r>
+              <a:rPr lang="ja-JP" altLang="en-US" dirty="0" smtClean="0">
+                <a:latin typeface="Cambria" panose="02040503050406030204" pitchFamily="18" charset="0"/>
+                <a:ea typeface="MS UI Gothic" panose="020B0600070205080204" pitchFamily="50" charset="-128"/>
+                <a:cs typeface="Source Han Sans JP Normal"/>
+              </a:rPr>
+              <a:t>が</a:t>
+            </a:r>
+            <a:r>
+              <a:rPr lang="ja-JP" altLang="en-US" dirty="0" smtClean="0">
+                <a:latin typeface="Cambria" panose="02040503050406030204" pitchFamily="18" charset="0"/>
+                <a:ea typeface="MS UI Gothic" panose="020B0600070205080204" pitchFamily="50" charset="-128"/>
+                <a:cs typeface="Source Han Sans JP Normal"/>
+              </a:rPr>
+              <a:t>進む</a:t>
+            </a:r>
+            <a:endParaRPr lang="en-US" altLang="ja-JP" dirty="0" smtClean="0">
               <a:latin typeface="Cambria" panose="02040503050406030204" pitchFamily="18" charset="0"/>
               <a:ea typeface="MS UI Gothic" panose="020B0600070205080204" pitchFamily="50" charset="-128"/>
               <a:cs typeface="Source Han Sans JP Normal"/>
+            </a:endParaRPr>
+          </a:p>
+          <a:p>
+            <a:pPr marL="1028700" lvl="1" indent="-342900" eaLnBrk="1" hangingPunct="1"/>
+            <a:r>
+              <a:rPr lang="ja-JP" altLang="en-US" dirty="0">
+                <a:latin typeface="Cambria" panose="02040503050406030204" pitchFamily="18" charset="0"/>
+                <a:ea typeface="MS UI Gothic" panose="020B0600070205080204" pitchFamily="50" charset="-128"/>
+              </a:rPr>
+              <a:t>本研究</a:t>
+            </a:r>
+            <a:r>
+              <a:rPr lang="ja-JP" altLang="en-US" dirty="0" smtClean="0">
+                <a:latin typeface="Cambria" panose="02040503050406030204" pitchFamily="18" charset="0"/>
+                <a:ea typeface="MS UI Gothic" panose="020B0600070205080204" pitchFamily="50" charset="-128"/>
+              </a:rPr>
+              <a:t>で議論したような</a:t>
+            </a:r>
+            <a:r>
+              <a:rPr lang="ja-JP" altLang="en-US" dirty="0" smtClean="0">
+                <a:latin typeface="Cambria" panose="02040503050406030204" pitchFamily="18" charset="0"/>
+                <a:ea typeface="MS UI Gothic" panose="020B0600070205080204" pitchFamily="50" charset="-128"/>
+              </a:rPr>
+              <a:t>バイアスは</a:t>
+            </a:r>
+            <a:r>
+              <a:rPr lang="en-US" altLang="ja-JP" dirty="0" smtClean="0">
+                <a:latin typeface="Cambria" panose="02040503050406030204" pitchFamily="18" charset="0"/>
+                <a:ea typeface="MS UI Gothic" panose="020B0600070205080204" pitchFamily="50" charset="-128"/>
+              </a:rPr>
+              <a:t>(</a:t>
+            </a:r>
+            <a:r>
+              <a:rPr lang="ja-JP" altLang="en-US" dirty="0" smtClean="0">
+                <a:latin typeface="Cambria" panose="02040503050406030204" pitchFamily="18" charset="0"/>
+                <a:ea typeface="MS UI Gothic" panose="020B0600070205080204" pitchFamily="50" charset="-128"/>
+              </a:rPr>
+              <a:t>システムに組み込まない限り</a:t>
+            </a:r>
+            <a:r>
+              <a:rPr lang="en-US" altLang="ja-JP" dirty="0" smtClean="0">
+                <a:latin typeface="Cambria" panose="02040503050406030204" pitchFamily="18" charset="0"/>
+                <a:ea typeface="MS UI Gothic" panose="020B0600070205080204" pitchFamily="50" charset="-128"/>
+              </a:rPr>
+              <a:t>)</a:t>
+            </a:r>
+            <a:r>
+              <a:rPr lang="ja-JP" altLang="en-US" dirty="0" smtClean="0">
+                <a:latin typeface="Cambria" panose="02040503050406030204" pitchFamily="18" charset="0"/>
+                <a:ea typeface="MS UI Gothic" panose="020B0600070205080204" pitchFamily="50" charset="-128"/>
+              </a:rPr>
+              <a:t>残らず取り除かれることになる</a:t>
+            </a:r>
+            <a:endParaRPr lang="en-US" altLang="ja-JP" dirty="0" smtClean="0">
+              <a:latin typeface="Cambria" panose="02040503050406030204" pitchFamily="18" charset="0"/>
+              <a:ea typeface="MS UI Gothic" panose="020B0600070205080204" pitchFamily="50" charset="-128"/>
+            </a:endParaRPr>
+          </a:p>
+          <a:p>
+            <a:pPr marL="1028700" lvl="1" indent="-342900" eaLnBrk="1" hangingPunct="1"/>
+            <a:r>
+              <a:rPr lang="ja-JP" altLang="en-US" dirty="0">
+                <a:latin typeface="Cambria" panose="02040503050406030204" pitchFamily="18" charset="0"/>
+                <a:ea typeface="MS UI Gothic" panose="020B0600070205080204" pitchFamily="50" charset="-128"/>
+              </a:rPr>
+              <a:t>バイアスを取り除く：自動判定が導入された時に起こりうる変化の</a:t>
+            </a:r>
+            <a:r>
+              <a:rPr lang="ja-JP" altLang="en-US" dirty="0" smtClean="0">
+                <a:latin typeface="Cambria" panose="02040503050406030204" pitchFamily="18" charset="0"/>
+                <a:ea typeface="MS UI Gothic" panose="020B0600070205080204" pitchFamily="50" charset="-128"/>
+              </a:rPr>
+              <a:t>シミュレーション</a:t>
+            </a:r>
+            <a:endParaRPr lang="en-US" altLang="ja-JP" dirty="0" smtClean="0">
+              <a:latin typeface="Cambria" panose="02040503050406030204" pitchFamily="18" charset="0"/>
+              <a:ea typeface="MS UI Gothic" panose="020B0600070205080204" pitchFamily="50" charset="-128"/>
+            </a:endParaRPr>
+          </a:p>
+          <a:p>
+            <a:pPr marL="1028700" lvl="1" indent="-342900" eaLnBrk="1" hangingPunct="1"/>
+            <a:r>
+              <a:rPr lang="ja-JP" altLang="en-US" dirty="0" smtClean="0">
+                <a:latin typeface="Cambria" panose="02040503050406030204" pitchFamily="18" charset="0"/>
+                <a:ea typeface="MS UI Gothic" panose="020B0600070205080204" pitchFamily="50" charset="-128"/>
+              </a:rPr>
+              <a:t>技術的な制約に基づく系統的なバイアスの発生</a:t>
+            </a:r>
+            <a:endParaRPr lang="en-US" altLang="ja-JP" dirty="0" smtClean="0">
+              <a:latin typeface="Cambria" panose="02040503050406030204" pitchFamily="18" charset="0"/>
+              <a:ea typeface="MS UI Gothic" panose="020B0600070205080204" pitchFamily="50" charset="-128"/>
+            </a:endParaRPr>
+          </a:p>
+          <a:p>
+            <a:pPr marL="1028700" lvl="1" indent="-342900" eaLnBrk="1" hangingPunct="1"/>
+            <a:endParaRPr lang="en-US" altLang="ja-JP" dirty="0" smtClean="0">
+              <a:latin typeface="Cambria" panose="02040503050406030204" pitchFamily="18" charset="0"/>
+              <a:ea typeface="MS UI Gothic" panose="020B0600070205080204" pitchFamily="50" charset="-128"/>
+            </a:endParaRPr>
+          </a:p>
+          <a:p>
+            <a:pPr marL="342900" indent="-342900" eaLnBrk="1" hangingPunct="1">
+              <a:buFont typeface="Arial" panose="020B0604020202020204" pitchFamily="34" charset="0"/>
+              <a:buChar char="•"/>
+            </a:pPr>
+            <a:r>
+              <a:rPr lang="ja-JP" altLang="en-US" dirty="0">
+                <a:latin typeface="Cambria" panose="02040503050406030204" pitchFamily="18" charset="0"/>
+                <a:ea typeface="MS UI Gothic" panose="020B0600070205080204" pitchFamily="50" charset="-128"/>
+              </a:rPr>
+              <a:t>一方</a:t>
+            </a:r>
+            <a:r>
+              <a:rPr lang="ja-JP" altLang="en-US" dirty="0" smtClean="0">
+                <a:latin typeface="Cambria" panose="02040503050406030204" pitchFamily="18" charset="0"/>
+                <a:ea typeface="MS UI Gothic" panose="020B0600070205080204" pitchFamily="50" charset="-128"/>
+              </a:rPr>
+              <a:t>で、こうした傾向は競技の歴史が作り上げた</a:t>
+            </a:r>
+            <a:endParaRPr lang="en-US" altLang="ja-JP" dirty="0" smtClean="0">
+              <a:latin typeface="Cambria" panose="02040503050406030204" pitchFamily="18" charset="0"/>
+              <a:ea typeface="MS UI Gothic" panose="020B0600070205080204" pitchFamily="50" charset="-128"/>
+            </a:endParaRPr>
+          </a:p>
+          <a:p>
+            <a:pPr marL="1028700" lvl="1" indent="-342900" eaLnBrk="1" hangingPunct="1"/>
+            <a:r>
+              <a:rPr lang="ja-JP" altLang="en-US" dirty="0" smtClean="0">
+                <a:latin typeface="Cambria" panose="02040503050406030204" pitchFamily="18" charset="0"/>
+                <a:ea typeface="MS UI Gothic" panose="020B0600070205080204" pitchFamily="50" charset="-128"/>
+              </a:rPr>
+              <a:t>カウント・展開によって伸び縮みするストライクゾーン：ゲームコントロールとしての役割</a:t>
+            </a:r>
+            <a:endParaRPr lang="en-US" altLang="ja-JP" dirty="0" smtClean="0">
+              <a:latin typeface="Cambria" panose="02040503050406030204" pitchFamily="18" charset="0"/>
+              <a:ea typeface="MS UI Gothic" panose="020B0600070205080204" pitchFamily="50" charset="-128"/>
+            </a:endParaRPr>
+          </a:p>
+          <a:p>
+            <a:pPr marL="1028700" lvl="1" indent="-342900" eaLnBrk="1" hangingPunct="1"/>
+            <a:r>
+              <a:rPr lang="ja-JP" altLang="en-US" dirty="0">
+                <a:latin typeface="Cambria" panose="02040503050406030204" pitchFamily="18" charset="0"/>
+                <a:ea typeface="MS UI Gothic" panose="020B0600070205080204" pitchFamily="50" charset="-128"/>
+              </a:rPr>
+              <a:t>ピッチャー</a:t>
+            </a:r>
+            <a:r>
+              <a:rPr lang="ja-JP" altLang="en-US" dirty="0" smtClean="0">
+                <a:latin typeface="Cambria" panose="02040503050406030204" pitchFamily="18" charset="0"/>
+                <a:ea typeface="MS UI Gothic" panose="020B0600070205080204" pitchFamily="50" charset="-128"/>
+              </a:rPr>
+              <a:t>の打席：ストライクゾーンが広がる</a:t>
+            </a:r>
+            <a:endParaRPr lang="en-US" altLang="ja-JP" dirty="0" smtClean="0">
+              <a:latin typeface="Cambria" panose="02040503050406030204" pitchFamily="18" charset="0"/>
+              <a:ea typeface="MS UI Gothic" panose="020B0600070205080204" pitchFamily="50" charset="-128"/>
+            </a:endParaRPr>
+          </a:p>
+          <a:p>
+            <a:pPr marL="1028700" lvl="1" indent="-342900" eaLnBrk="1" hangingPunct="1"/>
+            <a:r>
+              <a:rPr lang="ja-JP" altLang="en-US" dirty="0" smtClean="0">
+                <a:latin typeface="Cambria" panose="02040503050406030204" pitchFamily="18" charset="0"/>
+                <a:ea typeface="MS UI Gothic" panose="020B0600070205080204" pitchFamily="50" charset="-128"/>
+              </a:rPr>
+              <a:t>属人的</a:t>
+            </a:r>
+            <a:r>
+              <a:rPr lang="ja-JP" altLang="en-US" dirty="0">
+                <a:latin typeface="Cambria" panose="02040503050406030204" pitchFamily="18" charset="0"/>
+                <a:ea typeface="MS UI Gothic" panose="020B0600070205080204" pitchFamily="50" charset="-128"/>
+              </a:rPr>
+              <a:t>特性</a:t>
+            </a:r>
+            <a:r>
+              <a:rPr lang="ja-JP" altLang="en-US" dirty="0" smtClean="0">
+                <a:latin typeface="Cambria" panose="02040503050406030204" pitchFamily="18" charset="0"/>
+                <a:ea typeface="MS UI Gothic" panose="020B0600070205080204" pitchFamily="50" charset="-128"/>
+              </a:rPr>
+              <a:t>に基づく差別は問題だが、ホームアドバンテージはどうか？</a:t>
+            </a:r>
+            <a:endParaRPr lang="en-US" altLang="ja-JP" dirty="0" smtClean="0">
+              <a:latin typeface="Cambria" panose="02040503050406030204" pitchFamily="18" charset="0"/>
+              <a:ea typeface="MS UI Gothic" panose="020B0600070205080204" pitchFamily="50" charset="-128"/>
             </a:endParaRPr>
           </a:p>
         </p:txBody>
@@ -8969,213 +9057,6 @@
 </file>
 
 <file path=ppt/slides/slide12.xml><?xml version="1.0" encoding="utf-8"?>
-<p:sld xmlns:a="http://schemas.openxmlformats.org/drawingml/2006/main" xmlns:r="http://schemas.openxmlformats.org/officeDocument/2006/relationships" xmlns:p="http://schemas.openxmlformats.org/presentationml/2006/main">
-  <p:cSld>
-    <p:spTree>
-      <p:nvGrpSpPr>
-        <p:cNvPr id="1" name=""/>
-        <p:cNvGrpSpPr/>
-        <p:nvPr/>
-      </p:nvGrpSpPr>
-      <p:grpSpPr>
-        <a:xfrm>
-          <a:off x="0" y="0"/>
-          <a:ext cx="0" cy="0"/>
-          <a:chOff x="0" y="0"/>
-          <a:chExt cx="0" cy="0"/>
-        </a:xfrm>
-      </p:grpSpPr>
-      <p:sp>
-        <p:nvSpPr>
-          <p:cNvPr id="2" name="タイトル 1">
-            <a:extLst>
-              <a:ext uri="{FF2B5EF4-FFF2-40B4-BE49-F238E27FC236}">
-                <a16:creationId xmlns:a16="http://schemas.microsoft.com/office/drawing/2014/main" id="{A0DAED6A-956B-47BD-9D9E-9B579A957C73}"/>
-              </a:ext>
-            </a:extLst>
-          </p:cNvPr>
-          <p:cNvSpPr>
-            <a:spLocks noGrp="1"/>
-          </p:cNvSpPr>
-          <p:nvPr>
-            <p:ph type="title"/>
-          </p:nvPr>
-        </p:nvSpPr>
-        <p:spPr>
-          <a:xfrm>
-            <a:off x="541338" y="415925"/>
-            <a:ext cx="5129212" cy="644525"/>
-          </a:xfrm>
-        </p:spPr>
-        <p:txBody>
-          <a:bodyPr rtlCol="0">
-            <a:normAutofit/>
-          </a:bodyPr>
-          <a:lstStyle/>
-          <a:p>
-            <a:pPr eaLnBrk="1" fontAlgn="auto" hangingPunct="1">
-              <a:spcAft>
-                <a:spcPts val="0"/>
-              </a:spcAft>
-              <a:defRPr/>
-            </a:pPr>
-            <a:r>
-              <a:rPr lang="en-US" altLang="ja-JP" dirty="0">
-                <a:latin typeface="Cambria" panose="02040503050406030204" pitchFamily="18" charset="0"/>
-                <a:ea typeface="MS UI Gothic" panose="020B0600070205080204" pitchFamily="50" charset="-128"/>
-                <a:cs typeface="+mj-cs"/>
-              </a:rPr>
-              <a:t>Concluding Remarks</a:t>
-            </a:r>
-            <a:endParaRPr lang="ja-JP" altLang="en-US" dirty="0">
-              <a:latin typeface="Cambria" panose="02040503050406030204" pitchFamily="18" charset="0"/>
-              <a:ea typeface="MS UI Gothic" panose="020B0600070205080204" pitchFamily="50" charset="-128"/>
-              <a:cs typeface="+mj-cs"/>
-            </a:endParaRPr>
-          </a:p>
-        </p:txBody>
-      </p:sp>
-      <p:sp>
-        <p:nvSpPr>
-          <p:cNvPr id="9218" name="コンテンツ プレースホルダー 2">
-            <a:extLst>
-              <a:ext uri="{FF2B5EF4-FFF2-40B4-BE49-F238E27FC236}">
-                <a16:creationId xmlns:a16="http://schemas.microsoft.com/office/drawing/2014/main" id="{BA46AE8E-52B1-4B4E-9371-F1FD2A7B4587}"/>
-              </a:ext>
-            </a:extLst>
-          </p:cNvPr>
-          <p:cNvSpPr>
-            <a:spLocks noGrp="1"/>
-          </p:cNvSpPr>
-          <p:nvPr>
-            <p:ph idx="1"/>
-          </p:nvPr>
-        </p:nvSpPr>
-        <p:spPr>
-          <a:xfrm>
-            <a:off x="541338" y="1376363"/>
-            <a:ext cx="11109325" cy="4800600"/>
-          </a:xfrm>
-        </p:spPr>
-        <p:txBody>
-          <a:bodyPr/>
-          <a:lstStyle/>
-          <a:p>
-            <a:pPr marL="342900" indent="-342900" eaLnBrk="1" hangingPunct="1">
-              <a:buFont typeface="Arial" panose="020B0604020202020204" pitchFamily="34" charset="0"/>
-              <a:buChar char="•"/>
-            </a:pPr>
-            <a:endParaRPr lang="en-US" altLang="ja-JP" dirty="0">
-              <a:latin typeface="Cambria" panose="02040503050406030204" pitchFamily="18" charset="0"/>
-              <a:ea typeface="MS UI Gothic" panose="020B0600070205080204" pitchFamily="50" charset="-128"/>
-              <a:cs typeface="Source Han Sans JP Normal"/>
-            </a:endParaRPr>
-          </a:p>
-          <a:p>
-            <a:pPr marL="342900" indent="-342900" eaLnBrk="1" hangingPunct="1">
-              <a:buFont typeface="Arial" panose="020B0604020202020204" pitchFamily="34" charset="0"/>
-              <a:buChar char="•"/>
-            </a:pPr>
-            <a:endParaRPr lang="en-US" altLang="ja-JP" dirty="0">
-              <a:latin typeface="Cambria" panose="02040503050406030204" pitchFamily="18" charset="0"/>
-              <a:ea typeface="MS UI Gothic" panose="020B0600070205080204" pitchFamily="50" charset="-128"/>
-              <a:cs typeface="Source Han Sans JP Normal"/>
-            </a:endParaRPr>
-          </a:p>
-        </p:txBody>
-      </p:sp>
-      <p:pic>
-        <p:nvPicPr>
-          <p:cNvPr id="5" name="図 4" descr="QR コード&#10;&#10;自動的に生成された説明">
-            <a:extLst>
-              <a:ext uri="{FF2B5EF4-FFF2-40B4-BE49-F238E27FC236}">
-                <a16:creationId xmlns:a16="http://schemas.microsoft.com/office/drawing/2014/main" id="{A9D08F7F-AD0A-4DA9-BDBA-6839956240FD}"/>
-              </a:ext>
-            </a:extLst>
-          </p:cNvPr>
-          <p:cNvPicPr>
-            <a:picLocks noChangeAspect="1"/>
-          </p:cNvPicPr>
-          <p:nvPr/>
-        </p:nvPicPr>
-        <p:blipFill>
-          <a:blip r:embed="rId3" cstate="hqprint">
-            <a:extLst>
-              <a:ext uri="{28A0092B-C50C-407E-A947-70E740481C1C}">
-                <a14:useLocalDpi xmlns:a14="http://schemas.microsoft.com/office/drawing/2010/main" val="0"/>
-              </a:ext>
-            </a:extLst>
-          </a:blip>
-          <a:stretch>
-            <a:fillRect/>
-          </a:stretch>
-        </p:blipFill>
-        <p:spPr>
-          <a:xfrm>
-            <a:off x="7847236" y="0"/>
-            <a:ext cx="1045029" cy="1045029"/>
-          </a:xfrm>
-          <a:prstGeom prst="rect">
-            <a:avLst/>
-          </a:prstGeom>
-        </p:spPr>
-      </p:pic>
-      <p:sp>
-        <p:nvSpPr>
-          <p:cNvPr id="6" name="テキスト ボックス 5">
-            <a:extLst>
-              <a:ext uri="{FF2B5EF4-FFF2-40B4-BE49-F238E27FC236}">
-                <a16:creationId xmlns:a16="http://schemas.microsoft.com/office/drawing/2014/main" id="{2A1F025B-45B6-4F31-B2AE-BD68D8D67EDB}"/>
-              </a:ext>
-            </a:extLst>
-          </p:cNvPr>
-          <p:cNvSpPr txBox="1"/>
-          <p:nvPr/>
-        </p:nvSpPr>
-        <p:spPr>
-          <a:xfrm>
-            <a:off x="7884462" y="951722"/>
-            <a:ext cx="970575" cy="338554"/>
-          </a:xfrm>
-          <a:prstGeom prst="rect">
-            <a:avLst/>
-          </a:prstGeom>
-          <a:noFill/>
-        </p:spPr>
-        <p:txBody>
-          <a:bodyPr wrap="square" rtlCol="0">
-            <a:spAutoFit/>
-          </a:bodyPr>
-          <a:lstStyle/>
-          <a:p>
-            <a:r>
-              <a:rPr lang="en-US" altLang="ja-JP" sz="1600" dirty="0">
-                <a:latin typeface="Cambria" panose="02040503050406030204" pitchFamily="18" charset="0"/>
-                <a:ea typeface="MS UI Gothic" panose="020B0600070205080204" pitchFamily="50" charset="-128"/>
-              </a:rPr>
-              <a:t>@11_tjr</a:t>
-            </a:r>
-            <a:endParaRPr kumimoji="1" lang="ja-JP" altLang="en-US" sz="1600" dirty="0">
-              <a:latin typeface="Cambria" panose="02040503050406030204" pitchFamily="18" charset="0"/>
-              <a:ea typeface="MS UI Gothic" panose="020B0600070205080204" pitchFamily="50" charset="-128"/>
-            </a:endParaRPr>
-          </a:p>
-        </p:txBody>
-      </p:sp>
-    </p:spTree>
-    <p:extLst>
-      <p:ext uri="{BB962C8B-B14F-4D97-AF65-F5344CB8AC3E}">
-        <p14:creationId xmlns:p14="http://schemas.microsoft.com/office/powerpoint/2010/main" val="1180209462"/>
-      </p:ext>
-    </p:extLst>
-  </p:cSld>
-  <p:clrMapOvr>
-    <a:masterClrMapping/>
-  </p:clrMapOvr>
-</p:sld>
-</file>
-
-<file path=ppt/slides/slide13.xml><?xml version="1.0" encoding="utf-8"?>
 <p:sld xmlns:a="http://schemas.openxmlformats.org/drawingml/2006/main" xmlns:r="http://schemas.openxmlformats.org/officeDocument/2006/relationships" xmlns:p="http://schemas.openxmlformats.org/presentationml/2006/main">
   <p:cSld>
     <p:spTree>
@@ -9708,78 +9589,69 @@
                 <a:ea typeface="MS UI Gothic" panose="020B0600070205080204" pitchFamily="50" charset="-128"/>
                 <a:cs typeface="Source Han Sans JP Normal"/>
               </a:rPr>
-              <a:t>今日の報告が面白かったらフォローしてね</a:t>
-            </a:r>
-            <a:endParaRPr lang="en-US" altLang="ja-JP" dirty="0">
+              <a:t>今日の報告が面白かったらフォローして</a:t>
+            </a:r>
+            <a:r>
+              <a:rPr lang="ja-JP" altLang="en-US" dirty="0" smtClean="0">
+                <a:latin typeface="Cambria" panose="02040503050406030204" pitchFamily="18" charset="0"/>
+                <a:ea typeface="MS UI Gothic" panose="020B0600070205080204" pitchFamily="50" charset="-128"/>
+                <a:cs typeface="Source Han Sans JP Normal"/>
+              </a:rPr>
+              <a:t>ね</a:t>
+            </a:r>
+            <a:endParaRPr lang="en-US" altLang="ja-JP" dirty="0" smtClean="0">
               <a:latin typeface="Cambria" panose="02040503050406030204" pitchFamily="18" charset="0"/>
               <a:ea typeface="MS UI Gothic" panose="020B0600070205080204" pitchFamily="50" charset="-128"/>
               <a:cs typeface="Source Han Sans JP Normal"/>
             </a:endParaRPr>
           </a:p>
           <a:p>
-            <a:pPr marL="1600200" lvl="2" indent="-457200" eaLnBrk="1" hangingPunct="1"/>
-            <a:r>
-              <a:rPr lang="en-US" altLang="ja-JP" dirty="0">
+            <a:pPr marL="1143000" lvl="1" indent="-457200" eaLnBrk="1" hangingPunct="1"/>
+            <a:r>
+              <a:rPr lang="ja-JP" altLang="en-US" dirty="0" smtClean="0">
                 <a:latin typeface="Cambria" panose="02040503050406030204" pitchFamily="18" charset="0"/>
                 <a:ea typeface="MS UI Gothic" panose="020B0600070205080204" pitchFamily="50" charset="-128"/>
                 <a:cs typeface="Source Han Sans JP Normal"/>
               </a:rPr>
-              <a:t>TJ</a:t>
-            </a:r>
-            <a:r>
-              <a:rPr lang="ja-JP" altLang="en-US" dirty="0">
+              <a:t>スポーツ業界への就職も視野に</a:t>
+            </a:r>
+            <a:r>
+              <a:rPr lang="en-US" altLang="ja-JP" dirty="0" smtClean="0">
                 <a:latin typeface="Cambria" panose="02040503050406030204" pitchFamily="18" charset="0"/>
                 <a:ea typeface="MS UI Gothic" panose="020B0600070205080204" pitchFamily="50" charset="-128"/>
                 <a:cs typeface="Source Han Sans JP Normal"/>
               </a:rPr>
-              <a:t>はついったーのアカウント名</a:t>
-            </a:r>
-            <a:endParaRPr lang="en-US" altLang="ja-JP" dirty="0">
+              <a:t>FA</a:t>
+            </a:r>
+            <a:r>
+              <a:rPr lang="ja-JP" altLang="en-US" dirty="0" smtClean="0">
+                <a:latin typeface="Cambria" panose="02040503050406030204" pitchFamily="18" charset="0"/>
+                <a:ea typeface="MS UI Gothic" panose="020B0600070205080204" pitchFamily="50" charset="-128"/>
+                <a:cs typeface="Source Han Sans JP Normal"/>
+              </a:rPr>
+              <a:t>宣言中です</a:t>
+            </a:r>
+            <a:endParaRPr lang="en-US" altLang="ja-JP" dirty="0" smtClean="0">
               <a:latin typeface="Cambria" panose="02040503050406030204" pitchFamily="18" charset="0"/>
               <a:ea typeface="MS UI Gothic" panose="020B0600070205080204" pitchFamily="50" charset="-128"/>
               <a:cs typeface="Source Han Sans JP Normal"/>
             </a:endParaRPr>
           </a:p>
           <a:p>
-            <a:pPr marL="1143000" lvl="1" indent="-457200" eaLnBrk="1" hangingPunct="1"/>
+            <a:pPr marL="1600200" lvl="2" indent="-457200" eaLnBrk="1" hangingPunct="1"/>
+            <a:r>
+              <a:rPr lang="ja-JP" altLang="en-US" dirty="0" smtClean="0">
+                <a:latin typeface="Cambria" panose="02040503050406030204" pitchFamily="18" charset="0"/>
+                <a:ea typeface="MS UI Gothic" panose="020B0600070205080204" pitchFamily="50" charset="-128"/>
+              </a:rPr>
+              <a:t>ノンテンダー</a:t>
+            </a:r>
             <a:r>
               <a:rPr lang="ja-JP" altLang="en-US" dirty="0">
                 <a:latin typeface="Cambria" panose="02040503050406030204" pitchFamily="18" charset="0"/>
                 <a:ea typeface="MS UI Gothic" panose="020B0600070205080204" pitchFamily="50" charset="-128"/>
-                <a:cs typeface="Source Han Sans JP Normal"/>
-              </a:rPr>
-              <a:t>スポーツ業界への就職も視野に</a:t>
-            </a:r>
-            <a:r>
-              <a:rPr lang="en-US" altLang="ja-JP" dirty="0">
-                <a:latin typeface="Cambria" panose="02040503050406030204" pitchFamily="18" charset="0"/>
-                <a:ea typeface="MS UI Gothic" panose="020B0600070205080204" pitchFamily="50" charset="-128"/>
-                <a:cs typeface="Source Han Sans JP Normal"/>
-              </a:rPr>
-              <a:t>FA</a:t>
-            </a:r>
-            <a:r>
-              <a:rPr lang="ja-JP" altLang="en-US" dirty="0">
-                <a:latin typeface="Cambria" panose="02040503050406030204" pitchFamily="18" charset="0"/>
-                <a:ea typeface="MS UI Gothic" panose="020B0600070205080204" pitchFamily="50" charset="-128"/>
-                <a:cs typeface="Source Han Sans JP Normal"/>
-              </a:rPr>
-              <a:t>宣言中です</a:t>
-            </a:r>
-            <a:endParaRPr lang="en-US" altLang="ja-JP" dirty="0">
-              <a:latin typeface="Cambria" panose="02040503050406030204" pitchFamily="18" charset="0"/>
-              <a:ea typeface="MS UI Gothic" panose="020B0600070205080204" pitchFamily="50" charset="-128"/>
-              <a:cs typeface="Source Han Sans JP Normal"/>
-            </a:endParaRPr>
-          </a:p>
-          <a:p>
-            <a:pPr marL="1600200" lvl="2" indent="-457200" eaLnBrk="1" hangingPunct="1"/>
-            <a:r>
-              <a:rPr lang="ja-JP" altLang="en-US" dirty="0">
-                <a:latin typeface="Cambria" panose="02040503050406030204" pitchFamily="18" charset="0"/>
-                <a:ea typeface="MS UI Gothic" panose="020B0600070205080204" pitchFamily="50" charset="-128"/>
-              </a:rPr>
-              <a:t>ノンテンダー間近なだけかもしれない</a:t>
+              </a:rPr>
+              <a:t>間近なだけかもしれない</a:t>
             </a:r>
             <a:endParaRPr lang="en-US" altLang="ja-JP" dirty="0">
               <a:latin typeface="Cambria" panose="02040503050406030204" pitchFamily="18" charset="0"/>
@@ -10039,6 +9911,14 @@
               </a:rPr>
               <a:t>Research Question</a:t>
             </a:r>
+            <a:r>
+              <a:rPr lang="en-US" altLang="ja-JP" sz="2800" dirty="0">
+                <a:latin typeface="Cambria" panose="02040503050406030204" pitchFamily="18" charset="0"/>
+                <a:ea typeface="MS UI Gothic" panose="020B0600070205080204" pitchFamily="50" charset="-128"/>
+                <a:cs typeface="Source Han Sans JP Normal"/>
+              </a:rPr>
+              <a:t/>
+            </a:r>
             <a:br>
               <a:rPr lang="en-US" altLang="ja-JP" sz="2800" dirty="0">
                 <a:latin typeface="Cambria" panose="02040503050406030204" pitchFamily="18" charset="0"/>
@@ -10460,14 +10340,37 @@
                 <a:ea typeface="MS UI Gothic" panose="020B0600070205080204" pitchFamily="50" charset="-128"/>
                 <a:cs typeface="Source Han Sans JP Normal"/>
               </a:rPr>
-              <a:t>』  (</a:t>
-            </a:r>
-            <a:r>
-              <a:rPr lang="en-US" altLang="ja-JP" dirty="0" err="1">
+              <a:t>』  </a:t>
+            </a:r>
+            <a:r>
+              <a:rPr lang="en-US" altLang="ja-JP" dirty="0" smtClean="0">
                 <a:latin typeface="Cambria" panose="02040503050406030204" pitchFamily="18" charset="0"/>
                 <a:ea typeface="MS UI Gothic" panose="020B0600070205080204" pitchFamily="50" charset="-128"/>
                 <a:cs typeface="Source Han Sans JP Normal"/>
               </a:rPr>
+              <a:t/>
+            </a:r>
+            <a:br>
+              <a:rPr lang="en-US" altLang="ja-JP" dirty="0" smtClean="0">
+                <a:latin typeface="Cambria" panose="02040503050406030204" pitchFamily="18" charset="0"/>
+                <a:ea typeface="MS UI Gothic" panose="020B0600070205080204" pitchFamily="50" charset="-128"/>
+                <a:cs typeface="Source Han Sans JP Normal"/>
+              </a:rPr>
+            </a:br>
+            <a:r>
+              <a:rPr lang="en-US" altLang="ja-JP" dirty="0" smtClean="0">
+                <a:latin typeface="Cambria" panose="02040503050406030204" pitchFamily="18" charset="0"/>
+                <a:ea typeface="MS UI Gothic" panose="020B0600070205080204" pitchFamily="50" charset="-128"/>
+                <a:cs typeface="Source Han Sans JP Normal"/>
+              </a:rPr>
+              <a:t>‘</a:t>
+            </a:r>
+            <a:r>
+              <a:rPr lang="en-US" altLang="ja-JP" dirty="0" err="1" smtClean="0">
+                <a:latin typeface="Cambria" panose="02040503050406030204" pitchFamily="18" charset="0"/>
+                <a:ea typeface="MS UI Gothic" panose="020B0600070205080204" pitchFamily="50" charset="-128"/>
+                <a:cs typeface="Source Han Sans JP Normal"/>
+              </a:rPr>
               <a:t>Scorecasting</a:t>
             </a:r>
             <a:r>
@@ -10476,8 +10379,53 @@
                 <a:ea typeface="MS UI Gothic" panose="020B0600070205080204" pitchFamily="50" charset="-128"/>
                 <a:cs typeface="Source Han Sans JP Normal"/>
               </a:rPr>
-              <a:t>: The Hidden Influences Behind How Sports Are Played and Games Are Won; Moskowitz, Wertheim)</a:t>
-            </a:r>
+              <a:t>: The Hidden Influences Behind How Sports Are Played and Games Are </a:t>
+            </a:r>
+            <a:r>
+              <a:rPr lang="en-US" altLang="ja-JP" dirty="0" smtClean="0">
+                <a:latin typeface="Cambria" panose="02040503050406030204" pitchFamily="18" charset="0"/>
+                <a:ea typeface="MS UI Gothic" panose="020B0600070205080204" pitchFamily="50" charset="-128"/>
+                <a:cs typeface="Source Han Sans JP Normal"/>
+              </a:rPr>
+              <a:t>Won,’ </a:t>
+            </a:r>
+            <a:r>
+              <a:rPr lang="en-US" altLang="ja-JP" dirty="0">
+                <a:latin typeface="Cambria" panose="02040503050406030204" pitchFamily="18" charset="0"/>
+                <a:ea typeface="MS UI Gothic" panose="020B0600070205080204" pitchFamily="50" charset="-128"/>
+                <a:cs typeface="Source Han Sans JP Normal"/>
+              </a:rPr>
+              <a:t>Moskowitz, </a:t>
+            </a:r>
+            <a:r>
+              <a:rPr lang="en-US" altLang="ja-JP" dirty="0" smtClean="0">
+                <a:latin typeface="Cambria" panose="02040503050406030204" pitchFamily="18" charset="0"/>
+                <a:ea typeface="MS UI Gothic" panose="020B0600070205080204" pitchFamily="50" charset="-128"/>
+                <a:cs typeface="Source Han Sans JP Normal"/>
+              </a:rPr>
+              <a:t>Wertheim</a:t>
+            </a:r>
+            <a:r>
+              <a:rPr lang="en-US" altLang="ja-JP" dirty="0">
+                <a:latin typeface="Cambria" panose="02040503050406030204" pitchFamily="18" charset="0"/>
+                <a:ea typeface="MS UI Gothic" panose="020B0600070205080204" pitchFamily="50" charset="-128"/>
+                <a:cs typeface="Source Han Sans JP Normal"/>
+              </a:rPr>
+              <a:t>:</a:t>
+            </a:r>
+            <a:r>
+              <a:rPr lang="en-US" altLang="ja-JP" dirty="0" smtClean="0">
+                <a:latin typeface="Cambria" panose="02040503050406030204" pitchFamily="18" charset="0"/>
+                <a:ea typeface="MS UI Gothic" panose="020B0600070205080204" pitchFamily="50" charset="-128"/>
+                <a:cs typeface="Source Han Sans JP Normal"/>
+              </a:rPr>
+              <a:t> 2011</a:t>
+            </a:r>
+            <a:endParaRPr lang="en-US" altLang="ja-JP" dirty="0">
+              <a:latin typeface="Cambria" panose="02040503050406030204" pitchFamily="18" charset="0"/>
+              <a:ea typeface="MS UI Gothic" panose="020B0600070205080204" pitchFamily="50" charset="-128"/>
+              <a:cs typeface="Source Han Sans JP Normal"/>
+            </a:endParaRPr>
           </a:p>
           <a:p>
             <a:pPr marL="342900" indent="-342900" eaLnBrk="1" hangingPunct="1">
@@ -11240,31 +11188,42 @@
                 <a:latin typeface="Cambria" panose="02040503050406030204" pitchFamily="18" charset="0"/>
                 <a:ea typeface="MS UI Gothic" panose="020B0600070205080204" pitchFamily="50" charset="-128"/>
               </a:rPr>
-              <a:t>全投球のおよそ</a:t>
+              <a:t>全投球</a:t>
+            </a:r>
+            <a:r>
+              <a:rPr lang="ja-JP" altLang="en-US" dirty="0" smtClean="0">
+                <a:latin typeface="Cambria" panose="02040503050406030204" pitchFamily="18" charset="0"/>
+                <a:ea typeface="MS UI Gothic" panose="020B0600070205080204" pitchFamily="50" charset="-128"/>
+              </a:rPr>
+              <a:t>の</a:t>
+            </a:r>
+            <a:r>
+              <a:rPr lang="en-US" altLang="ja-JP" dirty="0" smtClean="0">
+                <a:latin typeface="Cambria" panose="02040503050406030204" pitchFamily="18" charset="0"/>
+                <a:ea typeface="MS UI Gothic" panose="020B0600070205080204" pitchFamily="50" charset="-128"/>
+              </a:rPr>
+              <a:t>6</a:t>
+            </a:r>
+            <a:r>
+              <a:rPr lang="ja-JP" altLang="en-US" dirty="0" smtClean="0">
+                <a:latin typeface="Cambria" panose="02040503050406030204" pitchFamily="18" charset="0"/>
+                <a:ea typeface="MS UI Gothic" panose="020B0600070205080204" pitchFamily="50" charset="-128"/>
+              </a:rPr>
+              <a:t>割前後が</a:t>
             </a:r>
             <a:r>
               <a:rPr lang="ja-JP" altLang="en-US" dirty="0">
-                <a:highlight>
-                  <a:srgbClr val="FFFF00"/>
-                </a:highlight>
-                <a:latin typeface="Cambria" panose="02040503050406030204" pitchFamily="18" charset="0"/>
-                <a:ea typeface="MS UI Gothic" panose="020B0600070205080204" pitchFamily="50" charset="-128"/>
-              </a:rPr>
-              <a:t>　　　　</a:t>
+                <a:latin typeface="Cambria" panose="02040503050406030204" pitchFamily="18" charset="0"/>
+                <a:ea typeface="MS UI Gothic" panose="020B0600070205080204" pitchFamily="50" charset="-128"/>
+              </a:rPr>
+              <a:t>見送り投球</a:t>
             </a:r>
             <a:r>
               <a:rPr lang="en-US" altLang="ja-JP" dirty="0">
                 <a:latin typeface="Cambria" panose="02040503050406030204" pitchFamily="18" charset="0"/>
                 <a:ea typeface="MS UI Gothic" panose="020B0600070205080204" pitchFamily="50" charset="-128"/>
               </a:rPr>
-              <a:t>%</a:t>
-            </a:r>
-            <a:r>
-              <a:rPr lang="ja-JP" altLang="en-US" dirty="0">
-                <a:latin typeface="Cambria" panose="02040503050406030204" pitchFamily="18" charset="0"/>
-                <a:ea typeface="MS UI Gothic" panose="020B0600070205080204" pitchFamily="50" charset="-128"/>
-              </a:rPr>
-              <a:t>が見送り投球</a:t>
+              <a:t/>
             </a:r>
             <a:br>
               <a:rPr lang="en-US" altLang="ja-JP" dirty="0">
@@ -11770,7 +11729,38 @@
                 <a:ea typeface="MS UI Gothic" panose="020B0600070205080204" pitchFamily="50" charset="-128"/>
                 <a:cs typeface="Source Han Sans JP Normal"/>
               </a:rPr>
-              <a:t>の他数チームが他球団の本拠地を間借りしたり、</a:t>
+              <a:t>の</a:t>
+            </a:r>
+            <a:r>
+              <a:rPr lang="ja-JP" altLang="en-US" sz="2000" dirty="0" smtClean="0">
+                <a:latin typeface="Cambria" panose="02040503050406030204" pitchFamily="18" charset="0"/>
+                <a:ea typeface="MS UI Gothic" panose="020B0600070205080204" pitchFamily="50" charset="-128"/>
+                <a:cs typeface="Source Han Sans JP Normal"/>
+              </a:rPr>
+              <a:t>他</a:t>
+            </a:r>
+            <a:r>
+              <a:rPr lang="ja-JP" altLang="en-US" sz="2000" dirty="0">
+                <a:latin typeface="Cambria" panose="02040503050406030204" pitchFamily="18" charset="0"/>
+                <a:ea typeface="MS UI Gothic" panose="020B0600070205080204" pitchFamily="50" charset="-128"/>
+              </a:rPr>
+              <a:t>、</a:t>
+            </a:r>
+            <a:r>
+              <a:rPr lang="ja-JP" altLang="en-US" sz="2000" dirty="0" smtClean="0">
+                <a:latin typeface="Cambria" panose="02040503050406030204" pitchFamily="18" charset="0"/>
+                <a:ea typeface="MS UI Gothic" panose="020B0600070205080204" pitchFamily="50" charset="-128"/>
+                <a:cs typeface="Source Han Sans JP Normal"/>
+              </a:rPr>
+              <a:t>数</a:t>
+            </a:r>
+            <a:r>
+              <a:rPr lang="ja-JP" altLang="en-US" sz="2000" dirty="0">
+                <a:latin typeface="Cambria" panose="02040503050406030204" pitchFamily="18" charset="0"/>
+                <a:ea typeface="MS UI Gothic" panose="020B0600070205080204" pitchFamily="50" charset="-128"/>
+                <a:cs typeface="Source Han Sans JP Normal"/>
+              </a:rPr>
+              <a:t>チームが他球団の本拠地を間借りしたり、</a:t>
             </a:r>
             <a:r>
               <a:rPr lang="en-US" altLang="ja-JP" sz="2000" dirty="0">
@@ -12045,336 +12035,406 @@
           </a:p>
         </p:txBody>
       </p:sp>
-      <p:sp>
-        <p:nvSpPr>
-          <p:cNvPr id="9218" name="コンテンツ プレースホルダー 2">
-            <a:extLst>
-              <a:ext uri="{FF2B5EF4-FFF2-40B4-BE49-F238E27FC236}">
-                <a16:creationId xmlns:a16="http://schemas.microsoft.com/office/drawing/2014/main" id="{BA46AE8E-52B1-4B4E-9371-F1FD2A7B4587}"/>
-              </a:ext>
-            </a:extLst>
-          </p:cNvPr>
-          <p:cNvSpPr>
-            <a:spLocks noGrp="1"/>
-          </p:cNvSpPr>
-          <p:nvPr>
-            <p:ph idx="1"/>
-          </p:nvPr>
-        </p:nvSpPr>
-        <p:spPr>
-          <a:xfrm>
-            <a:off x="541338" y="1376363"/>
-            <a:ext cx="11109325" cy="4800600"/>
-          </a:xfrm>
-        </p:spPr>
-        <p:txBody>
-          <a:bodyPr/>
-          <a:lstStyle/>
-          <a:p>
-            <a:pPr marL="342900" indent="-342900" eaLnBrk="1" hangingPunct="1">
-              <a:buFont typeface="Arial" panose="020B0604020202020204" pitchFamily="34" charset="0"/>
-              <a:buChar char="•"/>
-            </a:pPr>
-            <a:r>
-              <a:rPr lang="ja-JP" altLang="en-US" dirty="0">
-                <a:latin typeface="Cambria" panose="02040503050406030204" pitchFamily="18" charset="0"/>
-                <a:ea typeface="MS UI Gothic" panose="020B0600070205080204" pitchFamily="50" charset="-128"/>
-                <a:cs typeface="Source Han Sans JP Normal"/>
-              </a:rPr>
-              <a:t>使用データ</a:t>
-            </a:r>
-            <a:endParaRPr lang="en-US" altLang="ja-JP" dirty="0">
-              <a:latin typeface="Cambria" panose="02040503050406030204" pitchFamily="18" charset="0"/>
-              <a:ea typeface="MS UI Gothic" panose="020B0600070205080204" pitchFamily="50" charset="-128"/>
-              <a:cs typeface="Source Han Sans JP Normal"/>
-            </a:endParaRPr>
-          </a:p>
-          <a:p>
-            <a:pPr marL="1028700" lvl="1" indent="-342900" eaLnBrk="1" hangingPunct="1"/>
-            <a:r>
-              <a:rPr lang="ja-JP" altLang="en-US" dirty="0">
-                <a:latin typeface="Cambria" panose="02040503050406030204" pitchFamily="18" charset="0"/>
-                <a:ea typeface="MS UI Gothic" panose="020B0600070205080204" pitchFamily="50" charset="-128"/>
-              </a:rPr>
-              <a:t>一球データ：</a:t>
-            </a:r>
-            <a:r>
-              <a:rPr lang="en-US" altLang="ja-JP" dirty="0">
-                <a:latin typeface="Cambria" panose="02040503050406030204" pitchFamily="18" charset="0"/>
-                <a:ea typeface="MS UI Gothic" panose="020B0600070205080204" pitchFamily="50" charset="-128"/>
-              </a:rPr>
-              <a:t>MLBAM</a:t>
-            </a:r>
-            <a:r>
-              <a:rPr lang="ja-JP" altLang="en-US" dirty="0">
-                <a:latin typeface="Cambria" panose="02040503050406030204" pitchFamily="18" charset="0"/>
-                <a:ea typeface="MS UI Gothic" panose="020B0600070205080204" pitchFamily="50" charset="-128"/>
-              </a:rPr>
-              <a:t>が</a:t>
-            </a:r>
-            <a:r>
-              <a:rPr lang="en-US" altLang="ja-JP" dirty="0">
-                <a:latin typeface="Cambria" panose="02040503050406030204" pitchFamily="18" charset="0"/>
-                <a:ea typeface="MS UI Gothic" panose="020B0600070205080204" pitchFamily="50" charset="-128"/>
-              </a:rPr>
-              <a:t>Baseball Savant</a:t>
-            </a:r>
-            <a:r>
-              <a:rPr lang="ja-JP" altLang="en-US" dirty="0">
-                <a:latin typeface="Cambria" panose="02040503050406030204" pitchFamily="18" charset="0"/>
-                <a:ea typeface="MS UI Gothic" panose="020B0600070205080204" pitchFamily="50" charset="-128"/>
-              </a:rPr>
-              <a:t>で公開している投球のトラッキングデータ</a:t>
-            </a:r>
-            <a:endParaRPr lang="en-US" altLang="ja-JP" dirty="0">
-              <a:latin typeface="Cambria" panose="02040503050406030204" pitchFamily="18" charset="0"/>
-              <a:ea typeface="MS UI Gothic" panose="020B0600070205080204" pitchFamily="50" charset="-128"/>
-            </a:endParaRPr>
-          </a:p>
-          <a:p>
-            <a:pPr marL="1028700" lvl="1" indent="-342900" eaLnBrk="1" hangingPunct="1"/>
-            <a:r>
-              <a:rPr lang="ja-JP" altLang="en-US" dirty="0">
-                <a:latin typeface="Cambria" panose="02040503050406030204" pitchFamily="18" charset="0"/>
-                <a:ea typeface="MS UI Gothic" panose="020B0600070205080204" pitchFamily="50" charset="-128"/>
-                <a:cs typeface="Source Han Sans JP Normal"/>
-              </a:rPr>
-              <a:t>試合データ：</a:t>
-            </a:r>
-            <a:r>
-              <a:rPr lang="en-US" altLang="ja-JP" dirty="0">
-                <a:latin typeface="Cambria" panose="02040503050406030204" pitchFamily="18" charset="0"/>
-                <a:ea typeface="MS UI Gothic" panose="020B0600070205080204" pitchFamily="50" charset="-128"/>
-                <a:cs typeface="Source Han Sans JP Normal"/>
-              </a:rPr>
-              <a:t>MLBAM</a:t>
-            </a:r>
-            <a:r>
-              <a:rPr lang="ja-JP" altLang="en-US" dirty="0">
-                <a:latin typeface="Cambria" panose="02040503050406030204" pitchFamily="18" charset="0"/>
-                <a:ea typeface="MS UI Gothic" panose="020B0600070205080204" pitchFamily="50" charset="-128"/>
-                <a:cs typeface="Source Han Sans JP Normal"/>
-              </a:rPr>
-              <a:t>が公開する試合球場、審判などのデータ</a:t>
-            </a:r>
-            <a:endParaRPr lang="en-US" altLang="ja-JP" dirty="0">
-              <a:latin typeface="Cambria" panose="02040503050406030204" pitchFamily="18" charset="0"/>
-              <a:ea typeface="MS UI Gothic" panose="020B0600070205080204" pitchFamily="50" charset="-128"/>
-              <a:cs typeface="Source Han Sans JP Normal"/>
-            </a:endParaRPr>
-          </a:p>
-          <a:p>
-            <a:pPr marL="1028700" lvl="1" indent="-342900" eaLnBrk="1" hangingPunct="1"/>
-            <a:r>
-              <a:rPr lang="ja-JP" altLang="en-US" dirty="0">
-                <a:latin typeface="Cambria" panose="02040503050406030204" pitchFamily="18" charset="0"/>
-                <a:ea typeface="MS UI Gothic" panose="020B0600070205080204" pitchFamily="50" charset="-128"/>
-                <a:cs typeface="Source Han Sans JP Normal"/>
-              </a:rPr>
-              <a:t>選手データ：</a:t>
-            </a:r>
-            <a:r>
-              <a:rPr lang="en-US" altLang="ja-JP" dirty="0" err="1">
-                <a:latin typeface="Cambria" panose="02040503050406030204" pitchFamily="18" charset="0"/>
-                <a:ea typeface="MS UI Gothic" panose="020B0600070205080204" pitchFamily="50" charset="-128"/>
-                <a:cs typeface="Source Han Sans JP Normal"/>
-              </a:rPr>
-              <a:t>Lahman</a:t>
-            </a:r>
-            <a:r>
-              <a:rPr lang="ja-JP" altLang="en-US" dirty="0">
-                <a:latin typeface="Cambria" panose="02040503050406030204" pitchFamily="18" charset="0"/>
-                <a:ea typeface="MS UI Gothic" panose="020B0600070205080204" pitchFamily="50" charset="-128"/>
-                <a:cs typeface="Source Han Sans JP Normal"/>
-              </a:rPr>
-              <a:t>データセット、</a:t>
-            </a:r>
-            <a:r>
-              <a:rPr lang="en-US" altLang="ja-JP" dirty="0">
-                <a:latin typeface="Cambria" panose="02040503050406030204" pitchFamily="18" charset="0"/>
-                <a:ea typeface="MS UI Gothic" panose="020B0600070205080204" pitchFamily="50" charset="-128"/>
-                <a:cs typeface="Source Han Sans JP Normal"/>
-              </a:rPr>
-              <a:t>Chadwick Baseball Bureau, </a:t>
-            </a:r>
-            <a:r>
-              <a:rPr lang="en-US" altLang="ja-JP" dirty="0" err="1">
-                <a:latin typeface="Cambria" panose="02040503050406030204" pitchFamily="18" charset="0"/>
-                <a:ea typeface="MS UI Gothic" panose="020B0600070205080204" pitchFamily="50" charset="-128"/>
-                <a:cs typeface="Source Han Sans JP Normal"/>
-              </a:rPr>
-              <a:t>Fangprahs</a:t>
-            </a:r>
-            <a:r>
-              <a:rPr lang="en-US" altLang="ja-JP" dirty="0">
-                <a:latin typeface="Cambria" panose="02040503050406030204" pitchFamily="18" charset="0"/>
-                <a:ea typeface="MS UI Gothic" panose="020B0600070205080204" pitchFamily="50" charset="-128"/>
-                <a:cs typeface="Source Han Sans JP Normal"/>
-              </a:rPr>
-              <a:t>, Baseball Reference, etc</a:t>
-            </a:r>
-            <a:r>
-              <a:rPr lang="en-US" altLang="ja-JP" dirty="0">
-                <a:latin typeface="Cambria" panose="02040503050406030204" pitchFamily="18" charset="0"/>
-                <a:ea typeface="MS UI Gothic" panose="020B0600070205080204" pitchFamily="50" charset="-128"/>
-              </a:rPr>
-              <a:t>.</a:t>
-            </a:r>
-            <a:endParaRPr lang="en-US" altLang="ja-JP" dirty="0">
-              <a:latin typeface="Cambria" panose="02040503050406030204" pitchFamily="18" charset="0"/>
-              <a:ea typeface="MS UI Gothic" panose="020B0600070205080204" pitchFamily="50" charset="-128"/>
-              <a:cs typeface="Source Han Sans JP Normal"/>
-            </a:endParaRPr>
-          </a:p>
-          <a:p>
-            <a:pPr lvl="1" indent="0" eaLnBrk="1" hangingPunct="1">
-              <a:buNone/>
-            </a:pPr>
-            <a:r>
-              <a:rPr lang="ja-JP" altLang="en-US" dirty="0">
-                <a:latin typeface="Cambria" panose="02040503050406030204" pitchFamily="18" charset="0"/>
-                <a:ea typeface="MS UI Gothic" panose="020B0600070205080204" pitchFamily="50" charset="-128"/>
-                <a:cs typeface="Source Han Sans JP Normal"/>
-              </a:rPr>
-              <a:t>データの取得・成型には</a:t>
-            </a:r>
-            <a:r>
-              <a:rPr lang="en-US" altLang="ja-JP" dirty="0">
-                <a:latin typeface="Cambria" panose="02040503050406030204" pitchFamily="18" charset="0"/>
-                <a:ea typeface="MS UI Gothic" panose="020B0600070205080204" pitchFamily="50" charset="-128"/>
-                <a:cs typeface="Source Han Sans JP Normal"/>
-              </a:rPr>
-              <a:t>R</a:t>
-            </a:r>
-            <a:r>
-              <a:rPr lang="ja-JP" altLang="en-US" dirty="0">
-                <a:latin typeface="Cambria" panose="02040503050406030204" pitchFamily="18" charset="0"/>
-                <a:ea typeface="MS UI Gothic" panose="020B0600070205080204" pitchFamily="50" charset="-128"/>
-                <a:cs typeface="Source Han Sans JP Normal"/>
-              </a:rPr>
-              <a:t>を利用 </a:t>
-            </a:r>
-            <a:r>
-              <a:rPr lang="en-US" altLang="ja-JP" dirty="0">
-                <a:latin typeface="Cambria" panose="02040503050406030204" pitchFamily="18" charset="0"/>
-                <a:ea typeface="MS UI Gothic" panose="020B0600070205080204" pitchFamily="50" charset="-128"/>
-                <a:cs typeface="Source Han Sans JP Normal"/>
-              </a:rPr>
-              <a:t>(</a:t>
-            </a:r>
-            <a:r>
-              <a:rPr lang="en-US" altLang="ja-JP" dirty="0" err="1">
-                <a:latin typeface="Cambria" panose="02040503050406030204" pitchFamily="18" charset="0"/>
-                <a:ea typeface="MS UI Gothic" panose="020B0600070205080204" pitchFamily="50" charset="-128"/>
-                <a:cs typeface="Source Han Sans JP Normal"/>
-              </a:rPr>
-              <a:t>baseballr</a:t>
-            </a:r>
-            <a:r>
-              <a:rPr lang="ja-JP" altLang="en-US" dirty="0">
-                <a:latin typeface="Cambria" panose="02040503050406030204" pitchFamily="18" charset="0"/>
-                <a:ea typeface="MS UI Gothic" panose="020B0600070205080204" pitchFamily="50" charset="-128"/>
-                <a:cs typeface="Source Han Sans JP Normal"/>
-              </a:rPr>
-              <a:t>パッケージがとても便利</a:t>
-            </a:r>
-            <a:r>
-              <a:rPr lang="en-US" altLang="ja-JP" dirty="0">
-                <a:latin typeface="Cambria" panose="02040503050406030204" pitchFamily="18" charset="0"/>
-                <a:ea typeface="MS UI Gothic" panose="020B0600070205080204" pitchFamily="50" charset="-128"/>
-                <a:cs typeface="Source Han Sans JP Normal"/>
-              </a:rPr>
-              <a:t>)</a:t>
-            </a:r>
-          </a:p>
-          <a:p>
-            <a:pPr marL="342900" indent="-342900" eaLnBrk="1" hangingPunct="1">
-              <a:buFont typeface="Arial" panose="020B0604020202020204" pitchFamily="34" charset="0"/>
-              <a:buChar char="•"/>
-            </a:pPr>
-            <a:r>
-              <a:rPr lang="ja-JP" altLang="en-US" dirty="0">
-                <a:latin typeface="Cambria" panose="02040503050406030204" pitchFamily="18" charset="0"/>
-                <a:ea typeface="MS UI Gothic" panose="020B0600070205080204" pitchFamily="50" charset="-128"/>
-                <a:cs typeface="Source Han Sans JP Normal"/>
-              </a:rPr>
-              <a:t>分析方法</a:t>
-            </a:r>
-            <a:endParaRPr lang="en-US" altLang="ja-JP" dirty="0">
-              <a:latin typeface="Cambria" panose="02040503050406030204" pitchFamily="18" charset="0"/>
-              <a:ea typeface="MS UI Gothic" panose="020B0600070205080204" pitchFamily="50" charset="-128"/>
-              <a:cs typeface="Source Han Sans JP Normal"/>
-            </a:endParaRPr>
-          </a:p>
-          <a:p>
-            <a:pPr marL="1028700" lvl="1" indent="-342900" eaLnBrk="1" hangingPunct="1"/>
-            <a:r>
-              <a:rPr lang="ja-JP" altLang="en-US" dirty="0">
-                <a:latin typeface="Cambria" panose="02040503050406030204" pitchFamily="18" charset="0"/>
-                <a:ea typeface="MS UI Gothic" panose="020B0600070205080204" pitchFamily="50" charset="-128"/>
-              </a:rPr>
-              <a:t>打者がスイングしなかった投球について、ストライクを</a:t>
-            </a:r>
-            <a:r>
-              <a:rPr lang="en-US" altLang="ja-JP" dirty="0">
-                <a:latin typeface="Cambria" panose="02040503050406030204" pitchFamily="18" charset="0"/>
-                <a:ea typeface="MS UI Gothic" panose="020B0600070205080204" pitchFamily="50" charset="-128"/>
-              </a:rPr>
-              <a:t>1,</a:t>
-            </a:r>
-            <a:r>
-              <a:rPr lang="ja-JP" altLang="en-US" dirty="0">
-                <a:latin typeface="Cambria" panose="02040503050406030204" pitchFamily="18" charset="0"/>
-                <a:ea typeface="MS UI Gothic" panose="020B0600070205080204" pitchFamily="50" charset="-128"/>
-              </a:rPr>
-              <a:t>ボールを</a:t>
-            </a:r>
-            <a:r>
-              <a:rPr lang="en-US" altLang="ja-JP" dirty="0">
-                <a:latin typeface="Cambria" panose="02040503050406030204" pitchFamily="18" charset="0"/>
-                <a:ea typeface="MS UI Gothic" panose="020B0600070205080204" pitchFamily="50" charset="-128"/>
-              </a:rPr>
-              <a:t>0</a:t>
-            </a:r>
-            <a:r>
-              <a:rPr lang="ja-JP" altLang="en-US" dirty="0">
-                <a:latin typeface="Cambria" panose="02040503050406030204" pitchFamily="18" charset="0"/>
-                <a:ea typeface="MS UI Gothic" panose="020B0600070205080204" pitchFamily="50" charset="-128"/>
-              </a:rPr>
-              <a:t>とするダミー変数を作成、線形確率モデルでホーム</a:t>
-            </a:r>
-            <a:r>
-              <a:rPr lang="en-US" altLang="ja-JP" dirty="0">
-                <a:latin typeface="Cambria" panose="02040503050406030204" pitchFamily="18" charset="0"/>
-                <a:ea typeface="MS UI Gothic" panose="020B0600070205080204" pitchFamily="50" charset="-128"/>
-              </a:rPr>
-              <a:t>/</a:t>
-            </a:r>
-            <a:r>
-              <a:rPr lang="ja-JP" altLang="en-US" dirty="0">
-                <a:latin typeface="Cambria" panose="02040503050406030204" pitchFamily="18" charset="0"/>
-                <a:ea typeface="MS UI Gothic" panose="020B0600070205080204" pitchFamily="50" charset="-128"/>
-              </a:rPr>
-              <a:t>ビジターチームが攻撃時のストライク確率の変動を推定する</a:t>
-            </a:r>
-            <a:endParaRPr lang="en-US" altLang="ja-JP" dirty="0">
-              <a:latin typeface="Cambria" panose="02040503050406030204" pitchFamily="18" charset="0"/>
-              <a:ea typeface="MS UI Gothic" panose="020B0600070205080204" pitchFamily="50" charset="-128"/>
-            </a:endParaRPr>
-          </a:p>
-          <a:p>
-            <a:pPr marL="1028700" lvl="1" indent="-342900" eaLnBrk="1" hangingPunct="1"/>
-            <a:r>
-              <a:rPr lang="ja-JP" altLang="en-US" dirty="0">
-                <a:latin typeface="Cambria" panose="02040503050406030204" pitchFamily="18" charset="0"/>
-                <a:ea typeface="MS UI Gothic" panose="020B0600070205080204" pitchFamily="50" charset="-128"/>
-                <a:cs typeface="Source Han Sans JP Normal"/>
-              </a:rPr>
-              <a:t>同じ位置を通過した投球に対する平均的なストライク確率、打者の体格、投球カウント、投手、打者、捕手、審判の特性などをコントロール変数として制御</a:t>
-            </a:r>
-          </a:p>
-        </p:txBody>
-      </p:sp>
+      <mc:AlternateContent xmlns:mc="http://schemas.openxmlformats.org/markup-compatibility/2006" xmlns:a14="http://schemas.microsoft.com/office/drawing/2010/main">
+        <mc:Choice Requires="a14">
+          <p:sp>
+            <p:nvSpPr>
+              <p:cNvPr id="9218" name="コンテンツ プレースホルダー 2">
+                <a:extLst>
+                  <a:ext uri="{FF2B5EF4-FFF2-40B4-BE49-F238E27FC236}">
+                    <a16:creationId xmlns:a16="http://schemas.microsoft.com/office/drawing/2014/main" id="{BA46AE8E-52B1-4B4E-9371-F1FD2A7B4587}"/>
+                  </a:ext>
+                </a:extLst>
+              </p:cNvPr>
+              <p:cNvSpPr>
+                <a:spLocks noGrp="1"/>
+              </p:cNvSpPr>
+              <p:nvPr>
+                <p:ph idx="1"/>
+              </p:nvPr>
+            </p:nvSpPr>
+            <p:spPr>
+              <a:xfrm>
+                <a:off x="541338" y="1376363"/>
+                <a:ext cx="11109325" cy="4800600"/>
+              </a:xfrm>
+            </p:spPr>
+            <p:txBody>
+              <a:bodyPr/>
+              <a:lstStyle/>
+              <a:p>
+                <a:pPr marL="342900" indent="-342900" eaLnBrk="1" hangingPunct="1">
+                  <a:buFont typeface="Arial" panose="020B0604020202020204" pitchFamily="34" charset="0"/>
+                  <a:buChar char="•"/>
+                </a:pPr>
+                <a:r>
+                  <a:rPr lang="ja-JP" altLang="en-US" dirty="0" smtClean="0">
+                    <a:latin typeface="Cambria" panose="02040503050406030204" pitchFamily="18" charset="0"/>
+                    <a:ea typeface="MS UI Gothic" panose="020B0600070205080204" pitchFamily="50" charset="-128"/>
+                    <a:cs typeface="Source Han Sans JP Normal"/>
+                  </a:rPr>
+                  <a:t>使用データ</a:t>
+                </a:r>
+                <a:endParaRPr lang="en-US" altLang="ja-JP" dirty="0">
+                  <a:latin typeface="Cambria" panose="02040503050406030204" pitchFamily="18" charset="0"/>
+                  <a:ea typeface="MS UI Gothic" panose="020B0600070205080204" pitchFamily="50" charset="-128"/>
+                  <a:cs typeface="Source Han Sans JP Normal"/>
+                </a:endParaRPr>
+              </a:p>
+              <a:p>
+                <a:pPr marL="1028700" lvl="1" indent="-342900" eaLnBrk="1" hangingPunct="1"/>
+                <a:r>
+                  <a:rPr lang="ja-JP" altLang="en-US" dirty="0">
+                    <a:latin typeface="Cambria" panose="02040503050406030204" pitchFamily="18" charset="0"/>
+                    <a:ea typeface="MS UI Gothic" panose="020B0600070205080204" pitchFamily="50" charset="-128"/>
+                  </a:rPr>
+                  <a:t>一球データ：</a:t>
+                </a:r>
+                <a:r>
+                  <a:rPr lang="en-US" altLang="ja-JP" dirty="0">
+                    <a:latin typeface="Cambria" panose="02040503050406030204" pitchFamily="18" charset="0"/>
+                    <a:ea typeface="MS UI Gothic" panose="020B0600070205080204" pitchFamily="50" charset="-128"/>
+                  </a:rPr>
+                  <a:t>MLBAM</a:t>
+                </a:r>
+                <a:r>
+                  <a:rPr lang="ja-JP" altLang="en-US" dirty="0">
+                    <a:latin typeface="Cambria" panose="02040503050406030204" pitchFamily="18" charset="0"/>
+                    <a:ea typeface="MS UI Gothic" panose="020B0600070205080204" pitchFamily="50" charset="-128"/>
+                  </a:rPr>
+                  <a:t>が</a:t>
+                </a:r>
+                <a:r>
+                  <a:rPr lang="en-US" altLang="ja-JP" dirty="0">
+                    <a:latin typeface="Cambria" panose="02040503050406030204" pitchFamily="18" charset="0"/>
+                    <a:ea typeface="MS UI Gothic" panose="020B0600070205080204" pitchFamily="50" charset="-128"/>
+                  </a:rPr>
+                  <a:t>Baseball Savant</a:t>
+                </a:r>
+                <a:r>
+                  <a:rPr lang="ja-JP" altLang="en-US" dirty="0">
+                    <a:latin typeface="Cambria" panose="02040503050406030204" pitchFamily="18" charset="0"/>
+                    <a:ea typeface="MS UI Gothic" panose="020B0600070205080204" pitchFamily="50" charset="-128"/>
+                  </a:rPr>
+                  <a:t>で公開している投球のトラッキングデータ</a:t>
+                </a:r>
+                <a:endParaRPr lang="en-US" altLang="ja-JP" dirty="0">
+                  <a:latin typeface="Cambria" panose="02040503050406030204" pitchFamily="18" charset="0"/>
+                  <a:ea typeface="MS UI Gothic" panose="020B0600070205080204" pitchFamily="50" charset="-128"/>
+                </a:endParaRPr>
+              </a:p>
+              <a:p>
+                <a:pPr marL="1028700" lvl="1" indent="-342900" eaLnBrk="1" hangingPunct="1"/>
+                <a:r>
+                  <a:rPr lang="ja-JP" altLang="en-US" dirty="0">
+                    <a:latin typeface="Cambria" panose="02040503050406030204" pitchFamily="18" charset="0"/>
+                    <a:ea typeface="MS UI Gothic" panose="020B0600070205080204" pitchFamily="50" charset="-128"/>
+                    <a:cs typeface="Source Han Sans JP Normal"/>
+                  </a:rPr>
+                  <a:t>試合データ：</a:t>
+                </a:r>
+                <a:r>
+                  <a:rPr lang="en-US" altLang="ja-JP" dirty="0">
+                    <a:latin typeface="Cambria" panose="02040503050406030204" pitchFamily="18" charset="0"/>
+                    <a:ea typeface="MS UI Gothic" panose="020B0600070205080204" pitchFamily="50" charset="-128"/>
+                    <a:cs typeface="Source Han Sans JP Normal"/>
+                  </a:rPr>
+                  <a:t>MLBAM</a:t>
+                </a:r>
+                <a:r>
+                  <a:rPr lang="ja-JP" altLang="en-US" dirty="0">
+                    <a:latin typeface="Cambria" panose="02040503050406030204" pitchFamily="18" charset="0"/>
+                    <a:ea typeface="MS UI Gothic" panose="020B0600070205080204" pitchFamily="50" charset="-128"/>
+                    <a:cs typeface="Source Han Sans JP Normal"/>
+                  </a:rPr>
+                  <a:t>が公開する試合球場、審判などのデータ</a:t>
+                </a:r>
+                <a:endParaRPr lang="en-US" altLang="ja-JP" dirty="0">
+                  <a:latin typeface="Cambria" panose="02040503050406030204" pitchFamily="18" charset="0"/>
+                  <a:ea typeface="MS UI Gothic" panose="020B0600070205080204" pitchFamily="50" charset="-128"/>
+                  <a:cs typeface="Source Han Sans JP Normal"/>
+                </a:endParaRPr>
+              </a:p>
+              <a:p>
+                <a:pPr marL="1028700" lvl="1" indent="-342900" eaLnBrk="1" hangingPunct="1"/>
+                <a:r>
+                  <a:rPr lang="ja-JP" altLang="en-US" dirty="0">
+                    <a:latin typeface="Cambria" panose="02040503050406030204" pitchFamily="18" charset="0"/>
+                    <a:ea typeface="MS UI Gothic" panose="020B0600070205080204" pitchFamily="50" charset="-128"/>
+                    <a:cs typeface="Source Han Sans JP Normal"/>
+                  </a:rPr>
+                  <a:t>選手データ：</a:t>
+                </a:r>
+                <a:r>
+                  <a:rPr lang="en-US" altLang="ja-JP" dirty="0" err="1">
+                    <a:latin typeface="Cambria" panose="02040503050406030204" pitchFamily="18" charset="0"/>
+                    <a:ea typeface="MS UI Gothic" panose="020B0600070205080204" pitchFamily="50" charset="-128"/>
+                    <a:cs typeface="Source Han Sans JP Normal"/>
+                  </a:rPr>
+                  <a:t>Lahman</a:t>
+                </a:r>
+                <a:r>
+                  <a:rPr lang="ja-JP" altLang="en-US" dirty="0">
+                    <a:latin typeface="Cambria" panose="02040503050406030204" pitchFamily="18" charset="0"/>
+                    <a:ea typeface="MS UI Gothic" panose="020B0600070205080204" pitchFamily="50" charset="-128"/>
+                    <a:cs typeface="Source Han Sans JP Normal"/>
+                  </a:rPr>
+                  <a:t>データセット、</a:t>
+                </a:r>
+                <a:r>
+                  <a:rPr lang="en-US" altLang="ja-JP" dirty="0">
+                    <a:latin typeface="Cambria" panose="02040503050406030204" pitchFamily="18" charset="0"/>
+                    <a:ea typeface="MS UI Gothic" panose="020B0600070205080204" pitchFamily="50" charset="-128"/>
+                    <a:cs typeface="Source Han Sans JP Normal"/>
+                  </a:rPr>
+                  <a:t>Chadwick Baseball Bureau, </a:t>
+                </a:r>
+                <a:r>
+                  <a:rPr lang="en-US" altLang="ja-JP" dirty="0" err="1">
+                    <a:latin typeface="Cambria" panose="02040503050406030204" pitchFamily="18" charset="0"/>
+                    <a:ea typeface="MS UI Gothic" panose="020B0600070205080204" pitchFamily="50" charset="-128"/>
+                    <a:cs typeface="Source Han Sans JP Normal"/>
+                  </a:rPr>
+                  <a:t>Fangprahs</a:t>
+                </a:r>
+                <a:r>
+                  <a:rPr lang="en-US" altLang="ja-JP" dirty="0">
+                    <a:latin typeface="Cambria" panose="02040503050406030204" pitchFamily="18" charset="0"/>
+                    <a:ea typeface="MS UI Gothic" panose="020B0600070205080204" pitchFamily="50" charset="-128"/>
+                    <a:cs typeface="Source Han Sans JP Normal"/>
+                  </a:rPr>
+                  <a:t>, Baseball Reference, etc</a:t>
+                </a:r>
+                <a:r>
+                  <a:rPr lang="en-US" altLang="ja-JP" dirty="0">
+                    <a:latin typeface="Cambria" panose="02040503050406030204" pitchFamily="18" charset="0"/>
+                    <a:ea typeface="MS UI Gothic" panose="020B0600070205080204" pitchFamily="50" charset="-128"/>
+                  </a:rPr>
+                  <a:t>.</a:t>
+                </a:r>
+                <a:endParaRPr lang="en-US" altLang="ja-JP" dirty="0">
+                  <a:latin typeface="Cambria" panose="02040503050406030204" pitchFamily="18" charset="0"/>
+                  <a:ea typeface="MS UI Gothic" panose="020B0600070205080204" pitchFamily="50" charset="-128"/>
+                  <a:cs typeface="Source Han Sans JP Normal"/>
+                </a:endParaRPr>
+              </a:p>
+              <a:p>
+                <a:pPr lvl="1" indent="0" eaLnBrk="1" hangingPunct="1">
+                  <a:buNone/>
+                </a:pPr>
+                <a:r>
+                  <a:rPr lang="ja-JP" altLang="en-US" dirty="0">
+                    <a:latin typeface="Cambria" panose="02040503050406030204" pitchFamily="18" charset="0"/>
+                    <a:ea typeface="MS UI Gothic" panose="020B0600070205080204" pitchFamily="50" charset="-128"/>
+                    <a:cs typeface="Source Han Sans JP Normal"/>
+                  </a:rPr>
+                  <a:t>データの取得・成型には</a:t>
+                </a:r>
+                <a:r>
+                  <a:rPr lang="en-US" altLang="ja-JP" dirty="0">
+                    <a:latin typeface="Cambria" panose="02040503050406030204" pitchFamily="18" charset="0"/>
+                    <a:ea typeface="MS UI Gothic" panose="020B0600070205080204" pitchFamily="50" charset="-128"/>
+                    <a:cs typeface="Source Han Sans JP Normal"/>
+                  </a:rPr>
+                  <a:t>R</a:t>
+                </a:r>
+                <a:r>
+                  <a:rPr lang="ja-JP" altLang="en-US" dirty="0">
+                    <a:latin typeface="Cambria" panose="02040503050406030204" pitchFamily="18" charset="0"/>
+                    <a:ea typeface="MS UI Gothic" panose="020B0600070205080204" pitchFamily="50" charset="-128"/>
+                    <a:cs typeface="Source Han Sans JP Normal"/>
+                  </a:rPr>
+                  <a:t>を利用 </a:t>
+                </a:r>
+                <a:r>
+                  <a:rPr lang="en-US" altLang="ja-JP" dirty="0">
+                    <a:latin typeface="Cambria" panose="02040503050406030204" pitchFamily="18" charset="0"/>
+                    <a:ea typeface="MS UI Gothic" panose="020B0600070205080204" pitchFamily="50" charset="-128"/>
+                    <a:cs typeface="Source Han Sans JP Normal"/>
+                  </a:rPr>
+                  <a:t>(</a:t>
+                </a:r>
+                <a:r>
+                  <a:rPr lang="en-US" altLang="ja-JP" dirty="0" err="1">
+                    <a:latin typeface="Cambria" panose="02040503050406030204" pitchFamily="18" charset="0"/>
+                    <a:ea typeface="MS UI Gothic" panose="020B0600070205080204" pitchFamily="50" charset="-128"/>
+                    <a:cs typeface="Source Han Sans JP Normal"/>
+                  </a:rPr>
+                  <a:t>baseballr</a:t>
+                </a:r>
+                <a:r>
+                  <a:rPr lang="ja-JP" altLang="en-US" dirty="0">
+                    <a:latin typeface="Cambria" panose="02040503050406030204" pitchFamily="18" charset="0"/>
+                    <a:ea typeface="MS UI Gothic" panose="020B0600070205080204" pitchFamily="50" charset="-128"/>
+                    <a:cs typeface="Source Han Sans JP Normal"/>
+                  </a:rPr>
+                  <a:t>パッケージがとても便利</a:t>
+                </a:r>
+                <a:r>
+                  <a:rPr lang="en-US" altLang="ja-JP" dirty="0" smtClean="0">
+                    <a:latin typeface="Cambria" panose="02040503050406030204" pitchFamily="18" charset="0"/>
+                    <a:ea typeface="MS UI Gothic" panose="020B0600070205080204" pitchFamily="50" charset="-128"/>
+                    <a:cs typeface="Source Han Sans JP Normal"/>
+                  </a:rPr>
+                  <a:t>), </a:t>
+                </a:r>
+                <a14:m>
+                  <m:oMath xmlns:m="http://schemas.openxmlformats.org/officeDocument/2006/math">
+                    <m:r>
+                      <a:rPr lang="en-US" altLang="ja-JP" i="1">
+                        <a:latin typeface="Cambria Math" panose="02040503050406030204" pitchFamily="18" charset="0"/>
+                        <a:ea typeface="MS UI Gothic" panose="020B0600070205080204" pitchFamily="50" charset="-128"/>
+                      </a:rPr>
+                      <m:t>𝑁</m:t>
+                    </m:r>
+                    <m:r>
+                      <a:rPr lang="en-US" altLang="ja-JP" i="1">
+                        <a:latin typeface="Cambria Math" panose="02040503050406030204" pitchFamily="18" charset="0"/>
+                        <a:ea typeface="MS UI Gothic" panose="020B0600070205080204" pitchFamily="50" charset="-128"/>
+                      </a:rPr>
+                      <m:t>=2, 338, 649</m:t>
+                    </m:r>
+                  </m:oMath>
+                </a14:m>
+                <a:endParaRPr lang="en-US" altLang="ja-JP" dirty="0">
+                  <a:latin typeface="Cambria" panose="02040503050406030204" pitchFamily="18" charset="0"/>
+                  <a:ea typeface="MS UI Gothic" panose="020B0600070205080204" pitchFamily="50" charset="-128"/>
+                  <a:cs typeface="Source Han Sans JP Normal"/>
+                </a:endParaRPr>
+              </a:p>
+              <a:p>
+                <a:pPr marL="342900" indent="-342900" eaLnBrk="1" hangingPunct="1">
+                  <a:buFont typeface="Arial" panose="020B0604020202020204" pitchFamily="34" charset="0"/>
+                  <a:buChar char="•"/>
+                </a:pPr>
+                <a:r>
+                  <a:rPr lang="ja-JP" altLang="en-US" dirty="0">
+                    <a:latin typeface="Cambria" panose="02040503050406030204" pitchFamily="18" charset="0"/>
+                    <a:ea typeface="MS UI Gothic" panose="020B0600070205080204" pitchFamily="50" charset="-128"/>
+                    <a:cs typeface="Source Han Sans JP Normal"/>
+                  </a:rPr>
+                  <a:t>分析方法</a:t>
+                </a:r>
+                <a:endParaRPr lang="en-US" altLang="ja-JP" dirty="0">
+                  <a:latin typeface="Cambria" panose="02040503050406030204" pitchFamily="18" charset="0"/>
+                  <a:ea typeface="MS UI Gothic" panose="020B0600070205080204" pitchFamily="50" charset="-128"/>
+                  <a:cs typeface="Source Han Sans JP Normal"/>
+                </a:endParaRPr>
+              </a:p>
+              <a:p>
+                <a:pPr marL="1028700" lvl="1" indent="-342900" eaLnBrk="1" hangingPunct="1"/>
+                <a:r>
+                  <a:rPr lang="ja-JP" altLang="en-US" dirty="0">
+                    <a:latin typeface="Cambria" panose="02040503050406030204" pitchFamily="18" charset="0"/>
+                    <a:ea typeface="MS UI Gothic" panose="020B0600070205080204" pitchFamily="50" charset="-128"/>
+                  </a:rPr>
+                  <a:t>打者がスイングしなかった投球について、ストライクを</a:t>
+                </a:r>
+                <a:r>
+                  <a:rPr lang="en-US" altLang="ja-JP" dirty="0">
+                    <a:latin typeface="Cambria" panose="02040503050406030204" pitchFamily="18" charset="0"/>
+                    <a:ea typeface="MS UI Gothic" panose="020B0600070205080204" pitchFamily="50" charset="-128"/>
+                  </a:rPr>
+                  <a:t>1,</a:t>
+                </a:r>
+                <a:r>
+                  <a:rPr lang="ja-JP" altLang="en-US" dirty="0">
+                    <a:latin typeface="Cambria" panose="02040503050406030204" pitchFamily="18" charset="0"/>
+                    <a:ea typeface="MS UI Gothic" panose="020B0600070205080204" pitchFamily="50" charset="-128"/>
+                  </a:rPr>
+                  <a:t>ボールを</a:t>
+                </a:r>
+                <a:r>
+                  <a:rPr lang="en-US" altLang="ja-JP" dirty="0">
+                    <a:latin typeface="Cambria" panose="02040503050406030204" pitchFamily="18" charset="0"/>
+                    <a:ea typeface="MS UI Gothic" panose="020B0600070205080204" pitchFamily="50" charset="-128"/>
+                  </a:rPr>
+                  <a:t>0</a:t>
+                </a:r>
+                <a:r>
+                  <a:rPr lang="ja-JP" altLang="en-US" dirty="0">
+                    <a:latin typeface="Cambria" panose="02040503050406030204" pitchFamily="18" charset="0"/>
+                    <a:ea typeface="MS UI Gothic" panose="020B0600070205080204" pitchFamily="50" charset="-128"/>
+                  </a:rPr>
+                  <a:t>とするダミー変数を作成、線形確率モデルでホーム</a:t>
+                </a:r>
+                <a:r>
+                  <a:rPr lang="en-US" altLang="ja-JP" dirty="0">
+                    <a:latin typeface="Cambria" panose="02040503050406030204" pitchFamily="18" charset="0"/>
+                    <a:ea typeface="MS UI Gothic" panose="020B0600070205080204" pitchFamily="50" charset="-128"/>
+                  </a:rPr>
+                  <a:t>/</a:t>
+                </a:r>
+                <a:r>
+                  <a:rPr lang="ja-JP" altLang="en-US" dirty="0">
+                    <a:latin typeface="Cambria" panose="02040503050406030204" pitchFamily="18" charset="0"/>
+                    <a:ea typeface="MS UI Gothic" panose="020B0600070205080204" pitchFamily="50" charset="-128"/>
+                  </a:rPr>
+                  <a:t>ビジターチームが攻撃時のストライク確率の変動を推定する</a:t>
+                </a:r>
+                <a:endParaRPr lang="en-US" altLang="ja-JP" dirty="0">
+                  <a:latin typeface="Cambria" panose="02040503050406030204" pitchFamily="18" charset="0"/>
+                  <a:ea typeface="MS UI Gothic" panose="020B0600070205080204" pitchFamily="50" charset="-128"/>
+                </a:endParaRPr>
+              </a:p>
+              <a:p>
+                <a:pPr marL="1028700" lvl="1" indent="-342900" eaLnBrk="1" hangingPunct="1"/>
+                <a:r>
+                  <a:rPr lang="ja-JP" altLang="en-US" dirty="0">
+                    <a:latin typeface="Cambria" panose="02040503050406030204" pitchFamily="18" charset="0"/>
+                    <a:ea typeface="MS UI Gothic" panose="020B0600070205080204" pitchFamily="50" charset="-128"/>
+                    <a:cs typeface="Source Han Sans JP Normal"/>
+                  </a:rPr>
+                  <a:t>同じ位置を通過した投球に対する平均的なストライク確率、打者の体格、投球カウント、投手、打者、捕手、審判の特性などをコントロール変数として制御</a:t>
+                </a:r>
+              </a:p>
+            </p:txBody>
+          </p:sp>
+        </mc:Choice>
+        <mc:Fallback xmlns="">
+          <p:sp>
+            <p:nvSpPr>
+              <p:cNvPr id="9218" name="コンテンツ プレースホルダー 2">
+                <a:extLst>
+                  <a:ext uri="{FF2B5EF4-FFF2-40B4-BE49-F238E27FC236}">
+                    <a16:creationId xmlns:a16="http://schemas.microsoft.com/office/drawing/2014/main" id="{BA46AE8E-52B1-4B4E-9371-F1FD2A7B4587}"/>
+                  </a:ext>
+                </a:extLst>
+              </p:cNvPr>
+              <p:cNvSpPr>
+                <a:spLocks noGrp="1" noRot="1" noChangeAspect="1" noMove="1" noResize="1" noEditPoints="1" noAdjustHandles="1" noChangeArrowheads="1" noChangeShapeType="1" noTextEdit="1"/>
+              </p:cNvSpPr>
+              <p:nvPr>
+                <p:ph idx="1"/>
+              </p:nvPr>
+            </p:nvSpPr>
+            <p:spPr>
+              <a:xfrm>
+                <a:off x="541338" y="1376363"/>
+                <a:ext cx="11109325" cy="4800600"/>
+              </a:xfrm>
+              <a:blipFill>
+                <a:blip r:embed="rId3"/>
+                <a:stretch>
+                  <a:fillRect l="-768" t="-2160" r="-659"/>
+                </a:stretch>
+              </a:blipFill>
+            </p:spPr>
+            <p:txBody>
+              <a:bodyPr/>
+              <a:lstStyle/>
+              <a:p>
+                <a:r>
+                  <a:rPr lang="ja-JP" altLang="en-US">
+                    <a:noFill/>
+                  </a:rPr>
+                  <a:t> </a:t>
+                </a:r>
+              </a:p>
+            </p:txBody>
+          </p:sp>
+        </mc:Fallback>
+      </mc:AlternateContent>
       <p:pic>
         <p:nvPicPr>
           <p:cNvPr id="5" name="図 4" descr="QR コード&#10;&#10;自動的に生成された説明">
@@ -12390,7 +12450,7 @@
           <p:nvPr/>
         </p:nvPicPr>
         <p:blipFill>
-          <a:blip r:embed="rId3" cstate="hqprint">
+          <a:blip r:embed="rId4" cstate="hqprint">
             <a:extLst>
               <a:ext uri="{28A0092B-C50C-407E-A947-70E740481C1C}">
                 <a14:useLocalDpi xmlns:a14="http://schemas.microsoft.com/office/drawing/2010/main" val="0"/>
@@ -12586,6 +12646,11 @@
             <a:off x="541339" y="1376363"/>
             <a:ext cx="5530278" cy="4800600"/>
           </a:xfrm>
+          <a:solidFill>
+            <a:schemeClr val="bg1">
+              <a:lumMod val="95000"/>
+            </a:schemeClr>
+          </a:solidFill>
         </p:spPr>
         <p:txBody>
           <a:bodyPr/>
@@ -12636,35 +12701,108 @@
                 <a:ea typeface="MS UI Gothic" panose="020B0600070205080204" pitchFamily="50" charset="-128"/>
                 <a:cs typeface="Source Han Sans JP Normal"/>
               </a:rPr>
-              <a:t>ホームチームの攻撃時には、同じ場所を通過した投球に対するストライクコールの確率が</a:t>
-            </a:r>
-            <a:r>
-              <a:rPr lang="en-US" altLang="ja-JP" dirty="0">
+              <a:t>ホームチームの攻撃時には、同じ場所を通過した投球に対するストライクコールの確率</a:t>
+            </a:r>
+            <a:r>
+              <a:rPr lang="ja-JP" altLang="en-US" dirty="0" smtClean="0">
                 <a:latin typeface="Cambria" panose="02040503050406030204" pitchFamily="18" charset="0"/>
                 <a:ea typeface="MS UI Gothic" panose="020B0600070205080204" pitchFamily="50" charset="-128"/>
                 <a:cs typeface="Source Han Sans JP Normal"/>
               </a:rPr>
-              <a:t>ppt</a:t>
-            </a:r>
-            <a:r>
-              <a:rPr lang="ja-JP" altLang="en-US" dirty="0">
+              <a:t>が</a:t>
+            </a:r>
+            <a:r>
+              <a:rPr lang="en-US" altLang="ja-JP" dirty="0" smtClean="0">
                 <a:latin typeface="Cambria" panose="02040503050406030204" pitchFamily="18" charset="0"/>
                 <a:ea typeface="MS UI Gothic" panose="020B0600070205080204" pitchFamily="50" charset="-128"/>
                 <a:cs typeface="Source Han Sans JP Normal"/>
               </a:rPr>
+              <a:t>0.4ppt</a:t>
+            </a:r>
+            <a:r>
+              <a:rPr lang="ja-JP" altLang="en-US" dirty="0" smtClean="0">
+                <a:latin typeface="Cambria" panose="02040503050406030204" pitchFamily="18" charset="0"/>
+                <a:ea typeface="MS UI Gothic" panose="020B0600070205080204" pitchFamily="50" charset="-128"/>
+                <a:cs typeface="Source Han Sans JP Normal"/>
+              </a:rPr>
               <a:t>上昇</a:t>
             </a:r>
-            <a:endParaRPr lang="en-US" altLang="ja-JP" dirty="0">
+            <a:endParaRPr lang="en-US" altLang="ja-JP" dirty="0" smtClean="0">
               <a:latin typeface="Cambria" panose="02040503050406030204" pitchFamily="18" charset="0"/>
               <a:ea typeface="MS UI Gothic" panose="020B0600070205080204" pitchFamily="50" charset="-128"/>
               <a:cs typeface="Source Han Sans JP Normal"/>
             </a:endParaRPr>
           </a:p>
           <a:p>
-            <a:pPr marL="457200" indent="-457200" eaLnBrk="1" hangingPunct="1">
-              <a:buFont typeface="Arial" panose="020B0604020202020204" pitchFamily="34" charset="0"/>
-              <a:buChar char="•"/>
-            </a:pPr>
+            <a:pPr marL="1143000" lvl="1" indent="-457200" eaLnBrk="1" hangingPunct="1"/>
+            <a:r>
+              <a:rPr lang="ja-JP" altLang="en-US" dirty="0">
+                <a:latin typeface="Cambria" panose="02040503050406030204" pitchFamily="18" charset="0"/>
+                <a:ea typeface="MS UI Gothic" panose="020B0600070205080204" pitchFamily="50" charset="-128"/>
+              </a:rPr>
+              <a:t>特</a:t>
+            </a:r>
+            <a:r>
+              <a:rPr lang="ja-JP" altLang="en-US" dirty="0" smtClean="0">
+                <a:latin typeface="Cambria" panose="02040503050406030204" pitchFamily="18" charset="0"/>
+                <a:ea typeface="MS UI Gothic" panose="020B0600070205080204" pitchFamily="50" charset="-128"/>
+              </a:rPr>
+              <a:t>に、ストライクゾーンの端</a:t>
+            </a:r>
+            <a:r>
+              <a:rPr lang="en-US" altLang="ja-JP" dirty="0" smtClean="0">
+                <a:latin typeface="Cambria" panose="02040503050406030204" pitchFamily="18" charset="0"/>
+                <a:ea typeface="MS UI Gothic" panose="020B0600070205080204" pitchFamily="50" charset="-128"/>
+              </a:rPr>
+              <a:t>(</a:t>
+            </a:r>
+            <a:r>
+              <a:rPr lang="ja-JP" altLang="en-US" dirty="0" smtClean="0">
+                <a:latin typeface="Cambria" panose="02040503050406030204" pitchFamily="18" charset="0"/>
+                <a:ea typeface="MS UI Gothic" panose="020B0600070205080204" pitchFamily="50" charset="-128"/>
+              </a:rPr>
+              <a:t>平均的なストライク確率が</a:t>
+            </a:r>
+            <a:r>
+              <a:rPr lang="en-US" altLang="ja-JP" dirty="0" smtClean="0">
+                <a:latin typeface="Cambria" panose="02040503050406030204" pitchFamily="18" charset="0"/>
+                <a:ea typeface="MS UI Gothic" panose="020B0600070205080204" pitchFamily="50" charset="-128"/>
+              </a:rPr>
+              <a:t>30-70%)</a:t>
+            </a:r>
+            <a:r>
+              <a:rPr lang="ja-JP" altLang="en-US" dirty="0" smtClean="0">
+                <a:latin typeface="Cambria" panose="02040503050406030204" pitchFamily="18" charset="0"/>
+                <a:ea typeface="MS UI Gothic" panose="020B0600070205080204" pitchFamily="50" charset="-128"/>
+              </a:rPr>
+              <a:t>を通過した投球については</a:t>
+            </a:r>
+            <a:r>
+              <a:rPr lang="en-US" altLang="ja-JP" dirty="0" smtClean="0">
+                <a:latin typeface="Cambria" panose="02040503050406030204" pitchFamily="18" charset="0"/>
+                <a:ea typeface="MS UI Gothic" panose="020B0600070205080204" pitchFamily="50" charset="-128"/>
+              </a:rPr>
+              <a:t>1.7ppt</a:t>
+            </a:r>
+          </a:p>
+          <a:p>
+            <a:pPr eaLnBrk="1" hangingPunct="1"/>
+            <a:endParaRPr lang="en-US" altLang="ja-JP" dirty="0" smtClean="0">
+              <a:latin typeface="Cambria" panose="02040503050406030204" pitchFamily="18" charset="0"/>
+              <a:ea typeface="MS UI Gothic" panose="020B0600070205080204" pitchFamily="50" charset="-128"/>
+              <a:cs typeface="Source Han Sans JP Normal"/>
+            </a:endParaRPr>
+          </a:p>
+          <a:p>
+            <a:pPr eaLnBrk="1" hangingPunct="1"/>
+            <a:r>
+              <a:rPr lang="ja-JP" altLang="en-US" dirty="0" smtClean="0">
+                <a:latin typeface="Cambria" panose="02040503050406030204" pitchFamily="18" charset="0"/>
+                <a:ea typeface="MS UI Gothic" panose="020B0600070205080204" pitchFamily="50" charset="-128"/>
+                <a:cs typeface="Source Han Sans JP Normal"/>
+              </a:rPr>
+              <a:t>ホームチームに有利な判定：ただし、そのメカニズムについては議論の余地がある</a:t>
+            </a:r>
             <a:endParaRPr lang="en-US" altLang="ja-JP" dirty="0">
               <a:latin typeface="Cambria" panose="02040503050406030204" pitchFamily="18" charset="0"/>
               <a:ea typeface="MS UI Gothic" panose="020B0600070205080204" pitchFamily="50" charset="-128"/>
@@ -12784,29 +12922,16 @@
           <a:prstGeom prst="rect">
             <a:avLst/>
           </a:prstGeom>
-          <a:noFill/>
+          <a:solidFill>
+            <a:schemeClr val="accent2">
+              <a:lumMod val="20000"/>
+              <a:lumOff val="80000"/>
+            </a:schemeClr>
+          </a:solidFill>
           <a:ln>
             <a:noFill/>
           </a:ln>
-          <a:extLst>
-            <a:ext uri="{909E8E84-426E-40DD-AFC4-6F175D3DCCD1}">
-              <a14:hiddenFill xmlns:a14="http://schemas.microsoft.com/office/drawing/2010/main">
-                <a:solidFill>
-                  <a:srgbClr val="FFFFFF"/>
-                </a:solidFill>
-              </a14:hiddenFill>
-            </a:ext>
-            <a:ext uri="{91240B29-F687-4F45-9708-019B960494DF}">
-              <a14:hiddenLine xmlns:a14="http://schemas.microsoft.com/office/drawing/2010/main" w="9525">
-                <a:solidFill>
-                  <a:srgbClr val="000000"/>
-                </a:solidFill>
-                <a:miter lim="800000"/>
-                <a:headEnd/>
-                <a:tailEnd/>
-              </a14:hiddenLine>
-            </a:ext>
-          </a:extLst>
+          <a:extLst/>
         </p:spPr>
         <p:txBody>
           <a:bodyPr vert="horz" wrap="square" lIns="91440" tIns="45720" rIns="91440" bIns="45720" numCol="1" anchor="t" anchorCtr="0" compatLnSpc="1">
@@ -13008,7 +13133,85 @@
               <a:buFont typeface="Arial" panose="020B0604020202020204" pitchFamily="34" charset="0"/>
               <a:buChar char="•"/>
             </a:pPr>
-            <a:endParaRPr lang="ja-JP" altLang="en-US" sz="2800" dirty="0">
+            <a:endParaRPr lang="en-US" altLang="ja-JP" dirty="0" smtClean="0">
+              <a:latin typeface="Cambria" panose="02040503050406030204" pitchFamily="18" charset="0"/>
+              <a:ea typeface="MS UI Gothic" panose="020B0600070205080204" pitchFamily="50" charset="-128"/>
+              <a:cs typeface="Source Han Sans JP Normal"/>
+            </a:endParaRPr>
+          </a:p>
+          <a:p>
+            <a:pPr marL="457200" indent="-457200" eaLnBrk="1" hangingPunct="1">
+              <a:buFont typeface="Arial" panose="020B0604020202020204" pitchFamily="34" charset="0"/>
+              <a:buChar char="•"/>
+            </a:pPr>
+            <a:r>
+              <a:rPr lang="en-US" altLang="ja-JP" dirty="0" smtClean="0">
+                <a:latin typeface="Cambria" panose="02040503050406030204" pitchFamily="18" charset="0"/>
+                <a:ea typeface="MS UI Gothic" panose="020B0600070205080204" pitchFamily="50" charset="-128"/>
+                <a:cs typeface="Source Han Sans JP Normal"/>
+              </a:rPr>
+              <a:t>2020</a:t>
+            </a:r>
+            <a:r>
+              <a:rPr lang="ja-JP" altLang="en-US" dirty="0" smtClean="0">
+                <a:latin typeface="Cambria" panose="02040503050406030204" pitchFamily="18" charset="0"/>
+                <a:ea typeface="MS UI Gothic" panose="020B0600070205080204" pitchFamily="50" charset="-128"/>
+                <a:cs typeface="Source Han Sans JP Normal"/>
+              </a:rPr>
+              <a:t>年シーズンにおいては、その他の年度で観測されたホームアドバンテージが有意差を持たなかった</a:t>
+            </a:r>
+            <a:endParaRPr lang="en-US" altLang="ja-JP" dirty="0" smtClean="0">
+              <a:latin typeface="Cambria" panose="02040503050406030204" pitchFamily="18" charset="0"/>
+              <a:ea typeface="MS UI Gothic" panose="020B0600070205080204" pitchFamily="50" charset="-128"/>
+              <a:cs typeface="Source Han Sans JP Normal"/>
+            </a:endParaRPr>
+          </a:p>
+          <a:p>
+            <a:pPr marL="1143000" lvl="1" indent="-457200" eaLnBrk="1" hangingPunct="1"/>
+            <a:r>
+              <a:rPr lang="ja-JP" altLang="en-US" dirty="0">
+                <a:latin typeface="Cambria" panose="02040503050406030204" pitchFamily="18" charset="0"/>
+                <a:ea typeface="MS UI Gothic" panose="020B0600070205080204" pitchFamily="50" charset="-128"/>
+              </a:rPr>
+              <a:t>点推定</a:t>
+            </a:r>
+            <a:r>
+              <a:rPr lang="ja-JP" altLang="en-US" dirty="0" smtClean="0">
+                <a:latin typeface="Cambria" panose="02040503050406030204" pitchFamily="18" charset="0"/>
+                <a:ea typeface="MS UI Gothic" panose="020B0600070205080204" pitchFamily="50" charset="-128"/>
+              </a:rPr>
+              <a:t>の値もゼロ近傍</a:t>
+            </a:r>
+            <a:endParaRPr lang="en-US" altLang="ja-JP" dirty="0" smtClean="0">
+              <a:latin typeface="Cambria" panose="02040503050406030204" pitchFamily="18" charset="0"/>
+              <a:ea typeface="MS UI Gothic" panose="020B0600070205080204" pitchFamily="50" charset="-128"/>
+            </a:endParaRPr>
+          </a:p>
+          <a:p>
+            <a:pPr marL="457200" indent="-457200" eaLnBrk="1" hangingPunct="1">
+              <a:buFont typeface="Arial" panose="020B0604020202020204" pitchFamily="34" charset="0"/>
+              <a:buChar char="•"/>
+            </a:pPr>
+            <a:endParaRPr lang="en-US" altLang="ja-JP" dirty="0" smtClean="0">
+              <a:latin typeface="Cambria" panose="02040503050406030204" pitchFamily="18" charset="0"/>
+              <a:ea typeface="MS UI Gothic" panose="020B0600070205080204" pitchFamily="50" charset="-128"/>
+              <a:cs typeface="Source Han Sans JP Normal"/>
+            </a:endParaRPr>
+          </a:p>
+          <a:p>
+            <a:pPr marL="457200" indent="-457200" eaLnBrk="1" hangingPunct="1">
+              <a:buFont typeface="Arial" panose="020B0604020202020204" pitchFamily="34" charset="0"/>
+              <a:buChar char="•"/>
+            </a:pPr>
+            <a:r>
+              <a:rPr lang="ja-JP" altLang="en-US" dirty="0" smtClean="0">
+                <a:latin typeface="Cambria" panose="02040503050406030204" pitchFamily="18" charset="0"/>
+                <a:ea typeface="MS UI Gothic" panose="020B0600070205080204" pitchFamily="50" charset="-128"/>
+                <a:cs typeface="Source Han Sans JP Normal"/>
+              </a:rPr>
+              <a:t>どちらのフランチャイズでもない：中立地で開催されたゲームについても、判定がいずれか一方に偏ることは確認されなかった</a:t>
+            </a:r>
+            <a:endParaRPr lang="ja-JP" altLang="en-US" dirty="0">
               <a:latin typeface="Cambria" panose="02040503050406030204" pitchFamily="18" charset="0"/>
               <a:ea typeface="MS UI Gothic" panose="020B0600070205080204" pitchFamily="50" charset="-128"/>
               <a:cs typeface="Source Han Sans JP Normal"/>

--- a/slides/spoana13.pptx
+++ b/slides/spoana13.pptx
@@ -209,7 +209,7 @@
           <a:p>
             <a:fld id="{DE37EDCA-4771-4610-925E-8EEDA908E30D}" type="datetimeFigureOut">
               <a:rPr kumimoji="1" lang="ja-JP" altLang="en-US" smtClean="0"/>
-              <a:t>2022/11/23</a:t>
+              <a:t>2022/11/26</a:t>
             </a:fld>
             <a:endParaRPr kumimoji="1" lang="ja-JP" altLang="en-US"/>
           </a:p>
@@ -3249,7 +3249,7 @@
           <a:p>
             <a:fld id="{3D56D7E1-3519-40E1-A263-6500AF722914}" type="datetimeFigureOut">
               <a:rPr kumimoji="1" lang="ja-JP" altLang="en-US" smtClean="0"/>
-              <a:t>2022/11/23</a:t>
+              <a:t>2022/11/26</a:t>
             </a:fld>
             <a:endParaRPr kumimoji="1" lang="ja-JP" altLang="en-US"/>
           </a:p>
@@ -3479,7 +3479,7 @@
           <a:p>
             <a:fld id="{3D56D7E1-3519-40E1-A263-6500AF722914}" type="datetimeFigureOut">
               <a:rPr kumimoji="1" lang="ja-JP" altLang="en-US" smtClean="0"/>
-              <a:t>2022/11/23</a:t>
+              <a:t>2022/11/26</a:t>
             </a:fld>
             <a:endParaRPr kumimoji="1" lang="ja-JP" altLang="en-US"/>
           </a:p>
@@ -3719,7 +3719,7 @@
           <a:p>
             <a:fld id="{3D56D7E1-3519-40E1-A263-6500AF722914}" type="datetimeFigureOut">
               <a:rPr kumimoji="1" lang="ja-JP" altLang="en-US" smtClean="0"/>
-              <a:t>2022/11/23</a:t>
+              <a:t>2022/11/26</a:t>
             </a:fld>
             <a:endParaRPr kumimoji="1" lang="ja-JP" altLang="en-US"/>
           </a:p>
@@ -3961,7 +3961,7 @@
               <a:pPr>
                 <a:defRPr/>
               </a:pPr>
-              <a:t>2022/11/23</a:t>
+              <a:t>2022/11/26</a:t>
             </a:fld>
             <a:endParaRPr lang="ja-JP" altLang="en-US"/>
           </a:p>
@@ -4265,7 +4265,7 @@
               <a:pPr>
                 <a:defRPr/>
               </a:pPr>
-              <a:t>2022/11/23</a:t>
+              <a:t>2022/11/26</a:t>
             </a:fld>
             <a:endParaRPr lang="ja-JP" altLang="en-US"/>
           </a:p>
@@ -4537,7 +4537,7 @@
           <a:p>
             <a:fld id="{3D56D7E1-3519-40E1-A263-6500AF722914}" type="datetimeFigureOut">
               <a:rPr kumimoji="1" lang="ja-JP" altLang="en-US" smtClean="0"/>
-              <a:t>2022/11/23</a:t>
+              <a:t>2022/11/26</a:t>
             </a:fld>
             <a:endParaRPr kumimoji="1" lang="ja-JP" altLang="en-US"/>
           </a:p>
@@ -4812,7 +4812,7 @@
           <a:p>
             <a:fld id="{3D56D7E1-3519-40E1-A263-6500AF722914}" type="datetimeFigureOut">
               <a:rPr kumimoji="1" lang="ja-JP" altLang="en-US" smtClean="0"/>
-              <a:t>2022/11/23</a:t>
+              <a:t>2022/11/26</a:t>
             </a:fld>
             <a:endParaRPr kumimoji="1" lang="ja-JP" altLang="en-US"/>
           </a:p>
@@ -5141,7 +5141,7 @@
           <a:p>
             <a:fld id="{3D56D7E1-3519-40E1-A263-6500AF722914}" type="datetimeFigureOut">
               <a:rPr kumimoji="1" lang="ja-JP" altLang="en-US" smtClean="0"/>
-              <a:t>2022/11/23</a:t>
+              <a:t>2022/11/26</a:t>
             </a:fld>
             <a:endParaRPr kumimoji="1" lang="ja-JP" altLang="en-US"/>
           </a:p>
@@ -5617,7 +5617,7 @@
           <a:p>
             <a:fld id="{3D56D7E1-3519-40E1-A263-6500AF722914}" type="datetimeFigureOut">
               <a:rPr kumimoji="1" lang="ja-JP" altLang="en-US" smtClean="0"/>
-              <a:t>2022/11/23</a:t>
+              <a:t>2022/11/26</a:t>
             </a:fld>
             <a:endParaRPr kumimoji="1" lang="ja-JP" altLang="en-US"/>
           </a:p>
@@ -5758,7 +5758,7 @@
           <a:p>
             <a:fld id="{3D56D7E1-3519-40E1-A263-6500AF722914}" type="datetimeFigureOut">
               <a:rPr kumimoji="1" lang="ja-JP" altLang="en-US" smtClean="0"/>
-              <a:t>2022/11/23</a:t>
+              <a:t>2022/11/26</a:t>
             </a:fld>
             <a:endParaRPr kumimoji="1" lang="ja-JP" altLang="en-US"/>
           </a:p>
@@ -5871,7 +5871,7 @@
           <a:p>
             <a:fld id="{3D56D7E1-3519-40E1-A263-6500AF722914}" type="datetimeFigureOut">
               <a:rPr kumimoji="1" lang="ja-JP" altLang="en-US" smtClean="0"/>
-              <a:t>2022/11/23</a:t>
+              <a:t>2022/11/26</a:t>
             </a:fld>
             <a:endParaRPr kumimoji="1" lang="ja-JP" altLang="en-US"/>
           </a:p>
@@ -6214,7 +6214,7 @@
           <a:p>
             <a:fld id="{3D56D7E1-3519-40E1-A263-6500AF722914}" type="datetimeFigureOut">
               <a:rPr kumimoji="1" lang="ja-JP" altLang="en-US" smtClean="0"/>
-              <a:t>2022/11/23</a:t>
+              <a:t>2022/11/26</a:t>
             </a:fld>
             <a:endParaRPr kumimoji="1" lang="ja-JP" altLang="en-US"/>
           </a:p>
@@ -6502,7 +6502,7 @@
           <a:p>
             <a:fld id="{3D56D7E1-3519-40E1-A263-6500AF722914}" type="datetimeFigureOut">
               <a:rPr kumimoji="1" lang="ja-JP" altLang="en-US" smtClean="0"/>
-              <a:t>2022/11/23</a:t>
+              <a:t>2022/11/26</a:t>
             </a:fld>
             <a:endParaRPr kumimoji="1" lang="ja-JP" altLang="en-US"/>
           </a:p>
@@ -6775,7 +6775,7 @@
           <a:p>
             <a:fld id="{3D56D7E1-3519-40E1-A263-6500AF722914}" type="datetimeFigureOut">
               <a:rPr kumimoji="1" lang="ja-JP" altLang="en-US" smtClean="0"/>
-              <a:t>2022/11/23</a:t>
+              <a:t>2022/11/26</a:t>
             </a:fld>
             <a:endParaRPr kumimoji="1" lang="ja-JP" altLang="en-US"/>
           </a:p>
@@ -8308,7 +8308,7 @@
         <p:spPr>
           <a:xfrm>
             <a:off x="541338" y="1376363"/>
-            <a:ext cx="11109325" cy="4800600"/>
+            <a:ext cx="11109325" cy="4256341"/>
           </a:xfrm>
         </p:spPr>
         <p:txBody>
@@ -8462,23 +8462,19 @@
                 <a:latin typeface="Cambria" panose="02040503050406030204" pitchFamily="18" charset="0"/>
                 <a:ea typeface="MS UI Gothic" panose="020B0600070205080204" pitchFamily="50" charset="-128"/>
               </a:rPr>
-              <a:t>無観客で声が通りやすい？：その効果がホーム・ビジターで異なるのか？</a:t>
+              <a:t>無観客で声が通りやすい？：その効果がホーム・ビジターで異なるのか</a:t>
+            </a:r>
+            <a:r>
+              <a:rPr lang="ja-JP" altLang="en-US" dirty="0" smtClean="0">
+                <a:latin typeface="Cambria" panose="02040503050406030204" pitchFamily="18" charset="0"/>
+                <a:ea typeface="MS UI Gothic" panose="020B0600070205080204" pitchFamily="50" charset="-128"/>
+              </a:rPr>
+              <a:t>？</a:t>
             </a:r>
             <a:endParaRPr lang="en-US" altLang="ja-JP" dirty="0">
               <a:latin typeface="Cambria" panose="02040503050406030204" pitchFamily="18" charset="0"/>
               <a:ea typeface="MS UI Gothic" panose="020B0600070205080204" pitchFamily="50" charset="-128"/>
             </a:endParaRPr>
-          </a:p>
-          <a:p>
-            <a:pPr marL="1028700" lvl="1" indent="-342900" eaLnBrk="1" hangingPunct="1"/>
-            <a:r>
-              <a:rPr lang="ja-JP" altLang="en-US" dirty="0">
-                <a:latin typeface="Cambria" panose="02040503050406030204" pitchFamily="18" charset="0"/>
-                <a:ea typeface="MS UI Gothic" panose="020B0600070205080204" pitchFamily="50" charset="-128"/>
-                <a:cs typeface="Source Han Sans JP Normal"/>
-              </a:rPr>
-              <a:t>ホームアドバンテージの「正しさ」→次スライドへ</a:t>
-            </a:r>
           </a:p>
         </p:txBody>
       </p:sp>
@@ -8738,39 +8734,7 @@
                 <a:ea typeface="MS UI Gothic" panose="020B0600070205080204" pitchFamily="50" charset="-128"/>
                 <a:cs typeface="Source Han Sans JP Normal"/>
               </a:rPr>
-              <a:t>では、判定の自動化に</a:t>
-            </a:r>
-            <a:r>
-              <a:rPr lang="ja-JP" altLang="en-US" dirty="0" smtClean="0">
-                <a:latin typeface="Cambria" panose="02040503050406030204" pitchFamily="18" charset="0"/>
-                <a:ea typeface="MS UI Gothic" panose="020B0600070205080204" pitchFamily="50" charset="-128"/>
-                <a:cs typeface="Source Han Sans JP Normal"/>
-              </a:rPr>
-              <a:t>関する</a:t>
-            </a:r>
-            <a:r>
-              <a:rPr lang="ja-JP" altLang="en-US" dirty="0" smtClean="0">
-                <a:latin typeface="Cambria" panose="02040503050406030204" pitchFamily="18" charset="0"/>
-                <a:ea typeface="MS UI Gothic" panose="020B0600070205080204" pitchFamily="50" charset="-128"/>
-                <a:cs typeface="Source Han Sans JP Normal"/>
-              </a:rPr>
-              <a:t>制度変更・議論</a:t>
-            </a:r>
-            <a:r>
-              <a:rPr lang="ja-JP" altLang="en-US" dirty="0" smtClean="0">
-                <a:latin typeface="Cambria" panose="02040503050406030204" pitchFamily="18" charset="0"/>
-                <a:ea typeface="MS UI Gothic" panose="020B0600070205080204" pitchFamily="50" charset="-128"/>
-                <a:cs typeface="Source Han Sans JP Normal"/>
-              </a:rPr>
-              <a:t>が</a:t>
-            </a:r>
-            <a:r>
-              <a:rPr lang="ja-JP" altLang="en-US" dirty="0" smtClean="0">
-                <a:latin typeface="Cambria" panose="02040503050406030204" pitchFamily="18" charset="0"/>
-                <a:ea typeface="MS UI Gothic" panose="020B0600070205080204" pitchFamily="50" charset="-128"/>
-                <a:cs typeface="Source Han Sans JP Normal"/>
-              </a:rPr>
-              <a:t>進む</a:t>
+              <a:t>では、判定の自動化に関する制度変更・議論が進む</a:t>
             </a:r>
             <a:endParaRPr lang="en-US" altLang="ja-JP" dirty="0" smtClean="0">
               <a:latin typeface="Cambria" panose="02040503050406030204" pitchFamily="18" charset="0"/>
@@ -8792,14 +8756,7 @@
                 <a:latin typeface="Cambria" panose="02040503050406030204" pitchFamily="18" charset="0"/>
                 <a:ea typeface="MS UI Gothic" panose="020B0600070205080204" pitchFamily="50" charset="-128"/>
               </a:rPr>
-              <a:t>で議論したような</a:t>
-            </a:r>
-            <a:r>
-              <a:rPr lang="ja-JP" altLang="en-US" dirty="0" smtClean="0">
-                <a:latin typeface="Cambria" panose="02040503050406030204" pitchFamily="18" charset="0"/>
-                <a:ea typeface="MS UI Gothic" panose="020B0600070205080204" pitchFamily="50" charset="-128"/>
-              </a:rPr>
-              <a:t>バイアスは</a:t>
+              <a:t>で議論したようなバイアスは</a:t>
             </a:r>
             <a:r>
               <a:rPr lang="en-US" altLang="ja-JP" dirty="0" smtClean="0">
@@ -8871,6 +8828,13 @@
           </a:p>
           <a:p>
             <a:pPr marL="1028700" lvl="1" indent="-342900" eaLnBrk="1" hangingPunct="1"/>
+            <a:r>
+              <a:rPr lang="ja-JP" altLang="en-US" dirty="0" smtClean="0">
+                <a:latin typeface="Cambria" panose="02040503050406030204" pitchFamily="18" charset="0"/>
+                <a:ea typeface="MS UI Gothic" panose="020B0600070205080204" pitchFamily="50" charset="-128"/>
+              </a:rPr>
+              <a:t>ピッチコールに対するジャッジレビュー制度</a:t>
+            </a:r>
             <a:endParaRPr lang="en-US" altLang="ja-JP" dirty="0" smtClean="0">
               <a:latin typeface="Cambria" panose="02040503050406030204" pitchFamily="18" charset="0"/>
               <a:ea typeface="MS UI Gothic" panose="020B0600070205080204" pitchFamily="50" charset="-128"/>
@@ -8893,7 +8857,7 @@
                 <a:latin typeface="Cambria" panose="02040503050406030204" pitchFamily="18" charset="0"/>
                 <a:ea typeface="MS UI Gothic" panose="020B0600070205080204" pitchFamily="50" charset="-128"/>
               </a:rPr>
-              <a:t>で、こうした傾向は競技の歴史が作り上げた</a:t>
+              <a:t>で、こうした傾向は競技の歴史が作り上げた「知恵」でもある</a:t>
             </a:r>
             <a:endParaRPr lang="en-US" altLang="ja-JP" dirty="0" smtClean="0">
               <a:latin typeface="Cambria" panose="02040503050406030204" pitchFamily="18" charset="0"/>
@@ -8917,18 +8881,25 @@
           <a:p>
             <a:pPr marL="1028700" lvl="1" indent="-342900" eaLnBrk="1" hangingPunct="1"/>
             <a:r>
+              <a:rPr lang="ja-JP" altLang="en-US" dirty="0" smtClean="0">
+                <a:latin typeface="Cambria" panose="02040503050406030204" pitchFamily="18" charset="0"/>
+                <a:ea typeface="MS UI Gothic" panose="020B0600070205080204" pitchFamily="50" charset="-128"/>
+              </a:rPr>
+              <a:t>属人的</a:t>
+            </a:r>
+            <a:r>
               <a:rPr lang="ja-JP" altLang="en-US" dirty="0">
                 <a:latin typeface="Cambria" panose="02040503050406030204" pitchFamily="18" charset="0"/>
                 <a:ea typeface="MS UI Gothic" panose="020B0600070205080204" pitchFamily="50" charset="-128"/>
               </a:rPr>
-              <a:t>ピッチャー</a:t>
+              <a:t>特性</a:t>
             </a:r>
             <a:r>
               <a:rPr lang="ja-JP" altLang="en-US" dirty="0" smtClean="0">
                 <a:latin typeface="Cambria" panose="02040503050406030204" pitchFamily="18" charset="0"/>
                 <a:ea typeface="MS UI Gothic" panose="020B0600070205080204" pitchFamily="50" charset="-128"/>
               </a:rPr>
-              <a:t>の打席：ストライクゾーンが広がる</a:t>
+              <a:t>に基づく差別は問題だが、ホームアドバンテージはどうか？</a:t>
             </a:r>
             <a:endParaRPr lang="en-US" altLang="ja-JP" dirty="0" smtClean="0">
               <a:latin typeface="Cambria" panose="02040503050406030204" pitchFamily="18" charset="0"/>
@@ -8938,27 +8909,20 @@
           <a:p>
             <a:pPr marL="1028700" lvl="1" indent="-342900" eaLnBrk="1" hangingPunct="1"/>
             <a:r>
+              <a:rPr lang="ja-JP" altLang="en-US" dirty="0">
+                <a:latin typeface="Cambria" panose="02040503050406030204" pitchFamily="18" charset="0"/>
+                <a:ea typeface="MS UI Gothic" panose="020B0600070205080204" pitchFamily="50" charset="-128"/>
+              </a:rPr>
+              <a:t>ピッチャーの打席：ストライクゾーンが広がる→二刀流選手の</a:t>
+            </a:r>
+            <a:r>
               <a:rPr lang="ja-JP" altLang="en-US" dirty="0" smtClean="0">
                 <a:latin typeface="Cambria" panose="02040503050406030204" pitchFamily="18" charset="0"/>
                 <a:ea typeface="MS UI Gothic" panose="020B0600070205080204" pitchFamily="50" charset="-128"/>
               </a:rPr>
-              <a:t>属人的</a:t>
-            </a:r>
-            <a:r>
-              <a:rPr lang="ja-JP" altLang="en-US" dirty="0">
-                <a:latin typeface="Cambria" panose="02040503050406030204" pitchFamily="18" charset="0"/>
-                <a:ea typeface="MS UI Gothic" panose="020B0600070205080204" pitchFamily="50" charset="-128"/>
-              </a:rPr>
-              <a:t>特性</a:t>
-            </a:r>
-            <a:r>
-              <a:rPr lang="ja-JP" altLang="en-US" dirty="0" smtClean="0">
-                <a:latin typeface="Cambria" panose="02040503050406030204" pitchFamily="18" charset="0"/>
-                <a:ea typeface="MS UI Gothic" panose="020B0600070205080204" pitchFamily="50" charset="-128"/>
-              </a:rPr>
-              <a:t>に基づく差別は問題だが、ホームアドバンテージはどうか？</a:t>
-            </a:r>
-            <a:endParaRPr lang="en-US" altLang="ja-JP" dirty="0" smtClean="0">
+              <a:t>登場</a:t>
+            </a:r>
+            <a:endParaRPr lang="en-US" altLang="ja-JP" dirty="0">
               <a:latin typeface="Cambria" panose="02040503050406030204" pitchFamily="18" charset="0"/>
               <a:ea typeface="MS UI Gothic" panose="020B0600070205080204" pitchFamily="50" charset="-128"/>
             </a:endParaRPr>
@@ -9043,6 +9007,36 @@
           </a:p>
         </p:txBody>
       </p:sp>
+      <p:pic>
+        <p:nvPicPr>
+          <p:cNvPr id="8" name="図 7"/>
+          <p:cNvPicPr>
+            <a:picLocks noChangeAspect="1"/>
+          </p:cNvPicPr>
+          <p:nvPr/>
+        </p:nvPicPr>
+        <p:blipFill>
+          <a:blip r:embed="rId4" cstate="hqprint">
+            <a:extLst>
+              <a:ext uri="{28A0092B-C50C-407E-A947-70E740481C1C}">
+                <a14:useLocalDpi xmlns:a14="http://schemas.microsoft.com/office/drawing/2010/main" val="0"/>
+              </a:ext>
+            </a:extLst>
+          </a:blip>
+          <a:stretch>
+            <a:fillRect/>
+          </a:stretch>
+        </p:blipFill>
+        <p:spPr>
+          <a:xfrm>
+            <a:off x="10378111" y="3154680"/>
+            <a:ext cx="1595463" cy="1591056"/>
+          </a:xfrm>
+          <a:prstGeom prst="rect">
+            <a:avLst/>
+          </a:prstGeom>
+        </p:spPr>
+      </p:pic>
     </p:spTree>
     <p:extLst>
       <p:ext uri="{BB962C8B-B14F-4D97-AF65-F5344CB8AC3E}">
@@ -9092,12 +9086,12 @@
         <p:spPr>
           <a:xfrm>
             <a:off x="541338" y="415925"/>
-            <a:ext cx="5129212" cy="644525"/>
+            <a:ext cx="5923470" cy="644525"/>
           </a:xfrm>
         </p:spPr>
         <p:txBody>
           <a:bodyPr rtlCol="0">
-            <a:normAutofit/>
+            <a:normAutofit fontScale="90000"/>
           </a:bodyPr>
           <a:lstStyle/>
           <a:p>
@@ -9108,12 +9102,20 @@
               <a:defRPr/>
             </a:pPr>
             <a:r>
-              <a:rPr lang="en-US" altLang="ja-JP" dirty="0">
+              <a:rPr lang="en-US" altLang="ja-JP" dirty="0" smtClean="0">
                 <a:latin typeface="Cambria" panose="02040503050406030204" pitchFamily="18" charset="0"/>
                 <a:ea typeface="MS UI Gothic" panose="020B0600070205080204" pitchFamily="50" charset="-128"/>
                 <a:cs typeface="+mj-cs"/>
               </a:rPr>
-              <a:t>Appendix</a:t>
+              <a:t>Appendix: </a:t>
+            </a:r>
+            <a:r>
+              <a:rPr lang="ja-JP" altLang="en-US" dirty="0" smtClean="0">
+                <a:latin typeface="Cambria" panose="02040503050406030204" pitchFamily="18" charset="0"/>
+                <a:ea typeface="MS UI Gothic" panose="020B0600070205080204" pitchFamily="50" charset="-128"/>
+                <a:cs typeface="+mj-cs"/>
+              </a:rPr>
+              <a:t>平均的なストライクコール確率</a:t>
             </a:r>
             <a:endParaRPr lang="ja-JP" altLang="en-US" dirty="0">
               <a:latin typeface="Cambria" panose="02040503050406030204" pitchFamily="18" charset="0"/>
@@ -9260,6 +9262,94 @@
           </a:prstGeom>
         </p:spPr>
       </p:pic>
+      <p:sp>
+        <p:nvSpPr>
+          <p:cNvPr id="3" name="テキスト ボックス 2"/>
+          <p:cNvSpPr txBox="1"/>
+          <p:nvPr/>
+        </p:nvSpPr>
+        <p:spPr>
+          <a:xfrm>
+            <a:off x="1655064" y="4946904"/>
+            <a:ext cx="2990088" cy="369332"/>
+          </a:xfrm>
+          <a:prstGeom prst="rect">
+            <a:avLst/>
+          </a:prstGeom>
+          <a:solidFill>
+            <a:srgbClr val="FFFF00"/>
+          </a:solidFill>
+          <a:ln>
+            <a:solidFill>
+              <a:schemeClr val="tx1"/>
+            </a:solidFill>
+          </a:ln>
+        </p:spPr>
+        <p:txBody>
+          <a:bodyPr wrap="square" rtlCol="0">
+            <a:spAutoFit/>
+          </a:bodyPr>
+          <a:lstStyle/>
+          <a:p>
+            <a:pPr algn="ctr"/>
+            <a:r>
+              <a:rPr kumimoji="1" lang="ja-JP" altLang="en-US" b="1" dirty="0" smtClean="0"/>
+              <a:t>カウント</a:t>
+            </a:r>
+            <a:r>
+              <a:rPr kumimoji="1" lang="en-US" altLang="ja-JP" b="1" dirty="0" smtClean="0"/>
+              <a:t>0-2</a:t>
+            </a:r>
+            <a:endParaRPr kumimoji="1" lang="ja-JP" altLang="en-US" b="1" dirty="0"/>
+          </a:p>
+        </p:txBody>
+      </p:sp>
+      <p:sp>
+        <p:nvSpPr>
+          <p:cNvPr id="9" name="テキスト ボックス 8"/>
+          <p:cNvSpPr txBox="1"/>
+          <p:nvPr/>
+        </p:nvSpPr>
+        <p:spPr>
+          <a:xfrm>
+            <a:off x="6662928" y="4946904"/>
+            <a:ext cx="2990088" cy="369332"/>
+          </a:xfrm>
+          <a:prstGeom prst="rect">
+            <a:avLst/>
+          </a:prstGeom>
+          <a:solidFill>
+            <a:srgbClr val="92D050"/>
+          </a:solidFill>
+          <a:ln>
+            <a:solidFill>
+              <a:schemeClr val="tx1"/>
+            </a:solidFill>
+          </a:ln>
+        </p:spPr>
+        <p:txBody>
+          <a:bodyPr wrap="square" rtlCol="0">
+            <a:spAutoFit/>
+          </a:bodyPr>
+          <a:lstStyle/>
+          <a:p>
+            <a:pPr algn="ctr"/>
+            <a:r>
+              <a:rPr kumimoji="1" lang="ja-JP" altLang="en-US" b="1" dirty="0" smtClean="0"/>
+              <a:t>カウント</a:t>
+            </a:r>
+            <a:r>
+              <a:rPr lang="en-US" altLang="ja-JP" b="1" dirty="0" smtClean="0"/>
+              <a:t>3</a:t>
+            </a:r>
+            <a:r>
+              <a:rPr kumimoji="1" lang="en-US" altLang="ja-JP" b="1" dirty="0" smtClean="0"/>
+              <a:t>-0</a:t>
+            </a:r>
+            <a:endParaRPr kumimoji="1" lang="ja-JP" altLang="en-US" b="1" dirty="0"/>
+          </a:p>
+        </p:txBody>
+      </p:sp>
     </p:spTree>
     <p:extLst>
       <p:ext uri="{BB962C8B-B14F-4D97-AF65-F5344CB8AC3E}">
@@ -9451,11 +9541,32 @@
           <a:p>
             <a:pPr marL="1600200" lvl="2" indent="-457200" eaLnBrk="1" hangingPunct="1"/>
             <a:r>
+              <a:rPr lang="ja-JP" altLang="en-US" dirty="0" smtClean="0">
+                <a:latin typeface="Cambria" panose="02040503050406030204" pitchFamily="18" charset="0"/>
+                <a:ea typeface="MS UI Gothic" panose="020B0600070205080204" pitchFamily="50" charset="-128"/>
+              </a:rPr>
+              <a:t>博士後期課程学生</a:t>
+            </a:r>
+            <a:endParaRPr lang="en-US" altLang="ja-JP" dirty="0" smtClean="0">
+              <a:latin typeface="Cambria" panose="02040503050406030204" pitchFamily="18" charset="0"/>
+              <a:ea typeface="MS UI Gothic" panose="020B0600070205080204" pitchFamily="50" charset="-128"/>
+            </a:endParaRPr>
+          </a:p>
+          <a:p>
+            <a:pPr marL="1600200" lvl="2" indent="-457200" eaLnBrk="1" hangingPunct="1"/>
+            <a:r>
+              <a:rPr lang="ja-JP" altLang="en-US" dirty="0" smtClean="0">
+                <a:latin typeface="Cambria" panose="02040503050406030204" pitchFamily="18" charset="0"/>
+                <a:ea typeface="MS UI Gothic" panose="020B0600070205080204" pitchFamily="50" charset="-128"/>
+              </a:rPr>
+              <a:t>労働</a:t>
+            </a:r>
+            <a:r>
               <a:rPr lang="ja-JP" altLang="en-US" dirty="0">
                 <a:latin typeface="Cambria" panose="02040503050406030204" pitchFamily="18" charset="0"/>
                 <a:ea typeface="MS UI Gothic" panose="020B0600070205080204" pitchFamily="50" charset="-128"/>
               </a:rPr>
-              <a:t>労働経済学・行動経済学分野の実証研究が専門、スポーツのデータも頻繁に利用</a:t>
+              <a:t>経済学・行動経済学分野の実証研究が専門、スポーツのデータも頻繁に利用</a:t>
             </a:r>
             <a:endParaRPr lang="en-US" altLang="ja-JP" dirty="0">
               <a:latin typeface="Cambria" panose="02040503050406030204" pitchFamily="18" charset="0"/>
@@ -9573,7 +9684,15 @@
                 <a:ea typeface="MS UI Gothic" panose="020B0600070205080204" pitchFamily="50" charset="-128"/>
                 <a:cs typeface="Source Han Sans JP Normal"/>
               </a:rPr>
-              <a:t>公開してます</a:t>
+              <a:t>公開</a:t>
+            </a:r>
+            <a:r>
+              <a:rPr lang="ja-JP" altLang="en-US" dirty="0" smtClean="0">
+                <a:latin typeface="Cambria" panose="02040503050406030204" pitchFamily="18" charset="0"/>
+                <a:ea typeface="MS UI Gothic" panose="020B0600070205080204" pitchFamily="50" charset="-128"/>
+                <a:cs typeface="Source Han Sans JP Normal"/>
+              </a:rPr>
+              <a:t>しています</a:t>
             </a:r>
             <a:endParaRPr lang="en-US" altLang="ja-JP" dirty="0">
               <a:latin typeface="Cambria" panose="02040503050406030204" pitchFamily="18" charset="0"/>
@@ -9790,7 +9909,7 @@
         </p:blipFill>
         <p:spPr>
           <a:xfrm>
-            <a:off x="8281851" y="4120516"/>
+            <a:off x="8369749" y="4312540"/>
             <a:ext cx="3558540" cy="2372360"/>
           </a:xfrm>
           <a:prstGeom prst="rect">
@@ -9967,7 +10086,7 @@
           <a:p>
             <a:pPr marL="1143000" lvl="1" indent="-457200" eaLnBrk="1" hangingPunct="1"/>
             <a:r>
-              <a:rPr lang="en-US" altLang="ja-JP" dirty="0">
+              <a:rPr lang="en-US" altLang="ja-JP" b="1" dirty="0">
                 <a:latin typeface="Cambria" panose="02040503050406030204" pitchFamily="18" charset="0"/>
                 <a:ea typeface="MS UI Gothic" panose="020B0600070205080204" pitchFamily="50" charset="-128"/>
                 <a:cs typeface="Source Han Sans JP Normal"/>
@@ -9975,7 +10094,7 @@
               <a:t>Home Advantage (</a:t>
             </a:r>
             <a:r>
-              <a:rPr lang="ja-JP" altLang="en-US" dirty="0">
+              <a:rPr lang="ja-JP" altLang="en-US" b="1" dirty="0">
                 <a:latin typeface="Cambria" panose="02040503050406030204" pitchFamily="18" charset="0"/>
                 <a:ea typeface="MS UI Gothic" panose="020B0600070205080204" pitchFamily="50" charset="-128"/>
                 <a:cs typeface="Source Han Sans JP Normal"/>
@@ -9983,7 +10102,7 @@
               <a:t>ホームアドバンテージ</a:t>
             </a:r>
             <a:r>
-              <a:rPr lang="en-US" altLang="ja-JP" dirty="0">
+              <a:rPr lang="en-US" altLang="ja-JP" b="1" dirty="0">
                 <a:latin typeface="Cambria" panose="02040503050406030204" pitchFamily="18" charset="0"/>
                 <a:ea typeface="MS UI Gothic" panose="020B0600070205080204" pitchFamily="50" charset="-128"/>
                 <a:cs typeface="Source Han Sans JP Normal"/>
@@ -10026,10 +10145,18 @@
                 <a:ea typeface="MS UI Gothic" panose="020B0600070205080204" pitchFamily="50" charset="-128"/>
                 <a:cs typeface="Source Han Sans JP Normal"/>
               </a:rPr>
-              <a:t>球審自身が自らの意思でそうしているわけではなく、スタジアムに詰めかけた観客の存在</a:t>
-            </a:r>
-            <a:r>
-              <a:rPr lang="en-US" altLang="ja-JP" dirty="0">
+              <a:t>球審自身が自らの意思でそうしているわけではなく、スタジアムに詰めかけた</a:t>
+            </a:r>
+            <a:r>
+              <a:rPr lang="ja-JP" altLang="en-US" b="1" dirty="0">
+                <a:latin typeface="Cambria" panose="02040503050406030204" pitchFamily="18" charset="0"/>
+                <a:ea typeface="MS UI Gothic" panose="020B0600070205080204" pitchFamily="50" charset="-128"/>
+                <a:cs typeface="Source Han Sans JP Normal"/>
+              </a:rPr>
+              <a:t>観客の存在</a:t>
+            </a:r>
+            <a:r>
+              <a:rPr lang="en-US" altLang="ja-JP" b="1" dirty="0">
                 <a:latin typeface="Cambria" panose="02040503050406030204" pitchFamily="18" charset="0"/>
                 <a:ea typeface="MS UI Gothic" panose="020B0600070205080204" pitchFamily="50" charset="-128"/>
                 <a:cs typeface="Source Han Sans JP Normal"/>
@@ -10821,7 +10948,59 @@
                 <a:latin typeface="Cambria" panose="02040503050406030204" pitchFamily="18" charset="0"/>
                 <a:ea typeface="MS UI Gothic" panose="020B0600070205080204" pitchFamily="50" charset="-128"/>
               </a:rPr>
-              <a:t>(Moskowitz, Wertheim, 2011)</a:t>
+              <a:t>(Moskowitz, Wertheim, 2011</a:t>
+            </a:r>
+            <a:r>
+              <a:rPr lang="en-US" altLang="ja-JP" dirty="0" smtClean="0">
+                <a:latin typeface="Cambria" panose="02040503050406030204" pitchFamily="18" charset="0"/>
+                <a:ea typeface="MS UI Gothic" panose="020B0600070205080204" pitchFamily="50" charset="-128"/>
+              </a:rPr>
+              <a:t>)</a:t>
+            </a:r>
+          </a:p>
+          <a:p>
+            <a:pPr marL="1028700" lvl="1" indent="-342900" eaLnBrk="1" hangingPunct="1"/>
+            <a:r>
+              <a:rPr lang="ja-JP" altLang="en-US" dirty="0">
+                <a:latin typeface="Cambria" panose="02040503050406030204" pitchFamily="18" charset="0"/>
+                <a:ea typeface="MS UI Gothic" panose="020B0600070205080204" pitchFamily="50" charset="-128"/>
+              </a:rPr>
+              <a:t>国籍バイアス</a:t>
+            </a:r>
+            <a:r>
+              <a:rPr lang="ja-JP" altLang="en-US" dirty="0" smtClean="0">
+                <a:latin typeface="Cambria" panose="02040503050406030204" pitchFamily="18" charset="0"/>
+                <a:ea typeface="MS UI Gothic" panose="020B0600070205080204" pitchFamily="50" charset="-128"/>
+              </a:rPr>
+              <a:t>の影響は、動員数の少ない試合の方が大きい</a:t>
+            </a:r>
+            <a:r>
+              <a:rPr lang="en-US" altLang="ja-JP" dirty="0" smtClean="0">
+                <a:latin typeface="Cambria" panose="02040503050406030204" pitchFamily="18" charset="0"/>
+                <a:ea typeface="MS UI Gothic" panose="020B0600070205080204" pitchFamily="50" charset="-128"/>
+              </a:rPr>
+              <a:t>(Parsons </a:t>
+            </a:r>
+            <a:r>
+              <a:rPr lang="en-US" altLang="ja-JP" dirty="0">
+                <a:latin typeface="Cambria" panose="02040503050406030204" pitchFamily="18" charset="0"/>
+                <a:ea typeface="MS UI Gothic" panose="020B0600070205080204" pitchFamily="50" charset="-128"/>
+              </a:rPr>
+              <a:t>et al</a:t>
+            </a:r>
+            <a:r>
+              <a:rPr lang="en-US" altLang="ja-JP" dirty="0" smtClean="0">
+                <a:latin typeface="Cambria" panose="02040503050406030204" pitchFamily="18" charset="0"/>
+                <a:ea typeface="MS UI Gothic" panose="020B0600070205080204" pitchFamily="50" charset="-128"/>
+              </a:rPr>
+              <a:t>., 2011</a:t>
+            </a:r>
+            <a:r>
+              <a:rPr lang="en-US" altLang="ja-JP" dirty="0">
+                <a:latin typeface="Cambria" panose="02040503050406030204" pitchFamily="18" charset="0"/>
+                <a:ea typeface="MS UI Gothic" panose="020B0600070205080204" pitchFamily="50" charset="-128"/>
+              </a:rPr>
+              <a:t>)</a:t>
             </a:r>
           </a:p>
           <a:p>
@@ -10841,12 +11020,12 @@
               <a:buChar char="•"/>
             </a:pPr>
             <a:r>
-              <a:rPr lang="ja-JP" altLang="en-US" dirty="0">
+              <a:rPr lang="ja-JP" altLang="en-US" dirty="0" smtClean="0">
                 <a:latin typeface="Cambria" panose="02040503050406030204" pitchFamily="18" charset="0"/>
                 <a:ea typeface="MS UI Gothic" panose="020B0600070205080204" pitchFamily="50" charset="-128"/>
                 <a:cs typeface="Source Han Sans JP Normal"/>
               </a:rPr>
-              <a:t>メカニズム</a:t>
+              <a:t>メカニズム：さまざまなモデルで解釈可能</a:t>
             </a:r>
             <a:endParaRPr lang="en-US" altLang="ja-JP" dirty="0">
               <a:latin typeface="Cambria" panose="02040503050406030204" pitchFamily="18" charset="0"/>
@@ -12513,6 +12692,36 @@
           </a:p>
         </p:txBody>
       </p:sp>
+      <p:pic>
+        <p:nvPicPr>
+          <p:cNvPr id="7" name="図 6"/>
+          <p:cNvPicPr>
+            <a:picLocks noChangeAspect="1"/>
+          </p:cNvPicPr>
+          <p:nvPr/>
+        </p:nvPicPr>
+        <p:blipFill>
+          <a:blip r:embed="rId5" cstate="hqprint">
+            <a:extLst>
+              <a:ext uri="{28A0092B-C50C-407E-A947-70E740481C1C}">
+                <a14:useLocalDpi xmlns:a14="http://schemas.microsoft.com/office/drawing/2010/main" val="0"/>
+              </a:ext>
+            </a:extLst>
+          </a:blip>
+          <a:stretch>
+            <a:fillRect/>
+          </a:stretch>
+        </p:blipFill>
+        <p:spPr>
+          <a:xfrm>
+            <a:off x="11483202" y="5487945"/>
+            <a:ext cx="682573" cy="689018"/>
+          </a:xfrm>
+          <a:prstGeom prst="rect">
+            <a:avLst/>
+          </a:prstGeom>
+        </p:spPr>
+      </p:pic>
     </p:spTree>
     <p:extLst>
       <p:ext uri="{BB962C8B-B14F-4D97-AF65-F5344CB8AC3E}">
@@ -12647,8 +12856,9 @@
             <a:ext cx="5530278" cy="4800600"/>
           </a:xfrm>
           <a:solidFill>
-            <a:schemeClr val="bg1">
-              <a:lumMod val="95000"/>
+            <a:schemeClr val="accent1">
+              <a:lumMod val="20000"/>
+              <a:lumOff val="80000"/>
             </a:schemeClr>
           </a:solidFill>
         </p:spPr>
@@ -13219,6 +13429,36 @@
           </a:p>
         </p:txBody>
       </p:sp>
+      <p:pic>
+        <p:nvPicPr>
+          <p:cNvPr id="8" name="図 7"/>
+          <p:cNvPicPr>
+            <a:picLocks noChangeAspect="1"/>
+          </p:cNvPicPr>
+          <p:nvPr/>
+        </p:nvPicPr>
+        <p:blipFill>
+          <a:blip r:embed="rId4" cstate="hqprint">
+            <a:extLst>
+              <a:ext uri="{28A0092B-C50C-407E-A947-70E740481C1C}">
+                <a14:useLocalDpi xmlns:a14="http://schemas.microsoft.com/office/drawing/2010/main" val="0"/>
+              </a:ext>
+            </a:extLst>
+          </a:blip>
+          <a:stretch>
+            <a:fillRect/>
+          </a:stretch>
+        </p:blipFill>
+        <p:spPr>
+          <a:xfrm>
+            <a:off x="3921747" y="250947"/>
+            <a:ext cx="892073" cy="967460"/>
+          </a:xfrm>
+          <a:prstGeom prst="rect">
+            <a:avLst/>
+          </a:prstGeom>
+        </p:spPr>
+      </p:pic>
     </p:spTree>
     <p:extLst>
       <p:ext uri="{BB962C8B-B14F-4D97-AF65-F5344CB8AC3E}">

--- a/slides/spoana13.pptx
+++ b/slides/spoana13.pptx
@@ -12930,12 +12930,12 @@
               <a:t>0.4ppt</a:t>
             </a:r>
             <a:r>
-              <a:rPr lang="ja-JP" altLang="en-US" dirty="0" smtClean="0">
+              <a:rPr lang="ja-JP" altLang="en-US" dirty="0">
                 <a:latin typeface="Cambria" panose="02040503050406030204" pitchFamily="18" charset="0"/>
                 <a:ea typeface="MS UI Gothic" panose="020B0600070205080204" pitchFamily="50" charset="-128"/>
                 <a:cs typeface="Source Han Sans JP Normal"/>
               </a:rPr>
-              <a:t>上昇</a:t>
+              <a:t>下落</a:t>
             </a:r>
             <a:endParaRPr lang="en-US" altLang="ja-JP" dirty="0" smtClean="0">
               <a:latin typeface="Cambria" panose="02040503050406030204" pitchFamily="18" charset="0"/>
